--- a/Docs/Scrum management for Group Project.pptx
+++ b/Docs/Scrum management for Group Project.pptx
@@ -1,39 +1,25 @@
 
 <file path=ppt/presentation.xml><?xml version="1.0" encoding="utf-8"?>
-<p:presentation xmlns:a="http://schemas.openxmlformats.org/drawingml/2006/main" xmlns:r="http://schemas.openxmlformats.org/officeDocument/2006/relationships" xmlns:mc="http://schemas.openxmlformats.org/markup-compatibility/2006" xmlns:mv="urn:schemas-microsoft-com:mac:vml" xmlns:p="http://schemas.openxmlformats.org/presentationml/2006/main" xmlns:c="http://schemas.openxmlformats.org/drawingml/2006/chart" xmlns:dgm="http://schemas.openxmlformats.org/drawingml/2006/diagram" xmlns:o="urn:schemas-microsoft-com:office:office" xmlns:v="urn:schemas-microsoft-com:vml" xmlns:pvml="urn:schemas-microsoft-com:office:powerpoint" xmlns:com="http://schemas.openxmlformats.org/drawingml/2006/compatibility" xmlns:p14="http://schemas.microsoft.com/office/powerpoint/2010/main" xmlns:p15="http://schemas.microsoft.com/office/powerpoint/2012/main" autoCompressPictures="0" embedTrueTypeFonts="1" strictFirstAndLastChars="0" saveSubsetFonts="1">
+<p:presentation xmlns:a="http://schemas.openxmlformats.org/drawingml/2006/main" xmlns:r="http://schemas.openxmlformats.org/officeDocument/2006/relationships" xmlns:p="http://schemas.openxmlformats.org/presentationml/2006/main" strictFirstAndLastChars="0" saveSubsetFonts="1" autoCompressPictures="0">
   <p:sldMasterIdLst>
-    <p:sldMasterId id="2147483659" r:id="rId3"/>
+    <p:sldMasterId id="2147483659" r:id="rId1"/>
   </p:sldMasterIdLst>
   <p:notesMasterIdLst>
-    <p:notesMasterId r:id="rId4"/>
+    <p:notesMasterId r:id="rId9"/>
   </p:notesMasterIdLst>
   <p:sldIdLst>
-    <p:sldId id="256" r:id="rId5"/>
-    <p:sldId id="257" r:id="rId6"/>
-    <p:sldId id="258" r:id="rId7"/>
-    <p:sldId id="259" r:id="rId8"/>
-    <p:sldId id="260" r:id="rId9"/>
+    <p:sldId id="256" r:id="rId2"/>
+    <p:sldId id="257" r:id="rId3"/>
+    <p:sldId id="258" r:id="rId4"/>
+    <p:sldId id="259" r:id="rId5"/>
+    <p:sldId id="260" r:id="rId6"/>
+    <p:sldId id="261" r:id="rId7"/>
+    <p:sldId id="262" r:id="rId8"/>
   </p:sldIdLst>
-  <p:sldSz cy="5143500" cx="9144000"/>
+  <p:sldSz cx="9144000" cy="5143500" type="screen16x9"/>
   <p:notesSz cx="6858000" cy="9144000"/>
-  <p:embeddedFontLst>
-    <p:embeddedFont>
-      <p:font typeface="Montserrat"/>
-      <p:regular r:id="rId10"/>
-      <p:bold r:id="rId11"/>
-      <p:italic r:id="rId12"/>
-      <p:boldItalic r:id="rId13"/>
-    </p:embeddedFont>
-    <p:embeddedFont>
-      <p:font typeface="Lato"/>
-      <p:regular r:id="rId14"/>
-      <p:bold r:id="rId15"/>
-      <p:italic r:id="rId16"/>
-      <p:boldItalic r:id="rId17"/>
-    </p:embeddedFont>
-  </p:embeddedFontLst>
   <p:defaultTextStyle>
-    <a:defPPr lvl="0" marR="0" rtl="0" algn="l">
+    <a:defPPr marR="0" lvl="0" algn="l" rtl="0">
       <a:lnSpc>
         <a:spcPct val="100000"/>
       </a:lnSpc>
@@ -44,7 +30,7 @@
         <a:spcPts val="0"/>
       </a:spcAft>
     </a:defPPr>
-    <a:lvl1pPr lvl="0" marR="0" rtl="0" algn="l">
+    <a:lvl1pPr marR="0" lvl="0" algn="l" rtl="0">
       <a:lnSpc>
         <a:spcPct val="100000"/>
       </a:lnSpc>
@@ -58,7 +44,7 @@
         <a:srgbClr val="000000"/>
       </a:buClr>
       <a:buFont typeface="Arial"/>
-      <a:defRPr b="0" i="0" sz="1400" u="none" cap="none" strike="noStrike">
+      <a:defRPr sz="1400" b="0" i="0" u="none" strike="noStrike" cap="none">
         <a:solidFill>
           <a:srgbClr val="000000"/>
         </a:solidFill>
@@ -68,7 +54,7 @@
         <a:sym typeface="Arial"/>
       </a:defRPr>
     </a:lvl1pPr>
-    <a:lvl2pPr lvl="1" marR="0" rtl="0" algn="l">
+    <a:lvl2pPr marR="0" lvl="1" algn="l" rtl="0">
       <a:lnSpc>
         <a:spcPct val="100000"/>
       </a:lnSpc>
@@ -82,7 +68,7 @@
         <a:srgbClr val="000000"/>
       </a:buClr>
       <a:buFont typeface="Arial"/>
-      <a:defRPr b="0" i="0" sz="1400" u="none" cap="none" strike="noStrike">
+      <a:defRPr sz="1400" b="0" i="0" u="none" strike="noStrike" cap="none">
         <a:solidFill>
           <a:srgbClr val="000000"/>
         </a:solidFill>
@@ -92,7 +78,7 @@
         <a:sym typeface="Arial"/>
       </a:defRPr>
     </a:lvl2pPr>
-    <a:lvl3pPr lvl="2" marR="0" rtl="0" algn="l">
+    <a:lvl3pPr marR="0" lvl="2" algn="l" rtl="0">
       <a:lnSpc>
         <a:spcPct val="100000"/>
       </a:lnSpc>
@@ -106,7 +92,7 @@
         <a:srgbClr val="000000"/>
       </a:buClr>
       <a:buFont typeface="Arial"/>
-      <a:defRPr b="0" i="0" sz="1400" u="none" cap="none" strike="noStrike">
+      <a:defRPr sz="1400" b="0" i="0" u="none" strike="noStrike" cap="none">
         <a:solidFill>
           <a:srgbClr val="000000"/>
         </a:solidFill>
@@ -116,7 +102,7 @@
         <a:sym typeface="Arial"/>
       </a:defRPr>
     </a:lvl3pPr>
-    <a:lvl4pPr lvl="3" marR="0" rtl="0" algn="l">
+    <a:lvl4pPr marR="0" lvl="3" algn="l" rtl="0">
       <a:lnSpc>
         <a:spcPct val="100000"/>
       </a:lnSpc>
@@ -130,7 +116,7 @@
         <a:srgbClr val="000000"/>
       </a:buClr>
       <a:buFont typeface="Arial"/>
-      <a:defRPr b="0" i="0" sz="1400" u="none" cap="none" strike="noStrike">
+      <a:defRPr sz="1400" b="0" i="0" u="none" strike="noStrike" cap="none">
         <a:solidFill>
           <a:srgbClr val="000000"/>
         </a:solidFill>
@@ -140,7 +126,7 @@
         <a:sym typeface="Arial"/>
       </a:defRPr>
     </a:lvl4pPr>
-    <a:lvl5pPr lvl="4" marR="0" rtl="0" algn="l">
+    <a:lvl5pPr marR="0" lvl="4" algn="l" rtl="0">
       <a:lnSpc>
         <a:spcPct val="100000"/>
       </a:lnSpc>
@@ -154,7 +140,7 @@
         <a:srgbClr val="000000"/>
       </a:buClr>
       <a:buFont typeface="Arial"/>
-      <a:defRPr b="0" i="0" sz="1400" u="none" cap="none" strike="noStrike">
+      <a:defRPr sz="1400" b="0" i="0" u="none" strike="noStrike" cap="none">
         <a:solidFill>
           <a:srgbClr val="000000"/>
         </a:solidFill>
@@ -164,7 +150,7 @@
         <a:sym typeface="Arial"/>
       </a:defRPr>
     </a:lvl5pPr>
-    <a:lvl6pPr lvl="5" marR="0" rtl="0" algn="l">
+    <a:lvl6pPr marR="0" lvl="5" algn="l" rtl="0">
       <a:lnSpc>
         <a:spcPct val="100000"/>
       </a:lnSpc>
@@ -178,7 +164,7 @@
         <a:srgbClr val="000000"/>
       </a:buClr>
       <a:buFont typeface="Arial"/>
-      <a:defRPr b="0" i="0" sz="1400" u="none" cap="none" strike="noStrike">
+      <a:defRPr sz="1400" b="0" i="0" u="none" strike="noStrike" cap="none">
         <a:solidFill>
           <a:srgbClr val="000000"/>
         </a:solidFill>
@@ -188,7 +174,7 @@
         <a:sym typeface="Arial"/>
       </a:defRPr>
     </a:lvl6pPr>
-    <a:lvl7pPr lvl="6" marR="0" rtl="0" algn="l">
+    <a:lvl7pPr marR="0" lvl="6" algn="l" rtl="0">
       <a:lnSpc>
         <a:spcPct val="100000"/>
       </a:lnSpc>
@@ -202,7 +188,7 @@
         <a:srgbClr val="000000"/>
       </a:buClr>
       <a:buFont typeface="Arial"/>
-      <a:defRPr b="0" i="0" sz="1400" u="none" cap="none" strike="noStrike">
+      <a:defRPr sz="1400" b="0" i="0" u="none" strike="noStrike" cap="none">
         <a:solidFill>
           <a:srgbClr val="000000"/>
         </a:solidFill>
@@ -212,7 +198,7 @@
         <a:sym typeface="Arial"/>
       </a:defRPr>
     </a:lvl7pPr>
-    <a:lvl8pPr lvl="7" marR="0" rtl="0" algn="l">
+    <a:lvl8pPr marR="0" lvl="7" algn="l" rtl="0">
       <a:lnSpc>
         <a:spcPct val="100000"/>
       </a:lnSpc>
@@ -226,7 +212,7 @@
         <a:srgbClr val="000000"/>
       </a:buClr>
       <a:buFont typeface="Arial"/>
-      <a:defRPr b="0" i="0" sz="1400" u="none" cap="none" strike="noStrike">
+      <a:defRPr sz="1400" b="0" i="0" u="none" strike="noStrike" cap="none">
         <a:solidFill>
           <a:srgbClr val="000000"/>
         </a:solidFill>
@@ -236,7 +222,7 @@
         <a:sym typeface="Arial"/>
       </a:defRPr>
     </a:lvl8pPr>
-    <a:lvl9pPr lvl="8" marR="0" rtl="0" algn="l">
+    <a:lvl9pPr marR="0" lvl="8" algn="l" rtl="0">
       <a:lnSpc>
         <a:spcPct val="100000"/>
       </a:lnSpc>
@@ -250,7 +236,7 @@
         <a:srgbClr val="000000"/>
       </a:buClr>
       <a:buFont typeface="Arial"/>
-      <a:defRPr b="0" i="0" sz="1400" u="none" cap="none" strike="noStrike">
+      <a:defRPr sz="1400" b="0" i="0" u="none" strike="noStrike" cap="none">
         <a:solidFill>
           <a:srgbClr val="000000"/>
         </a:solidFill>
@@ -265,11 +251,16 @@
 </file>
 
 <file path=ppt/notesMasters/notesMaster1.xml><?xml version="1.0" encoding="utf-8"?>
-<p:notesMaster xmlns:a="http://schemas.openxmlformats.org/drawingml/2006/main" xmlns:r="http://schemas.openxmlformats.org/officeDocument/2006/relationships" xmlns:mc="http://schemas.openxmlformats.org/markup-compatibility/2006" xmlns:mv="urn:schemas-microsoft-com:mac:vml" xmlns:p="http://schemas.openxmlformats.org/presentationml/2006/main" xmlns:c="http://schemas.openxmlformats.org/drawingml/2006/chart" xmlns:dgm="http://schemas.openxmlformats.org/drawingml/2006/diagram" xmlns:o="urn:schemas-microsoft-com:office:office" xmlns:v="urn:schemas-microsoft-com:vml" xmlns:pvml="urn:schemas-microsoft-com:office:powerpoint" xmlns:com="http://schemas.openxmlformats.org/drawingml/2006/compatibility" xmlns:p14="http://schemas.microsoft.com/office/powerpoint/2010/main" xmlns:p15="http://schemas.microsoft.com/office/powerpoint/2012/main">
+<p:notesMaster xmlns:a="http://schemas.openxmlformats.org/drawingml/2006/main" xmlns:r="http://schemas.openxmlformats.org/officeDocument/2006/relationships" xmlns:p="http://schemas.openxmlformats.org/presentationml/2006/main">
   <p:cSld>
+    <p:bg>
+      <p:bgRef idx="1001">
+        <a:schemeClr val="bg1"/>
+      </p:bgRef>
+    </p:bg>
     <p:spTree>
       <p:nvGrpSpPr>
-        <p:cNvPr id="2" name="Shape 2"/>
+        <p:cNvPr id="1" name="Shape 2"/>
         <p:cNvGrpSpPr/>
         <p:nvPr/>
       </p:nvGrpSpPr>
@@ -284,9 +275,11 @@
       <p:sp>
         <p:nvSpPr>
           <p:cNvPr id="3" name="Shape 3"/>
-          <p:cNvSpPr/>
+          <p:cNvSpPr>
+            <a:spLocks noGrp="1" noRot="1" noChangeAspect="1"/>
+          </p:cNvSpPr>
           <p:nvPr>
-            <p:ph idx="2" type="sldImg"/>
+            <p:ph type="sldImg" idx="2"/>
           </p:nvPr>
         </p:nvSpPr>
         <p:spPr>
@@ -295,8 +288,13 @@
             <a:ext cx="6096075" cy="3429000"/>
           </a:xfrm>
           <a:custGeom>
+            <a:avLst/>
+            <a:gdLst/>
+            <a:ahLst/>
+            <a:cxnLst/>
+            <a:rect l="0" t="0" r="0" b="0"/>
             <a:pathLst>
-              <a:path extrusionOk="0" h="120000" w="120000">
+              <a:path w="120000" h="120000" extrusionOk="0">
                 <a:moveTo>
                   <a:pt x="0" y="0"/>
                 </a:moveTo>
@@ -314,23 +312,25 @@
             </a:pathLst>
           </a:custGeom>
           <a:noFill/>
-          <a:ln cap="flat" cmpd="sng" w="9525">
+          <a:ln w="9525" cap="flat" cmpd="sng">
             <a:solidFill>
               <a:srgbClr val="000000"/>
             </a:solidFill>
             <a:prstDash val="solid"/>
             <a:round/>
-            <a:headEnd len="med" w="med" type="none"/>
-            <a:tailEnd len="med" w="med" type="none"/>
+            <a:headEnd type="none" w="med" len="med"/>
+            <a:tailEnd type="none" w="med" len="med"/>
           </a:ln>
         </p:spPr>
       </p:sp>
       <p:sp>
         <p:nvSpPr>
           <p:cNvPr id="4" name="Shape 4"/>
-          <p:cNvSpPr txBox="1"/>
+          <p:cNvSpPr txBox="1">
+            <a:spLocks noGrp="1"/>
+          </p:cNvSpPr>
           <p:nvPr>
-            <p:ph idx="1" type="body"/>
+            <p:ph type="body" idx="1"/>
           </p:nvPr>
         </p:nvSpPr>
         <p:spPr>
@@ -347,9 +347,9 @@
           </a:ln>
         </p:spPr>
         <p:txBody>
-          <a:bodyPr anchorCtr="0" anchor="t" bIns="91425" lIns="91425" spcFirstLastPara="1" rIns="91425" wrap="square" tIns="91425"/>
+          <a:bodyPr spcFirstLastPara="1" wrap="square" lIns="91425" tIns="91425" rIns="91425" bIns="91425" anchor="t" anchorCtr="0"/>
           <a:lstStyle>
-            <a:lvl1pPr indent="-298450" lvl="0" marL="457200">
+            <a:lvl1pPr marL="457200" lvl="0" indent="-298450">
               <a:spcBef>
                 <a:spcPts val="0"/>
               </a:spcBef>
@@ -360,7 +360,7 @@
               <a:buChar char="●"/>
               <a:defRPr sz="1100"/>
             </a:lvl1pPr>
-            <a:lvl2pPr indent="-298450" lvl="1" marL="914400">
+            <a:lvl2pPr marL="914400" lvl="1" indent="-298450">
               <a:spcBef>
                 <a:spcPts val="0"/>
               </a:spcBef>
@@ -371,7 +371,7 @@
               <a:buChar char="○"/>
               <a:defRPr sz="1100"/>
             </a:lvl2pPr>
-            <a:lvl3pPr indent="-298450" lvl="2" marL="1371600">
+            <a:lvl3pPr marL="1371600" lvl="2" indent="-298450">
               <a:spcBef>
                 <a:spcPts val="0"/>
               </a:spcBef>
@@ -382,7 +382,7 @@
               <a:buChar char="■"/>
               <a:defRPr sz="1100"/>
             </a:lvl3pPr>
-            <a:lvl4pPr indent="-298450" lvl="3" marL="1828800">
+            <a:lvl4pPr marL="1828800" lvl="3" indent="-298450">
               <a:spcBef>
                 <a:spcPts val="0"/>
               </a:spcBef>
@@ -393,7 +393,7 @@
               <a:buChar char="●"/>
               <a:defRPr sz="1100"/>
             </a:lvl4pPr>
-            <a:lvl5pPr indent="-298450" lvl="4" marL="2286000">
+            <a:lvl5pPr marL="2286000" lvl="4" indent="-298450">
               <a:spcBef>
                 <a:spcPts val="0"/>
               </a:spcBef>
@@ -404,7 +404,7 @@
               <a:buChar char="○"/>
               <a:defRPr sz="1100"/>
             </a:lvl5pPr>
-            <a:lvl6pPr indent="-298450" lvl="5" marL="2743200">
+            <a:lvl6pPr marL="2743200" lvl="5" indent="-298450">
               <a:spcBef>
                 <a:spcPts val="0"/>
               </a:spcBef>
@@ -415,7 +415,7 @@
               <a:buChar char="■"/>
               <a:defRPr sz="1100"/>
             </a:lvl6pPr>
-            <a:lvl7pPr indent="-298450" lvl="6" marL="3200400">
+            <a:lvl7pPr marL="3200400" lvl="6" indent="-298450">
               <a:spcBef>
                 <a:spcPts val="0"/>
               </a:spcBef>
@@ -426,7 +426,7 @@
               <a:buChar char="●"/>
               <a:defRPr sz="1100"/>
             </a:lvl7pPr>
-            <a:lvl8pPr indent="-298450" lvl="7" marL="3657600">
+            <a:lvl8pPr marL="3657600" lvl="7" indent="-298450">
               <a:spcBef>
                 <a:spcPts val="0"/>
               </a:spcBef>
@@ -437,7 +437,7 @@
               <a:buChar char="○"/>
               <a:defRPr sz="1100"/>
             </a:lvl8pPr>
-            <a:lvl9pPr indent="-298450" lvl="8" marL="4114800">
+            <a:lvl9pPr marL="4114800" lvl="8" indent="-298450">
               <a:spcBef>
                 <a:spcPts val="0"/>
               </a:spcBef>
@@ -449,14 +449,21 @@
               <a:defRPr sz="1100"/>
             </a:lvl9pPr>
           </a:lstStyle>
-          <a:p/>
+          <a:p>
+            <a:endParaRPr/>
+          </a:p>
         </p:txBody>
       </p:sp>
     </p:spTree>
+    <p:extLst>
+      <p:ext uri="{BB962C8B-B14F-4D97-AF65-F5344CB8AC3E}">
+        <p14:creationId xmlns:p14="http://schemas.microsoft.com/office/powerpoint/2010/main" val="822459671"/>
+      </p:ext>
+    </p:extLst>
   </p:cSld>
-  <p:clrMap accent1="accent1" accent2="accent2" accent3="accent3" accent4="accent4" accent5="accent5" accent6="accent6" bg1="lt1" bg2="dk2" tx1="dk1" tx2="lt2" folHlink="folHlink" hlink="hlink"/>
+  <p:clrMap bg1="lt1" tx1="dk1" bg2="dk2" tx2="lt2" accent1="accent1" accent2="accent2" accent3="accent3" accent4="accent4" accent5="accent5" accent6="accent6" hlink="hlink" folHlink="folHlink"/>
   <p:notesStyle>
-    <a:defPPr lvl="0" marR="0" rtl="0" algn="l">
+    <a:defPPr marR="0" lvl="0" algn="l" rtl="0">
       <a:lnSpc>
         <a:spcPct val="100000"/>
       </a:lnSpc>
@@ -467,7 +474,7 @@
         <a:spcPts val="0"/>
       </a:spcAft>
     </a:defPPr>
-    <a:lvl1pPr lvl="0" marR="0" rtl="0" algn="l">
+    <a:lvl1pPr marR="0" lvl="0" algn="l" rtl="0">
       <a:lnSpc>
         <a:spcPct val="100000"/>
       </a:lnSpc>
@@ -481,7 +488,7 @@
         <a:srgbClr val="000000"/>
       </a:buClr>
       <a:buFont typeface="Arial"/>
-      <a:defRPr b="0" i="0" sz="1400" u="none" cap="none" strike="noStrike">
+      <a:defRPr sz="1400" b="0" i="0" u="none" strike="noStrike" cap="none">
         <a:solidFill>
           <a:srgbClr val="000000"/>
         </a:solidFill>
@@ -491,7 +498,7 @@
         <a:sym typeface="Arial"/>
       </a:defRPr>
     </a:lvl1pPr>
-    <a:lvl2pPr lvl="1" marR="0" rtl="0" algn="l">
+    <a:lvl2pPr marR="0" lvl="1" algn="l" rtl="0">
       <a:lnSpc>
         <a:spcPct val="100000"/>
       </a:lnSpc>
@@ -505,7 +512,7 @@
         <a:srgbClr val="000000"/>
       </a:buClr>
       <a:buFont typeface="Arial"/>
-      <a:defRPr b="0" i="0" sz="1400" u="none" cap="none" strike="noStrike">
+      <a:defRPr sz="1400" b="0" i="0" u="none" strike="noStrike" cap="none">
         <a:solidFill>
           <a:srgbClr val="000000"/>
         </a:solidFill>
@@ -515,7 +522,7 @@
         <a:sym typeface="Arial"/>
       </a:defRPr>
     </a:lvl2pPr>
-    <a:lvl3pPr lvl="2" marR="0" rtl="0" algn="l">
+    <a:lvl3pPr marR="0" lvl="2" algn="l" rtl="0">
       <a:lnSpc>
         <a:spcPct val="100000"/>
       </a:lnSpc>
@@ -529,7 +536,7 @@
         <a:srgbClr val="000000"/>
       </a:buClr>
       <a:buFont typeface="Arial"/>
-      <a:defRPr b="0" i="0" sz="1400" u="none" cap="none" strike="noStrike">
+      <a:defRPr sz="1400" b="0" i="0" u="none" strike="noStrike" cap="none">
         <a:solidFill>
           <a:srgbClr val="000000"/>
         </a:solidFill>
@@ -539,7 +546,7 @@
         <a:sym typeface="Arial"/>
       </a:defRPr>
     </a:lvl3pPr>
-    <a:lvl4pPr lvl="3" marR="0" rtl="0" algn="l">
+    <a:lvl4pPr marR="0" lvl="3" algn="l" rtl="0">
       <a:lnSpc>
         <a:spcPct val="100000"/>
       </a:lnSpc>
@@ -553,7 +560,7 @@
         <a:srgbClr val="000000"/>
       </a:buClr>
       <a:buFont typeface="Arial"/>
-      <a:defRPr b="0" i="0" sz="1400" u="none" cap="none" strike="noStrike">
+      <a:defRPr sz="1400" b="0" i="0" u="none" strike="noStrike" cap="none">
         <a:solidFill>
           <a:srgbClr val="000000"/>
         </a:solidFill>
@@ -563,7 +570,7 @@
         <a:sym typeface="Arial"/>
       </a:defRPr>
     </a:lvl4pPr>
-    <a:lvl5pPr lvl="4" marR="0" rtl="0" algn="l">
+    <a:lvl5pPr marR="0" lvl="4" algn="l" rtl="0">
       <a:lnSpc>
         <a:spcPct val="100000"/>
       </a:lnSpc>
@@ -577,7 +584,7 @@
         <a:srgbClr val="000000"/>
       </a:buClr>
       <a:buFont typeface="Arial"/>
-      <a:defRPr b="0" i="0" sz="1400" u="none" cap="none" strike="noStrike">
+      <a:defRPr sz="1400" b="0" i="0" u="none" strike="noStrike" cap="none">
         <a:solidFill>
           <a:srgbClr val="000000"/>
         </a:solidFill>
@@ -587,7 +594,7 @@
         <a:sym typeface="Arial"/>
       </a:defRPr>
     </a:lvl5pPr>
-    <a:lvl6pPr lvl="5" marR="0" rtl="0" algn="l">
+    <a:lvl6pPr marR="0" lvl="5" algn="l" rtl="0">
       <a:lnSpc>
         <a:spcPct val="100000"/>
       </a:lnSpc>
@@ -601,7 +608,7 @@
         <a:srgbClr val="000000"/>
       </a:buClr>
       <a:buFont typeface="Arial"/>
-      <a:defRPr b="0" i="0" sz="1400" u="none" cap="none" strike="noStrike">
+      <a:defRPr sz="1400" b="0" i="0" u="none" strike="noStrike" cap="none">
         <a:solidFill>
           <a:srgbClr val="000000"/>
         </a:solidFill>
@@ -611,7 +618,7 @@
         <a:sym typeface="Arial"/>
       </a:defRPr>
     </a:lvl6pPr>
-    <a:lvl7pPr lvl="6" marR="0" rtl="0" algn="l">
+    <a:lvl7pPr marR="0" lvl="6" algn="l" rtl="0">
       <a:lnSpc>
         <a:spcPct val="100000"/>
       </a:lnSpc>
@@ -625,7 +632,7 @@
         <a:srgbClr val="000000"/>
       </a:buClr>
       <a:buFont typeface="Arial"/>
-      <a:defRPr b="0" i="0" sz="1400" u="none" cap="none" strike="noStrike">
+      <a:defRPr sz="1400" b="0" i="0" u="none" strike="noStrike" cap="none">
         <a:solidFill>
           <a:srgbClr val="000000"/>
         </a:solidFill>
@@ -635,7 +642,7 @@
         <a:sym typeface="Arial"/>
       </a:defRPr>
     </a:lvl7pPr>
-    <a:lvl8pPr lvl="7" marR="0" rtl="0" algn="l">
+    <a:lvl8pPr marR="0" lvl="7" algn="l" rtl="0">
       <a:lnSpc>
         <a:spcPct val="100000"/>
       </a:lnSpc>
@@ -649,7 +656,7 @@
         <a:srgbClr val="000000"/>
       </a:buClr>
       <a:buFont typeface="Arial"/>
-      <a:defRPr b="0" i="0" sz="1400" u="none" cap="none" strike="noStrike">
+      <a:defRPr sz="1400" b="0" i="0" u="none" strike="noStrike" cap="none">
         <a:solidFill>
           <a:srgbClr val="000000"/>
         </a:solidFill>
@@ -659,7 +666,7 @@
         <a:sym typeface="Arial"/>
       </a:defRPr>
     </a:lvl8pPr>
-    <a:lvl9pPr lvl="8" marR="0" rtl="0" algn="l">
+    <a:lvl9pPr marR="0" lvl="8" algn="l" rtl="0">
       <a:lnSpc>
         <a:spcPct val="100000"/>
       </a:lnSpc>
@@ -673,7 +680,7 @@
         <a:srgbClr val="000000"/>
       </a:buClr>
       <a:buFont typeface="Arial"/>
-      <a:defRPr b="0" i="0" sz="1400" u="none" cap="none" strike="noStrike">
+      <a:defRPr sz="1400" b="0" i="0" u="none" strike="noStrike" cap="none">
         <a:solidFill>
           <a:srgbClr val="000000"/>
         </a:solidFill>
@@ -688,11 +695,11 @@
 </file>
 
 <file path=ppt/notesSlides/notesSlide1.xml><?xml version="1.0" encoding="utf-8"?>
-<p:notes xmlns:a="http://schemas.openxmlformats.org/drawingml/2006/main" xmlns:r="http://schemas.openxmlformats.org/officeDocument/2006/relationships" xmlns:mc="http://schemas.openxmlformats.org/markup-compatibility/2006" xmlns:mv="urn:schemas-microsoft-com:mac:vml" xmlns:p="http://schemas.openxmlformats.org/presentationml/2006/main" xmlns:c="http://schemas.openxmlformats.org/drawingml/2006/chart" xmlns:dgm="http://schemas.openxmlformats.org/drawingml/2006/diagram" xmlns:o="urn:schemas-microsoft-com:office:office" xmlns:v="urn:schemas-microsoft-com:vml" xmlns:pvml="urn:schemas-microsoft-com:office:powerpoint" xmlns:com="http://schemas.openxmlformats.org/drawingml/2006/compatibility" xmlns:p14="http://schemas.microsoft.com/office/powerpoint/2010/main" xmlns:p15="http://schemas.microsoft.com/office/powerpoint/2012/main" showMasterPhAnim="0" showMasterSp="0">
+<p:notes xmlns:a="http://schemas.openxmlformats.org/drawingml/2006/main" xmlns:r="http://schemas.openxmlformats.org/officeDocument/2006/relationships" xmlns:p="http://schemas.openxmlformats.org/presentationml/2006/main" showMasterSp="0" showMasterPhAnim="0">
   <p:cSld>
     <p:spTree>
       <p:nvGrpSpPr>
-        <p:cNvPr id="130" name="Shape 130"/>
+        <p:cNvPr id="1" name="Shape 130"/>
         <p:cNvGrpSpPr/>
         <p:nvPr/>
       </p:nvGrpSpPr>
@@ -707,9 +714,11 @@
       <p:sp>
         <p:nvSpPr>
           <p:cNvPr id="131" name="Shape 131"/>
-          <p:cNvSpPr/>
+          <p:cNvSpPr>
+            <a:spLocks noGrp="1" noRot="1" noChangeAspect="1"/>
+          </p:cNvSpPr>
           <p:nvPr>
-            <p:ph idx="2" type="sldImg"/>
+            <p:ph type="sldImg" idx="2"/>
           </p:nvPr>
         </p:nvSpPr>
         <p:spPr>
@@ -718,8 +727,13 @@
             <a:ext cx="6096075" cy="3429000"/>
           </a:xfrm>
           <a:custGeom>
+            <a:avLst/>
+            <a:gdLst/>
+            <a:ahLst/>
+            <a:cxnLst/>
+            <a:rect l="0" t="0" r="0" b="0"/>
             <a:pathLst>
-              <a:path extrusionOk="0" h="120000" w="120000">
+              <a:path w="120000" h="120000" extrusionOk="0">
                 <a:moveTo>
                   <a:pt x="0" y="0"/>
                 </a:moveTo>
@@ -741,9 +755,11 @@
       <p:sp>
         <p:nvSpPr>
           <p:cNvPr id="132" name="Shape 132"/>
-          <p:cNvSpPr txBox="1"/>
+          <p:cNvSpPr txBox="1">
+            <a:spLocks noGrp="1"/>
+          </p:cNvSpPr>
           <p:nvPr>
-            <p:ph idx="1" type="body"/>
+            <p:ph type="body" idx="1"/>
           </p:nvPr>
         </p:nvSpPr>
         <p:spPr>
@@ -756,12 +772,12 @@
           </a:prstGeom>
         </p:spPr>
         <p:txBody>
-          <a:bodyPr anchorCtr="0" anchor="t" bIns="91425" lIns="91425" spcFirstLastPara="1" rIns="91425" wrap="square" tIns="91425">
+          <a:bodyPr spcFirstLastPara="1" wrap="square" lIns="91425" tIns="91425" rIns="91425" bIns="91425" anchor="t" anchorCtr="0">
             <a:noAutofit/>
           </a:bodyPr>
           <a:lstStyle/>
           <a:p>
-            <a:pPr indent="0" lvl="0" marL="0">
+            <a:pPr marL="0" lvl="0" indent="0">
               <a:spcBef>
                 <a:spcPts val="0"/>
               </a:spcBef>
@@ -770,14 +786,16 @@
               </a:spcAft>
               <a:buNone/>
             </a:pPr>
-            <a:r>
-              <a:t/>
-            </a:r>
             <a:endParaRPr/>
           </a:p>
         </p:txBody>
       </p:sp>
     </p:spTree>
+    <p:extLst>
+      <p:ext uri="{BB962C8B-B14F-4D97-AF65-F5344CB8AC3E}">
+        <p14:creationId xmlns:p14="http://schemas.microsoft.com/office/powerpoint/2010/main" val="1874938405"/>
+      </p:ext>
+    </p:extLst>
   </p:cSld>
   <p:clrMapOvr>
     <a:masterClrMapping/>
@@ -786,11 +804,11 @@
 </file>
 
 <file path=ppt/notesSlides/notesSlide2.xml><?xml version="1.0" encoding="utf-8"?>
-<p:notes xmlns:a="http://schemas.openxmlformats.org/drawingml/2006/main" xmlns:r="http://schemas.openxmlformats.org/officeDocument/2006/relationships" xmlns:mc="http://schemas.openxmlformats.org/markup-compatibility/2006" xmlns:mv="urn:schemas-microsoft-com:mac:vml" xmlns:p="http://schemas.openxmlformats.org/presentationml/2006/main" xmlns:c="http://schemas.openxmlformats.org/drawingml/2006/chart" xmlns:dgm="http://schemas.openxmlformats.org/drawingml/2006/diagram" xmlns:o="urn:schemas-microsoft-com:office:office" xmlns:v="urn:schemas-microsoft-com:vml" xmlns:pvml="urn:schemas-microsoft-com:office:powerpoint" xmlns:com="http://schemas.openxmlformats.org/drawingml/2006/compatibility" xmlns:p14="http://schemas.microsoft.com/office/powerpoint/2010/main" xmlns:p15="http://schemas.microsoft.com/office/powerpoint/2012/main" showMasterPhAnim="0" showMasterSp="0">
+<p:notes xmlns:a="http://schemas.openxmlformats.org/drawingml/2006/main" xmlns:r="http://schemas.openxmlformats.org/officeDocument/2006/relationships" xmlns:p="http://schemas.openxmlformats.org/presentationml/2006/main" showMasterSp="0" showMasterPhAnim="0">
   <p:cSld>
     <p:spTree>
       <p:nvGrpSpPr>
-        <p:cNvPr id="136" name="Shape 136"/>
+        <p:cNvPr id="1" name="Shape 136"/>
         <p:cNvGrpSpPr/>
         <p:nvPr/>
       </p:nvGrpSpPr>
@@ -805,19 +823,26 @@
       <p:sp>
         <p:nvSpPr>
           <p:cNvPr id="137" name="Shape 137"/>
-          <p:cNvSpPr/>
+          <p:cNvSpPr>
+            <a:spLocks noGrp="1" noRot="1" noChangeAspect="1"/>
+          </p:cNvSpPr>
           <p:nvPr>
-            <p:ph idx="2" type="sldImg"/>
+            <p:ph type="sldImg" idx="2"/>
           </p:nvPr>
         </p:nvSpPr>
         <p:spPr>
           <a:xfrm>
-            <a:off x="381300" y="685800"/>
+            <a:off x="381000" y="685800"/>
             <a:ext cx="6096000" cy="3429000"/>
           </a:xfrm>
           <a:custGeom>
+            <a:avLst/>
+            <a:gdLst/>
+            <a:ahLst/>
+            <a:cxnLst/>
+            <a:rect l="0" t="0" r="0" b="0"/>
             <a:pathLst>
-              <a:path extrusionOk="0" h="120000" w="120000">
+              <a:path w="120000" h="120000" extrusionOk="0">
                 <a:moveTo>
                   <a:pt x="0" y="0"/>
                 </a:moveTo>
@@ -839,9 +864,11 @@
       <p:sp>
         <p:nvSpPr>
           <p:cNvPr id="138" name="Shape 138"/>
-          <p:cNvSpPr txBox="1"/>
+          <p:cNvSpPr txBox="1">
+            <a:spLocks noGrp="1"/>
+          </p:cNvSpPr>
           <p:nvPr>
-            <p:ph idx="1" type="body"/>
+            <p:ph type="body" idx="1"/>
           </p:nvPr>
         </p:nvSpPr>
         <p:spPr>
@@ -854,12 +881,12 @@
           </a:prstGeom>
         </p:spPr>
         <p:txBody>
-          <a:bodyPr anchorCtr="0" anchor="t" bIns="91425" lIns="91425" spcFirstLastPara="1" rIns="91425" wrap="square" tIns="91425">
+          <a:bodyPr spcFirstLastPara="1" wrap="square" lIns="91425" tIns="91425" rIns="91425" bIns="91425" anchor="t" anchorCtr="0">
             <a:noAutofit/>
           </a:bodyPr>
           <a:lstStyle/>
           <a:p>
-            <a:pPr indent="0" lvl="0" marL="0">
+            <a:pPr marL="0" lvl="0" indent="0">
               <a:spcBef>
                 <a:spcPts val="0"/>
               </a:spcBef>
@@ -868,14 +895,16 @@
               </a:spcAft>
               <a:buNone/>
             </a:pPr>
-            <a:r>
-              <a:t/>
-            </a:r>
             <a:endParaRPr/>
           </a:p>
         </p:txBody>
       </p:sp>
     </p:spTree>
+    <p:extLst>
+      <p:ext uri="{BB962C8B-B14F-4D97-AF65-F5344CB8AC3E}">
+        <p14:creationId xmlns:p14="http://schemas.microsoft.com/office/powerpoint/2010/main" val="2062220404"/>
+      </p:ext>
+    </p:extLst>
   </p:cSld>
   <p:clrMapOvr>
     <a:masterClrMapping/>
@@ -884,11 +913,11 @@
 </file>
 
 <file path=ppt/notesSlides/notesSlide3.xml><?xml version="1.0" encoding="utf-8"?>
-<p:notes xmlns:a="http://schemas.openxmlformats.org/drawingml/2006/main" xmlns:r="http://schemas.openxmlformats.org/officeDocument/2006/relationships" xmlns:mc="http://schemas.openxmlformats.org/markup-compatibility/2006" xmlns:mv="urn:schemas-microsoft-com:mac:vml" xmlns:p="http://schemas.openxmlformats.org/presentationml/2006/main" xmlns:c="http://schemas.openxmlformats.org/drawingml/2006/chart" xmlns:dgm="http://schemas.openxmlformats.org/drawingml/2006/diagram" xmlns:o="urn:schemas-microsoft-com:office:office" xmlns:v="urn:schemas-microsoft-com:vml" xmlns:pvml="urn:schemas-microsoft-com:office:powerpoint" xmlns:com="http://schemas.openxmlformats.org/drawingml/2006/compatibility" xmlns:p14="http://schemas.microsoft.com/office/powerpoint/2010/main" xmlns:p15="http://schemas.microsoft.com/office/powerpoint/2012/main" showMasterPhAnim="0" showMasterSp="0">
+<p:notes xmlns:a="http://schemas.openxmlformats.org/drawingml/2006/main" xmlns:r="http://schemas.openxmlformats.org/officeDocument/2006/relationships" xmlns:p="http://schemas.openxmlformats.org/presentationml/2006/main" showMasterSp="0" showMasterPhAnim="0">
   <p:cSld>
     <p:spTree>
       <p:nvGrpSpPr>
-        <p:cNvPr id="144" name="Shape 144"/>
+        <p:cNvPr id="1" name="Shape 144"/>
         <p:cNvGrpSpPr/>
         <p:nvPr/>
       </p:nvGrpSpPr>
@@ -903,9 +932,11 @@
       <p:sp>
         <p:nvSpPr>
           <p:cNvPr id="145" name="Shape 145"/>
-          <p:cNvSpPr/>
+          <p:cNvSpPr>
+            <a:spLocks noGrp="1" noRot="1" noChangeAspect="1"/>
+          </p:cNvSpPr>
           <p:nvPr>
-            <p:ph idx="2" type="sldImg"/>
+            <p:ph type="sldImg" idx="2"/>
           </p:nvPr>
         </p:nvSpPr>
         <p:spPr>
@@ -914,8 +945,13 @@
             <a:ext cx="6096000" cy="3429000"/>
           </a:xfrm>
           <a:custGeom>
+            <a:avLst/>
+            <a:gdLst/>
+            <a:ahLst/>
+            <a:cxnLst/>
+            <a:rect l="0" t="0" r="0" b="0"/>
             <a:pathLst>
-              <a:path extrusionOk="0" h="120000" w="120000">
+              <a:path w="120000" h="120000" extrusionOk="0">
                 <a:moveTo>
                   <a:pt x="0" y="0"/>
                 </a:moveTo>
@@ -937,9 +973,11 @@
       <p:sp>
         <p:nvSpPr>
           <p:cNvPr id="146" name="Shape 146"/>
-          <p:cNvSpPr txBox="1"/>
+          <p:cNvSpPr txBox="1">
+            <a:spLocks noGrp="1"/>
+          </p:cNvSpPr>
           <p:nvPr>
-            <p:ph idx="1" type="body"/>
+            <p:ph type="body" idx="1"/>
           </p:nvPr>
         </p:nvSpPr>
         <p:spPr>
@@ -952,12 +990,12 @@
           </a:prstGeom>
         </p:spPr>
         <p:txBody>
-          <a:bodyPr anchorCtr="0" anchor="t" bIns="91425" lIns="91425" spcFirstLastPara="1" rIns="91425" wrap="square" tIns="91425">
+          <a:bodyPr spcFirstLastPara="1" wrap="square" lIns="91425" tIns="91425" rIns="91425" bIns="91425" anchor="t" anchorCtr="0">
             <a:noAutofit/>
           </a:bodyPr>
           <a:lstStyle/>
           <a:p>
-            <a:pPr indent="0" lvl="0" marL="0" rtl="0">
+            <a:pPr marL="0" lvl="0" indent="0" rtl="0">
               <a:spcBef>
                 <a:spcPts val="0"/>
               </a:spcBef>
@@ -966,14 +1004,16 @@
               </a:spcAft>
               <a:buNone/>
             </a:pPr>
-            <a:r>
-              <a:t/>
-            </a:r>
             <a:endParaRPr/>
           </a:p>
         </p:txBody>
       </p:sp>
     </p:spTree>
+    <p:extLst>
+      <p:ext uri="{BB962C8B-B14F-4D97-AF65-F5344CB8AC3E}">
+        <p14:creationId xmlns:p14="http://schemas.microsoft.com/office/powerpoint/2010/main" val="1499751095"/>
+      </p:ext>
+    </p:extLst>
   </p:cSld>
   <p:clrMapOvr>
     <a:masterClrMapping/>
@@ -982,11 +1022,11 @@
 </file>
 
 <file path=ppt/notesSlides/notesSlide4.xml><?xml version="1.0" encoding="utf-8"?>
-<p:notes xmlns:a="http://schemas.openxmlformats.org/drawingml/2006/main" xmlns:r="http://schemas.openxmlformats.org/officeDocument/2006/relationships" xmlns:mc="http://schemas.openxmlformats.org/markup-compatibility/2006" xmlns:mv="urn:schemas-microsoft-com:mac:vml" xmlns:p="http://schemas.openxmlformats.org/presentationml/2006/main" xmlns:c="http://schemas.openxmlformats.org/drawingml/2006/chart" xmlns:dgm="http://schemas.openxmlformats.org/drawingml/2006/diagram" xmlns:o="urn:schemas-microsoft-com:office:office" xmlns:v="urn:schemas-microsoft-com:vml" xmlns:pvml="urn:schemas-microsoft-com:office:powerpoint" xmlns:com="http://schemas.openxmlformats.org/drawingml/2006/compatibility" xmlns:p14="http://schemas.microsoft.com/office/powerpoint/2010/main" xmlns:p15="http://schemas.microsoft.com/office/powerpoint/2012/main" showMasterPhAnim="0" showMasterSp="0">
+<p:notes xmlns:a="http://schemas.openxmlformats.org/drawingml/2006/main" xmlns:r="http://schemas.openxmlformats.org/officeDocument/2006/relationships" xmlns:p="http://schemas.openxmlformats.org/presentationml/2006/main" showMasterSp="0" showMasterPhAnim="0">
   <p:cSld>
     <p:spTree>
       <p:nvGrpSpPr>
-        <p:cNvPr id="152" name="Shape 152"/>
+        <p:cNvPr id="1" name="Shape 152"/>
         <p:cNvGrpSpPr/>
         <p:nvPr/>
       </p:nvGrpSpPr>
@@ -1001,19 +1041,26 @@
       <p:sp>
         <p:nvSpPr>
           <p:cNvPr id="153" name="Shape 153"/>
-          <p:cNvSpPr/>
+          <p:cNvSpPr>
+            <a:spLocks noGrp="1" noRot="1" noChangeAspect="1"/>
+          </p:cNvSpPr>
           <p:nvPr>
-            <p:ph idx="2" type="sldImg"/>
+            <p:ph type="sldImg" idx="2"/>
           </p:nvPr>
         </p:nvSpPr>
         <p:spPr>
           <a:xfrm>
-            <a:off x="381300" y="685800"/>
+            <a:off x="381000" y="685800"/>
             <a:ext cx="6096000" cy="3429000"/>
           </a:xfrm>
           <a:custGeom>
+            <a:avLst/>
+            <a:gdLst/>
+            <a:ahLst/>
+            <a:cxnLst/>
+            <a:rect l="0" t="0" r="0" b="0"/>
             <a:pathLst>
-              <a:path extrusionOk="0" h="120000" w="120000">
+              <a:path w="120000" h="120000" extrusionOk="0">
                 <a:moveTo>
                   <a:pt x="0" y="0"/>
                 </a:moveTo>
@@ -1035,9 +1082,11 @@
       <p:sp>
         <p:nvSpPr>
           <p:cNvPr id="154" name="Shape 154"/>
-          <p:cNvSpPr txBox="1"/>
+          <p:cNvSpPr txBox="1">
+            <a:spLocks noGrp="1"/>
+          </p:cNvSpPr>
           <p:nvPr>
-            <p:ph idx="1" type="body"/>
+            <p:ph type="body" idx="1"/>
           </p:nvPr>
         </p:nvSpPr>
         <p:spPr>
@@ -1050,12 +1099,12 @@
           </a:prstGeom>
         </p:spPr>
         <p:txBody>
-          <a:bodyPr anchorCtr="0" anchor="t" bIns="91425" lIns="91425" spcFirstLastPara="1" rIns="91425" wrap="square" tIns="91425">
+          <a:bodyPr spcFirstLastPara="1" wrap="square" lIns="91425" tIns="91425" rIns="91425" bIns="91425" anchor="t" anchorCtr="0">
             <a:noAutofit/>
           </a:bodyPr>
           <a:lstStyle/>
           <a:p>
-            <a:pPr indent="0" lvl="0" marL="0" rtl="0">
+            <a:pPr marL="0" lvl="0" indent="0" rtl="0">
               <a:spcBef>
                 <a:spcPts val="0"/>
               </a:spcBef>
@@ -1064,14 +1113,16 @@
               </a:spcAft>
               <a:buNone/>
             </a:pPr>
-            <a:r>
-              <a:t/>
-            </a:r>
             <a:endParaRPr/>
           </a:p>
         </p:txBody>
       </p:sp>
     </p:spTree>
+    <p:extLst>
+      <p:ext uri="{BB962C8B-B14F-4D97-AF65-F5344CB8AC3E}">
+        <p14:creationId xmlns:p14="http://schemas.microsoft.com/office/powerpoint/2010/main" val="1301088826"/>
+      </p:ext>
+    </p:extLst>
   </p:cSld>
   <p:clrMapOvr>
     <a:masterClrMapping/>
@@ -1080,11 +1131,11 @@
 </file>
 
 <file path=ppt/notesSlides/notesSlide5.xml><?xml version="1.0" encoding="utf-8"?>
-<p:notes xmlns:a="http://schemas.openxmlformats.org/drawingml/2006/main" xmlns:r="http://schemas.openxmlformats.org/officeDocument/2006/relationships" xmlns:mc="http://schemas.openxmlformats.org/markup-compatibility/2006" xmlns:mv="urn:schemas-microsoft-com:mac:vml" xmlns:p="http://schemas.openxmlformats.org/presentationml/2006/main" xmlns:c="http://schemas.openxmlformats.org/drawingml/2006/chart" xmlns:dgm="http://schemas.openxmlformats.org/drawingml/2006/diagram" xmlns:o="urn:schemas-microsoft-com:office:office" xmlns:v="urn:schemas-microsoft-com:vml" xmlns:pvml="urn:schemas-microsoft-com:office:powerpoint" xmlns:com="http://schemas.openxmlformats.org/drawingml/2006/compatibility" xmlns:p14="http://schemas.microsoft.com/office/powerpoint/2010/main" xmlns:p15="http://schemas.microsoft.com/office/powerpoint/2012/main" showMasterPhAnim="0" showMasterSp="0">
+<p:notes xmlns:a="http://schemas.openxmlformats.org/drawingml/2006/main" xmlns:r="http://schemas.openxmlformats.org/officeDocument/2006/relationships" xmlns:p="http://schemas.openxmlformats.org/presentationml/2006/main" showMasterSp="0" showMasterPhAnim="0">
   <p:cSld>
     <p:spTree>
       <p:nvGrpSpPr>
-        <p:cNvPr id="160" name="Shape 160"/>
+        <p:cNvPr id="1" name="Shape 160"/>
         <p:cNvGrpSpPr/>
         <p:nvPr/>
       </p:nvGrpSpPr>
@@ -1099,19 +1150,26 @@
       <p:sp>
         <p:nvSpPr>
           <p:cNvPr id="161" name="Shape 161"/>
-          <p:cNvSpPr/>
+          <p:cNvSpPr>
+            <a:spLocks noGrp="1" noRot="1" noChangeAspect="1"/>
+          </p:cNvSpPr>
           <p:nvPr>
-            <p:ph idx="2" type="sldImg"/>
+            <p:ph type="sldImg" idx="2"/>
           </p:nvPr>
         </p:nvSpPr>
         <p:spPr>
           <a:xfrm>
-            <a:off x="381300" y="685800"/>
+            <a:off x="381000" y="685800"/>
             <a:ext cx="6096000" cy="3429000"/>
           </a:xfrm>
           <a:custGeom>
+            <a:avLst/>
+            <a:gdLst/>
+            <a:ahLst/>
+            <a:cxnLst/>
+            <a:rect l="0" t="0" r="0" b="0"/>
             <a:pathLst>
-              <a:path extrusionOk="0" h="120000" w="120000">
+              <a:path w="120000" h="120000" extrusionOk="0">
                 <a:moveTo>
                   <a:pt x="0" y="0"/>
                 </a:moveTo>
@@ -1133,9 +1191,11 @@
       <p:sp>
         <p:nvSpPr>
           <p:cNvPr id="162" name="Shape 162"/>
-          <p:cNvSpPr txBox="1"/>
+          <p:cNvSpPr txBox="1">
+            <a:spLocks noGrp="1"/>
+          </p:cNvSpPr>
           <p:nvPr>
-            <p:ph idx="1" type="body"/>
+            <p:ph type="body" idx="1"/>
           </p:nvPr>
         </p:nvSpPr>
         <p:spPr>
@@ -1148,12 +1208,12 @@
           </a:prstGeom>
         </p:spPr>
         <p:txBody>
-          <a:bodyPr anchorCtr="0" anchor="t" bIns="91425" lIns="91425" spcFirstLastPara="1" rIns="91425" wrap="square" tIns="91425">
+          <a:bodyPr spcFirstLastPara="1" wrap="square" lIns="91425" tIns="91425" rIns="91425" bIns="91425" anchor="t" anchorCtr="0">
             <a:noAutofit/>
           </a:bodyPr>
           <a:lstStyle/>
           <a:p>
-            <a:pPr indent="0" lvl="0" marL="0" rtl="0">
+            <a:pPr marL="0" lvl="0" indent="0" rtl="0">
               <a:spcBef>
                 <a:spcPts val="0"/>
               </a:spcBef>
@@ -1162,14 +1222,16 @@
               </a:spcAft>
               <a:buNone/>
             </a:pPr>
-            <a:r>
-              <a:t/>
-            </a:r>
             <a:endParaRPr/>
           </a:p>
         </p:txBody>
       </p:sp>
     </p:spTree>
+    <p:extLst>
+      <p:ext uri="{BB962C8B-B14F-4D97-AF65-F5344CB8AC3E}">
+        <p14:creationId xmlns:p14="http://schemas.microsoft.com/office/powerpoint/2010/main" val="1721404828"/>
+      </p:ext>
+    </p:extLst>
   </p:cSld>
   <p:clrMapOvr>
     <a:masterClrMapping/>
@@ -1178,11 +1240,11 @@
 </file>
 
 <file path=ppt/slideLayouts/slideLayout1.xml><?xml version="1.0" encoding="utf-8"?>
-<p:sldLayout xmlns:a="http://schemas.openxmlformats.org/drawingml/2006/main" xmlns:r="http://schemas.openxmlformats.org/officeDocument/2006/relationships" xmlns:mc="http://schemas.openxmlformats.org/markup-compatibility/2006" xmlns:mv="urn:schemas-microsoft-com:mac:vml" xmlns:p="http://schemas.openxmlformats.org/presentationml/2006/main" xmlns:c="http://schemas.openxmlformats.org/drawingml/2006/chart" xmlns:dgm="http://schemas.openxmlformats.org/drawingml/2006/diagram" xmlns:o="urn:schemas-microsoft-com:office:office" xmlns:v="urn:schemas-microsoft-com:vml" xmlns:pvml="urn:schemas-microsoft-com:office:powerpoint" xmlns:com="http://schemas.openxmlformats.org/drawingml/2006/compatibility" xmlns:p14="http://schemas.microsoft.com/office/powerpoint/2010/main" xmlns:p15="http://schemas.microsoft.com/office/powerpoint/2012/main" matchingName="Title slide" type="title">
+<p:sldLayout xmlns:a="http://schemas.openxmlformats.org/drawingml/2006/main" xmlns:r="http://schemas.openxmlformats.org/officeDocument/2006/relationships" xmlns:p="http://schemas.openxmlformats.org/presentationml/2006/main" matchingName="Title slide" type="title">
   <p:cSld name="TITLE">
     <p:spTree>
       <p:nvGrpSpPr>
-        <p:cNvPr id="9" name="Shape 9"/>
+        <p:cNvPr id="1" name="Shape 9"/>
         <p:cNvGrpSpPr/>
         <p:nvPr/>
       </p:nvGrpSpPr>
@@ -1207,7 +1269,7 @@
           </a:xfrm>
           <a:prstGeom prst="diagStripe">
             <a:avLst>
-              <a:gd fmla="val 0" name="adj"/>
+              <a:gd name="adj" fmla="val 0"/>
             </a:avLst>
           </a:prstGeom>
           <a:solidFill>
@@ -1220,12 +1282,12 @@
           </a:ln>
         </p:spPr>
         <p:txBody>
-          <a:bodyPr anchorCtr="0" anchor="ctr" bIns="91425" lIns="91425" spcFirstLastPara="1" rIns="91425" wrap="square" tIns="91425">
+          <a:bodyPr spcFirstLastPara="1" wrap="square" lIns="91425" tIns="91425" rIns="91425" bIns="91425" anchor="ctr" anchorCtr="0">
             <a:noAutofit/>
           </a:bodyPr>
           <a:lstStyle/>
           <a:p>
-            <a:pPr indent="0" lvl="0" marL="0">
+            <a:pPr marL="0" lvl="0" indent="0">
               <a:spcBef>
                 <a:spcPts val="0"/>
               </a:spcBef>
@@ -1234,9 +1296,6 @@
               </a:spcAft>
               <a:buNone/>
             </a:pPr>
-            <a:r>
-              <a:t/>
-            </a:r>
             <a:endParaRPr/>
           </a:p>
         </p:txBody>
@@ -1268,7 +1327,7 @@
             </a:xfrm>
             <a:prstGeom prst="diagStripe">
               <a:avLst>
-                <a:gd fmla="val 50000" name="adj"/>
+                <a:gd name="adj" fmla="val 50000"/>
               </a:avLst>
             </a:prstGeom>
             <a:solidFill>
@@ -1281,12 +1340,12 @@
             </a:ln>
           </p:spPr>
           <p:txBody>
-            <a:bodyPr anchorCtr="0" anchor="ctr" bIns="91425" lIns="91425" spcFirstLastPara="1" rIns="91425" wrap="square" tIns="91425">
+            <a:bodyPr spcFirstLastPara="1" wrap="square" lIns="91425" tIns="91425" rIns="91425" bIns="91425" anchor="ctr" anchorCtr="0">
               <a:noAutofit/>
             </a:bodyPr>
             <a:lstStyle/>
             <a:p>
-              <a:pPr indent="0" lvl="0" marL="0">
+              <a:pPr marL="0" lvl="0" indent="0">
                 <a:spcBef>
                   <a:spcPts val="0"/>
                 </a:spcBef>
@@ -1295,9 +1354,6 @@
                 </a:spcAft>
                 <a:buNone/>
               </a:pPr>
-              <a:r>
-                <a:t/>
-              </a:r>
               <a:endParaRPr/>
             </a:p>
           </p:txBody>
@@ -1315,7 +1371,7 @@
             </a:xfrm>
             <a:prstGeom prst="diagStripe">
               <a:avLst>
-                <a:gd fmla="val 58774" name="adj"/>
+                <a:gd name="adj" fmla="val 58774"/>
               </a:avLst>
             </a:prstGeom>
             <a:solidFill>
@@ -1328,12 +1384,12 @@
             </a:ln>
           </p:spPr>
           <p:txBody>
-            <a:bodyPr anchorCtr="0" anchor="ctr" bIns="91425" lIns="91425" spcFirstLastPara="1" rIns="91425" wrap="square" tIns="91425">
+            <a:bodyPr spcFirstLastPara="1" wrap="square" lIns="91425" tIns="91425" rIns="91425" bIns="91425" anchor="ctr" anchorCtr="0">
               <a:noAutofit/>
             </a:bodyPr>
             <a:lstStyle/>
             <a:p>
-              <a:pPr indent="0" lvl="0" marL="0">
+              <a:pPr marL="0" lvl="0" indent="0">
                 <a:spcBef>
                   <a:spcPts val="0"/>
                 </a:spcBef>
@@ -1342,9 +1398,6 @@
                 </a:spcAft>
                 <a:buNone/>
               </a:pPr>
-              <a:r>
-                <a:t/>
-              </a:r>
               <a:endParaRPr/>
             </a:p>
           </p:txBody>
@@ -1362,7 +1415,7 @@
             </a:xfrm>
             <a:prstGeom prst="diagStripe">
               <a:avLst>
-                <a:gd fmla="val 50000" name="adj"/>
+                <a:gd name="adj" fmla="val 50000"/>
               </a:avLst>
             </a:prstGeom>
             <a:solidFill>
@@ -1373,12 +1426,12 @@
             </a:ln>
           </p:spPr>
           <p:txBody>
-            <a:bodyPr anchorCtr="0" anchor="ctr" bIns="91425" lIns="91425" spcFirstLastPara="1" rIns="91425" wrap="square" tIns="91425">
+            <a:bodyPr spcFirstLastPara="1" wrap="square" lIns="91425" tIns="91425" rIns="91425" bIns="91425" anchor="ctr" anchorCtr="0">
               <a:noAutofit/>
             </a:bodyPr>
             <a:lstStyle/>
             <a:p>
-              <a:pPr indent="0" lvl="0" marL="0">
+              <a:pPr marL="0" lvl="0" indent="0">
                 <a:spcBef>
                   <a:spcPts val="0"/>
                 </a:spcBef>
@@ -1387,9 +1440,6 @@
                 </a:spcAft>
                 <a:buNone/>
               </a:pPr>
-              <a:r>
-                <a:t/>
-              </a:r>
               <a:endParaRPr/>
             </a:p>
           </p:txBody>
@@ -1407,7 +1457,7 @@
             </a:xfrm>
             <a:prstGeom prst="diagStripe">
               <a:avLst>
-                <a:gd fmla="val 50000" name="adj"/>
+                <a:gd name="adj" fmla="val 50000"/>
               </a:avLst>
             </a:prstGeom>
             <a:solidFill>
@@ -1418,12 +1468,12 @@
             </a:ln>
           </p:spPr>
           <p:txBody>
-            <a:bodyPr anchorCtr="0" anchor="ctr" bIns="91425" lIns="91425" spcFirstLastPara="1" rIns="91425" wrap="square" tIns="91425">
+            <a:bodyPr spcFirstLastPara="1" wrap="square" lIns="91425" tIns="91425" rIns="91425" bIns="91425" anchor="ctr" anchorCtr="0">
               <a:noAutofit/>
             </a:bodyPr>
             <a:lstStyle/>
             <a:p>
-              <a:pPr indent="0" lvl="0" marL="0">
+              <a:pPr marL="0" lvl="0" indent="0">
                 <a:spcBef>
                   <a:spcPts val="0"/>
                 </a:spcBef>
@@ -1432,9 +1482,6 @@
                 </a:spcAft>
                 <a:buNone/>
               </a:pPr>
-              <a:r>
-                <a:t/>
-              </a:r>
               <a:endParaRPr/>
             </a:p>
           </p:txBody>
@@ -1443,7 +1490,9 @@
       <p:sp>
         <p:nvSpPr>
           <p:cNvPr id="16" name="Shape 16"/>
-          <p:cNvSpPr txBox="1"/>
+          <p:cNvSpPr txBox="1">
+            <a:spLocks noGrp="1"/>
+          </p:cNvSpPr>
           <p:nvPr>
             <p:ph type="ctrTitle"/>
           </p:nvPr>
@@ -1458,7 +1507,7 @@
           </a:prstGeom>
         </p:spPr>
         <p:txBody>
-          <a:bodyPr anchorCtr="0" anchor="t" bIns="91425" lIns="91425" spcFirstLastPara="1" rIns="91425" wrap="square" tIns="91425"/>
+          <a:bodyPr spcFirstLastPara="1" wrap="square" lIns="91425" tIns="91425" rIns="91425" bIns="91425" anchor="t" anchorCtr="0"/>
           <a:lstStyle>
             <a:lvl1pPr lvl="0">
               <a:spcBef>
@@ -1560,15 +1609,19 @@
               <a:defRPr sz="4000"/>
             </a:lvl9pPr>
           </a:lstStyle>
-          <a:p/>
+          <a:p>
+            <a:endParaRPr/>
+          </a:p>
         </p:txBody>
       </p:sp>
       <p:sp>
         <p:nvSpPr>
           <p:cNvPr id="17" name="Shape 17"/>
-          <p:cNvSpPr txBox="1"/>
+          <p:cNvSpPr txBox="1">
+            <a:spLocks noGrp="1"/>
+          </p:cNvSpPr>
           <p:nvPr>
-            <p:ph idx="1" type="subTitle"/>
+            <p:ph type="subTitle" idx="1"/>
           </p:nvPr>
         </p:nvSpPr>
         <p:spPr>
@@ -1581,7 +1634,7 @@
           </a:prstGeom>
         </p:spPr>
         <p:txBody>
-          <a:bodyPr anchorCtr="0" anchor="t" bIns="91425" lIns="91425" spcFirstLastPara="1" rIns="91425" wrap="square" tIns="91425"/>
+          <a:bodyPr spcFirstLastPara="1" wrap="square" lIns="91425" tIns="91425" rIns="91425" bIns="91425" anchor="t" anchorCtr="0"/>
           <a:lstStyle>
             <a:lvl1pPr lvl="0">
               <a:lnSpc>
@@ -1710,15 +1763,19 @@
               <a:defRPr sz="1300"/>
             </a:lvl9pPr>
           </a:lstStyle>
-          <a:p/>
+          <a:p>
+            <a:endParaRPr/>
+          </a:p>
         </p:txBody>
       </p:sp>
       <p:sp>
         <p:nvSpPr>
           <p:cNvPr id="18" name="Shape 18"/>
-          <p:cNvSpPr txBox="1"/>
+          <p:cNvSpPr txBox="1">
+            <a:spLocks noGrp="1"/>
+          </p:cNvSpPr>
           <p:nvPr>
-            <p:ph idx="12" type="sldNum"/>
+            <p:ph type="sldNum" idx="12"/>
           </p:nvPr>
         </p:nvSpPr>
         <p:spPr>
@@ -1731,7 +1788,7 @@
           </a:prstGeom>
         </p:spPr>
         <p:txBody>
-          <a:bodyPr anchorCtr="0" anchor="ctr" bIns="91425" lIns="91425" spcFirstLastPara="1" rIns="91425" wrap="square" tIns="91425">
+          <a:bodyPr spcFirstLastPara="1" wrap="square" lIns="91425" tIns="91425" rIns="91425" bIns="91425" anchor="ctr" anchorCtr="0">
             <a:noAutofit/>
           </a:bodyPr>
           <a:lstStyle>
@@ -1800,7 +1857,7 @@
             </a:lvl9pPr>
           </a:lstStyle>
           <a:p>
-            <a:pPr indent="0" lvl="0" marL="0">
+            <a:pPr marL="0" lvl="0" indent="0">
               <a:spcBef>
                 <a:spcPts val="0"/>
               </a:spcBef>
@@ -1826,11 +1883,11 @@
 </file>
 
 <file path=ppt/slideLayouts/slideLayout10.xml><?xml version="1.0" encoding="utf-8"?>
-<p:sldLayout xmlns:a="http://schemas.openxmlformats.org/drawingml/2006/main" xmlns:r="http://schemas.openxmlformats.org/officeDocument/2006/relationships" xmlns:mc="http://schemas.openxmlformats.org/markup-compatibility/2006" xmlns:mv="urn:schemas-microsoft-com:mac:vml" xmlns:p="http://schemas.openxmlformats.org/presentationml/2006/main" xmlns:c="http://schemas.openxmlformats.org/drawingml/2006/chart" xmlns:dgm="http://schemas.openxmlformats.org/drawingml/2006/diagram" xmlns:o="urn:schemas-microsoft-com:office:office" xmlns:v="urn:schemas-microsoft-com:vml" xmlns:pvml="urn:schemas-microsoft-com:office:powerpoint" xmlns:com="http://schemas.openxmlformats.org/drawingml/2006/compatibility" xmlns:p14="http://schemas.microsoft.com/office/powerpoint/2010/main" xmlns:p15="http://schemas.microsoft.com/office/powerpoint/2012/main" matchingName="Big number">
+<p:sldLayout xmlns:a="http://schemas.openxmlformats.org/drawingml/2006/main" xmlns:r="http://schemas.openxmlformats.org/officeDocument/2006/relationships" xmlns:p="http://schemas.openxmlformats.org/presentationml/2006/main" matchingName="Big number">
   <p:cSld name="BIG_NUMBER">
     <p:spTree>
       <p:nvGrpSpPr>
-        <p:cNvPr id="105" name="Shape 105"/>
+        <p:cNvPr id="1" name="Shape 105"/>
         <p:cNvGrpSpPr/>
         <p:nvPr/>
       </p:nvGrpSpPr>
@@ -1869,7 +1926,7 @@
             </a:xfrm>
             <a:prstGeom prst="diagStripe">
               <a:avLst>
-                <a:gd fmla="val 49469" name="adj"/>
+                <a:gd name="adj" fmla="val 49469"/>
               </a:avLst>
             </a:prstGeom>
             <a:solidFill>
@@ -1882,12 +1939,12 @@
             </a:ln>
           </p:spPr>
           <p:txBody>
-            <a:bodyPr anchorCtr="0" anchor="ctr" bIns="91425" lIns="91425" spcFirstLastPara="1" rIns="91425" wrap="square" tIns="91425">
+            <a:bodyPr spcFirstLastPara="1" wrap="square" lIns="91425" tIns="91425" rIns="91425" bIns="91425" anchor="ctr" anchorCtr="0">
               <a:noAutofit/>
             </a:bodyPr>
             <a:lstStyle/>
             <a:p>
-              <a:pPr indent="0" lvl="0" marL="0">
+              <a:pPr marL="0" lvl="0" indent="0">
                 <a:spcBef>
                   <a:spcPts val="0"/>
                 </a:spcBef>
@@ -1896,9 +1953,6 @@
                 </a:spcAft>
                 <a:buNone/>
               </a:pPr>
-              <a:r>
-                <a:t/>
-              </a:r>
               <a:endParaRPr/>
             </a:p>
           </p:txBody>
@@ -1916,7 +1970,7 @@
             </a:xfrm>
             <a:prstGeom prst="diagStripe">
               <a:avLst>
-                <a:gd fmla="val 0" name="adj"/>
+                <a:gd name="adj" fmla="val 0"/>
               </a:avLst>
             </a:prstGeom>
             <a:solidFill>
@@ -1929,12 +1983,12 @@
             </a:ln>
           </p:spPr>
           <p:txBody>
-            <a:bodyPr anchorCtr="0" anchor="ctr" bIns="91425" lIns="91425" spcFirstLastPara="1" rIns="91425" wrap="square" tIns="91425">
+            <a:bodyPr spcFirstLastPara="1" wrap="square" lIns="91425" tIns="91425" rIns="91425" bIns="91425" anchor="ctr" anchorCtr="0">
               <a:noAutofit/>
             </a:bodyPr>
             <a:lstStyle/>
             <a:p>
-              <a:pPr indent="0" lvl="0" marL="0">
+              <a:pPr marL="0" lvl="0" indent="0">
                 <a:spcBef>
                   <a:spcPts val="0"/>
                 </a:spcBef>
@@ -1943,9 +1997,6 @@
                 </a:spcAft>
                 <a:buNone/>
               </a:pPr>
-              <a:r>
-                <a:t/>
-              </a:r>
               <a:endParaRPr/>
             </a:p>
           </p:txBody>
@@ -1963,7 +2014,7 @@
             </a:xfrm>
             <a:prstGeom prst="diagStripe">
               <a:avLst>
-                <a:gd fmla="val 50000" name="adj"/>
+                <a:gd name="adj" fmla="val 50000"/>
               </a:avLst>
             </a:prstGeom>
             <a:solidFill>
@@ -1976,12 +2027,12 @@
             </a:ln>
           </p:spPr>
           <p:txBody>
-            <a:bodyPr anchorCtr="0" anchor="ctr" bIns="91425" lIns="91425" spcFirstLastPara="1" rIns="91425" wrap="square" tIns="91425">
+            <a:bodyPr spcFirstLastPara="1" wrap="square" lIns="91425" tIns="91425" rIns="91425" bIns="91425" anchor="ctr" anchorCtr="0">
               <a:noAutofit/>
             </a:bodyPr>
             <a:lstStyle/>
             <a:p>
-              <a:pPr indent="0" lvl="0" marL="0">
+              <a:pPr marL="0" lvl="0" indent="0">
                 <a:spcBef>
                   <a:spcPts val="0"/>
                 </a:spcBef>
@@ -1990,9 +2041,6 @@
                 </a:spcAft>
                 <a:buNone/>
               </a:pPr>
-              <a:r>
-                <a:t/>
-              </a:r>
               <a:endParaRPr/>
             </a:p>
           </p:txBody>
@@ -2010,7 +2058,7 @@
             </a:xfrm>
             <a:prstGeom prst="diagStripe">
               <a:avLst>
-                <a:gd fmla="val 50000" name="adj"/>
+                <a:gd name="adj" fmla="val 50000"/>
               </a:avLst>
             </a:prstGeom>
             <a:solidFill>
@@ -2023,12 +2071,12 @@
             </a:ln>
           </p:spPr>
           <p:txBody>
-            <a:bodyPr anchorCtr="0" anchor="ctr" bIns="91425" lIns="91425" spcFirstLastPara="1" rIns="91425" wrap="square" tIns="91425">
+            <a:bodyPr spcFirstLastPara="1" wrap="square" lIns="91425" tIns="91425" rIns="91425" bIns="91425" anchor="ctr" anchorCtr="0">
               <a:noAutofit/>
             </a:bodyPr>
             <a:lstStyle/>
             <a:p>
-              <a:pPr indent="0" lvl="0" marL="0">
+              <a:pPr marL="0" lvl="0" indent="0">
                 <a:spcBef>
                   <a:spcPts val="0"/>
                 </a:spcBef>
@@ -2037,9 +2085,6 @@
                 </a:spcAft>
                 <a:buNone/>
               </a:pPr>
-              <a:r>
-                <a:t/>
-              </a:r>
               <a:endParaRPr/>
             </a:p>
           </p:txBody>
@@ -2057,7 +2102,7 @@
             </a:xfrm>
             <a:prstGeom prst="diagStripe">
               <a:avLst>
-                <a:gd fmla="val 50000" name="adj"/>
+                <a:gd name="adj" fmla="val 50000"/>
               </a:avLst>
             </a:prstGeom>
             <a:solidFill>
@@ -2070,12 +2115,12 @@
             </a:ln>
           </p:spPr>
           <p:txBody>
-            <a:bodyPr anchorCtr="0" anchor="ctr" bIns="91425" lIns="91425" spcFirstLastPara="1" rIns="91425" wrap="square" tIns="91425">
+            <a:bodyPr spcFirstLastPara="1" wrap="square" lIns="91425" tIns="91425" rIns="91425" bIns="91425" anchor="ctr" anchorCtr="0">
               <a:noAutofit/>
             </a:bodyPr>
             <a:lstStyle/>
             <a:p>
-              <a:pPr indent="0" lvl="0" marL="0">
+              <a:pPr marL="0" lvl="0" indent="0">
                 <a:spcBef>
                   <a:spcPts val="0"/>
                 </a:spcBef>
@@ -2084,9 +2129,6 @@
                 </a:spcAft>
                 <a:buNone/>
               </a:pPr>
-              <a:r>
-                <a:t/>
-              </a:r>
               <a:endParaRPr/>
             </a:p>
           </p:txBody>
@@ -2104,7 +2146,7 @@
             </a:xfrm>
             <a:prstGeom prst="diagStripe">
               <a:avLst>
-                <a:gd fmla="val 50000" name="adj"/>
+                <a:gd name="adj" fmla="val 50000"/>
               </a:avLst>
             </a:prstGeom>
             <a:solidFill>
@@ -2117,12 +2159,12 @@
             </a:ln>
           </p:spPr>
           <p:txBody>
-            <a:bodyPr anchorCtr="0" anchor="ctr" bIns="91425" lIns="91425" spcFirstLastPara="1" rIns="91425" wrap="square" tIns="91425">
+            <a:bodyPr spcFirstLastPara="1" wrap="square" lIns="91425" tIns="91425" rIns="91425" bIns="91425" anchor="ctr" anchorCtr="0">
               <a:noAutofit/>
             </a:bodyPr>
             <a:lstStyle/>
             <a:p>
-              <a:pPr indent="0" lvl="0" marL="0">
+              <a:pPr marL="0" lvl="0" indent="0">
                 <a:spcBef>
                   <a:spcPts val="0"/>
                 </a:spcBef>
@@ -2131,9 +2173,6 @@
                 </a:spcAft>
                 <a:buNone/>
               </a:pPr>
-              <a:r>
-                <a:t/>
-              </a:r>
               <a:endParaRPr/>
             </a:p>
           </p:txBody>
@@ -2151,7 +2190,7 @@
             </a:xfrm>
             <a:prstGeom prst="diagStripe">
               <a:avLst>
-                <a:gd fmla="val 50000" name="adj"/>
+                <a:gd name="adj" fmla="val 50000"/>
               </a:avLst>
             </a:prstGeom>
             <a:solidFill>
@@ -2164,12 +2203,12 @@
             </a:ln>
           </p:spPr>
           <p:txBody>
-            <a:bodyPr anchorCtr="0" anchor="ctr" bIns="91425" lIns="91425" spcFirstLastPara="1" rIns="91425" wrap="square" tIns="91425">
+            <a:bodyPr spcFirstLastPara="1" wrap="square" lIns="91425" tIns="91425" rIns="91425" bIns="91425" anchor="ctr" anchorCtr="0">
               <a:noAutofit/>
             </a:bodyPr>
             <a:lstStyle/>
             <a:p>
-              <a:pPr indent="0" lvl="0" marL="0">
+              <a:pPr marL="0" lvl="0" indent="0">
                 <a:spcBef>
                   <a:spcPts val="0"/>
                 </a:spcBef>
@@ -2178,9 +2217,6 @@
                 </a:spcAft>
                 <a:buNone/>
               </a:pPr>
-              <a:r>
-                <a:t/>
-              </a:r>
               <a:endParaRPr/>
             </a:p>
           </p:txBody>
@@ -2198,7 +2234,7 @@
             </a:xfrm>
             <a:prstGeom prst="diagStripe">
               <a:avLst>
-                <a:gd fmla="val 50000" name="adj"/>
+                <a:gd name="adj" fmla="val 50000"/>
               </a:avLst>
             </a:prstGeom>
             <a:solidFill>
@@ -2209,12 +2245,12 @@
             </a:ln>
           </p:spPr>
           <p:txBody>
-            <a:bodyPr anchorCtr="0" anchor="ctr" bIns="91425" lIns="91425" spcFirstLastPara="1" rIns="91425" wrap="square" tIns="91425">
+            <a:bodyPr spcFirstLastPara="1" wrap="square" lIns="91425" tIns="91425" rIns="91425" bIns="91425" anchor="ctr" anchorCtr="0">
               <a:noAutofit/>
             </a:bodyPr>
             <a:lstStyle/>
             <a:p>
-              <a:pPr indent="0" lvl="0" marL="0">
+              <a:pPr marL="0" lvl="0" indent="0">
                 <a:spcBef>
                   <a:spcPts val="0"/>
                 </a:spcBef>
@@ -2223,9 +2259,6 @@
                 </a:spcAft>
                 <a:buNone/>
               </a:pPr>
-              <a:r>
-                <a:t/>
-              </a:r>
               <a:endParaRPr/>
             </a:p>
           </p:txBody>
@@ -2243,7 +2276,7 @@
             </a:xfrm>
             <a:prstGeom prst="diagStripe">
               <a:avLst>
-                <a:gd fmla="val 50000" name="adj"/>
+                <a:gd name="adj" fmla="val 50000"/>
               </a:avLst>
             </a:prstGeom>
             <a:solidFill>
@@ -2256,12 +2289,12 @@
             </a:ln>
           </p:spPr>
           <p:txBody>
-            <a:bodyPr anchorCtr="0" anchor="ctr" bIns="91425" lIns="91425" spcFirstLastPara="1" rIns="91425" wrap="square" tIns="91425">
+            <a:bodyPr spcFirstLastPara="1" wrap="square" lIns="91425" tIns="91425" rIns="91425" bIns="91425" anchor="ctr" anchorCtr="0">
               <a:noAutofit/>
             </a:bodyPr>
             <a:lstStyle/>
             <a:p>
-              <a:pPr indent="0" lvl="0" marL="0">
+              <a:pPr marL="0" lvl="0" indent="0">
                 <a:spcBef>
                   <a:spcPts val="0"/>
                 </a:spcBef>
@@ -2270,9 +2303,6 @@
                 </a:spcAft>
                 <a:buNone/>
               </a:pPr>
-              <a:r>
-                <a:t/>
-              </a:r>
               <a:endParaRPr/>
             </a:p>
           </p:txBody>
@@ -2290,7 +2320,7 @@
             </a:xfrm>
             <a:prstGeom prst="diagStripe">
               <a:avLst>
-                <a:gd fmla="val 50000" name="adj"/>
+                <a:gd name="adj" fmla="val 50000"/>
               </a:avLst>
             </a:prstGeom>
             <a:solidFill>
@@ -2303,12 +2333,12 @@
             </a:ln>
           </p:spPr>
           <p:txBody>
-            <a:bodyPr anchorCtr="0" anchor="ctr" bIns="91425" lIns="91425" spcFirstLastPara="1" rIns="91425" wrap="square" tIns="91425">
+            <a:bodyPr spcFirstLastPara="1" wrap="square" lIns="91425" tIns="91425" rIns="91425" bIns="91425" anchor="ctr" anchorCtr="0">
               <a:noAutofit/>
             </a:bodyPr>
             <a:lstStyle/>
             <a:p>
-              <a:pPr indent="0" lvl="0" marL="0">
+              <a:pPr marL="0" lvl="0" indent="0">
                 <a:spcBef>
                   <a:spcPts val="0"/>
                 </a:spcBef>
@@ -2317,9 +2347,6 @@
                 </a:spcAft>
                 <a:buNone/>
               </a:pPr>
-              <a:r>
-                <a:t/>
-              </a:r>
               <a:endParaRPr/>
             </a:p>
           </p:txBody>
@@ -2337,7 +2364,7 @@
             </a:xfrm>
             <a:prstGeom prst="diagStripe">
               <a:avLst>
-                <a:gd fmla="val 50000" name="adj"/>
+                <a:gd name="adj" fmla="val 50000"/>
               </a:avLst>
             </a:prstGeom>
             <a:solidFill>
@@ -2350,12 +2377,12 @@
             </a:ln>
           </p:spPr>
           <p:txBody>
-            <a:bodyPr anchorCtr="0" anchor="ctr" bIns="91425" lIns="91425" spcFirstLastPara="1" rIns="91425" wrap="square" tIns="91425">
+            <a:bodyPr spcFirstLastPara="1" wrap="square" lIns="91425" tIns="91425" rIns="91425" bIns="91425" anchor="ctr" anchorCtr="0">
               <a:noAutofit/>
             </a:bodyPr>
             <a:lstStyle/>
             <a:p>
-              <a:pPr indent="0" lvl="0" marL="0">
+              <a:pPr marL="0" lvl="0" indent="0">
                 <a:spcBef>
                   <a:spcPts val="0"/>
                 </a:spcBef>
@@ -2364,9 +2391,6 @@
                 </a:spcAft>
                 <a:buNone/>
               </a:pPr>
-              <a:r>
-                <a:t/>
-              </a:r>
               <a:endParaRPr/>
             </a:p>
           </p:txBody>
@@ -2384,7 +2408,7 @@
             </a:xfrm>
             <a:prstGeom prst="diagStripe">
               <a:avLst>
-                <a:gd fmla="val 50000" name="adj"/>
+                <a:gd name="adj" fmla="val 50000"/>
               </a:avLst>
             </a:prstGeom>
             <a:solidFill>
@@ -2397,12 +2421,12 @@
             </a:ln>
           </p:spPr>
           <p:txBody>
-            <a:bodyPr anchorCtr="0" anchor="ctr" bIns="91425" lIns="91425" spcFirstLastPara="1" rIns="91425" wrap="square" tIns="91425">
+            <a:bodyPr spcFirstLastPara="1" wrap="square" lIns="91425" tIns="91425" rIns="91425" bIns="91425" anchor="ctr" anchorCtr="0">
               <a:noAutofit/>
             </a:bodyPr>
             <a:lstStyle/>
             <a:p>
-              <a:pPr indent="0" lvl="0" marL="0">
+              <a:pPr marL="0" lvl="0" indent="0">
                 <a:spcBef>
                   <a:spcPts val="0"/>
                 </a:spcBef>
@@ -2411,9 +2435,6 @@
                 </a:spcAft>
                 <a:buNone/>
               </a:pPr>
-              <a:r>
-                <a:t/>
-              </a:r>
               <a:endParaRPr/>
             </a:p>
           </p:txBody>
@@ -2431,7 +2452,7 @@
             </a:xfrm>
             <a:prstGeom prst="diagStripe">
               <a:avLst>
-                <a:gd fmla="val 50000" name="adj"/>
+                <a:gd name="adj" fmla="val 50000"/>
               </a:avLst>
             </a:prstGeom>
             <a:solidFill>
@@ -2444,12 +2465,12 @@
             </a:ln>
           </p:spPr>
           <p:txBody>
-            <a:bodyPr anchorCtr="0" anchor="ctr" bIns="91425" lIns="91425" spcFirstLastPara="1" rIns="91425" wrap="square" tIns="91425">
+            <a:bodyPr spcFirstLastPara="1" wrap="square" lIns="91425" tIns="91425" rIns="91425" bIns="91425" anchor="ctr" anchorCtr="0">
               <a:noAutofit/>
             </a:bodyPr>
             <a:lstStyle/>
             <a:p>
-              <a:pPr indent="0" lvl="0" marL="0">
+              <a:pPr marL="0" lvl="0" indent="0">
                 <a:spcBef>
                   <a:spcPts val="0"/>
                 </a:spcBef>
@@ -2458,9 +2479,6 @@
                 </a:spcAft>
                 <a:buNone/>
               </a:pPr>
-              <a:r>
-                <a:t/>
-              </a:r>
               <a:endParaRPr/>
             </a:p>
           </p:txBody>
@@ -2478,7 +2496,7 @@
             </a:xfrm>
             <a:prstGeom prst="diagStripe">
               <a:avLst>
-                <a:gd fmla="val 50000" name="adj"/>
+                <a:gd name="adj" fmla="val 50000"/>
               </a:avLst>
             </a:prstGeom>
             <a:solidFill>
@@ -2489,12 +2507,12 @@
             </a:ln>
           </p:spPr>
           <p:txBody>
-            <a:bodyPr anchorCtr="0" anchor="ctr" bIns="91425" lIns="91425" spcFirstLastPara="1" rIns="91425" wrap="square" tIns="91425">
+            <a:bodyPr spcFirstLastPara="1" wrap="square" lIns="91425" tIns="91425" rIns="91425" bIns="91425" anchor="ctr" anchorCtr="0">
               <a:noAutofit/>
             </a:bodyPr>
             <a:lstStyle/>
             <a:p>
-              <a:pPr indent="0" lvl="0" marL="0">
+              <a:pPr marL="0" lvl="0" indent="0">
                 <a:spcBef>
                   <a:spcPts val="0"/>
                 </a:spcBef>
@@ -2503,9 +2521,6 @@
                 </a:spcAft>
                 <a:buNone/>
               </a:pPr>
-              <a:r>
-                <a:t/>
-              </a:r>
               <a:endParaRPr/>
             </a:p>
           </p:txBody>
@@ -2523,7 +2538,7 @@
             </a:xfrm>
             <a:prstGeom prst="diagStripe">
               <a:avLst>
-                <a:gd fmla="val 50000" name="adj"/>
+                <a:gd name="adj" fmla="val 50000"/>
               </a:avLst>
             </a:prstGeom>
             <a:solidFill>
@@ -2536,12 +2551,12 @@
             </a:ln>
           </p:spPr>
           <p:txBody>
-            <a:bodyPr anchorCtr="0" anchor="ctr" bIns="91425" lIns="91425" spcFirstLastPara="1" rIns="91425" wrap="square" tIns="91425">
+            <a:bodyPr spcFirstLastPara="1" wrap="square" lIns="91425" tIns="91425" rIns="91425" bIns="91425" anchor="ctr" anchorCtr="0">
               <a:noAutofit/>
             </a:bodyPr>
             <a:lstStyle/>
             <a:p>
-              <a:pPr indent="0" lvl="0" marL="0">
+              <a:pPr marL="0" lvl="0" indent="0">
                 <a:spcBef>
                   <a:spcPts val="0"/>
                 </a:spcBef>
@@ -2550,9 +2565,6 @@
                 </a:spcAft>
                 <a:buNone/>
               </a:pPr>
-              <a:r>
-                <a:t/>
-              </a:r>
               <a:endParaRPr/>
             </a:p>
           </p:txBody>
@@ -2570,7 +2582,7 @@
             </a:xfrm>
             <a:prstGeom prst="diagStripe">
               <a:avLst>
-                <a:gd fmla="val 50000" name="adj"/>
+                <a:gd name="adj" fmla="val 50000"/>
               </a:avLst>
             </a:prstGeom>
             <a:solidFill>
@@ -2583,12 +2595,12 @@
             </a:ln>
           </p:spPr>
           <p:txBody>
-            <a:bodyPr anchorCtr="0" anchor="ctr" bIns="91425" lIns="91425" spcFirstLastPara="1" rIns="91425" wrap="square" tIns="91425">
+            <a:bodyPr spcFirstLastPara="1" wrap="square" lIns="91425" tIns="91425" rIns="91425" bIns="91425" anchor="ctr" anchorCtr="0">
               <a:noAutofit/>
             </a:bodyPr>
             <a:lstStyle/>
             <a:p>
-              <a:pPr indent="0" lvl="0" marL="0">
+              <a:pPr marL="0" lvl="0" indent="0">
                 <a:spcBef>
                   <a:spcPts val="0"/>
                 </a:spcBef>
@@ -2597,9 +2609,6 @@
                 </a:spcAft>
                 <a:buNone/>
               </a:pPr>
-              <a:r>
-                <a:t/>
-              </a:r>
               <a:endParaRPr/>
             </a:p>
           </p:txBody>
@@ -2617,7 +2626,7 @@
             </a:xfrm>
             <a:prstGeom prst="diagStripe">
               <a:avLst>
-                <a:gd fmla="val 50000" name="adj"/>
+                <a:gd name="adj" fmla="val 50000"/>
               </a:avLst>
             </a:prstGeom>
             <a:solidFill>
@@ -2630,12 +2639,12 @@
             </a:ln>
           </p:spPr>
           <p:txBody>
-            <a:bodyPr anchorCtr="0" anchor="ctr" bIns="91425" lIns="91425" spcFirstLastPara="1" rIns="91425" wrap="square" tIns="91425">
+            <a:bodyPr spcFirstLastPara="1" wrap="square" lIns="91425" tIns="91425" rIns="91425" bIns="91425" anchor="ctr" anchorCtr="0">
               <a:noAutofit/>
             </a:bodyPr>
             <a:lstStyle/>
             <a:p>
-              <a:pPr indent="0" lvl="0" marL="0">
+              <a:pPr marL="0" lvl="0" indent="0">
                 <a:spcBef>
                   <a:spcPts val="0"/>
                 </a:spcBef>
@@ -2644,9 +2653,6 @@
                 </a:spcAft>
                 <a:buNone/>
               </a:pPr>
-              <a:r>
-                <a:t/>
-              </a:r>
               <a:endParaRPr/>
             </a:p>
           </p:txBody>
@@ -2664,7 +2670,7 @@
             </a:xfrm>
             <a:prstGeom prst="diagStripe">
               <a:avLst>
-                <a:gd fmla="val 50000" name="adj"/>
+                <a:gd name="adj" fmla="val 50000"/>
               </a:avLst>
             </a:prstGeom>
             <a:solidFill>
@@ -2677,12 +2683,12 @@
             </a:ln>
           </p:spPr>
           <p:txBody>
-            <a:bodyPr anchorCtr="0" anchor="ctr" bIns="91425" lIns="91425" spcFirstLastPara="1" rIns="91425" wrap="square" tIns="91425">
+            <a:bodyPr spcFirstLastPara="1" wrap="square" lIns="91425" tIns="91425" rIns="91425" bIns="91425" anchor="ctr" anchorCtr="0">
               <a:noAutofit/>
             </a:bodyPr>
             <a:lstStyle/>
             <a:p>
-              <a:pPr indent="0" lvl="0" marL="0">
+              <a:pPr marL="0" lvl="0" indent="0">
                 <a:spcBef>
                   <a:spcPts val="0"/>
                 </a:spcBef>
@@ -2691,9 +2697,6 @@
                 </a:spcAft>
                 <a:buNone/>
               </a:pPr>
-              <a:r>
-                <a:t/>
-              </a:r>
               <a:endParaRPr/>
             </a:p>
           </p:txBody>
@@ -2702,7 +2705,9 @@
       <p:sp>
         <p:nvSpPr>
           <p:cNvPr id="125" name="Shape 125"/>
-          <p:cNvSpPr txBox="1"/>
+          <p:cNvSpPr txBox="1">
+            <a:spLocks noGrp="1"/>
+          </p:cNvSpPr>
           <p:nvPr>
             <p:ph type="title"/>
           </p:nvPr>
@@ -2717,7 +2722,7 @@
           </a:prstGeom>
         </p:spPr>
         <p:txBody>
-          <a:bodyPr anchorCtr="0" anchor="t" bIns="91425" lIns="91425" spcFirstLastPara="1" rIns="91425" wrap="square" tIns="91425"/>
+          <a:bodyPr spcFirstLastPara="1" wrap="square" lIns="91425" tIns="91425" rIns="91425" bIns="91425" anchor="t" anchorCtr="0"/>
           <a:lstStyle>
             <a:lvl1pPr lvl="0">
               <a:spcBef>
@@ -2819,15 +2824,19 @@
               <a:defRPr sz="8000"/>
             </a:lvl9pPr>
           </a:lstStyle>
-          <a:p/>
+          <a:p>
+            <a:endParaRPr/>
+          </a:p>
         </p:txBody>
       </p:sp>
       <p:sp>
         <p:nvSpPr>
           <p:cNvPr id="126" name="Shape 126"/>
-          <p:cNvSpPr txBox="1"/>
+          <p:cNvSpPr txBox="1">
+            <a:spLocks noGrp="1"/>
+          </p:cNvSpPr>
           <p:nvPr>
-            <p:ph idx="1" type="body"/>
+            <p:ph type="body" idx="1"/>
           </p:nvPr>
         </p:nvSpPr>
         <p:spPr>
@@ -2840,9 +2849,9 @@
           </a:prstGeom>
         </p:spPr>
         <p:txBody>
-          <a:bodyPr anchorCtr="0" anchor="t" bIns="91425" lIns="91425" spcFirstLastPara="1" rIns="91425" wrap="square" tIns="91425"/>
+          <a:bodyPr spcFirstLastPara="1" wrap="square" lIns="91425" tIns="91425" rIns="91425" bIns="91425" anchor="t" anchorCtr="0"/>
           <a:lstStyle>
-            <a:lvl1pPr indent="-311150" lvl="0" marL="457200">
+            <a:lvl1pPr marL="457200" lvl="0" indent="-311150">
               <a:spcBef>
                 <a:spcPts val="0"/>
               </a:spcBef>
@@ -2853,7 +2862,7 @@
               <a:buChar char="●"/>
               <a:defRPr/>
             </a:lvl1pPr>
-            <a:lvl2pPr indent="-298450" lvl="1" marL="914400">
+            <a:lvl2pPr marL="914400" lvl="1" indent="-298450">
               <a:spcBef>
                 <a:spcPts val="1600"/>
               </a:spcBef>
@@ -2864,7 +2873,7 @@
               <a:buChar char="○"/>
               <a:defRPr/>
             </a:lvl2pPr>
-            <a:lvl3pPr indent="-298450" lvl="2" marL="1371600">
+            <a:lvl3pPr marL="1371600" lvl="2" indent="-298450">
               <a:spcBef>
                 <a:spcPts val="1600"/>
               </a:spcBef>
@@ -2875,7 +2884,7 @@
               <a:buChar char="■"/>
               <a:defRPr/>
             </a:lvl3pPr>
-            <a:lvl4pPr indent="-298450" lvl="3" marL="1828800">
+            <a:lvl4pPr marL="1828800" lvl="3" indent="-298450">
               <a:spcBef>
                 <a:spcPts val="1600"/>
               </a:spcBef>
@@ -2886,7 +2895,7 @@
               <a:buChar char="●"/>
               <a:defRPr/>
             </a:lvl4pPr>
-            <a:lvl5pPr indent="-298450" lvl="4" marL="2286000">
+            <a:lvl5pPr marL="2286000" lvl="4" indent="-298450">
               <a:spcBef>
                 <a:spcPts val="1600"/>
               </a:spcBef>
@@ -2897,7 +2906,7 @@
               <a:buChar char="○"/>
               <a:defRPr/>
             </a:lvl5pPr>
-            <a:lvl6pPr indent="-298450" lvl="5" marL="2743200">
+            <a:lvl6pPr marL="2743200" lvl="5" indent="-298450">
               <a:spcBef>
                 <a:spcPts val="1600"/>
               </a:spcBef>
@@ -2908,7 +2917,7 @@
               <a:buChar char="■"/>
               <a:defRPr/>
             </a:lvl6pPr>
-            <a:lvl7pPr indent="-298450" lvl="6" marL="3200400">
+            <a:lvl7pPr marL="3200400" lvl="6" indent="-298450">
               <a:spcBef>
                 <a:spcPts val="1600"/>
               </a:spcBef>
@@ -2919,7 +2928,7 @@
               <a:buChar char="●"/>
               <a:defRPr/>
             </a:lvl7pPr>
-            <a:lvl8pPr indent="-298450" lvl="7" marL="3657600">
+            <a:lvl8pPr marL="3657600" lvl="7" indent="-298450">
               <a:spcBef>
                 <a:spcPts val="1600"/>
               </a:spcBef>
@@ -2930,7 +2939,7 @@
               <a:buChar char="○"/>
               <a:defRPr/>
             </a:lvl8pPr>
-            <a:lvl9pPr indent="-298450" lvl="8" marL="4114800">
+            <a:lvl9pPr marL="4114800" lvl="8" indent="-298450">
               <a:spcBef>
                 <a:spcPts val="1600"/>
               </a:spcBef>
@@ -2942,15 +2951,19 @@
               <a:defRPr/>
             </a:lvl9pPr>
           </a:lstStyle>
-          <a:p/>
+          <a:p>
+            <a:endParaRPr/>
+          </a:p>
         </p:txBody>
       </p:sp>
       <p:sp>
         <p:nvSpPr>
           <p:cNvPr id="127" name="Shape 127"/>
-          <p:cNvSpPr txBox="1"/>
+          <p:cNvSpPr txBox="1">
+            <a:spLocks noGrp="1"/>
+          </p:cNvSpPr>
           <p:nvPr>
-            <p:ph idx="12" type="sldNum"/>
+            <p:ph type="sldNum" idx="12"/>
           </p:nvPr>
         </p:nvSpPr>
         <p:spPr>
@@ -2963,7 +2976,7 @@
           </a:prstGeom>
         </p:spPr>
         <p:txBody>
-          <a:bodyPr anchorCtr="0" anchor="ctr" bIns="91425" lIns="91425" spcFirstLastPara="1" rIns="91425" wrap="square" tIns="91425">
+          <a:bodyPr spcFirstLastPara="1" wrap="square" lIns="91425" tIns="91425" rIns="91425" bIns="91425" anchor="ctr" anchorCtr="0">
             <a:noAutofit/>
           </a:bodyPr>
           <a:lstStyle>
@@ -3032,7 +3045,7 @@
             </a:lvl9pPr>
           </a:lstStyle>
           <a:p>
-            <a:pPr indent="0" lvl="0" marL="0">
+            <a:pPr marL="0" lvl="0" indent="0">
               <a:spcBef>
                 <a:spcPts val="0"/>
               </a:spcBef>
@@ -3058,11 +3071,11 @@
 </file>
 
 <file path=ppt/slideLayouts/slideLayout11.xml><?xml version="1.0" encoding="utf-8"?>
-<p:sldLayout xmlns:a="http://schemas.openxmlformats.org/drawingml/2006/main" xmlns:r="http://schemas.openxmlformats.org/officeDocument/2006/relationships" xmlns:mc="http://schemas.openxmlformats.org/markup-compatibility/2006" xmlns:mv="urn:schemas-microsoft-com:mac:vml" xmlns:p="http://schemas.openxmlformats.org/presentationml/2006/main" xmlns:c="http://schemas.openxmlformats.org/drawingml/2006/chart" xmlns:dgm="http://schemas.openxmlformats.org/drawingml/2006/diagram" xmlns:o="urn:schemas-microsoft-com:office:office" xmlns:v="urn:schemas-microsoft-com:vml" xmlns:pvml="urn:schemas-microsoft-com:office:powerpoint" xmlns:com="http://schemas.openxmlformats.org/drawingml/2006/compatibility" xmlns:p14="http://schemas.microsoft.com/office/powerpoint/2010/main" xmlns:p15="http://schemas.microsoft.com/office/powerpoint/2012/main" matchingName="Blank" type="blank">
+<p:sldLayout xmlns:a="http://schemas.openxmlformats.org/drawingml/2006/main" xmlns:r="http://schemas.openxmlformats.org/officeDocument/2006/relationships" xmlns:p="http://schemas.openxmlformats.org/presentationml/2006/main" matchingName="Blank" type="blank">
   <p:cSld name="BLANK">
     <p:spTree>
       <p:nvGrpSpPr>
-        <p:cNvPr id="128" name="Shape 128"/>
+        <p:cNvPr id="1" name="Shape 128"/>
         <p:cNvGrpSpPr/>
         <p:nvPr/>
       </p:nvGrpSpPr>
@@ -3077,9 +3090,11 @@
       <p:sp>
         <p:nvSpPr>
           <p:cNvPr id="129" name="Shape 129"/>
-          <p:cNvSpPr txBox="1"/>
+          <p:cNvSpPr txBox="1">
+            <a:spLocks noGrp="1"/>
+          </p:cNvSpPr>
           <p:nvPr>
-            <p:ph idx="12" type="sldNum"/>
+            <p:ph type="sldNum" idx="12"/>
           </p:nvPr>
         </p:nvSpPr>
         <p:spPr>
@@ -3092,7 +3107,7 @@
           </a:prstGeom>
         </p:spPr>
         <p:txBody>
-          <a:bodyPr anchorCtr="0" anchor="ctr" bIns="91425" lIns="91425" spcFirstLastPara="1" rIns="91425" wrap="square" tIns="91425">
+          <a:bodyPr spcFirstLastPara="1" wrap="square" lIns="91425" tIns="91425" rIns="91425" bIns="91425" anchor="ctr" anchorCtr="0">
             <a:noAutofit/>
           </a:bodyPr>
           <a:lstStyle>
@@ -3161,7 +3176,7 @@
             </a:lvl9pPr>
           </a:lstStyle>
           <a:p>
-            <a:pPr indent="0" lvl="0" marL="0">
+            <a:pPr marL="0" lvl="0" indent="0">
               <a:spcBef>
                 <a:spcPts val="0"/>
               </a:spcBef>
@@ -3187,11 +3202,11 @@
 </file>
 
 <file path=ppt/slideLayouts/slideLayout2.xml><?xml version="1.0" encoding="utf-8"?>
-<p:sldLayout xmlns:a="http://schemas.openxmlformats.org/drawingml/2006/main" xmlns:r="http://schemas.openxmlformats.org/officeDocument/2006/relationships" xmlns:mc="http://schemas.openxmlformats.org/markup-compatibility/2006" xmlns:mv="urn:schemas-microsoft-com:mac:vml" xmlns:p="http://schemas.openxmlformats.org/presentationml/2006/main" xmlns:c="http://schemas.openxmlformats.org/drawingml/2006/chart" xmlns:dgm="http://schemas.openxmlformats.org/drawingml/2006/diagram" xmlns:o="urn:schemas-microsoft-com:office:office" xmlns:v="urn:schemas-microsoft-com:vml" xmlns:pvml="urn:schemas-microsoft-com:office:powerpoint" xmlns:com="http://schemas.openxmlformats.org/drawingml/2006/compatibility" xmlns:p14="http://schemas.microsoft.com/office/powerpoint/2010/main" xmlns:p15="http://schemas.microsoft.com/office/powerpoint/2012/main" matchingName="Section header" type="secHead">
+<p:sldLayout xmlns:a="http://schemas.openxmlformats.org/drawingml/2006/main" xmlns:r="http://schemas.openxmlformats.org/officeDocument/2006/relationships" xmlns:p="http://schemas.openxmlformats.org/presentationml/2006/main" matchingName="Section header" type="secHead">
   <p:cSld name="SECTION_HEADER">
     <p:spTree>
       <p:nvGrpSpPr>
-        <p:cNvPr id="19" name="Shape 19"/>
+        <p:cNvPr id="1" name="Shape 19"/>
         <p:cNvGrpSpPr/>
         <p:nvPr/>
       </p:nvGrpSpPr>
@@ -3230,7 +3245,7 @@
             </a:xfrm>
             <a:prstGeom prst="diagStripe">
               <a:avLst>
-                <a:gd fmla="val 49469" name="adj"/>
+                <a:gd name="adj" fmla="val 49469"/>
               </a:avLst>
             </a:prstGeom>
             <a:solidFill>
@@ -3243,12 +3258,12 @@
             </a:ln>
           </p:spPr>
           <p:txBody>
-            <a:bodyPr anchorCtr="0" anchor="ctr" bIns="91425" lIns="91425" spcFirstLastPara="1" rIns="91425" wrap="square" tIns="91425">
+            <a:bodyPr spcFirstLastPara="1" wrap="square" lIns="91425" tIns="91425" rIns="91425" bIns="91425" anchor="ctr" anchorCtr="0">
               <a:noAutofit/>
             </a:bodyPr>
             <a:lstStyle/>
             <a:p>
-              <a:pPr indent="0" lvl="0" marL="0">
+              <a:pPr marL="0" lvl="0" indent="0">
                 <a:spcBef>
                   <a:spcPts val="0"/>
                 </a:spcBef>
@@ -3257,9 +3272,6 @@
                 </a:spcAft>
                 <a:buNone/>
               </a:pPr>
-              <a:r>
-                <a:t/>
-              </a:r>
               <a:endParaRPr/>
             </a:p>
           </p:txBody>
@@ -3277,7 +3289,7 @@
             </a:xfrm>
             <a:prstGeom prst="diagStripe">
               <a:avLst>
-                <a:gd fmla="val 0" name="adj"/>
+                <a:gd name="adj" fmla="val 0"/>
               </a:avLst>
             </a:prstGeom>
             <a:solidFill>
@@ -3290,12 +3302,12 @@
             </a:ln>
           </p:spPr>
           <p:txBody>
-            <a:bodyPr anchorCtr="0" anchor="ctr" bIns="91425" lIns="91425" spcFirstLastPara="1" rIns="91425" wrap="square" tIns="91425">
+            <a:bodyPr spcFirstLastPara="1" wrap="square" lIns="91425" tIns="91425" rIns="91425" bIns="91425" anchor="ctr" anchorCtr="0">
               <a:noAutofit/>
             </a:bodyPr>
             <a:lstStyle/>
             <a:p>
-              <a:pPr indent="0" lvl="0" marL="0">
+              <a:pPr marL="0" lvl="0" indent="0">
                 <a:spcBef>
                   <a:spcPts val="0"/>
                 </a:spcBef>
@@ -3304,9 +3316,6 @@
                 </a:spcAft>
                 <a:buNone/>
               </a:pPr>
-              <a:r>
-                <a:t/>
-              </a:r>
               <a:endParaRPr/>
             </a:p>
           </p:txBody>
@@ -3324,7 +3333,7 @@
             </a:xfrm>
             <a:prstGeom prst="diagStripe">
               <a:avLst>
-                <a:gd fmla="val 50000" name="adj"/>
+                <a:gd name="adj" fmla="val 50000"/>
               </a:avLst>
             </a:prstGeom>
             <a:solidFill>
@@ -3337,12 +3346,12 @@
             </a:ln>
           </p:spPr>
           <p:txBody>
-            <a:bodyPr anchorCtr="0" anchor="ctr" bIns="91425" lIns="91425" spcFirstLastPara="1" rIns="91425" wrap="square" tIns="91425">
+            <a:bodyPr spcFirstLastPara="1" wrap="square" lIns="91425" tIns="91425" rIns="91425" bIns="91425" anchor="ctr" anchorCtr="0">
               <a:noAutofit/>
             </a:bodyPr>
             <a:lstStyle/>
             <a:p>
-              <a:pPr indent="0" lvl="0" marL="0">
+              <a:pPr marL="0" lvl="0" indent="0">
                 <a:spcBef>
                   <a:spcPts val="0"/>
                 </a:spcBef>
@@ -3351,9 +3360,6 @@
                 </a:spcAft>
                 <a:buNone/>
               </a:pPr>
-              <a:r>
-                <a:t/>
-              </a:r>
               <a:endParaRPr/>
             </a:p>
           </p:txBody>
@@ -3371,7 +3377,7 @@
             </a:xfrm>
             <a:prstGeom prst="diagStripe">
               <a:avLst>
-                <a:gd fmla="val 50000" name="adj"/>
+                <a:gd name="adj" fmla="val 50000"/>
               </a:avLst>
             </a:prstGeom>
             <a:solidFill>
@@ -3384,12 +3390,12 @@
             </a:ln>
           </p:spPr>
           <p:txBody>
-            <a:bodyPr anchorCtr="0" anchor="ctr" bIns="91425" lIns="91425" spcFirstLastPara="1" rIns="91425" wrap="square" tIns="91425">
+            <a:bodyPr spcFirstLastPara="1" wrap="square" lIns="91425" tIns="91425" rIns="91425" bIns="91425" anchor="ctr" anchorCtr="0">
               <a:noAutofit/>
             </a:bodyPr>
             <a:lstStyle/>
             <a:p>
-              <a:pPr indent="0" lvl="0" marL="0">
+              <a:pPr marL="0" lvl="0" indent="0">
                 <a:spcBef>
                   <a:spcPts val="0"/>
                 </a:spcBef>
@@ -3398,9 +3404,6 @@
                 </a:spcAft>
                 <a:buNone/>
               </a:pPr>
-              <a:r>
-                <a:t/>
-              </a:r>
               <a:endParaRPr/>
             </a:p>
           </p:txBody>
@@ -3418,7 +3421,7 @@
             </a:xfrm>
             <a:prstGeom prst="diagStripe">
               <a:avLst>
-                <a:gd fmla="val 50000" name="adj"/>
+                <a:gd name="adj" fmla="val 50000"/>
               </a:avLst>
             </a:prstGeom>
             <a:solidFill>
@@ -3431,12 +3434,12 @@
             </a:ln>
           </p:spPr>
           <p:txBody>
-            <a:bodyPr anchorCtr="0" anchor="ctr" bIns="91425" lIns="91425" spcFirstLastPara="1" rIns="91425" wrap="square" tIns="91425">
+            <a:bodyPr spcFirstLastPara="1" wrap="square" lIns="91425" tIns="91425" rIns="91425" bIns="91425" anchor="ctr" anchorCtr="0">
               <a:noAutofit/>
             </a:bodyPr>
             <a:lstStyle/>
             <a:p>
-              <a:pPr indent="0" lvl="0" marL="0">
+              <a:pPr marL="0" lvl="0" indent="0">
                 <a:spcBef>
                   <a:spcPts val="0"/>
                 </a:spcBef>
@@ -3445,9 +3448,6 @@
                 </a:spcAft>
                 <a:buNone/>
               </a:pPr>
-              <a:r>
-                <a:t/>
-              </a:r>
               <a:endParaRPr/>
             </a:p>
           </p:txBody>
@@ -3465,7 +3465,7 @@
             </a:xfrm>
             <a:prstGeom prst="diagStripe">
               <a:avLst>
-                <a:gd fmla="val 50000" name="adj"/>
+                <a:gd name="adj" fmla="val 50000"/>
               </a:avLst>
             </a:prstGeom>
             <a:solidFill>
@@ -3478,12 +3478,12 @@
             </a:ln>
           </p:spPr>
           <p:txBody>
-            <a:bodyPr anchorCtr="0" anchor="ctr" bIns="91425" lIns="91425" spcFirstLastPara="1" rIns="91425" wrap="square" tIns="91425">
+            <a:bodyPr spcFirstLastPara="1" wrap="square" lIns="91425" tIns="91425" rIns="91425" bIns="91425" anchor="ctr" anchorCtr="0">
               <a:noAutofit/>
             </a:bodyPr>
             <a:lstStyle/>
             <a:p>
-              <a:pPr indent="0" lvl="0" marL="0">
+              <a:pPr marL="0" lvl="0" indent="0">
                 <a:spcBef>
                   <a:spcPts val="0"/>
                 </a:spcBef>
@@ -3492,9 +3492,6 @@
                 </a:spcAft>
                 <a:buNone/>
               </a:pPr>
-              <a:r>
-                <a:t/>
-              </a:r>
               <a:endParaRPr/>
             </a:p>
           </p:txBody>
@@ -3512,7 +3509,7 @@
             </a:xfrm>
             <a:prstGeom prst="diagStripe">
               <a:avLst>
-                <a:gd fmla="val 50000" name="adj"/>
+                <a:gd name="adj" fmla="val 50000"/>
               </a:avLst>
             </a:prstGeom>
             <a:solidFill>
@@ -3525,12 +3522,12 @@
             </a:ln>
           </p:spPr>
           <p:txBody>
-            <a:bodyPr anchorCtr="0" anchor="ctr" bIns="91425" lIns="91425" spcFirstLastPara="1" rIns="91425" wrap="square" tIns="91425">
+            <a:bodyPr spcFirstLastPara="1" wrap="square" lIns="91425" tIns="91425" rIns="91425" bIns="91425" anchor="ctr" anchorCtr="0">
               <a:noAutofit/>
             </a:bodyPr>
             <a:lstStyle/>
             <a:p>
-              <a:pPr indent="0" lvl="0" marL="0">
+              <a:pPr marL="0" lvl="0" indent="0">
                 <a:spcBef>
                   <a:spcPts val="0"/>
                 </a:spcBef>
@@ -3539,9 +3536,6 @@
                 </a:spcAft>
                 <a:buNone/>
               </a:pPr>
-              <a:r>
-                <a:t/>
-              </a:r>
               <a:endParaRPr/>
             </a:p>
           </p:txBody>
@@ -3559,7 +3553,7 @@
             </a:xfrm>
             <a:prstGeom prst="diagStripe">
               <a:avLst>
-                <a:gd fmla="val 50000" name="adj"/>
+                <a:gd name="adj" fmla="val 50000"/>
               </a:avLst>
             </a:prstGeom>
             <a:solidFill>
@@ -3570,12 +3564,12 @@
             </a:ln>
           </p:spPr>
           <p:txBody>
-            <a:bodyPr anchorCtr="0" anchor="ctr" bIns="91425" lIns="91425" spcFirstLastPara="1" rIns="91425" wrap="square" tIns="91425">
+            <a:bodyPr spcFirstLastPara="1" wrap="square" lIns="91425" tIns="91425" rIns="91425" bIns="91425" anchor="ctr" anchorCtr="0">
               <a:noAutofit/>
             </a:bodyPr>
             <a:lstStyle/>
             <a:p>
-              <a:pPr indent="0" lvl="0" marL="0">
+              <a:pPr marL="0" lvl="0" indent="0">
                 <a:spcBef>
                   <a:spcPts val="0"/>
                 </a:spcBef>
@@ -3584,9 +3578,6 @@
                 </a:spcAft>
                 <a:buNone/>
               </a:pPr>
-              <a:r>
-                <a:t/>
-              </a:r>
               <a:endParaRPr/>
             </a:p>
           </p:txBody>
@@ -3604,7 +3595,7 @@
             </a:xfrm>
             <a:prstGeom prst="diagStripe">
               <a:avLst>
-                <a:gd fmla="val 50000" name="adj"/>
+                <a:gd name="adj" fmla="val 50000"/>
               </a:avLst>
             </a:prstGeom>
             <a:solidFill>
@@ -3617,12 +3608,12 @@
             </a:ln>
           </p:spPr>
           <p:txBody>
-            <a:bodyPr anchorCtr="0" anchor="ctr" bIns="91425" lIns="91425" spcFirstLastPara="1" rIns="91425" wrap="square" tIns="91425">
+            <a:bodyPr spcFirstLastPara="1" wrap="square" lIns="91425" tIns="91425" rIns="91425" bIns="91425" anchor="ctr" anchorCtr="0">
               <a:noAutofit/>
             </a:bodyPr>
             <a:lstStyle/>
             <a:p>
-              <a:pPr indent="0" lvl="0" marL="0">
+              <a:pPr marL="0" lvl="0" indent="0">
                 <a:spcBef>
                   <a:spcPts val="0"/>
                 </a:spcBef>
@@ -3631,9 +3622,6 @@
                 </a:spcAft>
                 <a:buNone/>
               </a:pPr>
-              <a:r>
-                <a:t/>
-              </a:r>
               <a:endParaRPr/>
             </a:p>
           </p:txBody>
@@ -3651,7 +3639,7 @@
             </a:xfrm>
             <a:prstGeom prst="diagStripe">
               <a:avLst>
-                <a:gd fmla="val 50000" name="adj"/>
+                <a:gd name="adj" fmla="val 50000"/>
               </a:avLst>
             </a:prstGeom>
             <a:solidFill>
@@ -3664,12 +3652,12 @@
             </a:ln>
           </p:spPr>
           <p:txBody>
-            <a:bodyPr anchorCtr="0" anchor="ctr" bIns="91425" lIns="91425" spcFirstLastPara="1" rIns="91425" wrap="square" tIns="91425">
+            <a:bodyPr spcFirstLastPara="1" wrap="square" lIns="91425" tIns="91425" rIns="91425" bIns="91425" anchor="ctr" anchorCtr="0">
               <a:noAutofit/>
             </a:bodyPr>
             <a:lstStyle/>
             <a:p>
-              <a:pPr indent="0" lvl="0" marL="0">
+              <a:pPr marL="0" lvl="0" indent="0">
                 <a:spcBef>
                   <a:spcPts val="0"/>
                 </a:spcBef>
@@ -3678,9 +3666,6 @@
                 </a:spcAft>
                 <a:buNone/>
               </a:pPr>
-              <a:r>
-                <a:t/>
-              </a:r>
               <a:endParaRPr/>
             </a:p>
           </p:txBody>
@@ -3698,7 +3683,7 @@
             </a:xfrm>
             <a:prstGeom prst="diagStripe">
               <a:avLst>
-                <a:gd fmla="val 50000" name="adj"/>
+                <a:gd name="adj" fmla="val 50000"/>
               </a:avLst>
             </a:prstGeom>
             <a:solidFill>
@@ -3711,12 +3696,12 @@
             </a:ln>
           </p:spPr>
           <p:txBody>
-            <a:bodyPr anchorCtr="0" anchor="ctr" bIns="91425" lIns="91425" spcFirstLastPara="1" rIns="91425" wrap="square" tIns="91425">
+            <a:bodyPr spcFirstLastPara="1" wrap="square" lIns="91425" tIns="91425" rIns="91425" bIns="91425" anchor="ctr" anchorCtr="0">
               <a:noAutofit/>
             </a:bodyPr>
             <a:lstStyle/>
             <a:p>
-              <a:pPr indent="0" lvl="0" marL="0">
+              <a:pPr marL="0" lvl="0" indent="0">
                 <a:spcBef>
                   <a:spcPts val="0"/>
                 </a:spcBef>
@@ -3725,9 +3710,6 @@
                 </a:spcAft>
                 <a:buNone/>
               </a:pPr>
-              <a:r>
-                <a:t/>
-              </a:r>
               <a:endParaRPr/>
             </a:p>
           </p:txBody>
@@ -3745,7 +3727,7 @@
             </a:xfrm>
             <a:prstGeom prst="diagStripe">
               <a:avLst>
-                <a:gd fmla="val 50000" name="adj"/>
+                <a:gd name="adj" fmla="val 50000"/>
               </a:avLst>
             </a:prstGeom>
             <a:solidFill>
@@ -3758,12 +3740,12 @@
             </a:ln>
           </p:spPr>
           <p:txBody>
-            <a:bodyPr anchorCtr="0" anchor="ctr" bIns="91425" lIns="91425" spcFirstLastPara="1" rIns="91425" wrap="square" tIns="91425">
+            <a:bodyPr spcFirstLastPara="1" wrap="square" lIns="91425" tIns="91425" rIns="91425" bIns="91425" anchor="ctr" anchorCtr="0">
               <a:noAutofit/>
             </a:bodyPr>
             <a:lstStyle/>
             <a:p>
-              <a:pPr indent="0" lvl="0" marL="0">
+              <a:pPr marL="0" lvl="0" indent="0">
                 <a:spcBef>
                   <a:spcPts val="0"/>
                 </a:spcBef>
@@ -3772,9 +3754,6 @@
                 </a:spcAft>
                 <a:buNone/>
               </a:pPr>
-              <a:r>
-                <a:t/>
-              </a:r>
               <a:endParaRPr/>
             </a:p>
           </p:txBody>
@@ -3792,7 +3771,7 @@
             </a:xfrm>
             <a:prstGeom prst="diagStripe">
               <a:avLst>
-                <a:gd fmla="val 50000" name="adj"/>
+                <a:gd name="adj" fmla="val 50000"/>
               </a:avLst>
             </a:prstGeom>
             <a:solidFill>
@@ -3805,12 +3784,12 @@
             </a:ln>
           </p:spPr>
           <p:txBody>
-            <a:bodyPr anchorCtr="0" anchor="ctr" bIns="91425" lIns="91425" spcFirstLastPara="1" rIns="91425" wrap="square" tIns="91425">
+            <a:bodyPr spcFirstLastPara="1" wrap="square" lIns="91425" tIns="91425" rIns="91425" bIns="91425" anchor="ctr" anchorCtr="0">
               <a:noAutofit/>
             </a:bodyPr>
             <a:lstStyle/>
             <a:p>
-              <a:pPr indent="0" lvl="0" marL="0">
+              <a:pPr marL="0" lvl="0" indent="0">
                 <a:spcBef>
                   <a:spcPts val="0"/>
                 </a:spcBef>
@@ -3819,9 +3798,6 @@
                 </a:spcAft>
                 <a:buNone/>
               </a:pPr>
-              <a:r>
-                <a:t/>
-              </a:r>
               <a:endParaRPr/>
             </a:p>
           </p:txBody>
@@ -3839,7 +3815,7 @@
             </a:xfrm>
             <a:prstGeom prst="diagStripe">
               <a:avLst>
-                <a:gd fmla="val 50000" name="adj"/>
+                <a:gd name="adj" fmla="val 50000"/>
               </a:avLst>
             </a:prstGeom>
             <a:solidFill>
@@ -3850,12 +3826,12 @@
             </a:ln>
           </p:spPr>
           <p:txBody>
-            <a:bodyPr anchorCtr="0" anchor="ctr" bIns="91425" lIns="91425" spcFirstLastPara="1" rIns="91425" wrap="square" tIns="91425">
+            <a:bodyPr spcFirstLastPara="1" wrap="square" lIns="91425" tIns="91425" rIns="91425" bIns="91425" anchor="ctr" anchorCtr="0">
               <a:noAutofit/>
             </a:bodyPr>
             <a:lstStyle/>
             <a:p>
-              <a:pPr indent="0" lvl="0" marL="0">
+              <a:pPr marL="0" lvl="0" indent="0">
                 <a:spcBef>
                   <a:spcPts val="0"/>
                 </a:spcBef>
@@ -3864,9 +3840,6 @@
                 </a:spcAft>
                 <a:buNone/>
               </a:pPr>
-              <a:r>
-                <a:t/>
-              </a:r>
               <a:endParaRPr/>
             </a:p>
           </p:txBody>
@@ -3884,7 +3857,7 @@
             </a:xfrm>
             <a:prstGeom prst="diagStripe">
               <a:avLst>
-                <a:gd fmla="val 50000" name="adj"/>
+                <a:gd name="adj" fmla="val 50000"/>
               </a:avLst>
             </a:prstGeom>
             <a:solidFill>
@@ -3897,12 +3870,12 @@
             </a:ln>
           </p:spPr>
           <p:txBody>
-            <a:bodyPr anchorCtr="0" anchor="ctr" bIns="91425" lIns="91425" spcFirstLastPara="1" rIns="91425" wrap="square" tIns="91425">
+            <a:bodyPr spcFirstLastPara="1" wrap="square" lIns="91425" tIns="91425" rIns="91425" bIns="91425" anchor="ctr" anchorCtr="0">
               <a:noAutofit/>
             </a:bodyPr>
             <a:lstStyle/>
             <a:p>
-              <a:pPr indent="0" lvl="0" marL="0">
+              <a:pPr marL="0" lvl="0" indent="0">
                 <a:spcBef>
                   <a:spcPts val="0"/>
                 </a:spcBef>
@@ -3911,9 +3884,6 @@
                 </a:spcAft>
                 <a:buNone/>
               </a:pPr>
-              <a:r>
-                <a:t/>
-              </a:r>
               <a:endParaRPr/>
             </a:p>
           </p:txBody>
@@ -3931,7 +3901,7 @@
             </a:xfrm>
             <a:prstGeom prst="diagStripe">
               <a:avLst>
-                <a:gd fmla="val 50000" name="adj"/>
+                <a:gd name="adj" fmla="val 50000"/>
               </a:avLst>
             </a:prstGeom>
             <a:solidFill>
@@ -3944,12 +3914,12 @@
             </a:ln>
           </p:spPr>
           <p:txBody>
-            <a:bodyPr anchorCtr="0" anchor="ctr" bIns="91425" lIns="91425" spcFirstLastPara="1" rIns="91425" wrap="square" tIns="91425">
+            <a:bodyPr spcFirstLastPara="1" wrap="square" lIns="91425" tIns="91425" rIns="91425" bIns="91425" anchor="ctr" anchorCtr="0">
               <a:noAutofit/>
             </a:bodyPr>
             <a:lstStyle/>
             <a:p>
-              <a:pPr indent="0" lvl="0" marL="0">
+              <a:pPr marL="0" lvl="0" indent="0">
                 <a:spcBef>
                   <a:spcPts val="0"/>
                 </a:spcBef>
@@ -3958,9 +3928,6 @@
                 </a:spcAft>
                 <a:buNone/>
               </a:pPr>
-              <a:r>
-                <a:t/>
-              </a:r>
               <a:endParaRPr/>
             </a:p>
           </p:txBody>
@@ -3978,7 +3945,7 @@
             </a:xfrm>
             <a:prstGeom prst="diagStripe">
               <a:avLst>
-                <a:gd fmla="val 50000" name="adj"/>
+                <a:gd name="adj" fmla="val 50000"/>
               </a:avLst>
             </a:prstGeom>
             <a:solidFill>
@@ -3991,12 +3958,12 @@
             </a:ln>
           </p:spPr>
           <p:txBody>
-            <a:bodyPr anchorCtr="0" anchor="ctr" bIns="91425" lIns="91425" spcFirstLastPara="1" rIns="91425" wrap="square" tIns="91425">
+            <a:bodyPr spcFirstLastPara="1" wrap="square" lIns="91425" tIns="91425" rIns="91425" bIns="91425" anchor="ctr" anchorCtr="0">
               <a:noAutofit/>
             </a:bodyPr>
             <a:lstStyle/>
             <a:p>
-              <a:pPr indent="0" lvl="0" marL="0">
+              <a:pPr marL="0" lvl="0" indent="0">
                 <a:spcBef>
                   <a:spcPts val="0"/>
                 </a:spcBef>
@@ -4005,9 +3972,6 @@
                 </a:spcAft>
                 <a:buNone/>
               </a:pPr>
-              <a:r>
-                <a:t/>
-              </a:r>
               <a:endParaRPr/>
             </a:p>
           </p:txBody>
@@ -4025,7 +3989,7 @@
             </a:xfrm>
             <a:prstGeom prst="diagStripe">
               <a:avLst>
-                <a:gd fmla="val 50000" name="adj"/>
+                <a:gd name="adj" fmla="val 50000"/>
               </a:avLst>
             </a:prstGeom>
             <a:solidFill>
@@ -4038,12 +4002,12 @@
             </a:ln>
           </p:spPr>
           <p:txBody>
-            <a:bodyPr anchorCtr="0" anchor="ctr" bIns="91425" lIns="91425" spcFirstLastPara="1" rIns="91425" wrap="square" tIns="91425">
+            <a:bodyPr spcFirstLastPara="1" wrap="square" lIns="91425" tIns="91425" rIns="91425" bIns="91425" anchor="ctr" anchorCtr="0">
               <a:noAutofit/>
             </a:bodyPr>
             <a:lstStyle/>
             <a:p>
-              <a:pPr indent="0" lvl="0" marL="0">
+              <a:pPr marL="0" lvl="0" indent="0">
                 <a:spcBef>
                   <a:spcPts val="0"/>
                 </a:spcBef>
@@ -4052,9 +4016,6 @@
                 </a:spcAft>
                 <a:buNone/>
               </a:pPr>
-              <a:r>
-                <a:t/>
-              </a:r>
               <a:endParaRPr/>
             </a:p>
           </p:txBody>
@@ -4063,7 +4024,9 @@
       <p:sp>
         <p:nvSpPr>
           <p:cNvPr id="39" name="Shape 39"/>
-          <p:cNvSpPr txBox="1"/>
+          <p:cNvSpPr txBox="1">
+            <a:spLocks noGrp="1"/>
+          </p:cNvSpPr>
           <p:nvPr>
             <p:ph type="title"/>
           </p:nvPr>
@@ -4078,7 +4041,7 @@
           </a:prstGeom>
         </p:spPr>
         <p:txBody>
-          <a:bodyPr anchorCtr="0" anchor="ctr" bIns="91425" lIns="91425" spcFirstLastPara="1" rIns="91425" wrap="square" tIns="91425"/>
+          <a:bodyPr spcFirstLastPara="1" wrap="square" lIns="91425" tIns="91425" rIns="91425" bIns="91425" anchor="ctr" anchorCtr="0"/>
           <a:lstStyle>
             <a:lvl1pPr lvl="0">
               <a:spcBef>
@@ -4180,15 +4143,19 @@
               <a:defRPr/>
             </a:lvl9pPr>
           </a:lstStyle>
-          <a:p/>
+          <a:p>
+            <a:endParaRPr/>
+          </a:p>
         </p:txBody>
       </p:sp>
       <p:sp>
         <p:nvSpPr>
           <p:cNvPr id="40" name="Shape 40"/>
-          <p:cNvSpPr txBox="1"/>
+          <p:cNvSpPr txBox="1">
+            <a:spLocks noGrp="1"/>
+          </p:cNvSpPr>
           <p:nvPr>
-            <p:ph idx="12" type="sldNum"/>
+            <p:ph type="sldNum" idx="12"/>
           </p:nvPr>
         </p:nvSpPr>
         <p:spPr>
@@ -4201,7 +4168,7 @@
           </a:prstGeom>
         </p:spPr>
         <p:txBody>
-          <a:bodyPr anchorCtr="0" anchor="ctr" bIns="91425" lIns="91425" spcFirstLastPara="1" rIns="91425" wrap="square" tIns="91425">
+          <a:bodyPr spcFirstLastPara="1" wrap="square" lIns="91425" tIns="91425" rIns="91425" bIns="91425" anchor="ctr" anchorCtr="0">
             <a:noAutofit/>
           </a:bodyPr>
           <a:lstStyle>
@@ -4270,7 +4237,7 @@
             </a:lvl9pPr>
           </a:lstStyle>
           <a:p>
-            <a:pPr indent="0" lvl="0" marL="0">
+            <a:pPr marL="0" lvl="0" indent="0">
               <a:spcBef>
                 <a:spcPts val="0"/>
               </a:spcBef>
@@ -4296,11 +4263,11 @@
 </file>
 
 <file path=ppt/slideLayouts/slideLayout3.xml><?xml version="1.0" encoding="utf-8"?>
-<p:sldLayout xmlns:a="http://schemas.openxmlformats.org/drawingml/2006/main" xmlns:r="http://schemas.openxmlformats.org/officeDocument/2006/relationships" xmlns:mc="http://schemas.openxmlformats.org/markup-compatibility/2006" xmlns:mv="urn:schemas-microsoft-com:mac:vml" xmlns:p="http://schemas.openxmlformats.org/presentationml/2006/main" xmlns:c="http://schemas.openxmlformats.org/drawingml/2006/chart" xmlns:dgm="http://schemas.openxmlformats.org/drawingml/2006/diagram" xmlns:o="urn:schemas-microsoft-com:office:office" xmlns:v="urn:schemas-microsoft-com:vml" xmlns:pvml="urn:schemas-microsoft-com:office:powerpoint" xmlns:com="http://schemas.openxmlformats.org/drawingml/2006/compatibility" xmlns:p14="http://schemas.microsoft.com/office/powerpoint/2010/main" xmlns:p15="http://schemas.microsoft.com/office/powerpoint/2012/main" matchingName="Title and body" type="tx">
+<p:sldLayout xmlns:a="http://schemas.openxmlformats.org/drawingml/2006/main" xmlns:r="http://schemas.openxmlformats.org/officeDocument/2006/relationships" xmlns:p="http://schemas.openxmlformats.org/presentationml/2006/main" matchingName="Title and body" type="tx">
   <p:cSld name="TITLE_AND_BODY">
     <p:spTree>
       <p:nvGrpSpPr>
-        <p:cNvPr id="41" name="Shape 41"/>
+        <p:cNvPr id="1" name="Shape 41"/>
         <p:cNvGrpSpPr/>
         <p:nvPr/>
       </p:nvGrpSpPr>
@@ -4339,7 +4306,7 @@
             </a:xfrm>
             <a:prstGeom prst="diagStripe">
               <a:avLst>
-                <a:gd fmla="val 50000" name="adj"/>
+                <a:gd name="adj" fmla="val 50000"/>
               </a:avLst>
             </a:prstGeom>
             <a:solidFill>
@@ -4350,12 +4317,12 @@
             </a:ln>
           </p:spPr>
           <p:txBody>
-            <a:bodyPr anchorCtr="0" anchor="ctr" bIns="91425" lIns="91425" spcFirstLastPara="1" rIns="91425" wrap="square" tIns="91425">
+            <a:bodyPr spcFirstLastPara="1" wrap="square" lIns="91425" tIns="91425" rIns="91425" bIns="91425" anchor="ctr" anchorCtr="0">
               <a:noAutofit/>
             </a:bodyPr>
             <a:lstStyle/>
             <a:p>
-              <a:pPr indent="0" lvl="0" marL="0">
+              <a:pPr marL="0" lvl="0" indent="0">
                 <a:spcBef>
                   <a:spcPts val="0"/>
                 </a:spcBef>
@@ -4364,9 +4331,6 @@
                 </a:spcAft>
                 <a:buNone/>
               </a:pPr>
-              <a:r>
-                <a:t/>
-              </a:r>
               <a:endParaRPr/>
             </a:p>
           </p:txBody>
@@ -4384,7 +4348,7 @@
             </a:xfrm>
             <a:prstGeom prst="diagStripe">
               <a:avLst>
-                <a:gd fmla="val 50000" name="adj"/>
+                <a:gd name="adj" fmla="val 50000"/>
               </a:avLst>
             </a:prstGeom>
             <a:solidFill>
@@ -4395,12 +4359,12 @@
             </a:ln>
           </p:spPr>
           <p:txBody>
-            <a:bodyPr anchorCtr="0" anchor="ctr" bIns="91425" lIns="91425" spcFirstLastPara="1" rIns="91425" wrap="square" tIns="91425">
+            <a:bodyPr spcFirstLastPara="1" wrap="square" lIns="91425" tIns="91425" rIns="91425" bIns="91425" anchor="ctr" anchorCtr="0">
               <a:noAutofit/>
             </a:bodyPr>
             <a:lstStyle/>
             <a:p>
-              <a:pPr indent="0" lvl="0" marL="0">
+              <a:pPr marL="0" lvl="0" indent="0">
                 <a:spcBef>
                   <a:spcPts val="0"/>
                 </a:spcBef>
@@ -4409,9 +4373,6 @@
                 </a:spcAft>
                 <a:buNone/>
               </a:pPr>
-              <a:r>
-                <a:t/>
-              </a:r>
               <a:endParaRPr/>
             </a:p>
           </p:txBody>
@@ -4420,7 +4381,9 @@
       <p:sp>
         <p:nvSpPr>
           <p:cNvPr id="45" name="Shape 45"/>
-          <p:cNvSpPr txBox="1"/>
+          <p:cNvSpPr txBox="1">
+            <a:spLocks noGrp="1"/>
+          </p:cNvSpPr>
           <p:nvPr>
             <p:ph type="title"/>
           </p:nvPr>
@@ -4435,7 +4398,7 @@
           </a:prstGeom>
         </p:spPr>
         <p:txBody>
-          <a:bodyPr anchorCtr="0" anchor="t" bIns="91425" lIns="91425" spcFirstLastPara="1" rIns="91425" wrap="square" tIns="91425"/>
+          <a:bodyPr spcFirstLastPara="1" wrap="square" lIns="91425" tIns="91425" rIns="91425" bIns="91425" anchor="t" anchorCtr="0"/>
           <a:lstStyle>
             <a:lvl1pPr lvl="0">
               <a:spcBef>
@@ -4537,15 +4500,19 @@
               <a:defRPr sz="2400"/>
             </a:lvl9pPr>
           </a:lstStyle>
-          <a:p/>
+          <a:p>
+            <a:endParaRPr/>
+          </a:p>
         </p:txBody>
       </p:sp>
       <p:sp>
         <p:nvSpPr>
           <p:cNvPr id="46" name="Shape 46"/>
-          <p:cNvSpPr txBox="1"/>
+          <p:cNvSpPr txBox="1">
+            <a:spLocks noGrp="1"/>
+          </p:cNvSpPr>
           <p:nvPr>
-            <p:ph idx="1" type="body"/>
+            <p:ph type="body" idx="1"/>
           </p:nvPr>
         </p:nvSpPr>
         <p:spPr>
@@ -4558,9 +4525,9 @@
           </a:prstGeom>
         </p:spPr>
         <p:txBody>
-          <a:bodyPr anchorCtr="0" anchor="t" bIns="91425" lIns="91425" spcFirstLastPara="1" rIns="91425" wrap="square" tIns="91425"/>
+          <a:bodyPr spcFirstLastPara="1" wrap="square" lIns="91425" tIns="91425" rIns="91425" bIns="91425" anchor="t" anchorCtr="0"/>
           <a:lstStyle>
-            <a:lvl1pPr indent="-311150" lvl="0" marL="457200">
+            <a:lvl1pPr marL="457200" lvl="0" indent="-311150">
               <a:spcBef>
                 <a:spcPts val="0"/>
               </a:spcBef>
@@ -4571,7 +4538,7 @@
               <a:buChar char="●"/>
               <a:defRPr/>
             </a:lvl1pPr>
-            <a:lvl2pPr indent="-298450" lvl="1" marL="914400">
+            <a:lvl2pPr marL="914400" lvl="1" indent="-298450">
               <a:spcBef>
                 <a:spcPts val="1600"/>
               </a:spcBef>
@@ -4582,7 +4549,7 @@
               <a:buChar char="○"/>
               <a:defRPr/>
             </a:lvl2pPr>
-            <a:lvl3pPr indent="-298450" lvl="2" marL="1371600">
+            <a:lvl3pPr marL="1371600" lvl="2" indent="-298450">
               <a:spcBef>
                 <a:spcPts val="1600"/>
               </a:spcBef>
@@ -4593,7 +4560,7 @@
               <a:buChar char="■"/>
               <a:defRPr/>
             </a:lvl3pPr>
-            <a:lvl4pPr indent="-298450" lvl="3" marL="1828800">
+            <a:lvl4pPr marL="1828800" lvl="3" indent="-298450">
               <a:spcBef>
                 <a:spcPts val="1600"/>
               </a:spcBef>
@@ -4604,7 +4571,7 @@
               <a:buChar char="●"/>
               <a:defRPr/>
             </a:lvl4pPr>
-            <a:lvl5pPr indent="-298450" lvl="4" marL="2286000">
+            <a:lvl5pPr marL="2286000" lvl="4" indent="-298450">
               <a:spcBef>
                 <a:spcPts val="1600"/>
               </a:spcBef>
@@ -4615,7 +4582,7 @@
               <a:buChar char="○"/>
               <a:defRPr/>
             </a:lvl5pPr>
-            <a:lvl6pPr indent="-298450" lvl="5" marL="2743200">
+            <a:lvl6pPr marL="2743200" lvl="5" indent="-298450">
               <a:spcBef>
                 <a:spcPts val="1600"/>
               </a:spcBef>
@@ -4626,7 +4593,7 @@
               <a:buChar char="■"/>
               <a:defRPr/>
             </a:lvl6pPr>
-            <a:lvl7pPr indent="-298450" lvl="6" marL="3200400">
+            <a:lvl7pPr marL="3200400" lvl="6" indent="-298450">
               <a:spcBef>
                 <a:spcPts val="1600"/>
               </a:spcBef>
@@ -4637,7 +4604,7 @@
               <a:buChar char="●"/>
               <a:defRPr/>
             </a:lvl7pPr>
-            <a:lvl8pPr indent="-298450" lvl="7" marL="3657600">
+            <a:lvl8pPr marL="3657600" lvl="7" indent="-298450">
               <a:spcBef>
                 <a:spcPts val="1600"/>
               </a:spcBef>
@@ -4648,7 +4615,7 @@
               <a:buChar char="○"/>
               <a:defRPr/>
             </a:lvl8pPr>
-            <a:lvl9pPr indent="-298450" lvl="8" marL="4114800">
+            <a:lvl9pPr marL="4114800" lvl="8" indent="-298450">
               <a:spcBef>
                 <a:spcPts val="1600"/>
               </a:spcBef>
@@ -4660,15 +4627,19 @@
               <a:defRPr/>
             </a:lvl9pPr>
           </a:lstStyle>
-          <a:p/>
+          <a:p>
+            <a:endParaRPr/>
+          </a:p>
         </p:txBody>
       </p:sp>
       <p:sp>
         <p:nvSpPr>
           <p:cNvPr id="47" name="Shape 47"/>
-          <p:cNvSpPr txBox="1"/>
+          <p:cNvSpPr txBox="1">
+            <a:spLocks noGrp="1"/>
+          </p:cNvSpPr>
           <p:nvPr>
-            <p:ph idx="12" type="sldNum"/>
+            <p:ph type="sldNum" idx="12"/>
           </p:nvPr>
         </p:nvSpPr>
         <p:spPr>
@@ -4681,7 +4652,7 @@
           </a:prstGeom>
         </p:spPr>
         <p:txBody>
-          <a:bodyPr anchorCtr="0" anchor="ctr" bIns="91425" lIns="91425" spcFirstLastPara="1" rIns="91425" wrap="square" tIns="91425">
+          <a:bodyPr spcFirstLastPara="1" wrap="square" lIns="91425" tIns="91425" rIns="91425" bIns="91425" anchor="ctr" anchorCtr="0">
             <a:noAutofit/>
           </a:bodyPr>
           <a:lstStyle>
@@ -4750,7 +4721,7 @@
             </a:lvl9pPr>
           </a:lstStyle>
           <a:p>
-            <a:pPr indent="0" lvl="0" marL="0">
+            <a:pPr marL="0" lvl="0" indent="0">
               <a:spcBef>
                 <a:spcPts val="0"/>
               </a:spcBef>
@@ -4776,11 +4747,11 @@
 </file>
 
 <file path=ppt/slideLayouts/slideLayout4.xml><?xml version="1.0" encoding="utf-8"?>
-<p:sldLayout xmlns:a="http://schemas.openxmlformats.org/drawingml/2006/main" xmlns:r="http://schemas.openxmlformats.org/officeDocument/2006/relationships" xmlns:mc="http://schemas.openxmlformats.org/markup-compatibility/2006" xmlns:mv="urn:schemas-microsoft-com:mac:vml" xmlns:p="http://schemas.openxmlformats.org/presentationml/2006/main" xmlns:c="http://schemas.openxmlformats.org/drawingml/2006/chart" xmlns:dgm="http://schemas.openxmlformats.org/drawingml/2006/diagram" xmlns:o="urn:schemas-microsoft-com:office:office" xmlns:v="urn:schemas-microsoft-com:vml" xmlns:pvml="urn:schemas-microsoft-com:office:powerpoint" xmlns:com="http://schemas.openxmlformats.org/drawingml/2006/compatibility" xmlns:p14="http://schemas.microsoft.com/office/powerpoint/2010/main" xmlns:p15="http://schemas.microsoft.com/office/powerpoint/2012/main" matchingName="Title and two columns" type="twoColTx">
+<p:sldLayout xmlns:a="http://schemas.openxmlformats.org/drawingml/2006/main" xmlns:r="http://schemas.openxmlformats.org/officeDocument/2006/relationships" xmlns:p="http://schemas.openxmlformats.org/presentationml/2006/main" matchingName="Title and two columns" type="twoColTx">
   <p:cSld name="TITLE_AND_TWO_COLUMNS">
     <p:spTree>
       <p:nvGrpSpPr>
-        <p:cNvPr id="48" name="Shape 48"/>
+        <p:cNvPr id="1" name="Shape 48"/>
         <p:cNvGrpSpPr/>
         <p:nvPr/>
       </p:nvGrpSpPr>
@@ -4819,7 +4790,7 @@
             </a:xfrm>
             <a:prstGeom prst="diagStripe">
               <a:avLst>
-                <a:gd fmla="val 50000" name="adj"/>
+                <a:gd name="adj" fmla="val 50000"/>
               </a:avLst>
             </a:prstGeom>
             <a:solidFill>
@@ -4830,12 +4801,12 @@
             </a:ln>
           </p:spPr>
           <p:txBody>
-            <a:bodyPr anchorCtr="0" anchor="ctr" bIns="91425" lIns="91425" spcFirstLastPara="1" rIns="91425" wrap="square" tIns="91425">
+            <a:bodyPr spcFirstLastPara="1" wrap="square" lIns="91425" tIns="91425" rIns="91425" bIns="91425" anchor="ctr" anchorCtr="0">
               <a:noAutofit/>
             </a:bodyPr>
             <a:lstStyle/>
             <a:p>
-              <a:pPr indent="0" lvl="0" marL="0">
+              <a:pPr marL="0" lvl="0" indent="0">
                 <a:spcBef>
                   <a:spcPts val="0"/>
                 </a:spcBef>
@@ -4844,9 +4815,6 @@
                 </a:spcAft>
                 <a:buNone/>
               </a:pPr>
-              <a:r>
-                <a:t/>
-              </a:r>
               <a:endParaRPr/>
             </a:p>
           </p:txBody>
@@ -4864,7 +4832,7 @@
             </a:xfrm>
             <a:prstGeom prst="diagStripe">
               <a:avLst>
-                <a:gd fmla="val 50000" name="adj"/>
+                <a:gd name="adj" fmla="val 50000"/>
               </a:avLst>
             </a:prstGeom>
             <a:solidFill>
@@ -4875,12 +4843,12 @@
             </a:ln>
           </p:spPr>
           <p:txBody>
-            <a:bodyPr anchorCtr="0" anchor="ctr" bIns="91425" lIns="91425" spcFirstLastPara="1" rIns="91425" wrap="square" tIns="91425">
+            <a:bodyPr spcFirstLastPara="1" wrap="square" lIns="91425" tIns="91425" rIns="91425" bIns="91425" anchor="ctr" anchorCtr="0">
               <a:noAutofit/>
             </a:bodyPr>
             <a:lstStyle/>
             <a:p>
-              <a:pPr indent="0" lvl="0" marL="0">
+              <a:pPr marL="0" lvl="0" indent="0">
                 <a:spcBef>
                   <a:spcPts val="0"/>
                 </a:spcBef>
@@ -4889,9 +4857,6 @@
                 </a:spcAft>
                 <a:buNone/>
               </a:pPr>
-              <a:r>
-                <a:t/>
-              </a:r>
               <a:endParaRPr/>
             </a:p>
           </p:txBody>
@@ -4900,7 +4865,9 @@
       <p:sp>
         <p:nvSpPr>
           <p:cNvPr id="52" name="Shape 52"/>
-          <p:cNvSpPr txBox="1"/>
+          <p:cNvSpPr txBox="1">
+            <a:spLocks noGrp="1"/>
+          </p:cNvSpPr>
           <p:nvPr>
             <p:ph type="title"/>
           </p:nvPr>
@@ -4915,7 +4882,7 @@
           </a:prstGeom>
         </p:spPr>
         <p:txBody>
-          <a:bodyPr anchorCtr="0" anchor="t" bIns="91425" lIns="91425" spcFirstLastPara="1" rIns="91425" wrap="square" tIns="91425"/>
+          <a:bodyPr spcFirstLastPara="1" wrap="square" lIns="91425" tIns="91425" rIns="91425" bIns="91425" anchor="t" anchorCtr="0"/>
           <a:lstStyle>
             <a:lvl1pPr lvl="0">
               <a:spcBef>
@@ -5017,15 +4984,19 @@
               <a:defRPr sz="2400"/>
             </a:lvl9pPr>
           </a:lstStyle>
-          <a:p/>
+          <a:p>
+            <a:endParaRPr/>
+          </a:p>
         </p:txBody>
       </p:sp>
       <p:sp>
         <p:nvSpPr>
           <p:cNvPr id="53" name="Shape 53"/>
-          <p:cNvSpPr txBox="1"/>
+          <p:cNvSpPr txBox="1">
+            <a:spLocks noGrp="1"/>
+          </p:cNvSpPr>
           <p:nvPr>
-            <p:ph idx="1" type="body"/>
+            <p:ph type="body" idx="1"/>
           </p:nvPr>
         </p:nvSpPr>
         <p:spPr>
@@ -5038,9 +5009,9 @@
           </a:prstGeom>
         </p:spPr>
         <p:txBody>
-          <a:bodyPr anchorCtr="0" anchor="t" bIns="91425" lIns="91425" spcFirstLastPara="1" rIns="91425" wrap="square" tIns="91425"/>
+          <a:bodyPr spcFirstLastPara="1" wrap="square" lIns="91425" tIns="91425" rIns="91425" bIns="91425" anchor="t" anchorCtr="0"/>
           <a:lstStyle>
-            <a:lvl1pPr indent="-311150" lvl="0" marL="457200">
+            <a:lvl1pPr marL="457200" lvl="0" indent="-311150">
               <a:spcBef>
                 <a:spcPts val="0"/>
               </a:spcBef>
@@ -5051,7 +5022,7 @@
               <a:buChar char="●"/>
               <a:defRPr/>
             </a:lvl1pPr>
-            <a:lvl2pPr indent="-298450" lvl="1" marL="914400">
+            <a:lvl2pPr marL="914400" lvl="1" indent="-298450">
               <a:spcBef>
                 <a:spcPts val="1600"/>
               </a:spcBef>
@@ -5062,7 +5033,7 @@
               <a:buChar char="○"/>
               <a:defRPr/>
             </a:lvl2pPr>
-            <a:lvl3pPr indent="-298450" lvl="2" marL="1371600">
+            <a:lvl3pPr marL="1371600" lvl="2" indent="-298450">
               <a:spcBef>
                 <a:spcPts val="1600"/>
               </a:spcBef>
@@ -5073,7 +5044,7 @@
               <a:buChar char="■"/>
               <a:defRPr/>
             </a:lvl3pPr>
-            <a:lvl4pPr indent="-298450" lvl="3" marL="1828800">
+            <a:lvl4pPr marL="1828800" lvl="3" indent="-298450">
               <a:spcBef>
                 <a:spcPts val="1600"/>
               </a:spcBef>
@@ -5084,7 +5055,7 @@
               <a:buChar char="●"/>
               <a:defRPr/>
             </a:lvl4pPr>
-            <a:lvl5pPr indent="-298450" lvl="4" marL="2286000">
+            <a:lvl5pPr marL="2286000" lvl="4" indent="-298450">
               <a:spcBef>
                 <a:spcPts val="1600"/>
               </a:spcBef>
@@ -5095,7 +5066,7 @@
               <a:buChar char="○"/>
               <a:defRPr/>
             </a:lvl5pPr>
-            <a:lvl6pPr indent="-298450" lvl="5" marL="2743200">
+            <a:lvl6pPr marL="2743200" lvl="5" indent="-298450">
               <a:spcBef>
                 <a:spcPts val="1600"/>
               </a:spcBef>
@@ -5106,7 +5077,7 @@
               <a:buChar char="■"/>
               <a:defRPr/>
             </a:lvl6pPr>
-            <a:lvl7pPr indent="-298450" lvl="6" marL="3200400">
+            <a:lvl7pPr marL="3200400" lvl="6" indent="-298450">
               <a:spcBef>
                 <a:spcPts val="1600"/>
               </a:spcBef>
@@ -5117,7 +5088,7 @@
               <a:buChar char="●"/>
               <a:defRPr/>
             </a:lvl7pPr>
-            <a:lvl8pPr indent="-298450" lvl="7" marL="3657600">
+            <a:lvl8pPr marL="3657600" lvl="7" indent="-298450">
               <a:spcBef>
                 <a:spcPts val="1600"/>
               </a:spcBef>
@@ -5128,7 +5099,7 @@
               <a:buChar char="○"/>
               <a:defRPr/>
             </a:lvl8pPr>
-            <a:lvl9pPr indent="-298450" lvl="8" marL="4114800">
+            <a:lvl9pPr marL="4114800" lvl="8" indent="-298450">
               <a:spcBef>
                 <a:spcPts val="1600"/>
               </a:spcBef>
@@ -5140,15 +5111,19 @@
               <a:defRPr/>
             </a:lvl9pPr>
           </a:lstStyle>
-          <a:p/>
+          <a:p>
+            <a:endParaRPr/>
+          </a:p>
         </p:txBody>
       </p:sp>
       <p:sp>
         <p:nvSpPr>
           <p:cNvPr id="54" name="Shape 54"/>
-          <p:cNvSpPr txBox="1"/>
+          <p:cNvSpPr txBox="1">
+            <a:spLocks noGrp="1"/>
+          </p:cNvSpPr>
           <p:nvPr>
-            <p:ph idx="2" type="body"/>
+            <p:ph type="body" idx="2"/>
           </p:nvPr>
         </p:nvSpPr>
         <p:spPr>
@@ -5161,9 +5136,9 @@
           </a:prstGeom>
         </p:spPr>
         <p:txBody>
-          <a:bodyPr anchorCtr="0" anchor="t" bIns="91425" lIns="91425" spcFirstLastPara="1" rIns="91425" wrap="square" tIns="91425"/>
+          <a:bodyPr spcFirstLastPara="1" wrap="square" lIns="91425" tIns="91425" rIns="91425" bIns="91425" anchor="t" anchorCtr="0"/>
           <a:lstStyle>
-            <a:lvl1pPr indent="-311150" lvl="0" marL="457200">
+            <a:lvl1pPr marL="457200" lvl="0" indent="-311150">
               <a:spcBef>
                 <a:spcPts val="0"/>
               </a:spcBef>
@@ -5174,7 +5149,7 @@
               <a:buChar char="●"/>
               <a:defRPr/>
             </a:lvl1pPr>
-            <a:lvl2pPr indent="-298450" lvl="1" marL="914400">
+            <a:lvl2pPr marL="914400" lvl="1" indent="-298450">
               <a:spcBef>
                 <a:spcPts val="1600"/>
               </a:spcBef>
@@ -5185,7 +5160,7 @@
               <a:buChar char="○"/>
               <a:defRPr/>
             </a:lvl2pPr>
-            <a:lvl3pPr indent="-298450" lvl="2" marL="1371600">
+            <a:lvl3pPr marL="1371600" lvl="2" indent="-298450">
               <a:spcBef>
                 <a:spcPts val="1600"/>
               </a:spcBef>
@@ -5196,7 +5171,7 @@
               <a:buChar char="■"/>
               <a:defRPr/>
             </a:lvl3pPr>
-            <a:lvl4pPr indent="-298450" lvl="3" marL="1828800">
+            <a:lvl4pPr marL="1828800" lvl="3" indent="-298450">
               <a:spcBef>
                 <a:spcPts val="1600"/>
               </a:spcBef>
@@ -5207,7 +5182,7 @@
               <a:buChar char="●"/>
               <a:defRPr/>
             </a:lvl4pPr>
-            <a:lvl5pPr indent="-298450" lvl="4" marL="2286000">
+            <a:lvl5pPr marL="2286000" lvl="4" indent="-298450">
               <a:spcBef>
                 <a:spcPts val="1600"/>
               </a:spcBef>
@@ -5218,7 +5193,7 @@
               <a:buChar char="○"/>
               <a:defRPr/>
             </a:lvl5pPr>
-            <a:lvl6pPr indent="-298450" lvl="5" marL="2743200">
+            <a:lvl6pPr marL="2743200" lvl="5" indent="-298450">
               <a:spcBef>
                 <a:spcPts val="1600"/>
               </a:spcBef>
@@ -5229,7 +5204,7 @@
               <a:buChar char="■"/>
               <a:defRPr/>
             </a:lvl6pPr>
-            <a:lvl7pPr indent="-298450" lvl="6" marL="3200400">
+            <a:lvl7pPr marL="3200400" lvl="6" indent="-298450">
               <a:spcBef>
                 <a:spcPts val="1600"/>
               </a:spcBef>
@@ -5240,7 +5215,7 @@
               <a:buChar char="●"/>
               <a:defRPr/>
             </a:lvl7pPr>
-            <a:lvl8pPr indent="-298450" lvl="7" marL="3657600">
+            <a:lvl8pPr marL="3657600" lvl="7" indent="-298450">
               <a:spcBef>
                 <a:spcPts val="1600"/>
               </a:spcBef>
@@ -5251,7 +5226,7 @@
               <a:buChar char="○"/>
               <a:defRPr/>
             </a:lvl8pPr>
-            <a:lvl9pPr indent="-298450" lvl="8" marL="4114800">
+            <a:lvl9pPr marL="4114800" lvl="8" indent="-298450">
               <a:spcBef>
                 <a:spcPts val="1600"/>
               </a:spcBef>
@@ -5263,15 +5238,19 @@
               <a:defRPr/>
             </a:lvl9pPr>
           </a:lstStyle>
-          <a:p/>
+          <a:p>
+            <a:endParaRPr/>
+          </a:p>
         </p:txBody>
       </p:sp>
       <p:sp>
         <p:nvSpPr>
           <p:cNvPr id="55" name="Shape 55"/>
-          <p:cNvSpPr txBox="1"/>
+          <p:cNvSpPr txBox="1">
+            <a:spLocks noGrp="1"/>
+          </p:cNvSpPr>
           <p:nvPr>
-            <p:ph idx="12" type="sldNum"/>
+            <p:ph type="sldNum" idx="12"/>
           </p:nvPr>
         </p:nvSpPr>
         <p:spPr>
@@ -5284,7 +5263,7 @@
           </a:prstGeom>
         </p:spPr>
         <p:txBody>
-          <a:bodyPr anchorCtr="0" anchor="ctr" bIns="91425" lIns="91425" spcFirstLastPara="1" rIns="91425" wrap="square" tIns="91425">
+          <a:bodyPr spcFirstLastPara="1" wrap="square" lIns="91425" tIns="91425" rIns="91425" bIns="91425" anchor="ctr" anchorCtr="0">
             <a:noAutofit/>
           </a:bodyPr>
           <a:lstStyle>
@@ -5353,7 +5332,7 @@
             </a:lvl9pPr>
           </a:lstStyle>
           <a:p>
-            <a:pPr indent="0" lvl="0" marL="0">
+            <a:pPr marL="0" lvl="0" indent="0">
               <a:spcBef>
                 <a:spcPts val="0"/>
               </a:spcBef>
@@ -5379,11 +5358,11 @@
 </file>
 
 <file path=ppt/slideLayouts/slideLayout5.xml><?xml version="1.0" encoding="utf-8"?>
-<p:sldLayout xmlns:a="http://schemas.openxmlformats.org/drawingml/2006/main" xmlns:r="http://schemas.openxmlformats.org/officeDocument/2006/relationships" xmlns:mc="http://schemas.openxmlformats.org/markup-compatibility/2006" xmlns:mv="urn:schemas-microsoft-com:mac:vml" xmlns:p="http://schemas.openxmlformats.org/presentationml/2006/main" xmlns:c="http://schemas.openxmlformats.org/drawingml/2006/chart" xmlns:dgm="http://schemas.openxmlformats.org/drawingml/2006/diagram" xmlns:o="urn:schemas-microsoft-com:office:office" xmlns:v="urn:schemas-microsoft-com:vml" xmlns:pvml="urn:schemas-microsoft-com:office:powerpoint" xmlns:com="http://schemas.openxmlformats.org/drawingml/2006/compatibility" xmlns:p14="http://schemas.microsoft.com/office/powerpoint/2010/main" xmlns:p15="http://schemas.microsoft.com/office/powerpoint/2012/main" matchingName="Title only" type="titleOnly">
+<p:sldLayout xmlns:a="http://schemas.openxmlformats.org/drawingml/2006/main" xmlns:r="http://schemas.openxmlformats.org/officeDocument/2006/relationships" xmlns:p="http://schemas.openxmlformats.org/presentationml/2006/main" matchingName="Title only" type="titleOnly">
   <p:cSld name="TITLE_ONLY">
     <p:spTree>
       <p:nvGrpSpPr>
-        <p:cNvPr id="56" name="Shape 56"/>
+        <p:cNvPr id="1" name="Shape 56"/>
         <p:cNvGrpSpPr/>
         <p:nvPr/>
       </p:nvGrpSpPr>
@@ -5422,7 +5401,7 @@
             </a:xfrm>
             <a:prstGeom prst="diagStripe">
               <a:avLst>
-                <a:gd fmla="val 50000" name="adj"/>
+                <a:gd name="adj" fmla="val 50000"/>
               </a:avLst>
             </a:prstGeom>
             <a:solidFill>
@@ -5433,12 +5412,12 @@
             </a:ln>
           </p:spPr>
           <p:txBody>
-            <a:bodyPr anchorCtr="0" anchor="ctr" bIns="91425" lIns="91425" spcFirstLastPara="1" rIns="91425" wrap="square" tIns="91425">
+            <a:bodyPr spcFirstLastPara="1" wrap="square" lIns="91425" tIns="91425" rIns="91425" bIns="91425" anchor="ctr" anchorCtr="0">
               <a:noAutofit/>
             </a:bodyPr>
             <a:lstStyle/>
             <a:p>
-              <a:pPr indent="0" lvl="0" marL="0">
+              <a:pPr marL="0" lvl="0" indent="0">
                 <a:spcBef>
                   <a:spcPts val="0"/>
                 </a:spcBef>
@@ -5447,9 +5426,6 @@
                 </a:spcAft>
                 <a:buNone/>
               </a:pPr>
-              <a:r>
-                <a:t/>
-              </a:r>
               <a:endParaRPr/>
             </a:p>
           </p:txBody>
@@ -5467,7 +5443,7 @@
             </a:xfrm>
             <a:prstGeom prst="diagStripe">
               <a:avLst>
-                <a:gd fmla="val 50000" name="adj"/>
+                <a:gd name="adj" fmla="val 50000"/>
               </a:avLst>
             </a:prstGeom>
             <a:solidFill>
@@ -5478,12 +5454,12 @@
             </a:ln>
           </p:spPr>
           <p:txBody>
-            <a:bodyPr anchorCtr="0" anchor="ctr" bIns="91425" lIns="91425" spcFirstLastPara="1" rIns="91425" wrap="square" tIns="91425">
+            <a:bodyPr spcFirstLastPara="1" wrap="square" lIns="91425" tIns="91425" rIns="91425" bIns="91425" anchor="ctr" anchorCtr="0">
               <a:noAutofit/>
             </a:bodyPr>
             <a:lstStyle/>
             <a:p>
-              <a:pPr indent="0" lvl="0" marL="0">
+              <a:pPr marL="0" lvl="0" indent="0">
                 <a:spcBef>
                   <a:spcPts val="0"/>
                 </a:spcBef>
@@ -5492,9 +5468,6 @@
                 </a:spcAft>
                 <a:buNone/>
               </a:pPr>
-              <a:r>
-                <a:t/>
-              </a:r>
               <a:endParaRPr/>
             </a:p>
           </p:txBody>
@@ -5503,7 +5476,9 @@
       <p:sp>
         <p:nvSpPr>
           <p:cNvPr id="60" name="Shape 60"/>
-          <p:cNvSpPr txBox="1"/>
+          <p:cNvSpPr txBox="1">
+            <a:spLocks noGrp="1"/>
+          </p:cNvSpPr>
           <p:nvPr>
             <p:ph type="title"/>
           </p:nvPr>
@@ -5518,7 +5493,7 @@
           </a:prstGeom>
         </p:spPr>
         <p:txBody>
-          <a:bodyPr anchorCtr="0" anchor="t" bIns="91425" lIns="91425" spcFirstLastPara="1" rIns="91425" wrap="square" tIns="91425"/>
+          <a:bodyPr spcFirstLastPara="1" wrap="square" lIns="91425" tIns="91425" rIns="91425" bIns="91425" anchor="t" anchorCtr="0"/>
           <a:lstStyle>
             <a:lvl1pPr lvl="0">
               <a:spcBef>
@@ -5620,15 +5595,19 @@
               <a:defRPr sz="2400"/>
             </a:lvl9pPr>
           </a:lstStyle>
-          <a:p/>
+          <a:p>
+            <a:endParaRPr/>
+          </a:p>
         </p:txBody>
       </p:sp>
       <p:sp>
         <p:nvSpPr>
           <p:cNvPr id="61" name="Shape 61"/>
-          <p:cNvSpPr txBox="1"/>
+          <p:cNvSpPr txBox="1">
+            <a:spLocks noGrp="1"/>
+          </p:cNvSpPr>
           <p:nvPr>
-            <p:ph idx="12" type="sldNum"/>
+            <p:ph type="sldNum" idx="12"/>
           </p:nvPr>
         </p:nvSpPr>
         <p:spPr>
@@ -5641,7 +5620,7 @@
           </a:prstGeom>
         </p:spPr>
         <p:txBody>
-          <a:bodyPr anchorCtr="0" anchor="ctr" bIns="91425" lIns="91425" spcFirstLastPara="1" rIns="91425" wrap="square" tIns="91425">
+          <a:bodyPr spcFirstLastPara="1" wrap="square" lIns="91425" tIns="91425" rIns="91425" bIns="91425" anchor="ctr" anchorCtr="0">
             <a:noAutofit/>
           </a:bodyPr>
           <a:lstStyle>
@@ -5710,7 +5689,7 @@
             </a:lvl9pPr>
           </a:lstStyle>
           <a:p>
-            <a:pPr indent="0" lvl="0" marL="0">
+            <a:pPr marL="0" lvl="0" indent="0">
               <a:spcBef>
                 <a:spcPts val="0"/>
               </a:spcBef>
@@ -5736,11 +5715,11 @@
 </file>
 
 <file path=ppt/slideLayouts/slideLayout6.xml><?xml version="1.0" encoding="utf-8"?>
-<p:sldLayout xmlns:a="http://schemas.openxmlformats.org/drawingml/2006/main" xmlns:r="http://schemas.openxmlformats.org/officeDocument/2006/relationships" xmlns:mc="http://schemas.openxmlformats.org/markup-compatibility/2006" xmlns:mv="urn:schemas-microsoft-com:mac:vml" xmlns:p="http://schemas.openxmlformats.org/presentationml/2006/main" xmlns:c="http://schemas.openxmlformats.org/drawingml/2006/chart" xmlns:dgm="http://schemas.openxmlformats.org/drawingml/2006/diagram" xmlns:o="urn:schemas-microsoft-com:office:office" xmlns:v="urn:schemas-microsoft-com:vml" xmlns:pvml="urn:schemas-microsoft-com:office:powerpoint" xmlns:com="http://schemas.openxmlformats.org/drawingml/2006/compatibility" xmlns:p14="http://schemas.microsoft.com/office/powerpoint/2010/main" xmlns:p15="http://schemas.microsoft.com/office/powerpoint/2012/main" matchingName="One column text">
+<p:sldLayout xmlns:a="http://schemas.openxmlformats.org/drawingml/2006/main" xmlns:r="http://schemas.openxmlformats.org/officeDocument/2006/relationships" xmlns:p="http://schemas.openxmlformats.org/presentationml/2006/main" matchingName="One column text">
   <p:cSld name="ONE_COLUMN_TEXT">
     <p:spTree>
       <p:nvGrpSpPr>
-        <p:cNvPr id="62" name="Shape 62"/>
+        <p:cNvPr id="1" name="Shape 62"/>
         <p:cNvGrpSpPr/>
         <p:nvPr/>
       </p:nvGrpSpPr>
@@ -5779,7 +5758,7 @@
             </a:xfrm>
             <a:prstGeom prst="diagStripe">
               <a:avLst>
-                <a:gd fmla="val 50000" name="adj"/>
+                <a:gd name="adj" fmla="val 50000"/>
               </a:avLst>
             </a:prstGeom>
             <a:solidFill>
@@ -5790,12 +5769,12 @@
             </a:ln>
           </p:spPr>
           <p:txBody>
-            <a:bodyPr anchorCtr="0" anchor="ctr" bIns="91425" lIns="91425" spcFirstLastPara="1" rIns="91425" wrap="square" tIns="91425">
+            <a:bodyPr spcFirstLastPara="1" wrap="square" lIns="91425" tIns="91425" rIns="91425" bIns="91425" anchor="ctr" anchorCtr="0">
               <a:noAutofit/>
             </a:bodyPr>
             <a:lstStyle/>
             <a:p>
-              <a:pPr indent="0" lvl="0" marL="0">
+              <a:pPr marL="0" lvl="0" indent="0">
                 <a:spcBef>
                   <a:spcPts val="0"/>
                 </a:spcBef>
@@ -5804,9 +5783,6 @@
                 </a:spcAft>
                 <a:buNone/>
               </a:pPr>
-              <a:r>
-                <a:t/>
-              </a:r>
               <a:endParaRPr/>
             </a:p>
           </p:txBody>
@@ -5824,7 +5800,7 @@
             </a:xfrm>
             <a:prstGeom prst="diagStripe">
               <a:avLst>
-                <a:gd fmla="val 50000" name="adj"/>
+                <a:gd name="adj" fmla="val 50000"/>
               </a:avLst>
             </a:prstGeom>
             <a:solidFill>
@@ -5835,12 +5811,12 @@
             </a:ln>
           </p:spPr>
           <p:txBody>
-            <a:bodyPr anchorCtr="0" anchor="ctr" bIns="91425" lIns="91425" spcFirstLastPara="1" rIns="91425" wrap="square" tIns="91425">
+            <a:bodyPr spcFirstLastPara="1" wrap="square" lIns="91425" tIns="91425" rIns="91425" bIns="91425" anchor="ctr" anchorCtr="0">
               <a:noAutofit/>
             </a:bodyPr>
             <a:lstStyle/>
             <a:p>
-              <a:pPr indent="0" lvl="0" marL="0">
+              <a:pPr marL="0" lvl="0" indent="0">
                 <a:spcBef>
                   <a:spcPts val="0"/>
                 </a:spcBef>
@@ -5849,9 +5825,6 @@
                 </a:spcAft>
                 <a:buNone/>
               </a:pPr>
-              <a:r>
-                <a:t/>
-              </a:r>
               <a:endParaRPr/>
             </a:p>
           </p:txBody>
@@ -5860,7 +5833,9 @@
       <p:sp>
         <p:nvSpPr>
           <p:cNvPr id="66" name="Shape 66"/>
-          <p:cNvSpPr txBox="1"/>
+          <p:cNvSpPr txBox="1">
+            <a:spLocks noGrp="1"/>
+          </p:cNvSpPr>
           <p:nvPr>
             <p:ph type="title"/>
           </p:nvPr>
@@ -5875,7 +5850,7 @@
           </a:prstGeom>
         </p:spPr>
         <p:txBody>
-          <a:bodyPr anchorCtr="0" anchor="t" bIns="91425" lIns="91425" spcFirstLastPara="1" rIns="91425" wrap="square" tIns="91425"/>
+          <a:bodyPr spcFirstLastPara="1" wrap="square" lIns="91425" tIns="91425" rIns="91425" bIns="91425" anchor="t" anchorCtr="0"/>
           <a:lstStyle>
             <a:lvl1pPr lvl="0">
               <a:spcBef>
@@ -5977,15 +5952,19 @@
               <a:defRPr sz="2400"/>
             </a:lvl9pPr>
           </a:lstStyle>
-          <a:p/>
+          <a:p>
+            <a:endParaRPr/>
+          </a:p>
         </p:txBody>
       </p:sp>
       <p:sp>
         <p:nvSpPr>
           <p:cNvPr id="67" name="Shape 67"/>
-          <p:cNvSpPr txBox="1"/>
+          <p:cNvSpPr txBox="1">
+            <a:spLocks noGrp="1"/>
+          </p:cNvSpPr>
           <p:nvPr>
-            <p:ph idx="1" type="body"/>
+            <p:ph type="body" idx="1"/>
           </p:nvPr>
         </p:nvSpPr>
         <p:spPr>
@@ -5998,9 +5977,9 @@
           </a:prstGeom>
         </p:spPr>
         <p:txBody>
-          <a:bodyPr anchorCtr="0" anchor="t" bIns="91425" lIns="91425" spcFirstLastPara="1" rIns="91425" wrap="square" tIns="91425"/>
+          <a:bodyPr spcFirstLastPara="1" wrap="square" lIns="91425" tIns="91425" rIns="91425" bIns="91425" anchor="t" anchorCtr="0"/>
           <a:lstStyle>
-            <a:lvl1pPr indent="-311150" lvl="0" marL="457200">
+            <a:lvl1pPr marL="457200" lvl="0" indent="-311150">
               <a:spcBef>
                 <a:spcPts val="0"/>
               </a:spcBef>
@@ -6011,7 +5990,7 @@
               <a:buChar char="●"/>
               <a:defRPr/>
             </a:lvl1pPr>
-            <a:lvl2pPr indent="-298450" lvl="1" marL="914400">
+            <a:lvl2pPr marL="914400" lvl="1" indent="-298450">
               <a:spcBef>
                 <a:spcPts val="1600"/>
               </a:spcBef>
@@ -6022,7 +6001,7 @@
               <a:buChar char="○"/>
               <a:defRPr/>
             </a:lvl2pPr>
-            <a:lvl3pPr indent="-298450" lvl="2" marL="1371600">
+            <a:lvl3pPr marL="1371600" lvl="2" indent="-298450">
               <a:spcBef>
                 <a:spcPts val="1600"/>
               </a:spcBef>
@@ -6033,7 +6012,7 @@
               <a:buChar char="■"/>
               <a:defRPr/>
             </a:lvl3pPr>
-            <a:lvl4pPr indent="-298450" lvl="3" marL="1828800">
+            <a:lvl4pPr marL="1828800" lvl="3" indent="-298450">
               <a:spcBef>
                 <a:spcPts val="1600"/>
               </a:spcBef>
@@ -6044,7 +6023,7 @@
               <a:buChar char="●"/>
               <a:defRPr/>
             </a:lvl4pPr>
-            <a:lvl5pPr indent="-298450" lvl="4" marL="2286000">
+            <a:lvl5pPr marL="2286000" lvl="4" indent="-298450">
               <a:spcBef>
                 <a:spcPts val="1600"/>
               </a:spcBef>
@@ -6055,7 +6034,7 @@
               <a:buChar char="○"/>
               <a:defRPr/>
             </a:lvl5pPr>
-            <a:lvl6pPr indent="-298450" lvl="5" marL="2743200">
+            <a:lvl6pPr marL="2743200" lvl="5" indent="-298450">
               <a:spcBef>
                 <a:spcPts val="1600"/>
               </a:spcBef>
@@ -6066,7 +6045,7 @@
               <a:buChar char="■"/>
               <a:defRPr/>
             </a:lvl6pPr>
-            <a:lvl7pPr indent="-298450" lvl="6" marL="3200400">
+            <a:lvl7pPr marL="3200400" lvl="6" indent="-298450">
               <a:spcBef>
                 <a:spcPts val="1600"/>
               </a:spcBef>
@@ -6077,7 +6056,7 @@
               <a:buChar char="●"/>
               <a:defRPr/>
             </a:lvl7pPr>
-            <a:lvl8pPr indent="-298450" lvl="7" marL="3657600">
+            <a:lvl8pPr marL="3657600" lvl="7" indent="-298450">
               <a:spcBef>
                 <a:spcPts val="1600"/>
               </a:spcBef>
@@ -6088,7 +6067,7 @@
               <a:buChar char="○"/>
               <a:defRPr/>
             </a:lvl8pPr>
-            <a:lvl9pPr indent="-298450" lvl="8" marL="4114800">
+            <a:lvl9pPr marL="4114800" lvl="8" indent="-298450">
               <a:spcBef>
                 <a:spcPts val="1600"/>
               </a:spcBef>
@@ -6100,15 +6079,19 @@
               <a:defRPr/>
             </a:lvl9pPr>
           </a:lstStyle>
-          <a:p/>
+          <a:p>
+            <a:endParaRPr/>
+          </a:p>
         </p:txBody>
       </p:sp>
       <p:sp>
         <p:nvSpPr>
           <p:cNvPr id="68" name="Shape 68"/>
-          <p:cNvSpPr txBox="1"/>
+          <p:cNvSpPr txBox="1">
+            <a:spLocks noGrp="1"/>
+          </p:cNvSpPr>
           <p:nvPr>
-            <p:ph idx="12" type="sldNum"/>
+            <p:ph type="sldNum" idx="12"/>
           </p:nvPr>
         </p:nvSpPr>
         <p:spPr>
@@ -6121,7 +6104,7 @@
           </a:prstGeom>
         </p:spPr>
         <p:txBody>
-          <a:bodyPr anchorCtr="0" anchor="ctr" bIns="91425" lIns="91425" spcFirstLastPara="1" rIns="91425" wrap="square" tIns="91425">
+          <a:bodyPr spcFirstLastPara="1" wrap="square" lIns="91425" tIns="91425" rIns="91425" bIns="91425" anchor="ctr" anchorCtr="0">
             <a:noAutofit/>
           </a:bodyPr>
           <a:lstStyle>
@@ -6190,7 +6173,7 @@
             </a:lvl9pPr>
           </a:lstStyle>
           <a:p>
-            <a:pPr indent="0" lvl="0" marL="0">
+            <a:pPr marL="0" lvl="0" indent="0">
               <a:spcBef>
                 <a:spcPts val="0"/>
               </a:spcBef>
@@ -6216,11 +6199,11 @@
 </file>
 
 <file path=ppt/slideLayouts/slideLayout7.xml><?xml version="1.0" encoding="utf-8"?>
-<p:sldLayout xmlns:a="http://schemas.openxmlformats.org/drawingml/2006/main" xmlns:r="http://schemas.openxmlformats.org/officeDocument/2006/relationships" xmlns:mc="http://schemas.openxmlformats.org/markup-compatibility/2006" xmlns:mv="urn:schemas-microsoft-com:mac:vml" xmlns:p="http://schemas.openxmlformats.org/presentationml/2006/main" xmlns:c="http://schemas.openxmlformats.org/drawingml/2006/chart" xmlns:dgm="http://schemas.openxmlformats.org/drawingml/2006/diagram" xmlns:o="urn:schemas-microsoft-com:office:office" xmlns:v="urn:schemas-microsoft-com:vml" xmlns:pvml="urn:schemas-microsoft-com:office:powerpoint" xmlns:com="http://schemas.openxmlformats.org/drawingml/2006/compatibility" xmlns:p14="http://schemas.microsoft.com/office/powerpoint/2010/main" xmlns:p15="http://schemas.microsoft.com/office/powerpoint/2012/main" matchingName="Main point">
+<p:sldLayout xmlns:a="http://schemas.openxmlformats.org/drawingml/2006/main" xmlns:r="http://schemas.openxmlformats.org/officeDocument/2006/relationships" xmlns:p="http://schemas.openxmlformats.org/presentationml/2006/main" matchingName="Main point">
   <p:cSld name="MAIN_POINT">
     <p:spTree>
       <p:nvGrpSpPr>
-        <p:cNvPr id="69" name="Shape 69"/>
+        <p:cNvPr id="1" name="Shape 69"/>
         <p:cNvGrpSpPr/>
         <p:nvPr/>
       </p:nvGrpSpPr>
@@ -6259,7 +6242,7 @@
             </a:xfrm>
             <a:prstGeom prst="diagStripe">
               <a:avLst>
-                <a:gd fmla="val 49469" name="adj"/>
+                <a:gd name="adj" fmla="val 49469"/>
               </a:avLst>
             </a:prstGeom>
             <a:solidFill>
@@ -6272,12 +6255,12 @@
             </a:ln>
           </p:spPr>
           <p:txBody>
-            <a:bodyPr anchorCtr="0" anchor="ctr" bIns="91425" lIns="91425" spcFirstLastPara="1" rIns="91425" wrap="square" tIns="91425">
+            <a:bodyPr spcFirstLastPara="1" wrap="square" lIns="91425" tIns="91425" rIns="91425" bIns="91425" anchor="ctr" anchorCtr="0">
               <a:noAutofit/>
             </a:bodyPr>
             <a:lstStyle/>
             <a:p>
-              <a:pPr indent="0" lvl="0" marL="0">
+              <a:pPr marL="0" lvl="0" indent="0">
                 <a:spcBef>
                   <a:spcPts val="0"/>
                 </a:spcBef>
@@ -6286,9 +6269,6 @@
                 </a:spcAft>
                 <a:buNone/>
               </a:pPr>
-              <a:r>
-                <a:t/>
-              </a:r>
               <a:endParaRPr/>
             </a:p>
           </p:txBody>
@@ -6306,7 +6286,7 @@
             </a:xfrm>
             <a:prstGeom prst="diagStripe">
               <a:avLst>
-                <a:gd fmla="val 0" name="adj"/>
+                <a:gd name="adj" fmla="val 0"/>
               </a:avLst>
             </a:prstGeom>
             <a:solidFill>
@@ -6319,12 +6299,12 @@
             </a:ln>
           </p:spPr>
           <p:txBody>
-            <a:bodyPr anchorCtr="0" anchor="ctr" bIns="91425" lIns="91425" spcFirstLastPara="1" rIns="91425" wrap="square" tIns="91425">
+            <a:bodyPr spcFirstLastPara="1" wrap="square" lIns="91425" tIns="91425" rIns="91425" bIns="91425" anchor="ctr" anchorCtr="0">
               <a:noAutofit/>
             </a:bodyPr>
             <a:lstStyle/>
             <a:p>
-              <a:pPr indent="0" lvl="0" marL="0">
+              <a:pPr marL="0" lvl="0" indent="0">
                 <a:spcBef>
                   <a:spcPts val="0"/>
                 </a:spcBef>
@@ -6333,9 +6313,6 @@
                 </a:spcAft>
                 <a:buNone/>
               </a:pPr>
-              <a:r>
-                <a:t/>
-              </a:r>
               <a:endParaRPr/>
             </a:p>
           </p:txBody>
@@ -6353,7 +6330,7 @@
             </a:xfrm>
             <a:prstGeom prst="diagStripe">
               <a:avLst>
-                <a:gd fmla="val 50000" name="adj"/>
+                <a:gd name="adj" fmla="val 50000"/>
               </a:avLst>
             </a:prstGeom>
             <a:solidFill>
@@ -6366,12 +6343,12 @@
             </a:ln>
           </p:spPr>
           <p:txBody>
-            <a:bodyPr anchorCtr="0" anchor="ctr" bIns="91425" lIns="91425" spcFirstLastPara="1" rIns="91425" wrap="square" tIns="91425">
+            <a:bodyPr spcFirstLastPara="1" wrap="square" lIns="91425" tIns="91425" rIns="91425" bIns="91425" anchor="ctr" anchorCtr="0">
               <a:noAutofit/>
             </a:bodyPr>
             <a:lstStyle/>
             <a:p>
-              <a:pPr indent="0" lvl="0" marL="0">
+              <a:pPr marL="0" lvl="0" indent="0">
                 <a:spcBef>
                   <a:spcPts val="0"/>
                 </a:spcBef>
@@ -6380,9 +6357,6 @@
                 </a:spcAft>
                 <a:buNone/>
               </a:pPr>
-              <a:r>
-                <a:t/>
-              </a:r>
               <a:endParaRPr/>
             </a:p>
           </p:txBody>
@@ -6400,7 +6374,7 @@
             </a:xfrm>
             <a:prstGeom prst="diagStripe">
               <a:avLst>
-                <a:gd fmla="val 50000" name="adj"/>
+                <a:gd name="adj" fmla="val 50000"/>
               </a:avLst>
             </a:prstGeom>
             <a:solidFill>
@@ -6413,12 +6387,12 @@
             </a:ln>
           </p:spPr>
           <p:txBody>
-            <a:bodyPr anchorCtr="0" anchor="ctr" bIns="91425" lIns="91425" spcFirstLastPara="1" rIns="91425" wrap="square" tIns="91425">
+            <a:bodyPr spcFirstLastPara="1" wrap="square" lIns="91425" tIns="91425" rIns="91425" bIns="91425" anchor="ctr" anchorCtr="0">
               <a:noAutofit/>
             </a:bodyPr>
             <a:lstStyle/>
             <a:p>
-              <a:pPr indent="0" lvl="0" marL="0">
+              <a:pPr marL="0" lvl="0" indent="0">
                 <a:spcBef>
                   <a:spcPts val="0"/>
                 </a:spcBef>
@@ -6427,9 +6401,6 @@
                 </a:spcAft>
                 <a:buNone/>
               </a:pPr>
-              <a:r>
-                <a:t/>
-              </a:r>
               <a:endParaRPr/>
             </a:p>
           </p:txBody>
@@ -6447,7 +6418,7 @@
             </a:xfrm>
             <a:prstGeom prst="diagStripe">
               <a:avLst>
-                <a:gd fmla="val 50000" name="adj"/>
+                <a:gd name="adj" fmla="val 50000"/>
               </a:avLst>
             </a:prstGeom>
             <a:solidFill>
@@ -6460,12 +6431,12 @@
             </a:ln>
           </p:spPr>
           <p:txBody>
-            <a:bodyPr anchorCtr="0" anchor="ctr" bIns="91425" lIns="91425" spcFirstLastPara="1" rIns="91425" wrap="square" tIns="91425">
+            <a:bodyPr spcFirstLastPara="1" wrap="square" lIns="91425" tIns="91425" rIns="91425" bIns="91425" anchor="ctr" anchorCtr="0">
               <a:noAutofit/>
             </a:bodyPr>
             <a:lstStyle/>
             <a:p>
-              <a:pPr indent="0" lvl="0" marL="0">
+              <a:pPr marL="0" lvl="0" indent="0">
                 <a:spcBef>
                   <a:spcPts val="0"/>
                 </a:spcBef>
@@ -6474,9 +6445,6 @@
                 </a:spcAft>
                 <a:buNone/>
               </a:pPr>
-              <a:r>
-                <a:t/>
-              </a:r>
               <a:endParaRPr/>
             </a:p>
           </p:txBody>
@@ -6494,7 +6462,7 @@
             </a:xfrm>
             <a:prstGeom prst="diagStripe">
               <a:avLst>
-                <a:gd fmla="val 50000" name="adj"/>
+                <a:gd name="adj" fmla="val 50000"/>
               </a:avLst>
             </a:prstGeom>
             <a:solidFill>
@@ -6507,12 +6475,12 @@
             </a:ln>
           </p:spPr>
           <p:txBody>
-            <a:bodyPr anchorCtr="0" anchor="ctr" bIns="91425" lIns="91425" spcFirstLastPara="1" rIns="91425" wrap="square" tIns="91425">
+            <a:bodyPr spcFirstLastPara="1" wrap="square" lIns="91425" tIns="91425" rIns="91425" bIns="91425" anchor="ctr" anchorCtr="0">
               <a:noAutofit/>
             </a:bodyPr>
             <a:lstStyle/>
             <a:p>
-              <a:pPr indent="0" lvl="0" marL="0">
+              <a:pPr marL="0" lvl="0" indent="0">
                 <a:spcBef>
                   <a:spcPts val="0"/>
                 </a:spcBef>
@@ -6521,9 +6489,6 @@
                 </a:spcAft>
                 <a:buNone/>
               </a:pPr>
-              <a:r>
-                <a:t/>
-              </a:r>
               <a:endParaRPr/>
             </a:p>
           </p:txBody>
@@ -6541,7 +6506,7 @@
             </a:xfrm>
             <a:prstGeom prst="diagStripe">
               <a:avLst>
-                <a:gd fmla="val 50000" name="adj"/>
+                <a:gd name="adj" fmla="val 50000"/>
               </a:avLst>
             </a:prstGeom>
             <a:solidFill>
@@ -6554,12 +6519,12 @@
             </a:ln>
           </p:spPr>
           <p:txBody>
-            <a:bodyPr anchorCtr="0" anchor="ctr" bIns="91425" lIns="91425" spcFirstLastPara="1" rIns="91425" wrap="square" tIns="91425">
+            <a:bodyPr spcFirstLastPara="1" wrap="square" lIns="91425" tIns="91425" rIns="91425" bIns="91425" anchor="ctr" anchorCtr="0">
               <a:noAutofit/>
             </a:bodyPr>
             <a:lstStyle/>
             <a:p>
-              <a:pPr indent="0" lvl="0" marL="0">
+              <a:pPr marL="0" lvl="0" indent="0">
                 <a:spcBef>
                   <a:spcPts val="0"/>
                 </a:spcBef>
@@ -6568,9 +6533,6 @@
                 </a:spcAft>
                 <a:buNone/>
               </a:pPr>
-              <a:r>
-                <a:t/>
-              </a:r>
               <a:endParaRPr/>
             </a:p>
           </p:txBody>
@@ -6588,7 +6550,7 @@
             </a:xfrm>
             <a:prstGeom prst="diagStripe">
               <a:avLst>
-                <a:gd fmla="val 50000" name="adj"/>
+                <a:gd name="adj" fmla="val 50000"/>
               </a:avLst>
             </a:prstGeom>
             <a:solidFill>
@@ -6599,12 +6561,12 @@
             </a:ln>
           </p:spPr>
           <p:txBody>
-            <a:bodyPr anchorCtr="0" anchor="ctr" bIns="91425" lIns="91425" spcFirstLastPara="1" rIns="91425" wrap="square" tIns="91425">
+            <a:bodyPr spcFirstLastPara="1" wrap="square" lIns="91425" tIns="91425" rIns="91425" bIns="91425" anchor="ctr" anchorCtr="0">
               <a:noAutofit/>
             </a:bodyPr>
             <a:lstStyle/>
             <a:p>
-              <a:pPr indent="0" lvl="0" marL="0">
+              <a:pPr marL="0" lvl="0" indent="0">
                 <a:spcBef>
                   <a:spcPts val="0"/>
                 </a:spcBef>
@@ -6613,9 +6575,6 @@
                 </a:spcAft>
                 <a:buNone/>
               </a:pPr>
-              <a:r>
-                <a:t/>
-              </a:r>
               <a:endParaRPr/>
             </a:p>
           </p:txBody>
@@ -6633,7 +6592,7 @@
             </a:xfrm>
             <a:prstGeom prst="diagStripe">
               <a:avLst>
-                <a:gd fmla="val 50000" name="adj"/>
+                <a:gd name="adj" fmla="val 50000"/>
               </a:avLst>
             </a:prstGeom>
             <a:solidFill>
@@ -6646,12 +6605,12 @@
             </a:ln>
           </p:spPr>
           <p:txBody>
-            <a:bodyPr anchorCtr="0" anchor="ctr" bIns="91425" lIns="91425" spcFirstLastPara="1" rIns="91425" wrap="square" tIns="91425">
+            <a:bodyPr spcFirstLastPara="1" wrap="square" lIns="91425" tIns="91425" rIns="91425" bIns="91425" anchor="ctr" anchorCtr="0">
               <a:noAutofit/>
             </a:bodyPr>
             <a:lstStyle/>
             <a:p>
-              <a:pPr indent="0" lvl="0" marL="0">
+              <a:pPr marL="0" lvl="0" indent="0">
                 <a:spcBef>
                   <a:spcPts val="0"/>
                 </a:spcBef>
@@ -6660,9 +6619,6 @@
                 </a:spcAft>
                 <a:buNone/>
               </a:pPr>
-              <a:r>
-                <a:t/>
-              </a:r>
               <a:endParaRPr/>
             </a:p>
           </p:txBody>
@@ -6680,7 +6636,7 @@
             </a:xfrm>
             <a:prstGeom prst="diagStripe">
               <a:avLst>
-                <a:gd fmla="val 50000" name="adj"/>
+                <a:gd name="adj" fmla="val 50000"/>
               </a:avLst>
             </a:prstGeom>
             <a:solidFill>
@@ -6693,12 +6649,12 @@
             </a:ln>
           </p:spPr>
           <p:txBody>
-            <a:bodyPr anchorCtr="0" anchor="ctr" bIns="91425" lIns="91425" spcFirstLastPara="1" rIns="91425" wrap="square" tIns="91425">
+            <a:bodyPr spcFirstLastPara="1" wrap="square" lIns="91425" tIns="91425" rIns="91425" bIns="91425" anchor="ctr" anchorCtr="0">
               <a:noAutofit/>
             </a:bodyPr>
             <a:lstStyle/>
             <a:p>
-              <a:pPr indent="0" lvl="0" marL="0">
+              <a:pPr marL="0" lvl="0" indent="0">
                 <a:spcBef>
                   <a:spcPts val="0"/>
                 </a:spcBef>
@@ -6707,9 +6663,6 @@
                 </a:spcAft>
                 <a:buNone/>
               </a:pPr>
-              <a:r>
-                <a:t/>
-              </a:r>
               <a:endParaRPr/>
             </a:p>
           </p:txBody>
@@ -6727,7 +6680,7 @@
             </a:xfrm>
             <a:prstGeom prst="diagStripe">
               <a:avLst>
-                <a:gd fmla="val 50000" name="adj"/>
+                <a:gd name="adj" fmla="val 50000"/>
               </a:avLst>
             </a:prstGeom>
             <a:solidFill>
@@ -6740,12 +6693,12 @@
             </a:ln>
           </p:spPr>
           <p:txBody>
-            <a:bodyPr anchorCtr="0" anchor="ctr" bIns="91425" lIns="91425" spcFirstLastPara="1" rIns="91425" wrap="square" tIns="91425">
+            <a:bodyPr spcFirstLastPara="1" wrap="square" lIns="91425" tIns="91425" rIns="91425" bIns="91425" anchor="ctr" anchorCtr="0">
               <a:noAutofit/>
             </a:bodyPr>
             <a:lstStyle/>
             <a:p>
-              <a:pPr indent="0" lvl="0" marL="0">
+              <a:pPr marL="0" lvl="0" indent="0">
                 <a:spcBef>
                   <a:spcPts val="0"/>
                 </a:spcBef>
@@ -6754,9 +6707,6 @@
                 </a:spcAft>
                 <a:buNone/>
               </a:pPr>
-              <a:r>
-                <a:t/>
-              </a:r>
               <a:endParaRPr/>
             </a:p>
           </p:txBody>
@@ -6774,7 +6724,7 @@
             </a:xfrm>
             <a:prstGeom prst="diagStripe">
               <a:avLst>
-                <a:gd fmla="val 50000" name="adj"/>
+                <a:gd name="adj" fmla="val 50000"/>
               </a:avLst>
             </a:prstGeom>
             <a:solidFill>
@@ -6787,12 +6737,12 @@
             </a:ln>
           </p:spPr>
           <p:txBody>
-            <a:bodyPr anchorCtr="0" anchor="ctr" bIns="91425" lIns="91425" spcFirstLastPara="1" rIns="91425" wrap="square" tIns="91425">
+            <a:bodyPr spcFirstLastPara="1" wrap="square" lIns="91425" tIns="91425" rIns="91425" bIns="91425" anchor="ctr" anchorCtr="0">
               <a:noAutofit/>
             </a:bodyPr>
             <a:lstStyle/>
             <a:p>
-              <a:pPr indent="0" lvl="0" marL="0">
+              <a:pPr marL="0" lvl="0" indent="0">
                 <a:spcBef>
                   <a:spcPts val="0"/>
                 </a:spcBef>
@@ -6801,9 +6751,6 @@
                 </a:spcAft>
                 <a:buNone/>
               </a:pPr>
-              <a:r>
-                <a:t/>
-              </a:r>
               <a:endParaRPr/>
             </a:p>
           </p:txBody>
@@ -6821,7 +6768,7 @@
             </a:xfrm>
             <a:prstGeom prst="diagStripe">
               <a:avLst>
-                <a:gd fmla="val 50000" name="adj"/>
+                <a:gd name="adj" fmla="val 50000"/>
               </a:avLst>
             </a:prstGeom>
             <a:solidFill>
@@ -6834,12 +6781,12 @@
             </a:ln>
           </p:spPr>
           <p:txBody>
-            <a:bodyPr anchorCtr="0" anchor="ctr" bIns="91425" lIns="91425" spcFirstLastPara="1" rIns="91425" wrap="square" tIns="91425">
+            <a:bodyPr spcFirstLastPara="1" wrap="square" lIns="91425" tIns="91425" rIns="91425" bIns="91425" anchor="ctr" anchorCtr="0">
               <a:noAutofit/>
             </a:bodyPr>
             <a:lstStyle/>
             <a:p>
-              <a:pPr indent="0" lvl="0" marL="0">
+              <a:pPr marL="0" lvl="0" indent="0">
                 <a:spcBef>
                   <a:spcPts val="0"/>
                 </a:spcBef>
@@ -6848,9 +6795,6 @@
                 </a:spcAft>
                 <a:buNone/>
               </a:pPr>
-              <a:r>
-                <a:t/>
-              </a:r>
               <a:endParaRPr/>
             </a:p>
           </p:txBody>
@@ -6868,7 +6812,7 @@
             </a:xfrm>
             <a:prstGeom prst="diagStripe">
               <a:avLst>
-                <a:gd fmla="val 50000" name="adj"/>
+                <a:gd name="adj" fmla="val 50000"/>
               </a:avLst>
             </a:prstGeom>
             <a:solidFill>
@@ -6879,12 +6823,12 @@
             </a:ln>
           </p:spPr>
           <p:txBody>
-            <a:bodyPr anchorCtr="0" anchor="ctr" bIns="91425" lIns="91425" spcFirstLastPara="1" rIns="91425" wrap="square" tIns="91425">
+            <a:bodyPr spcFirstLastPara="1" wrap="square" lIns="91425" tIns="91425" rIns="91425" bIns="91425" anchor="ctr" anchorCtr="0">
               <a:noAutofit/>
             </a:bodyPr>
             <a:lstStyle/>
             <a:p>
-              <a:pPr indent="0" lvl="0" marL="0">
+              <a:pPr marL="0" lvl="0" indent="0">
                 <a:spcBef>
                   <a:spcPts val="0"/>
                 </a:spcBef>
@@ -6893,9 +6837,6 @@
                 </a:spcAft>
                 <a:buNone/>
               </a:pPr>
-              <a:r>
-                <a:t/>
-              </a:r>
               <a:endParaRPr/>
             </a:p>
           </p:txBody>
@@ -6913,7 +6854,7 @@
             </a:xfrm>
             <a:prstGeom prst="diagStripe">
               <a:avLst>
-                <a:gd fmla="val 50000" name="adj"/>
+                <a:gd name="adj" fmla="val 50000"/>
               </a:avLst>
             </a:prstGeom>
             <a:solidFill>
@@ -6926,12 +6867,12 @@
             </a:ln>
           </p:spPr>
           <p:txBody>
-            <a:bodyPr anchorCtr="0" anchor="ctr" bIns="91425" lIns="91425" spcFirstLastPara="1" rIns="91425" wrap="square" tIns="91425">
+            <a:bodyPr spcFirstLastPara="1" wrap="square" lIns="91425" tIns="91425" rIns="91425" bIns="91425" anchor="ctr" anchorCtr="0">
               <a:noAutofit/>
             </a:bodyPr>
             <a:lstStyle/>
             <a:p>
-              <a:pPr indent="0" lvl="0" marL="0">
+              <a:pPr marL="0" lvl="0" indent="0">
                 <a:spcBef>
                   <a:spcPts val="0"/>
                 </a:spcBef>
@@ -6940,9 +6881,6 @@
                 </a:spcAft>
                 <a:buNone/>
               </a:pPr>
-              <a:r>
-                <a:t/>
-              </a:r>
               <a:endParaRPr/>
             </a:p>
           </p:txBody>
@@ -6960,7 +6898,7 @@
             </a:xfrm>
             <a:prstGeom prst="diagStripe">
               <a:avLst>
-                <a:gd fmla="val 50000" name="adj"/>
+                <a:gd name="adj" fmla="val 50000"/>
               </a:avLst>
             </a:prstGeom>
             <a:solidFill>
@@ -6973,12 +6911,12 @@
             </a:ln>
           </p:spPr>
           <p:txBody>
-            <a:bodyPr anchorCtr="0" anchor="ctr" bIns="91425" lIns="91425" spcFirstLastPara="1" rIns="91425" wrap="square" tIns="91425">
+            <a:bodyPr spcFirstLastPara="1" wrap="square" lIns="91425" tIns="91425" rIns="91425" bIns="91425" anchor="ctr" anchorCtr="0">
               <a:noAutofit/>
             </a:bodyPr>
             <a:lstStyle/>
             <a:p>
-              <a:pPr indent="0" lvl="0" marL="0">
+              <a:pPr marL="0" lvl="0" indent="0">
                 <a:spcBef>
                   <a:spcPts val="0"/>
                 </a:spcBef>
@@ -6987,9 +6925,6 @@
                 </a:spcAft>
                 <a:buNone/>
               </a:pPr>
-              <a:r>
-                <a:t/>
-              </a:r>
               <a:endParaRPr/>
             </a:p>
           </p:txBody>
@@ -7007,7 +6942,7 @@
             </a:xfrm>
             <a:prstGeom prst="diagStripe">
               <a:avLst>
-                <a:gd fmla="val 50000" name="adj"/>
+                <a:gd name="adj" fmla="val 50000"/>
               </a:avLst>
             </a:prstGeom>
             <a:solidFill>
@@ -7020,12 +6955,12 @@
             </a:ln>
           </p:spPr>
           <p:txBody>
-            <a:bodyPr anchorCtr="0" anchor="ctr" bIns="91425" lIns="91425" spcFirstLastPara="1" rIns="91425" wrap="square" tIns="91425">
+            <a:bodyPr spcFirstLastPara="1" wrap="square" lIns="91425" tIns="91425" rIns="91425" bIns="91425" anchor="ctr" anchorCtr="0">
               <a:noAutofit/>
             </a:bodyPr>
             <a:lstStyle/>
             <a:p>
-              <a:pPr indent="0" lvl="0" marL="0">
+              <a:pPr marL="0" lvl="0" indent="0">
                 <a:spcBef>
                   <a:spcPts val="0"/>
                 </a:spcBef>
@@ -7034,9 +6969,6 @@
                 </a:spcAft>
                 <a:buNone/>
               </a:pPr>
-              <a:r>
-                <a:t/>
-              </a:r>
               <a:endParaRPr/>
             </a:p>
           </p:txBody>
@@ -7054,7 +6986,7 @@
             </a:xfrm>
             <a:prstGeom prst="diagStripe">
               <a:avLst>
-                <a:gd fmla="val 50000" name="adj"/>
+                <a:gd name="adj" fmla="val 50000"/>
               </a:avLst>
             </a:prstGeom>
             <a:solidFill>
@@ -7067,12 +6999,12 @@
             </a:ln>
           </p:spPr>
           <p:txBody>
-            <a:bodyPr anchorCtr="0" anchor="ctr" bIns="91425" lIns="91425" spcFirstLastPara="1" rIns="91425" wrap="square" tIns="91425">
+            <a:bodyPr spcFirstLastPara="1" wrap="square" lIns="91425" tIns="91425" rIns="91425" bIns="91425" anchor="ctr" anchorCtr="0">
               <a:noAutofit/>
             </a:bodyPr>
             <a:lstStyle/>
             <a:p>
-              <a:pPr indent="0" lvl="0" marL="0">
+              <a:pPr marL="0" lvl="0" indent="0">
                 <a:spcBef>
                   <a:spcPts val="0"/>
                 </a:spcBef>
@@ -7081,9 +7013,6 @@
                 </a:spcAft>
                 <a:buNone/>
               </a:pPr>
-              <a:r>
-                <a:t/>
-              </a:r>
               <a:endParaRPr/>
             </a:p>
           </p:txBody>
@@ -7092,7 +7021,9 @@
       <p:sp>
         <p:nvSpPr>
           <p:cNvPr id="89" name="Shape 89"/>
-          <p:cNvSpPr txBox="1"/>
+          <p:cNvSpPr txBox="1">
+            <a:spLocks noGrp="1"/>
+          </p:cNvSpPr>
           <p:nvPr>
             <p:ph type="title"/>
           </p:nvPr>
@@ -7107,7 +7038,7 @@
           </a:prstGeom>
         </p:spPr>
         <p:txBody>
-          <a:bodyPr anchorCtr="0" anchor="ctr" bIns="91425" lIns="91425" spcFirstLastPara="1" rIns="91425" wrap="square" tIns="91425"/>
+          <a:bodyPr spcFirstLastPara="1" wrap="square" lIns="91425" tIns="91425" rIns="91425" bIns="91425" anchor="ctr" anchorCtr="0"/>
           <a:lstStyle>
             <a:lvl1pPr lvl="0">
               <a:spcBef>
@@ -7209,15 +7140,19 @@
               <a:defRPr/>
             </a:lvl9pPr>
           </a:lstStyle>
-          <a:p/>
+          <a:p>
+            <a:endParaRPr/>
+          </a:p>
         </p:txBody>
       </p:sp>
       <p:sp>
         <p:nvSpPr>
           <p:cNvPr id="90" name="Shape 90"/>
-          <p:cNvSpPr txBox="1"/>
+          <p:cNvSpPr txBox="1">
+            <a:spLocks noGrp="1"/>
+          </p:cNvSpPr>
           <p:nvPr>
-            <p:ph idx="12" type="sldNum"/>
+            <p:ph type="sldNum" idx="12"/>
           </p:nvPr>
         </p:nvSpPr>
         <p:spPr>
@@ -7230,7 +7165,7 @@
           </a:prstGeom>
         </p:spPr>
         <p:txBody>
-          <a:bodyPr anchorCtr="0" anchor="ctr" bIns="91425" lIns="91425" spcFirstLastPara="1" rIns="91425" wrap="square" tIns="91425">
+          <a:bodyPr spcFirstLastPara="1" wrap="square" lIns="91425" tIns="91425" rIns="91425" bIns="91425" anchor="ctr" anchorCtr="0">
             <a:noAutofit/>
           </a:bodyPr>
           <a:lstStyle>
@@ -7299,7 +7234,7 @@
             </a:lvl9pPr>
           </a:lstStyle>
           <a:p>
-            <a:pPr indent="0" lvl="0" marL="0">
+            <a:pPr marL="0" lvl="0" indent="0">
               <a:spcBef>
                 <a:spcPts val="0"/>
               </a:spcBef>
@@ -7325,11 +7260,11 @@
 </file>
 
 <file path=ppt/slideLayouts/slideLayout8.xml><?xml version="1.0" encoding="utf-8"?>
-<p:sldLayout xmlns:a="http://schemas.openxmlformats.org/drawingml/2006/main" xmlns:r="http://schemas.openxmlformats.org/officeDocument/2006/relationships" xmlns:mc="http://schemas.openxmlformats.org/markup-compatibility/2006" xmlns:mv="urn:schemas-microsoft-com:mac:vml" xmlns:p="http://schemas.openxmlformats.org/presentationml/2006/main" xmlns:c="http://schemas.openxmlformats.org/drawingml/2006/chart" xmlns:dgm="http://schemas.openxmlformats.org/drawingml/2006/diagram" xmlns:o="urn:schemas-microsoft-com:office:office" xmlns:v="urn:schemas-microsoft-com:vml" xmlns:pvml="urn:schemas-microsoft-com:office:powerpoint" xmlns:com="http://schemas.openxmlformats.org/drawingml/2006/compatibility" xmlns:p14="http://schemas.microsoft.com/office/powerpoint/2010/main" xmlns:p15="http://schemas.microsoft.com/office/powerpoint/2012/main" matchingName="Section title and description">
+<p:sldLayout xmlns:a="http://schemas.openxmlformats.org/drawingml/2006/main" xmlns:r="http://schemas.openxmlformats.org/officeDocument/2006/relationships" xmlns:p="http://schemas.openxmlformats.org/presentationml/2006/main" matchingName="Section title and description">
   <p:cSld name="SECTION_TITLE_AND_DESCRIPTION">
     <p:spTree>
       <p:nvGrpSpPr>
-        <p:cNvPr id="91" name="Shape 91"/>
+        <p:cNvPr id="1" name="Shape 91"/>
         <p:cNvGrpSpPr/>
         <p:nvPr/>
       </p:nvGrpSpPr>
@@ -7368,7 +7303,7 @@
             </a:xfrm>
             <a:prstGeom prst="diagStripe">
               <a:avLst>
-                <a:gd fmla="val 50000" name="adj"/>
+                <a:gd name="adj" fmla="val 50000"/>
               </a:avLst>
             </a:prstGeom>
             <a:solidFill>
@@ -7379,12 +7314,12 @@
             </a:ln>
           </p:spPr>
           <p:txBody>
-            <a:bodyPr anchorCtr="0" anchor="ctr" bIns="91425" lIns="91425" spcFirstLastPara="1" rIns="91425" wrap="square" tIns="91425">
+            <a:bodyPr spcFirstLastPara="1" wrap="square" lIns="91425" tIns="91425" rIns="91425" bIns="91425" anchor="ctr" anchorCtr="0">
               <a:noAutofit/>
             </a:bodyPr>
             <a:lstStyle/>
             <a:p>
-              <a:pPr indent="0" lvl="0" marL="0">
+              <a:pPr marL="0" lvl="0" indent="0">
                 <a:spcBef>
                   <a:spcPts val="0"/>
                 </a:spcBef>
@@ -7393,9 +7328,6 @@
                 </a:spcAft>
                 <a:buNone/>
               </a:pPr>
-              <a:r>
-                <a:t/>
-              </a:r>
               <a:endParaRPr/>
             </a:p>
           </p:txBody>
@@ -7413,7 +7345,7 @@
             </a:xfrm>
             <a:prstGeom prst="diagStripe">
               <a:avLst>
-                <a:gd fmla="val 50000" name="adj"/>
+                <a:gd name="adj" fmla="val 50000"/>
               </a:avLst>
             </a:prstGeom>
             <a:solidFill>
@@ -7424,12 +7356,12 @@
             </a:ln>
           </p:spPr>
           <p:txBody>
-            <a:bodyPr anchorCtr="0" anchor="ctr" bIns="91425" lIns="91425" spcFirstLastPara="1" rIns="91425" wrap="square" tIns="91425">
+            <a:bodyPr spcFirstLastPara="1" wrap="square" lIns="91425" tIns="91425" rIns="91425" bIns="91425" anchor="ctr" anchorCtr="0">
               <a:noAutofit/>
             </a:bodyPr>
             <a:lstStyle/>
             <a:p>
-              <a:pPr indent="0" lvl="0" marL="0">
+              <a:pPr marL="0" lvl="0" indent="0">
                 <a:spcBef>
                   <a:spcPts val="0"/>
                 </a:spcBef>
@@ -7438,9 +7370,6 @@
                 </a:spcAft>
                 <a:buNone/>
               </a:pPr>
-              <a:r>
-                <a:t/>
-              </a:r>
               <a:endParaRPr/>
             </a:p>
           </p:txBody>
@@ -7449,7 +7378,9 @@
       <p:sp>
         <p:nvSpPr>
           <p:cNvPr id="95" name="Shape 95"/>
-          <p:cNvSpPr txBox="1"/>
+          <p:cNvSpPr txBox="1">
+            <a:spLocks noGrp="1"/>
+          </p:cNvSpPr>
           <p:nvPr>
             <p:ph type="title"/>
           </p:nvPr>
@@ -7464,7 +7395,7 @@
           </a:prstGeom>
         </p:spPr>
         <p:txBody>
-          <a:bodyPr anchorCtr="0" anchor="t" bIns="91425" lIns="91425" spcFirstLastPara="1" rIns="91425" wrap="square" tIns="91425"/>
+          <a:bodyPr spcFirstLastPara="1" wrap="square" lIns="91425" tIns="91425" rIns="91425" bIns="91425" anchor="t" anchorCtr="0"/>
           <a:lstStyle>
             <a:lvl1pPr lvl="0">
               <a:spcBef>
@@ -7566,15 +7497,19 @@
               <a:defRPr sz="2400"/>
             </a:lvl9pPr>
           </a:lstStyle>
-          <a:p/>
+          <a:p>
+            <a:endParaRPr/>
+          </a:p>
         </p:txBody>
       </p:sp>
       <p:sp>
         <p:nvSpPr>
           <p:cNvPr id="96" name="Shape 96"/>
-          <p:cNvSpPr txBox="1"/>
+          <p:cNvSpPr txBox="1">
+            <a:spLocks noGrp="1"/>
+          </p:cNvSpPr>
           <p:nvPr>
-            <p:ph idx="1" type="subTitle"/>
+            <p:ph type="subTitle" idx="1"/>
           </p:nvPr>
         </p:nvSpPr>
         <p:spPr>
@@ -7587,7 +7522,7 @@
           </a:prstGeom>
         </p:spPr>
         <p:txBody>
-          <a:bodyPr anchorCtr="0" anchor="t" bIns="91425" lIns="91425" spcFirstLastPara="1" rIns="91425" wrap="square" tIns="91425"/>
+          <a:bodyPr spcFirstLastPara="1" wrap="square" lIns="91425" tIns="91425" rIns="91425" bIns="91425" anchor="t" anchorCtr="0"/>
           <a:lstStyle>
             <a:lvl1pPr lvl="0">
               <a:lnSpc>
@@ -7716,15 +7651,19 @@
               <a:defRPr sz="1300"/>
             </a:lvl9pPr>
           </a:lstStyle>
-          <a:p/>
+          <a:p>
+            <a:endParaRPr/>
+          </a:p>
         </p:txBody>
       </p:sp>
       <p:sp>
         <p:nvSpPr>
           <p:cNvPr id="97" name="Shape 97"/>
-          <p:cNvSpPr txBox="1"/>
+          <p:cNvSpPr txBox="1">
+            <a:spLocks noGrp="1"/>
+          </p:cNvSpPr>
           <p:nvPr>
-            <p:ph idx="2" type="body"/>
+            <p:ph type="body" idx="2"/>
           </p:nvPr>
         </p:nvSpPr>
         <p:spPr>
@@ -7737,9 +7676,9 @@
           </a:prstGeom>
         </p:spPr>
         <p:txBody>
-          <a:bodyPr anchorCtr="0" anchor="t" bIns="91425" lIns="91425" spcFirstLastPara="1" rIns="91425" wrap="square" tIns="91425"/>
+          <a:bodyPr spcFirstLastPara="1" wrap="square" lIns="91425" tIns="91425" rIns="91425" bIns="91425" anchor="t" anchorCtr="0"/>
           <a:lstStyle>
-            <a:lvl1pPr indent="-311150" lvl="0" marL="457200">
+            <a:lvl1pPr marL="457200" lvl="0" indent="-311150">
               <a:spcBef>
                 <a:spcPts val="0"/>
               </a:spcBef>
@@ -7750,7 +7689,7 @@
               <a:buChar char="●"/>
               <a:defRPr/>
             </a:lvl1pPr>
-            <a:lvl2pPr indent="-298450" lvl="1" marL="914400">
+            <a:lvl2pPr marL="914400" lvl="1" indent="-298450">
               <a:spcBef>
                 <a:spcPts val="1600"/>
               </a:spcBef>
@@ -7761,7 +7700,7 @@
               <a:buChar char="○"/>
               <a:defRPr/>
             </a:lvl2pPr>
-            <a:lvl3pPr indent="-298450" lvl="2" marL="1371600">
+            <a:lvl3pPr marL="1371600" lvl="2" indent="-298450">
               <a:spcBef>
                 <a:spcPts val="1600"/>
               </a:spcBef>
@@ -7772,7 +7711,7 @@
               <a:buChar char="■"/>
               <a:defRPr/>
             </a:lvl3pPr>
-            <a:lvl4pPr indent="-298450" lvl="3" marL="1828800">
+            <a:lvl4pPr marL="1828800" lvl="3" indent="-298450">
               <a:spcBef>
                 <a:spcPts val="1600"/>
               </a:spcBef>
@@ -7783,7 +7722,7 @@
               <a:buChar char="●"/>
               <a:defRPr/>
             </a:lvl4pPr>
-            <a:lvl5pPr indent="-298450" lvl="4" marL="2286000">
+            <a:lvl5pPr marL="2286000" lvl="4" indent="-298450">
               <a:spcBef>
                 <a:spcPts val="1600"/>
               </a:spcBef>
@@ -7794,7 +7733,7 @@
               <a:buChar char="○"/>
               <a:defRPr/>
             </a:lvl5pPr>
-            <a:lvl6pPr indent="-298450" lvl="5" marL="2743200">
+            <a:lvl6pPr marL="2743200" lvl="5" indent="-298450">
               <a:spcBef>
                 <a:spcPts val="1600"/>
               </a:spcBef>
@@ -7805,7 +7744,7 @@
               <a:buChar char="■"/>
               <a:defRPr/>
             </a:lvl6pPr>
-            <a:lvl7pPr indent="-298450" lvl="6" marL="3200400">
+            <a:lvl7pPr marL="3200400" lvl="6" indent="-298450">
               <a:spcBef>
                 <a:spcPts val="1600"/>
               </a:spcBef>
@@ -7816,7 +7755,7 @@
               <a:buChar char="●"/>
               <a:defRPr/>
             </a:lvl7pPr>
-            <a:lvl8pPr indent="-298450" lvl="7" marL="3657600">
+            <a:lvl8pPr marL="3657600" lvl="7" indent="-298450">
               <a:spcBef>
                 <a:spcPts val="1600"/>
               </a:spcBef>
@@ -7827,7 +7766,7 @@
               <a:buChar char="○"/>
               <a:defRPr/>
             </a:lvl8pPr>
-            <a:lvl9pPr indent="-298450" lvl="8" marL="4114800">
+            <a:lvl9pPr marL="4114800" lvl="8" indent="-298450">
               <a:spcBef>
                 <a:spcPts val="1600"/>
               </a:spcBef>
@@ -7839,15 +7778,19 @@
               <a:defRPr/>
             </a:lvl9pPr>
           </a:lstStyle>
-          <a:p/>
+          <a:p>
+            <a:endParaRPr/>
+          </a:p>
         </p:txBody>
       </p:sp>
       <p:sp>
         <p:nvSpPr>
           <p:cNvPr id="98" name="Shape 98"/>
-          <p:cNvSpPr txBox="1"/>
+          <p:cNvSpPr txBox="1">
+            <a:spLocks noGrp="1"/>
+          </p:cNvSpPr>
           <p:nvPr>
-            <p:ph idx="12" type="sldNum"/>
+            <p:ph type="sldNum" idx="12"/>
           </p:nvPr>
         </p:nvSpPr>
         <p:spPr>
@@ -7860,7 +7803,7 @@
           </a:prstGeom>
         </p:spPr>
         <p:txBody>
-          <a:bodyPr anchorCtr="0" anchor="ctr" bIns="91425" lIns="91425" spcFirstLastPara="1" rIns="91425" wrap="square" tIns="91425">
+          <a:bodyPr spcFirstLastPara="1" wrap="square" lIns="91425" tIns="91425" rIns="91425" bIns="91425" anchor="ctr" anchorCtr="0">
             <a:noAutofit/>
           </a:bodyPr>
           <a:lstStyle>
@@ -7929,7 +7872,7 @@
             </a:lvl9pPr>
           </a:lstStyle>
           <a:p>
-            <a:pPr indent="0" lvl="0" marL="0">
+            <a:pPr marL="0" lvl="0" indent="0">
               <a:spcBef>
                 <a:spcPts val="0"/>
               </a:spcBef>
@@ -7955,11 +7898,11 @@
 </file>
 
 <file path=ppt/slideLayouts/slideLayout9.xml><?xml version="1.0" encoding="utf-8"?>
-<p:sldLayout xmlns:a="http://schemas.openxmlformats.org/drawingml/2006/main" xmlns:r="http://schemas.openxmlformats.org/officeDocument/2006/relationships" xmlns:mc="http://schemas.openxmlformats.org/markup-compatibility/2006" xmlns:mv="urn:schemas-microsoft-com:mac:vml" xmlns:p="http://schemas.openxmlformats.org/presentationml/2006/main" xmlns:c="http://schemas.openxmlformats.org/drawingml/2006/chart" xmlns:dgm="http://schemas.openxmlformats.org/drawingml/2006/diagram" xmlns:o="urn:schemas-microsoft-com:office:office" xmlns:v="urn:schemas-microsoft-com:vml" xmlns:pvml="urn:schemas-microsoft-com:office:powerpoint" xmlns:com="http://schemas.openxmlformats.org/drawingml/2006/compatibility" xmlns:p14="http://schemas.microsoft.com/office/powerpoint/2010/main" xmlns:p15="http://schemas.microsoft.com/office/powerpoint/2012/main" matchingName="Caption">
+<p:sldLayout xmlns:a="http://schemas.openxmlformats.org/drawingml/2006/main" xmlns:r="http://schemas.openxmlformats.org/officeDocument/2006/relationships" xmlns:p="http://schemas.openxmlformats.org/presentationml/2006/main" matchingName="Caption">
   <p:cSld name="CAPTION_ONLY">
     <p:spTree>
       <p:nvGrpSpPr>
-        <p:cNvPr id="99" name="Shape 99"/>
+        <p:cNvPr id="1" name="Shape 99"/>
         <p:cNvGrpSpPr/>
         <p:nvPr/>
       </p:nvGrpSpPr>
@@ -7998,7 +7941,7 @@
             </a:xfrm>
             <a:prstGeom prst="diagStripe">
               <a:avLst>
-                <a:gd fmla="val 50000" name="adj"/>
+                <a:gd name="adj" fmla="val 50000"/>
               </a:avLst>
             </a:prstGeom>
             <a:solidFill>
@@ -8011,12 +7954,12 @@
             </a:ln>
           </p:spPr>
           <p:txBody>
-            <a:bodyPr anchorCtr="0" anchor="ctr" bIns="91425" lIns="91425" spcFirstLastPara="1" rIns="91425" wrap="square" tIns="91425">
+            <a:bodyPr spcFirstLastPara="1" wrap="square" lIns="91425" tIns="91425" rIns="91425" bIns="91425" anchor="ctr" anchorCtr="0">
               <a:noAutofit/>
             </a:bodyPr>
             <a:lstStyle/>
             <a:p>
-              <a:pPr indent="0" lvl="0" marL="0">
+              <a:pPr marL="0" lvl="0" indent="0">
                 <a:spcBef>
                   <a:spcPts val="0"/>
                 </a:spcBef>
@@ -8025,9 +7968,6 @@
                 </a:spcAft>
                 <a:buNone/>
               </a:pPr>
-              <a:r>
-                <a:t/>
-              </a:r>
               <a:endParaRPr/>
             </a:p>
           </p:txBody>
@@ -8045,7 +7985,7 @@
             </a:xfrm>
             <a:prstGeom prst="diagStripe">
               <a:avLst>
-                <a:gd fmla="val 50000" name="adj"/>
+                <a:gd name="adj" fmla="val 50000"/>
               </a:avLst>
             </a:prstGeom>
             <a:solidFill>
@@ -8058,12 +7998,12 @@
             </a:ln>
           </p:spPr>
           <p:txBody>
-            <a:bodyPr anchorCtr="0" anchor="ctr" bIns="91425" lIns="91425" spcFirstLastPara="1" rIns="91425" wrap="square" tIns="91425">
+            <a:bodyPr spcFirstLastPara="1" wrap="square" lIns="91425" tIns="91425" rIns="91425" bIns="91425" anchor="ctr" anchorCtr="0">
               <a:noAutofit/>
             </a:bodyPr>
             <a:lstStyle/>
             <a:p>
-              <a:pPr indent="0" lvl="0" marL="0">
+              <a:pPr marL="0" lvl="0" indent="0">
                 <a:spcBef>
                   <a:spcPts val="0"/>
                 </a:spcBef>
@@ -8072,9 +8012,6 @@
                 </a:spcAft>
                 <a:buNone/>
               </a:pPr>
-              <a:r>
-                <a:t/>
-              </a:r>
               <a:endParaRPr/>
             </a:p>
           </p:txBody>
@@ -8083,9 +8020,11 @@
       <p:sp>
         <p:nvSpPr>
           <p:cNvPr id="103" name="Shape 103"/>
-          <p:cNvSpPr txBox="1"/>
+          <p:cNvSpPr txBox="1">
+            <a:spLocks noGrp="1"/>
+          </p:cNvSpPr>
           <p:nvPr>
-            <p:ph idx="1" type="body"/>
+            <p:ph type="body" idx="1"/>
           </p:nvPr>
         </p:nvSpPr>
         <p:spPr>
@@ -8098,9 +8037,9 @@
           </a:prstGeom>
         </p:spPr>
         <p:txBody>
-          <a:bodyPr anchorCtr="0" anchor="ctr" bIns="91425" lIns="91425" spcFirstLastPara="1" rIns="91425" wrap="square" tIns="91425"/>
+          <a:bodyPr spcFirstLastPara="1" wrap="square" lIns="91425" tIns="91425" rIns="91425" bIns="91425" anchor="ctr" anchorCtr="0"/>
           <a:lstStyle>
-            <a:lvl1pPr indent="-228600" lvl="0" marL="457200">
+            <a:lvl1pPr marL="457200" lvl="0" indent="-228600">
               <a:lnSpc>
                 <a:spcPct val="100000"/>
               </a:lnSpc>
@@ -8115,15 +8054,19 @@
               <a:defRPr/>
             </a:lvl1pPr>
           </a:lstStyle>
-          <a:p/>
+          <a:p>
+            <a:endParaRPr/>
+          </a:p>
         </p:txBody>
       </p:sp>
       <p:sp>
         <p:nvSpPr>
           <p:cNvPr id="104" name="Shape 104"/>
-          <p:cNvSpPr txBox="1"/>
+          <p:cNvSpPr txBox="1">
+            <a:spLocks noGrp="1"/>
+          </p:cNvSpPr>
           <p:nvPr>
-            <p:ph idx="12" type="sldNum"/>
+            <p:ph type="sldNum" idx="12"/>
           </p:nvPr>
         </p:nvSpPr>
         <p:spPr>
@@ -8136,7 +8079,7 @@
           </a:prstGeom>
         </p:spPr>
         <p:txBody>
-          <a:bodyPr anchorCtr="0" anchor="ctr" bIns="91425" lIns="91425" spcFirstLastPara="1" rIns="91425" wrap="square" tIns="91425">
+          <a:bodyPr spcFirstLastPara="1" wrap="square" lIns="91425" tIns="91425" rIns="91425" bIns="91425" anchor="ctr" anchorCtr="0">
             <a:noAutofit/>
           </a:bodyPr>
           <a:lstStyle>
@@ -8205,7 +8148,7 @@
             </a:lvl9pPr>
           </a:lstStyle>
           <a:p>
-            <a:pPr indent="0" lvl="0" marL="0">
+            <a:pPr marL="0" lvl="0" indent="0">
               <a:spcBef>
                 <a:spcPts val="0"/>
               </a:spcBef>
@@ -8231,18 +8174,19 @@
 </file>
 
 <file path=ppt/slideMasters/slideMaster1.xml><?xml version="1.0" encoding="utf-8"?>
-<p:sldMaster xmlns:a="http://schemas.openxmlformats.org/drawingml/2006/main" xmlns:r="http://schemas.openxmlformats.org/officeDocument/2006/relationships" xmlns:mc="http://schemas.openxmlformats.org/markup-compatibility/2006" xmlns:mv="urn:schemas-microsoft-com:mac:vml" xmlns:p="http://schemas.openxmlformats.org/presentationml/2006/main" xmlns:c="http://schemas.openxmlformats.org/drawingml/2006/chart" xmlns:dgm="http://schemas.openxmlformats.org/drawingml/2006/diagram" xmlns:o="urn:schemas-microsoft-com:office:office" xmlns:v="urn:schemas-microsoft-com:vml" xmlns:pvml="urn:schemas-microsoft-com:office:powerpoint" xmlns:com="http://schemas.openxmlformats.org/drawingml/2006/compatibility" xmlns:p14="http://schemas.microsoft.com/office/powerpoint/2010/main" xmlns:p15="http://schemas.microsoft.com/office/powerpoint/2012/main">
+<p:sldMaster xmlns:a="http://schemas.openxmlformats.org/drawingml/2006/main" xmlns:r="http://schemas.openxmlformats.org/officeDocument/2006/relationships" xmlns:p="http://schemas.openxmlformats.org/presentationml/2006/main">
   <p:cSld name="focus">
     <p:bg>
       <p:bgPr>
         <a:solidFill>
           <a:schemeClr val="dk1"/>
         </a:solidFill>
+        <a:effectLst/>
       </p:bgPr>
     </p:bg>
     <p:spTree>
       <p:nvGrpSpPr>
-        <p:cNvPr id="5" name="Shape 5"/>
+        <p:cNvPr id="1" name="Shape 5"/>
         <p:cNvGrpSpPr/>
         <p:nvPr/>
       </p:nvGrpSpPr>
@@ -8257,7 +8201,9 @@
       <p:sp>
         <p:nvSpPr>
           <p:cNvPr id="6" name="Shape 6"/>
-          <p:cNvSpPr txBox="1"/>
+          <p:cNvSpPr txBox="1">
+            <a:spLocks noGrp="1"/>
+          </p:cNvSpPr>
           <p:nvPr>
             <p:ph type="title"/>
           </p:nvPr>
@@ -8276,7 +8222,7 @@
           </a:ln>
         </p:spPr>
         <p:txBody>
-          <a:bodyPr anchorCtr="0" anchor="t" bIns="91425" lIns="91425" spcFirstLastPara="1" rIns="91425" wrap="square" tIns="91425"/>
+          <a:bodyPr spcFirstLastPara="1" wrap="square" lIns="91425" tIns="91425" rIns="91425" bIns="91425" anchor="t" anchorCtr="0"/>
           <a:lstStyle>
             <a:lvl1pPr lvl="0">
               <a:spcBef>
@@ -8486,15 +8432,19 @@
               </a:defRPr>
             </a:lvl9pPr>
           </a:lstStyle>
-          <a:p/>
+          <a:p>
+            <a:endParaRPr/>
+          </a:p>
         </p:txBody>
       </p:sp>
       <p:sp>
         <p:nvSpPr>
           <p:cNvPr id="7" name="Shape 7"/>
-          <p:cNvSpPr txBox="1"/>
+          <p:cNvSpPr txBox="1">
+            <a:spLocks noGrp="1"/>
+          </p:cNvSpPr>
           <p:nvPr>
-            <p:ph idx="1" type="body"/>
+            <p:ph type="body" idx="1"/>
           </p:nvPr>
         </p:nvSpPr>
         <p:spPr>
@@ -8511,9 +8461,9 @@
           </a:ln>
         </p:spPr>
         <p:txBody>
-          <a:bodyPr anchorCtr="0" anchor="t" bIns="91425" lIns="91425" spcFirstLastPara="1" rIns="91425" wrap="square" tIns="91425"/>
+          <a:bodyPr spcFirstLastPara="1" wrap="square" lIns="91425" tIns="91425" rIns="91425" bIns="91425" anchor="t" anchorCtr="0"/>
           <a:lstStyle>
-            <a:lvl1pPr indent="-311150" lvl="0" marL="457200">
+            <a:lvl1pPr marL="457200" lvl="0" indent="-311150">
               <a:lnSpc>
                 <a:spcPct val="115000"/>
               </a:lnSpc>
@@ -8539,7 +8489,7 @@
                 <a:sym typeface="Lato"/>
               </a:defRPr>
             </a:lvl1pPr>
-            <a:lvl2pPr indent="-298450" lvl="1" marL="914400">
+            <a:lvl2pPr marL="914400" lvl="1" indent="-298450">
               <a:lnSpc>
                 <a:spcPct val="115000"/>
               </a:lnSpc>
@@ -8565,7 +8515,7 @@
                 <a:sym typeface="Lato"/>
               </a:defRPr>
             </a:lvl2pPr>
-            <a:lvl3pPr indent="-298450" lvl="2" marL="1371600">
+            <a:lvl3pPr marL="1371600" lvl="2" indent="-298450">
               <a:lnSpc>
                 <a:spcPct val="115000"/>
               </a:lnSpc>
@@ -8591,7 +8541,7 @@
                 <a:sym typeface="Lato"/>
               </a:defRPr>
             </a:lvl3pPr>
-            <a:lvl4pPr indent="-298450" lvl="3" marL="1828800">
+            <a:lvl4pPr marL="1828800" lvl="3" indent="-298450">
               <a:lnSpc>
                 <a:spcPct val="115000"/>
               </a:lnSpc>
@@ -8617,7 +8567,7 @@
                 <a:sym typeface="Lato"/>
               </a:defRPr>
             </a:lvl4pPr>
-            <a:lvl5pPr indent="-298450" lvl="4" marL="2286000">
+            <a:lvl5pPr marL="2286000" lvl="4" indent="-298450">
               <a:lnSpc>
                 <a:spcPct val="115000"/>
               </a:lnSpc>
@@ -8643,7 +8593,7 @@
                 <a:sym typeface="Lato"/>
               </a:defRPr>
             </a:lvl5pPr>
-            <a:lvl6pPr indent="-298450" lvl="5" marL="2743200">
+            <a:lvl6pPr marL="2743200" lvl="5" indent="-298450">
               <a:lnSpc>
                 <a:spcPct val="115000"/>
               </a:lnSpc>
@@ -8669,7 +8619,7 @@
                 <a:sym typeface="Lato"/>
               </a:defRPr>
             </a:lvl6pPr>
-            <a:lvl7pPr indent="-298450" lvl="6" marL="3200400">
+            <a:lvl7pPr marL="3200400" lvl="6" indent="-298450">
               <a:lnSpc>
                 <a:spcPct val="115000"/>
               </a:lnSpc>
@@ -8695,7 +8645,7 @@
                 <a:sym typeface="Lato"/>
               </a:defRPr>
             </a:lvl7pPr>
-            <a:lvl8pPr indent="-298450" lvl="7" marL="3657600">
+            <a:lvl8pPr marL="3657600" lvl="7" indent="-298450">
               <a:lnSpc>
                 <a:spcPct val="115000"/>
               </a:lnSpc>
@@ -8721,7 +8671,7 @@
                 <a:sym typeface="Lato"/>
               </a:defRPr>
             </a:lvl8pPr>
-            <a:lvl9pPr indent="-298450" lvl="8" marL="4114800">
+            <a:lvl9pPr marL="4114800" lvl="8" indent="-298450">
               <a:lnSpc>
                 <a:spcPct val="115000"/>
               </a:lnSpc>
@@ -8748,15 +8698,19 @@
               </a:defRPr>
             </a:lvl9pPr>
           </a:lstStyle>
-          <a:p/>
+          <a:p>
+            <a:endParaRPr/>
+          </a:p>
         </p:txBody>
       </p:sp>
       <p:sp>
         <p:nvSpPr>
           <p:cNvPr id="8" name="Shape 8"/>
-          <p:cNvSpPr txBox="1"/>
+          <p:cNvSpPr txBox="1">
+            <a:spLocks noGrp="1"/>
+          </p:cNvSpPr>
           <p:nvPr>
-            <p:ph idx="12" type="sldNum"/>
+            <p:ph type="sldNum" idx="12"/>
           </p:nvPr>
         </p:nvSpPr>
         <p:spPr>
@@ -8773,7 +8727,7 @@
           </a:ln>
         </p:spPr>
         <p:txBody>
-          <a:bodyPr anchorCtr="0" anchor="ctr" bIns="91425" lIns="91425" spcFirstLastPara="1" rIns="91425" wrap="square" tIns="91425">
+          <a:bodyPr spcFirstLastPara="1" wrap="square" lIns="91425" tIns="91425" rIns="91425" bIns="91425" anchor="ctr" anchorCtr="0">
             <a:noAutofit/>
           </a:bodyPr>
           <a:lstStyle>
@@ -8914,7 +8868,7 @@
             </a:lvl9pPr>
           </a:lstStyle>
           <a:p>
-            <a:pPr indent="0" lvl="0" marL="0">
+            <a:pPr marL="0" lvl="0" indent="0">
               <a:spcBef>
                 <a:spcPts val="0"/>
               </a:spcBef>
@@ -8933,7 +8887,7 @@
       </p:sp>
     </p:spTree>
   </p:cSld>
-  <p:clrMap accent1="accent1" accent2="accent2" accent3="accent3" accent4="accent4" accent5="accent5" accent6="accent6" bg1="lt1" bg2="dk2" tx1="dk1" tx2="lt2" folHlink="folHlink" hlink="hlink"/>
+  <p:clrMap bg1="lt1" tx1="dk1" bg2="dk2" tx2="lt2" accent1="accent1" accent2="accent2" accent3="accent3" accent4="accent4" accent5="accent5" accent6="accent6" hlink="hlink" folHlink="folHlink"/>
   <p:sldLayoutIdLst>
     <p:sldLayoutId id="2147483648" r:id="rId1"/>
     <p:sldLayoutId id="2147483649" r:id="rId2"/>
@@ -8947,10 +8901,10 @@
     <p:sldLayoutId id="2147483657" r:id="rId10"/>
     <p:sldLayoutId id="2147483658" r:id="rId11"/>
   </p:sldLayoutIdLst>
-  <p:hf dt="0" ftr="0" hdr="0" sldNum="0"/>
+  <p:hf sldNum="0" hdr="0" ftr="0" dt="0"/>
   <p:txStyles>
     <p:titleStyle>
-      <a:defPPr lvl="0" marR="0" rtl="0" algn="l">
+      <a:defPPr marR="0" lvl="0" algn="l" rtl="0">
         <a:lnSpc>
           <a:spcPct val="100000"/>
         </a:lnSpc>
@@ -8961,7 +8915,7 @@
           <a:spcPts val="0"/>
         </a:spcAft>
       </a:defPPr>
-      <a:lvl1pPr lvl="0" marR="0" rtl="0" algn="l">
+      <a:lvl1pPr marR="0" lvl="0" algn="l" rtl="0">
         <a:lnSpc>
           <a:spcPct val="100000"/>
         </a:lnSpc>
@@ -8975,7 +8929,7 @@
           <a:srgbClr val="000000"/>
         </a:buClr>
         <a:buFont typeface="Arial"/>
-        <a:defRPr b="0" i="0" sz="1400" u="none" cap="none" strike="noStrike">
+        <a:defRPr sz="1400" b="0" i="0" u="none" strike="noStrike" cap="none">
           <a:solidFill>
             <a:srgbClr val="000000"/>
           </a:solidFill>
@@ -8985,7 +8939,7 @@
           <a:sym typeface="Arial"/>
         </a:defRPr>
       </a:lvl1pPr>
-      <a:lvl2pPr lvl="1" marR="0" rtl="0" algn="l">
+      <a:lvl2pPr marR="0" lvl="1" algn="l" rtl="0">
         <a:lnSpc>
           <a:spcPct val="100000"/>
         </a:lnSpc>
@@ -8999,7 +8953,7 @@
           <a:srgbClr val="000000"/>
         </a:buClr>
         <a:buFont typeface="Arial"/>
-        <a:defRPr b="0" i="0" sz="1400" u="none" cap="none" strike="noStrike">
+        <a:defRPr sz="1400" b="0" i="0" u="none" strike="noStrike" cap="none">
           <a:solidFill>
             <a:srgbClr val="000000"/>
           </a:solidFill>
@@ -9009,7 +8963,7 @@
           <a:sym typeface="Arial"/>
         </a:defRPr>
       </a:lvl2pPr>
-      <a:lvl3pPr lvl="2" marR="0" rtl="0" algn="l">
+      <a:lvl3pPr marR="0" lvl="2" algn="l" rtl="0">
         <a:lnSpc>
           <a:spcPct val="100000"/>
         </a:lnSpc>
@@ -9023,7 +8977,7 @@
           <a:srgbClr val="000000"/>
         </a:buClr>
         <a:buFont typeface="Arial"/>
-        <a:defRPr b="0" i="0" sz="1400" u="none" cap="none" strike="noStrike">
+        <a:defRPr sz="1400" b="0" i="0" u="none" strike="noStrike" cap="none">
           <a:solidFill>
             <a:srgbClr val="000000"/>
           </a:solidFill>
@@ -9033,7 +8987,7 @@
           <a:sym typeface="Arial"/>
         </a:defRPr>
       </a:lvl3pPr>
-      <a:lvl4pPr lvl="3" marR="0" rtl="0" algn="l">
+      <a:lvl4pPr marR="0" lvl="3" algn="l" rtl="0">
         <a:lnSpc>
           <a:spcPct val="100000"/>
         </a:lnSpc>
@@ -9047,7 +9001,7 @@
           <a:srgbClr val="000000"/>
         </a:buClr>
         <a:buFont typeface="Arial"/>
-        <a:defRPr b="0" i="0" sz="1400" u="none" cap="none" strike="noStrike">
+        <a:defRPr sz="1400" b="0" i="0" u="none" strike="noStrike" cap="none">
           <a:solidFill>
             <a:srgbClr val="000000"/>
           </a:solidFill>
@@ -9057,7 +9011,7 @@
           <a:sym typeface="Arial"/>
         </a:defRPr>
       </a:lvl4pPr>
-      <a:lvl5pPr lvl="4" marR="0" rtl="0" algn="l">
+      <a:lvl5pPr marR="0" lvl="4" algn="l" rtl="0">
         <a:lnSpc>
           <a:spcPct val="100000"/>
         </a:lnSpc>
@@ -9071,7 +9025,7 @@
           <a:srgbClr val="000000"/>
         </a:buClr>
         <a:buFont typeface="Arial"/>
-        <a:defRPr b="0" i="0" sz="1400" u="none" cap="none" strike="noStrike">
+        <a:defRPr sz="1400" b="0" i="0" u="none" strike="noStrike" cap="none">
           <a:solidFill>
             <a:srgbClr val="000000"/>
           </a:solidFill>
@@ -9081,7 +9035,7 @@
           <a:sym typeface="Arial"/>
         </a:defRPr>
       </a:lvl5pPr>
-      <a:lvl6pPr lvl="5" marR="0" rtl="0" algn="l">
+      <a:lvl6pPr marR="0" lvl="5" algn="l" rtl="0">
         <a:lnSpc>
           <a:spcPct val="100000"/>
         </a:lnSpc>
@@ -9095,7 +9049,7 @@
           <a:srgbClr val="000000"/>
         </a:buClr>
         <a:buFont typeface="Arial"/>
-        <a:defRPr b="0" i="0" sz="1400" u="none" cap="none" strike="noStrike">
+        <a:defRPr sz="1400" b="0" i="0" u="none" strike="noStrike" cap="none">
           <a:solidFill>
             <a:srgbClr val="000000"/>
           </a:solidFill>
@@ -9105,7 +9059,7 @@
           <a:sym typeface="Arial"/>
         </a:defRPr>
       </a:lvl6pPr>
-      <a:lvl7pPr lvl="6" marR="0" rtl="0" algn="l">
+      <a:lvl7pPr marR="0" lvl="6" algn="l" rtl="0">
         <a:lnSpc>
           <a:spcPct val="100000"/>
         </a:lnSpc>
@@ -9119,7 +9073,7 @@
           <a:srgbClr val="000000"/>
         </a:buClr>
         <a:buFont typeface="Arial"/>
-        <a:defRPr b="0" i="0" sz="1400" u="none" cap="none" strike="noStrike">
+        <a:defRPr sz="1400" b="0" i="0" u="none" strike="noStrike" cap="none">
           <a:solidFill>
             <a:srgbClr val="000000"/>
           </a:solidFill>
@@ -9129,7 +9083,7 @@
           <a:sym typeface="Arial"/>
         </a:defRPr>
       </a:lvl7pPr>
-      <a:lvl8pPr lvl="7" marR="0" rtl="0" algn="l">
+      <a:lvl8pPr marR="0" lvl="7" algn="l" rtl="0">
         <a:lnSpc>
           <a:spcPct val="100000"/>
         </a:lnSpc>
@@ -9143,7 +9097,7 @@
           <a:srgbClr val="000000"/>
         </a:buClr>
         <a:buFont typeface="Arial"/>
-        <a:defRPr b="0" i="0" sz="1400" u="none" cap="none" strike="noStrike">
+        <a:defRPr sz="1400" b="0" i="0" u="none" strike="noStrike" cap="none">
           <a:solidFill>
             <a:srgbClr val="000000"/>
           </a:solidFill>
@@ -9153,7 +9107,7 @@
           <a:sym typeface="Arial"/>
         </a:defRPr>
       </a:lvl8pPr>
-      <a:lvl9pPr lvl="8" marR="0" rtl="0" algn="l">
+      <a:lvl9pPr marR="0" lvl="8" algn="l" rtl="0">
         <a:lnSpc>
           <a:spcPct val="100000"/>
         </a:lnSpc>
@@ -9167,7 +9121,7 @@
           <a:srgbClr val="000000"/>
         </a:buClr>
         <a:buFont typeface="Arial"/>
-        <a:defRPr b="0" i="0" sz="1400" u="none" cap="none" strike="noStrike">
+        <a:defRPr sz="1400" b="0" i="0" u="none" strike="noStrike" cap="none">
           <a:solidFill>
             <a:srgbClr val="000000"/>
           </a:solidFill>
@@ -9179,7 +9133,7 @@
       </a:lvl9pPr>
     </p:titleStyle>
     <p:bodyStyle>
-      <a:defPPr lvl="0" marR="0" rtl="0" algn="l">
+      <a:defPPr marR="0" lvl="0" algn="l" rtl="0">
         <a:lnSpc>
           <a:spcPct val="100000"/>
         </a:lnSpc>
@@ -9190,7 +9144,7 @@
           <a:spcPts val="0"/>
         </a:spcAft>
       </a:defPPr>
-      <a:lvl1pPr lvl="0" marR="0" rtl="0" algn="l">
+      <a:lvl1pPr marR="0" lvl="0" algn="l" rtl="0">
         <a:lnSpc>
           <a:spcPct val="100000"/>
         </a:lnSpc>
@@ -9204,7 +9158,7 @@
           <a:srgbClr val="000000"/>
         </a:buClr>
         <a:buFont typeface="Arial"/>
-        <a:defRPr b="0" i="0" sz="1400" u="none" cap="none" strike="noStrike">
+        <a:defRPr sz="1400" b="0" i="0" u="none" strike="noStrike" cap="none">
           <a:solidFill>
             <a:srgbClr val="000000"/>
           </a:solidFill>
@@ -9214,7 +9168,7 @@
           <a:sym typeface="Arial"/>
         </a:defRPr>
       </a:lvl1pPr>
-      <a:lvl2pPr lvl="1" marR="0" rtl="0" algn="l">
+      <a:lvl2pPr marR="0" lvl="1" algn="l" rtl="0">
         <a:lnSpc>
           <a:spcPct val="100000"/>
         </a:lnSpc>
@@ -9228,7 +9182,7 @@
           <a:srgbClr val="000000"/>
         </a:buClr>
         <a:buFont typeface="Arial"/>
-        <a:defRPr b="0" i="0" sz="1400" u="none" cap="none" strike="noStrike">
+        <a:defRPr sz="1400" b="0" i="0" u="none" strike="noStrike" cap="none">
           <a:solidFill>
             <a:srgbClr val="000000"/>
           </a:solidFill>
@@ -9238,7 +9192,7 @@
           <a:sym typeface="Arial"/>
         </a:defRPr>
       </a:lvl2pPr>
-      <a:lvl3pPr lvl="2" marR="0" rtl="0" algn="l">
+      <a:lvl3pPr marR="0" lvl="2" algn="l" rtl="0">
         <a:lnSpc>
           <a:spcPct val="100000"/>
         </a:lnSpc>
@@ -9252,7 +9206,7 @@
           <a:srgbClr val="000000"/>
         </a:buClr>
         <a:buFont typeface="Arial"/>
-        <a:defRPr b="0" i="0" sz="1400" u="none" cap="none" strike="noStrike">
+        <a:defRPr sz="1400" b="0" i="0" u="none" strike="noStrike" cap="none">
           <a:solidFill>
             <a:srgbClr val="000000"/>
           </a:solidFill>
@@ -9262,7 +9216,7 @@
           <a:sym typeface="Arial"/>
         </a:defRPr>
       </a:lvl3pPr>
-      <a:lvl4pPr lvl="3" marR="0" rtl="0" algn="l">
+      <a:lvl4pPr marR="0" lvl="3" algn="l" rtl="0">
         <a:lnSpc>
           <a:spcPct val="100000"/>
         </a:lnSpc>
@@ -9276,7 +9230,7 @@
           <a:srgbClr val="000000"/>
         </a:buClr>
         <a:buFont typeface="Arial"/>
-        <a:defRPr b="0" i="0" sz="1400" u="none" cap="none" strike="noStrike">
+        <a:defRPr sz="1400" b="0" i="0" u="none" strike="noStrike" cap="none">
           <a:solidFill>
             <a:srgbClr val="000000"/>
           </a:solidFill>
@@ -9286,7 +9240,7 @@
           <a:sym typeface="Arial"/>
         </a:defRPr>
       </a:lvl4pPr>
-      <a:lvl5pPr lvl="4" marR="0" rtl="0" algn="l">
+      <a:lvl5pPr marR="0" lvl="4" algn="l" rtl="0">
         <a:lnSpc>
           <a:spcPct val="100000"/>
         </a:lnSpc>
@@ -9300,7 +9254,7 @@
           <a:srgbClr val="000000"/>
         </a:buClr>
         <a:buFont typeface="Arial"/>
-        <a:defRPr b="0" i="0" sz="1400" u="none" cap="none" strike="noStrike">
+        <a:defRPr sz="1400" b="0" i="0" u="none" strike="noStrike" cap="none">
           <a:solidFill>
             <a:srgbClr val="000000"/>
           </a:solidFill>
@@ -9310,7 +9264,7 @@
           <a:sym typeface="Arial"/>
         </a:defRPr>
       </a:lvl5pPr>
-      <a:lvl6pPr lvl="5" marR="0" rtl="0" algn="l">
+      <a:lvl6pPr marR="0" lvl="5" algn="l" rtl="0">
         <a:lnSpc>
           <a:spcPct val="100000"/>
         </a:lnSpc>
@@ -9324,7 +9278,7 @@
           <a:srgbClr val="000000"/>
         </a:buClr>
         <a:buFont typeface="Arial"/>
-        <a:defRPr b="0" i="0" sz="1400" u="none" cap="none" strike="noStrike">
+        <a:defRPr sz="1400" b="0" i="0" u="none" strike="noStrike" cap="none">
           <a:solidFill>
             <a:srgbClr val="000000"/>
           </a:solidFill>
@@ -9334,7 +9288,7 @@
           <a:sym typeface="Arial"/>
         </a:defRPr>
       </a:lvl6pPr>
-      <a:lvl7pPr lvl="6" marR="0" rtl="0" algn="l">
+      <a:lvl7pPr marR="0" lvl="6" algn="l" rtl="0">
         <a:lnSpc>
           <a:spcPct val="100000"/>
         </a:lnSpc>
@@ -9348,7 +9302,7 @@
           <a:srgbClr val="000000"/>
         </a:buClr>
         <a:buFont typeface="Arial"/>
-        <a:defRPr b="0" i="0" sz="1400" u="none" cap="none" strike="noStrike">
+        <a:defRPr sz="1400" b="0" i="0" u="none" strike="noStrike" cap="none">
           <a:solidFill>
             <a:srgbClr val="000000"/>
           </a:solidFill>
@@ -9358,7 +9312,7 @@
           <a:sym typeface="Arial"/>
         </a:defRPr>
       </a:lvl7pPr>
-      <a:lvl8pPr lvl="7" marR="0" rtl="0" algn="l">
+      <a:lvl8pPr marR="0" lvl="7" algn="l" rtl="0">
         <a:lnSpc>
           <a:spcPct val="100000"/>
         </a:lnSpc>
@@ -9372,7 +9326,7 @@
           <a:srgbClr val="000000"/>
         </a:buClr>
         <a:buFont typeface="Arial"/>
-        <a:defRPr b="0" i="0" sz="1400" u="none" cap="none" strike="noStrike">
+        <a:defRPr sz="1400" b="0" i="0" u="none" strike="noStrike" cap="none">
           <a:solidFill>
             <a:srgbClr val="000000"/>
           </a:solidFill>
@@ -9382,7 +9336,7 @@
           <a:sym typeface="Arial"/>
         </a:defRPr>
       </a:lvl8pPr>
-      <a:lvl9pPr lvl="8" marR="0" rtl="0" algn="l">
+      <a:lvl9pPr marR="0" lvl="8" algn="l" rtl="0">
         <a:lnSpc>
           <a:spcPct val="100000"/>
         </a:lnSpc>
@@ -9396,7 +9350,7 @@
           <a:srgbClr val="000000"/>
         </a:buClr>
         <a:buFont typeface="Arial"/>
-        <a:defRPr b="0" i="0" sz="1400" u="none" cap="none" strike="noStrike">
+        <a:defRPr sz="1400" b="0" i="0" u="none" strike="noStrike" cap="none">
           <a:solidFill>
             <a:srgbClr val="000000"/>
           </a:solidFill>
@@ -9408,7 +9362,7 @@
       </a:lvl9pPr>
     </p:bodyStyle>
     <p:otherStyle>
-      <a:defPPr lvl="0" marR="0" rtl="0" algn="l">
+      <a:defPPr marR="0" lvl="0" algn="l" rtl="0">
         <a:lnSpc>
           <a:spcPct val="100000"/>
         </a:lnSpc>
@@ -9419,7 +9373,7 @@
           <a:spcPts val="0"/>
         </a:spcAft>
       </a:defPPr>
-      <a:lvl1pPr lvl="0" marR="0" rtl="0" algn="l">
+      <a:lvl1pPr marR="0" lvl="0" algn="l" rtl="0">
         <a:lnSpc>
           <a:spcPct val="100000"/>
         </a:lnSpc>
@@ -9433,7 +9387,7 @@
           <a:srgbClr val="000000"/>
         </a:buClr>
         <a:buFont typeface="Arial"/>
-        <a:defRPr b="0" i="0" sz="1400" u="none" cap="none" strike="noStrike">
+        <a:defRPr sz="1400" b="0" i="0" u="none" strike="noStrike" cap="none">
           <a:solidFill>
             <a:srgbClr val="000000"/>
           </a:solidFill>
@@ -9443,7 +9397,7 @@
           <a:sym typeface="Arial"/>
         </a:defRPr>
       </a:lvl1pPr>
-      <a:lvl2pPr lvl="1" marR="0" rtl="0" algn="l">
+      <a:lvl2pPr marR="0" lvl="1" algn="l" rtl="0">
         <a:lnSpc>
           <a:spcPct val="100000"/>
         </a:lnSpc>
@@ -9457,7 +9411,7 @@
           <a:srgbClr val="000000"/>
         </a:buClr>
         <a:buFont typeface="Arial"/>
-        <a:defRPr b="0" i="0" sz="1400" u="none" cap="none" strike="noStrike">
+        <a:defRPr sz="1400" b="0" i="0" u="none" strike="noStrike" cap="none">
           <a:solidFill>
             <a:srgbClr val="000000"/>
           </a:solidFill>
@@ -9467,7 +9421,7 @@
           <a:sym typeface="Arial"/>
         </a:defRPr>
       </a:lvl2pPr>
-      <a:lvl3pPr lvl="2" marR="0" rtl="0" algn="l">
+      <a:lvl3pPr marR="0" lvl="2" algn="l" rtl="0">
         <a:lnSpc>
           <a:spcPct val="100000"/>
         </a:lnSpc>
@@ -9481,7 +9435,7 @@
           <a:srgbClr val="000000"/>
         </a:buClr>
         <a:buFont typeface="Arial"/>
-        <a:defRPr b="0" i="0" sz="1400" u="none" cap="none" strike="noStrike">
+        <a:defRPr sz="1400" b="0" i="0" u="none" strike="noStrike" cap="none">
           <a:solidFill>
             <a:srgbClr val="000000"/>
           </a:solidFill>
@@ -9491,7 +9445,7 @@
           <a:sym typeface="Arial"/>
         </a:defRPr>
       </a:lvl3pPr>
-      <a:lvl4pPr lvl="3" marR="0" rtl="0" algn="l">
+      <a:lvl4pPr marR="0" lvl="3" algn="l" rtl="0">
         <a:lnSpc>
           <a:spcPct val="100000"/>
         </a:lnSpc>
@@ -9505,7 +9459,7 @@
           <a:srgbClr val="000000"/>
         </a:buClr>
         <a:buFont typeface="Arial"/>
-        <a:defRPr b="0" i="0" sz="1400" u="none" cap="none" strike="noStrike">
+        <a:defRPr sz="1400" b="0" i="0" u="none" strike="noStrike" cap="none">
           <a:solidFill>
             <a:srgbClr val="000000"/>
           </a:solidFill>
@@ -9515,7 +9469,7 @@
           <a:sym typeface="Arial"/>
         </a:defRPr>
       </a:lvl4pPr>
-      <a:lvl5pPr lvl="4" marR="0" rtl="0" algn="l">
+      <a:lvl5pPr marR="0" lvl="4" algn="l" rtl="0">
         <a:lnSpc>
           <a:spcPct val="100000"/>
         </a:lnSpc>
@@ -9529,7 +9483,7 @@
           <a:srgbClr val="000000"/>
         </a:buClr>
         <a:buFont typeface="Arial"/>
-        <a:defRPr b="0" i="0" sz="1400" u="none" cap="none" strike="noStrike">
+        <a:defRPr sz="1400" b="0" i="0" u="none" strike="noStrike" cap="none">
           <a:solidFill>
             <a:srgbClr val="000000"/>
           </a:solidFill>
@@ -9539,7 +9493,7 @@
           <a:sym typeface="Arial"/>
         </a:defRPr>
       </a:lvl5pPr>
-      <a:lvl6pPr lvl="5" marR="0" rtl="0" algn="l">
+      <a:lvl6pPr marR="0" lvl="5" algn="l" rtl="0">
         <a:lnSpc>
           <a:spcPct val="100000"/>
         </a:lnSpc>
@@ -9553,7 +9507,7 @@
           <a:srgbClr val="000000"/>
         </a:buClr>
         <a:buFont typeface="Arial"/>
-        <a:defRPr b="0" i="0" sz="1400" u="none" cap="none" strike="noStrike">
+        <a:defRPr sz="1400" b="0" i="0" u="none" strike="noStrike" cap="none">
           <a:solidFill>
             <a:srgbClr val="000000"/>
           </a:solidFill>
@@ -9563,7 +9517,7 @@
           <a:sym typeface="Arial"/>
         </a:defRPr>
       </a:lvl6pPr>
-      <a:lvl7pPr lvl="6" marR="0" rtl="0" algn="l">
+      <a:lvl7pPr marR="0" lvl="6" algn="l" rtl="0">
         <a:lnSpc>
           <a:spcPct val="100000"/>
         </a:lnSpc>
@@ -9577,7 +9531,7 @@
           <a:srgbClr val="000000"/>
         </a:buClr>
         <a:buFont typeface="Arial"/>
-        <a:defRPr b="0" i="0" sz="1400" u="none" cap="none" strike="noStrike">
+        <a:defRPr sz="1400" b="0" i="0" u="none" strike="noStrike" cap="none">
           <a:solidFill>
             <a:srgbClr val="000000"/>
           </a:solidFill>
@@ -9587,7 +9541,7 @@
           <a:sym typeface="Arial"/>
         </a:defRPr>
       </a:lvl7pPr>
-      <a:lvl8pPr lvl="7" marR="0" rtl="0" algn="l">
+      <a:lvl8pPr marR="0" lvl="7" algn="l" rtl="0">
         <a:lnSpc>
           <a:spcPct val="100000"/>
         </a:lnSpc>
@@ -9601,7 +9555,7 @@
           <a:srgbClr val="000000"/>
         </a:buClr>
         <a:buFont typeface="Arial"/>
-        <a:defRPr b="0" i="0" sz="1400" u="none" cap="none" strike="noStrike">
+        <a:defRPr sz="1400" b="0" i="0" u="none" strike="noStrike" cap="none">
           <a:solidFill>
             <a:srgbClr val="000000"/>
           </a:solidFill>
@@ -9611,7 +9565,7 @@
           <a:sym typeface="Arial"/>
         </a:defRPr>
       </a:lvl8pPr>
-      <a:lvl9pPr lvl="8" marR="0" rtl="0" algn="l">
+      <a:lvl9pPr marR="0" lvl="8" algn="l" rtl="0">
         <a:lnSpc>
           <a:spcPct val="100000"/>
         </a:lnSpc>
@@ -9625,7 +9579,7 @@
           <a:srgbClr val="000000"/>
         </a:buClr>
         <a:buFont typeface="Arial"/>
-        <a:defRPr b="0" i="0" sz="1400" u="none" cap="none" strike="noStrike">
+        <a:defRPr sz="1400" b="0" i="0" u="none" strike="noStrike" cap="none">
           <a:solidFill>
             <a:srgbClr val="000000"/>
           </a:solidFill>
@@ -9641,11 +9595,11 @@
 </file>
 
 <file path=ppt/slides/slide1.xml><?xml version="1.0" encoding="utf-8"?>
-<p:sld xmlns:a="http://schemas.openxmlformats.org/drawingml/2006/main" xmlns:r="http://schemas.openxmlformats.org/officeDocument/2006/relationships" xmlns:mc="http://schemas.openxmlformats.org/markup-compatibility/2006" xmlns:mv="urn:schemas-microsoft-com:mac:vml" xmlns:p="http://schemas.openxmlformats.org/presentationml/2006/main" xmlns:c="http://schemas.openxmlformats.org/drawingml/2006/chart" xmlns:dgm="http://schemas.openxmlformats.org/drawingml/2006/diagram" xmlns:o="urn:schemas-microsoft-com:office:office" xmlns:v="urn:schemas-microsoft-com:vml" xmlns:pvml="urn:schemas-microsoft-com:office:powerpoint" xmlns:com="http://schemas.openxmlformats.org/drawingml/2006/compatibility" xmlns:p14="http://schemas.microsoft.com/office/powerpoint/2010/main" xmlns:p15="http://schemas.microsoft.com/office/powerpoint/2012/main">
+<p:sld xmlns:a="http://schemas.openxmlformats.org/drawingml/2006/main" xmlns:r="http://schemas.openxmlformats.org/officeDocument/2006/relationships" xmlns:p="http://schemas.openxmlformats.org/presentationml/2006/main">
   <p:cSld>
     <p:spTree>
       <p:nvGrpSpPr>
-        <p:cNvPr id="133" name="Shape 133"/>
+        <p:cNvPr id="1" name="Shape 133"/>
         <p:cNvGrpSpPr/>
         <p:nvPr/>
       </p:nvGrpSpPr>
@@ -9660,7 +9614,9 @@
       <p:sp>
         <p:nvSpPr>
           <p:cNvPr id="134" name="Shape 134"/>
-          <p:cNvSpPr txBox="1"/>
+          <p:cNvSpPr txBox="1">
+            <a:spLocks noGrp="1"/>
+          </p:cNvSpPr>
           <p:nvPr>
             <p:ph type="ctrTitle"/>
           </p:nvPr>
@@ -9675,12 +9631,12 @@
           </a:prstGeom>
         </p:spPr>
         <p:txBody>
-          <a:bodyPr anchorCtr="0" anchor="t" bIns="91425" lIns="91425" spcFirstLastPara="1" rIns="91425" wrap="square" tIns="91425">
+          <a:bodyPr spcFirstLastPara="1" wrap="square" lIns="91425" tIns="91425" rIns="91425" bIns="91425" anchor="t" anchorCtr="0">
             <a:noAutofit/>
           </a:bodyPr>
           <a:lstStyle/>
           <a:p>
-            <a:pPr indent="0" lvl="0" marL="0">
+            <a:pPr marL="0" lvl="0" indent="0">
               <a:spcBef>
                 <a:spcPts val="0"/>
               </a:spcBef>
@@ -9700,9 +9656,11 @@
       <p:sp>
         <p:nvSpPr>
           <p:cNvPr id="135" name="Shape 135"/>
-          <p:cNvSpPr txBox="1"/>
+          <p:cNvSpPr txBox="1">
+            <a:spLocks noGrp="1"/>
+          </p:cNvSpPr>
           <p:nvPr>
-            <p:ph idx="1" type="subTitle"/>
+            <p:ph type="subTitle" idx="1"/>
           </p:nvPr>
         </p:nvSpPr>
         <p:spPr>
@@ -9715,12 +9673,12 @@
           </a:prstGeom>
         </p:spPr>
         <p:txBody>
-          <a:bodyPr anchorCtr="0" anchor="t" bIns="91425" lIns="91425" spcFirstLastPara="1" rIns="91425" wrap="square" tIns="91425">
+          <a:bodyPr spcFirstLastPara="1" wrap="square" lIns="91425" tIns="91425" rIns="91425" bIns="91425" anchor="t" anchorCtr="0">
             <a:noAutofit/>
           </a:bodyPr>
           <a:lstStyle/>
           <a:p>
-            <a:pPr indent="0" lvl="0" marL="0">
+            <a:pPr marL="0" lvl="0" indent="0">
               <a:spcBef>
                 <a:spcPts val="0"/>
               </a:spcBef>
@@ -9729,9 +9687,6 @@
               </a:spcAft>
               <a:buNone/>
             </a:pPr>
-            <a:r>
-              <a:t/>
-            </a:r>
             <a:endParaRPr/>
           </a:p>
         </p:txBody>
@@ -9745,11 +9700,11 @@
 </file>
 
 <file path=ppt/slides/slide2.xml><?xml version="1.0" encoding="utf-8"?>
-<p:sld xmlns:a="http://schemas.openxmlformats.org/drawingml/2006/main" xmlns:r="http://schemas.openxmlformats.org/officeDocument/2006/relationships" xmlns:mc="http://schemas.openxmlformats.org/markup-compatibility/2006" xmlns:mv="urn:schemas-microsoft-com:mac:vml" xmlns:p="http://schemas.openxmlformats.org/presentationml/2006/main" xmlns:c="http://schemas.openxmlformats.org/drawingml/2006/chart" xmlns:dgm="http://schemas.openxmlformats.org/drawingml/2006/diagram" xmlns:o="urn:schemas-microsoft-com:office:office" xmlns:v="urn:schemas-microsoft-com:vml" xmlns:pvml="urn:schemas-microsoft-com:office:powerpoint" xmlns:com="http://schemas.openxmlformats.org/drawingml/2006/compatibility" xmlns:p14="http://schemas.microsoft.com/office/powerpoint/2010/main" xmlns:p15="http://schemas.microsoft.com/office/powerpoint/2012/main">
+<p:sld xmlns:a="http://schemas.openxmlformats.org/drawingml/2006/main" xmlns:r="http://schemas.openxmlformats.org/officeDocument/2006/relationships" xmlns:p="http://schemas.openxmlformats.org/presentationml/2006/main">
   <p:cSld>
     <p:spTree>
       <p:nvGrpSpPr>
-        <p:cNvPr id="139" name="Shape 139"/>
+        <p:cNvPr id="1" name="Shape 139"/>
         <p:cNvGrpSpPr/>
         <p:nvPr/>
       </p:nvGrpSpPr>
@@ -9764,7 +9719,9 @@
       <p:sp>
         <p:nvSpPr>
           <p:cNvPr id="140" name="Shape 140"/>
-          <p:cNvSpPr txBox="1"/>
+          <p:cNvSpPr txBox="1">
+            <a:spLocks noGrp="1"/>
+          </p:cNvSpPr>
           <p:nvPr>
             <p:ph type="title"/>
           </p:nvPr>
@@ -9779,12 +9736,12 @@
           </a:prstGeom>
         </p:spPr>
         <p:txBody>
-          <a:bodyPr anchorCtr="0" anchor="t" bIns="91425" lIns="91425" spcFirstLastPara="1" rIns="91425" wrap="square" tIns="91425">
+          <a:bodyPr spcFirstLastPara="1" wrap="square" lIns="91425" tIns="91425" rIns="91425" bIns="91425" anchor="t" anchorCtr="0">
             <a:noAutofit/>
           </a:bodyPr>
           <a:lstStyle/>
           <a:p>
-            <a:pPr indent="0" lvl="0" marL="0">
+            <a:pPr marL="0" lvl="0" indent="0">
               <a:spcBef>
                 <a:spcPts val="0"/>
               </a:spcBef>
@@ -9795,15 +9752,7 @@
             </a:pPr>
             <a:r>
               <a:rPr lang="en-GB"/>
-              <a:t>Wk </a:t>
-            </a:r>
-            <a:r>
-              <a:rPr lang="en-GB"/>
-              <a:t>beginning</a:t>
-            </a:r>
-            <a:r>
-              <a:rPr lang="en-GB"/>
-              <a:t> : 29/01/18</a:t>
+              <a:t>Wk beginning : 29/01/18</a:t>
             </a:r>
             <a:endParaRPr/>
           </a:p>
@@ -9812,9 +9761,11 @@
       <p:sp>
         <p:nvSpPr>
           <p:cNvPr id="141" name="Shape 141"/>
-          <p:cNvSpPr txBox="1"/>
+          <p:cNvSpPr txBox="1">
+            <a:spLocks noGrp="1"/>
+          </p:cNvSpPr>
           <p:nvPr>
-            <p:ph idx="1" type="body"/>
+            <p:ph type="body" idx="1"/>
           </p:nvPr>
         </p:nvSpPr>
         <p:spPr>
@@ -9827,12 +9778,12 @@
           </a:prstGeom>
         </p:spPr>
         <p:txBody>
-          <a:bodyPr anchorCtr="0" anchor="t" bIns="91425" lIns="91425" spcFirstLastPara="1" rIns="91425" wrap="square" tIns="91425">
+          <a:bodyPr spcFirstLastPara="1" wrap="square" lIns="91425" tIns="91425" rIns="91425" bIns="91425" anchor="t" anchorCtr="0">
             <a:noAutofit/>
           </a:bodyPr>
           <a:lstStyle/>
           <a:p>
-            <a:pPr indent="0" lvl="0" marL="0" rtl="0">
+            <a:pPr marL="0" lvl="0" indent="0" rtl="0">
               <a:spcBef>
                 <a:spcPts val="0"/>
               </a:spcBef>
@@ -9848,7 +9799,7 @@
             <a:endParaRPr/>
           </a:p>
           <a:p>
-            <a:pPr indent="-311150" lvl="0" marL="457200" rtl="0">
+            <a:pPr marL="457200" lvl="0" indent="-311150" rtl="0">
               <a:spcBef>
                 <a:spcPts val="1600"/>
               </a:spcBef>
@@ -9865,7 +9816,7 @@
             <a:endParaRPr/>
           </a:p>
           <a:p>
-            <a:pPr indent="-311150" lvl="0" marL="457200" rtl="0">
+            <a:pPr marL="457200" lvl="0" indent="-311150" rtl="0">
               <a:spcBef>
                 <a:spcPts val="0"/>
               </a:spcBef>
@@ -9882,7 +9833,7 @@
             <a:endParaRPr/>
           </a:p>
           <a:p>
-            <a:pPr indent="0" lvl="0" marL="0" rtl="0">
+            <a:pPr marL="0" lvl="0" indent="0" rtl="0">
               <a:spcBef>
                 <a:spcPts val="1600"/>
               </a:spcBef>
@@ -9891,9 +9842,6 @@
               </a:spcAft>
               <a:buNone/>
             </a:pPr>
-            <a:r>
-              <a:t/>
-            </a:r>
             <a:endParaRPr/>
           </a:p>
         </p:txBody>
@@ -9901,9 +9849,11 @@
       <p:sp>
         <p:nvSpPr>
           <p:cNvPr id="142" name="Shape 142"/>
-          <p:cNvSpPr txBox="1"/>
+          <p:cNvSpPr txBox="1">
+            <a:spLocks noGrp="1"/>
+          </p:cNvSpPr>
           <p:nvPr>
-            <p:ph idx="1" type="body"/>
+            <p:ph type="body" idx="1"/>
           </p:nvPr>
         </p:nvSpPr>
         <p:spPr>
@@ -9916,12 +9866,12 @@
           </a:prstGeom>
         </p:spPr>
         <p:txBody>
-          <a:bodyPr anchorCtr="0" anchor="t" bIns="91425" lIns="91425" spcFirstLastPara="1" rIns="91425" wrap="square" tIns="91425">
+          <a:bodyPr spcFirstLastPara="1" wrap="square" lIns="91425" tIns="91425" rIns="91425" bIns="91425" anchor="t" anchorCtr="0">
             <a:noAutofit/>
           </a:bodyPr>
           <a:lstStyle/>
           <a:p>
-            <a:pPr indent="0" lvl="0" marL="0" rtl="0">
+            <a:pPr marL="0" lvl="0" indent="0" rtl="0">
               <a:spcBef>
                 <a:spcPts val="0"/>
               </a:spcBef>
@@ -9937,7 +9887,7 @@
             <a:endParaRPr/>
           </a:p>
           <a:p>
-            <a:pPr indent="0" lvl="0" marL="0">
+            <a:pPr marL="0" lvl="0" indent="0">
               <a:spcBef>
                 <a:spcPts val="1600"/>
               </a:spcBef>
@@ -9953,7 +9903,7 @@
             <a:endParaRPr/>
           </a:p>
           <a:p>
-            <a:pPr indent="0" lvl="0" marL="0" rtl="0">
+            <a:pPr marL="0" lvl="0" indent="0" rtl="0">
               <a:spcBef>
                 <a:spcPts val="1600"/>
               </a:spcBef>
@@ -9973,9 +9923,11 @@
       <p:sp>
         <p:nvSpPr>
           <p:cNvPr id="143" name="Shape 143"/>
-          <p:cNvSpPr txBox="1"/>
+          <p:cNvSpPr txBox="1">
+            <a:spLocks noGrp="1"/>
+          </p:cNvSpPr>
           <p:nvPr>
-            <p:ph idx="1" type="body"/>
+            <p:ph type="body" idx="1"/>
           </p:nvPr>
         </p:nvSpPr>
         <p:spPr>
@@ -9988,12 +9940,12 @@
           </a:prstGeom>
         </p:spPr>
         <p:txBody>
-          <a:bodyPr anchorCtr="0" anchor="t" bIns="91425" lIns="91425" spcFirstLastPara="1" rIns="91425" wrap="square" tIns="91425">
+          <a:bodyPr spcFirstLastPara="1" wrap="square" lIns="91425" tIns="91425" rIns="91425" bIns="91425" anchor="t" anchorCtr="0">
             <a:noAutofit/>
           </a:bodyPr>
           <a:lstStyle/>
           <a:p>
-            <a:pPr indent="0" lvl="0" marL="0" rtl="0">
+            <a:pPr marL="0" lvl="0" indent="0" rtl="0">
               <a:spcBef>
                 <a:spcPts val="0"/>
               </a:spcBef>
@@ -10003,50 +9955,37 @@
               <a:buNone/>
             </a:pPr>
             <a:r>
-              <a:rPr lang="en-GB"/>
+              <a:rPr lang="en-GB" dirty="0"/>
               <a:t>Work/ tasks completed this week : </a:t>
             </a:r>
-            <a:endParaRPr/>
+            <a:endParaRPr dirty="0"/>
           </a:p>
           <a:p>
-            <a:pPr indent="0" lvl="0" marL="0">
-              <a:spcBef>
-                <a:spcPts val="1600"/>
-              </a:spcBef>
-              <a:spcAft>
-                <a:spcPts val="0"/>
-              </a:spcAft>
-              <a:buNone/>
+            <a:pPr marL="285750" indent="-285750">
+              <a:spcBef>
+                <a:spcPts val="1600"/>
+              </a:spcBef>
             </a:pPr>
             <a:r>
-              <a:rPr lang="en-GB"/>
-              <a:t>More </a:t>
+              <a:rPr lang="en-GB" dirty="0"/>
+              <a:t>More detailed scrum style planning created for week by week progress </a:t>
             </a:r>
-            <a:r>
-              <a:rPr lang="en-GB"/>
-              <a:t>detailed</a:t>
-            </a:r>
-            <a:r>
-              <a:rPr lang="en-GB"/>
-              <a:t> scrum style planning created for week by week progress </a:t>
-            </a:r>
-            <a:endParaRPr/>
+            <a:endParaRPr dirty="0"/>
           </a:p>
           <a:p>
-            <a:pPr indent="0" lvl="0" marL="0" rtl="0">
-              <a:spcBef>
-                <a:spcPts val="1600"/>
-              </a:spcBef>
-              <a:spcAft>
-                <a:spcPts val="1600"/>
-              </a:spcAft>
-              <a:buNone/>
+            <a:pPr marL="285750" indent="-285750">
+              <a:spcBef>
+                <a:spcPts val="1600"/>
+              </a:spcBef>
+              <a:spcAft>
+                <a:spcPts val="1600"/>
+              </a:spcAft>
             </a:pPr>
             <a:r>
-              <a:rPr lang="en-GB"/>
+              <a:rPr lang="en-GB" dirty="0"/>
               <a:t>Meetings arranged with sponsor and supervisor </a:t>
             </a:r>
-            <a:endParaRPr/>
+            <a:endParaRPr dirty="0"/>
           </a:p>
         </p:txBody>
       </p:sp>
@@ -10059,11 +9998,11 @@
 </file>
 
 <file path=ppt/slides/slide3.xml><?xml version="1.0" encoding="utf-8"?>
-<p:sld xmlns:a="http://schemas.openxmlformats.org/drawingml/2006/main" xmlns:r="http://schemas.openxmlformats.org/officeDocument/2006/relationships" xmlns:mc="http://schemas.openxmlformats.org/markup-compatibility/2006" xmlns:mv="urn:schemas-microsoft-com:mac:vml" xmlns:p="http://schemas.openxmlformats.org/presentationml/2006/main" xmlns:c="http://schemas.openxmlformats.org/drawingml/2006/chart" xmlns:dgm="http://schemas.openxmlformats.org/drawingml/2006/diagram" xmlns:o="urn:schemas-microsoft-com:office:office" xmlns:v="urn:schemas-microsoft-com:vml" xmlns:pvml="urn:schemas-microsoft-com:office:powerpoint" xmlns:com="http://schemas.openxmlformats.org/drawingml/2006/compatibility" xmlns:p14="http://schemas.microsoft.com/office/powerpoint/2010/main" xmlns:p15="http://schemas.microsoft.com/office/powerpoint/2012/main">
+<p:sld xmlns:a="http://schemas.openxmlformats.org/drawingml/2006/main" xmlns:r="http://schemas.openxmlformats.org/officeDocument/2006/relationships" xmlns:p="http://schemas.openxmlformats.org/presentationml/2006/main">
   <p:cSld>
     <p:spTree>
       <p:nvGrpSpPr>
-        <p:cNvPr id="147" name="Shape 147"/>
+        <p:cNvPr id="1" name="Shape 147"/>
         <p:cNvGrpSpPr/>
         <p:nvPr/>
       </p:nvGrpSpPr>
@@ -10078,7 +10017,9 @@
       <p:sp>
         <p:nvSpPr>
           <p:cNvPr id="148" name="Shape 148"/>
-          <p:cNvSpPr txBox="1"/>
+          <p:cNvSpPr txBox="1">
+            <a:spLocks noGrp="1"/>
+          </p:cNvSpPr>
           <p:nvPr>
             <p:ph type="title"/>
           </p:nvPr>
@@ -10093,12 +10034,12 @@
           </a:prstGeom>
         </p:spPr>
         <p:txBody>
-          <a:bodyPr anchorCtr="0" anchor="t" bIns="91425" lIns="91425" spcFirstLastPara="1" rIns="91425" wrap="square" tIns="91425">
+          <a:bodyPr spcFirstLastPara="1" wrap="square" lIns="91425" tIns="91425" rIns="91425" bIns="91425" anchor="t" anchorCtr="0">
             <a:noAutofit/>
           </a:bodyPr>
           <a:lstStyle/>
           <a:p>
-            <a:pPr indent="0" lvl="0" marL="0" rtl="0">
+            <a:pPr marL="0" lvl="0" indent="0" rtl="0">
               <a:spcBef>
                 <a:spcPts val="0"/>
               </a:spcBef>
@@ -10118,9 +10059,11 @@
       <p:sp>
         <p:nvSpPr>
           <p:cNvPr id="149" name="Shape 149"/>
-          <p:cNvSpPr txBox="1"/>
+          <p:cNvSpPr txBox="1">
+            <a:spLocks noGrp="1"/>
+          </p:cNvSpPr>
           <p:nvPr>
-            <p:ph idx="1" type="body"/>
+            <p:ph type="body" idx="1"/>
           </p:nvPr>
         </p:nvSpPr>
         <p:spPr>
@@ -10133,12 +10076,12 @@
           </a:prstGeom>
         </p:spPr>
         <p:txBody>
-          <a:bodyPr anchorCtr="0" anchor="t" bIns="91425" lIns="91425" spcFirstLastPara="1" rIns="91425" wrap="square" tIns="91425">
+          <a:bodyPr spcFirstLastPara="1" wrap="square" lIns="91425" tIns="91425" rIns="91425" bIns="91425" anchor="t" anchorCtr="0">
             <a:noAutofit/>
           </a:bodyPr>
           <a:lstStyle/>
           <a:p>
-            <a:pPr indent="0" lvl="0" marL="0" rtl="0">
+            <a:pPr marL="0" lvl="0" indent="0" rtl="0">
               <a:spcBef>
                 <a:spcPts val="0"/>
               </a:spcBef>
@@ -10154,7 +10097,7 @@
             <a:endParaRPr/>
           </a:p>
           <a:p>
-            <a:pPr indent="-311150" lvl="0" marL="457200" rtl="0">
+            <a:pPr marL="457200" lvl="0" indent="-311150" rtl="0">
               <a:spcBef>
                 <a:spcPts val="1600"/>
               </a:spcBef>
@@ -10171,7 +10114,7 @@
             <a:endParaRPr/>
           </a:p>
           <a:p>
-            <a:pPr indent="-311150" lvl="0" marL="457200" rtl="0">
+            <a:pPr marL="457200" lvl="0" indent="-311150" rtl="0">
               <a:spcBef>
                 <a:spcPts val="0"/>
               </a:spcBef>
@@ -10188,7 +10131,7 @@
             <a:endParaRPr/>
           </a:p>
           <a:p>
-            <a:pPr indent="-311150" lvl="0" marL="457200" rtl="0">
+            <a:pPr marL="457200" lvl="0" indent="-311150" rtl="0">
               <a:spcBef>
                 <a:spcPts val="0"/>
               </a:spcBef>
@@ -10205,7 +10148,7 @@
             <a:endParaRPr/>
           </a:p>
           <a:p>
-            <a:pPr indent="0" lvl="0" marL="0" rtl="0">
+            <a:pPr marL="0" lvl="0" indent="0" rtl="0">
               <a:spcBef>
                 <a:spcPts val="1600"/>
               </a:spcBef>
@@ -10214,9 +10157,6 @@
               </a:spcAft>
               <a:buNone/>
             </a:pPr>
-            <a:r>
-              <a:t/>
-            </a:r>
             <a:endParaRPr/>
           </a:p>
         </p:txBody>
@@ -10224,9 +10164,11 @@
       <p:sp>
         <p:nvSpPr>
           <p:cNvPr id="150" name="Shape 150"/>
-          <p:cNvSpPr txBox="1"/>
+          <p:cNvSpPr txBox="1">
+            <a:spLocks noGrp="1"/>
+          </p:cNvSpPr>
           <p:nvPr>
-            <p:ph idx="1" type="body"/>
+            <p:ph type="body" idx="1"/>
           </p:nvPr>
         </p:nvSpPr>
         <p:spPr>
@@ -10239,12 +10181,12 @@
           </a:prstGeom>
         </p:spPr>
         <p:txBody>
-          <a:bodyPr anchorCtr="0" anchor="t" bIns="91425" lIns="91425" spcFirstLastPara="1" rIns="91425" wrap="square" tIns="91425">
+          <a:bodyPr spcFirstLastPara="1" wrap="square" lIns="91425" tIns="91425" rIns="91425" bIns="91425" anchor="t" anchorCtr="0">
             <a:noAutofit/>
           </a:bodyPr>
           <a:lstStyle/>
           <a:p>
-            <a:pPr indent="0" lvl="0" marL="0" rtl="0">
+            <a:pPr marL="0" lvl="0" indent="0" rtl="0">
               <a:spcBef>
                 <a:spcPts val="0"/>
               </a:spcBef>
@@ -10260,7 +10202,7 @@
             <a:endParaRPr/>
           </a:p>
           <a:p>
-            <a:pPr indent="0" lvl="0" marL="0" rtl="0">
+            <a:pPr marL="0" lvl="0" indent="0" rtl="0">
               <a:spcBef>
                 <a:spcPts val="1600"/>
               </a:spcBef>
@@ -10276,7 +10218,7 @@
             <a:endParaRPr/>
           </a:p>
           <a:p>
-            <a:pPr indent="0" lvl="0" marL="0" rtl="0">
+            <a:pPr marL="0" lvl="0" indent="0" rtl="0">
               <a:spcBef>
                 <a:spcPts val="1600"/>
               </a:spcBef>
@@ -10292,7 +10234,7 @@
             <a:endParaRPr/>
           </a:p>
           <a:p>
-            <a:pPr indent="0" lvl="0" marL="0" rtl="0">
+            <a:pPr marL="0" lvl="0" indent="0" rtl="0">
               <a:spcBef>
                 <a:spcPts val="1600"/>
               </a:spcBef>
@@ -10312,9 +10254,11 @@
       <p:sp>
         <p:nvSpPr>
           <p:cNvPr id="151" name="Shape 151"/>
-          <p:cNvSpPr txBox="1"/>
+          <p:cNvSpPr txBox="1">
+            <a:spLocks noGrp="1"/>
+          </p:cNvSpPr>
           <p:nvPr>
-            <p:ph idx="1" type="body"/>
+            <p:ph type="body" idx="1"/>
           </p:nvPr>
         </p:nvSpPr>
         <p:spPr>
@@ -10327,12 +10271,12 @@
           </a:prstGeom>
         </p:spPr>
         <p:txBody>
-          <a:bodyPr anchorCtr="0" anchor="t" bIns="91425" lIns="91425" spcFirstLastPara="1" rIns="91425" wrap="square" tIns="91425">
+          <a:bodyPr spcFirstLastPara="1" wrap="square" lIns="91425" tIns="91425" rIns="91425" bIns="91425" anchor="t" anchorCtr="0">
             <a:noAutofit/>
           </a:bodyPr>
           <a:lstStyle/>
           <a:p>
-            <a:pPr indent="0" lvl="0" marL="0" rtl="0">
+            <a:pPr marL="0" lvl="0" indent="0" rtl="0">
               <a:spcBef>
                 <a:spcPts val="0"/>
               </a:spcBef>
@@ -10343,16 +10287,12 @@
             </a:pPr>
             <a:r>
               <a:rPr lang="en-GB"/>
-              <a:t>Work/ tasks completed this week </a:t>
-            </a:r>
-            <a:r>
-              <a:rPr lang="en-GB"/>
-              <a:t>: </a:t>
+              <a:t>Work/ tasks completed this week : </a:t>
             </a:r>
             <a:endParaRPr/>
           </a:p>
           <a:p>
-            <a:pPr indent="-311150" lvl="0" marL="457200" rtl="0">
+            <a:pPr marL="457200" lvl="0" indent="-311150" rtl="0">
               <a:spcBef>
                 <a:spcPts val="1600"/>
               </a:spcBef>
@@ -10369,7 +10309,7 @@
             <a:endParaRPr/>
           </a:p>
           <a:p>
-            <a:pPr indent="0" lvl="0" marL="0" rtl="0">
+            <a:pPr marL="0" lvl="0" indent="0" rtl="0">
               <a:spcBef>
                 <a:spcPts val="1600"/>
               </a:spcBef>
@@ -10378,9 +10318,6 @@
               </a:spcAft>
               <a:buNone/>
             </a:pPr>
-            <a:r>
-              <a:t/>
-            </a:r>
             <a:endParaRPr/>
           </a:p>
         </p:txBody>
@@ -10394,11 +10331,11 @@
 </file>
 
 <file path=ppt/slides/slide4.xml><?xml version="1.0" encoding="utf-8"?>
-<p:sld xmlns:a="http://schemas.openxmlformats.org/drawingml/2006/main" xmlns:r="http://schemas.openxmlformats.org/officeDocument/2006/relationships" xmlns:mc="http://schemas.openxmlformats.org/markup-compatibility/2006" xmlns:mv="urn:schemas-microsoft-com:mac:vml" xmlns:p="http://schemas.openxmlformats.org/presentationml/2006/main" xmlns:c="http://schemas.openxmlformats.org/drawingml/2006/chart" xmlns:dgm="http://schemas.openxmlformats.org/drawingml/2006/diagram" xmlns:o="urn:schemas-microsoft-com:office:office" xmlns:v="urn:schemas-microsoft-com:vml" xmlns:pvml="urn:schemas-microsoft-com:office:powerpoint" xmlns:com="http://schemas.openxmlformats.org/drawingml/2006/compatibility" xmlns:p14="http://schemas.microsoft.com/office/powerpoint/2010/main" xmlns:p15="http://schemas.microsoft.com/office/powerpoint/2012/main">
+<p:sld xmlns:a="http://schemas.openxmlformats.org/drawingml/2006/main" xmlns:r="http://schemas.openxmlformats.org/officeDocument/2006/relationships" xmlns:p="http://schemas.openxmlformats.org/presentationml/2006/main">
   <p:cSld>
     <p:spTree>
       <p:nvGrpSpPr>
-        <p:cNvPr id="155" name="Shape 155"/>
+        <p:cNvPr id="1" name="Shape 155"/>
         <p:cNvGrpSpPr/>
         <p:nvPr/>
       </p:nvGrpSpPr>
@@ -10413,7 +10350,9 @@
       <p:sp>
         <p:nvSpPr>
           <p:cNvPr id="156" name="Shape 156"/>
-          <p:cNvSpPr txBox="1"/>
+          <p:cNvSpPr txBox="1">
+            <a:spLocks noGrp="1"/>
+          </p:cNvSpPr>
           <p:nvPr>
             <p:ph type="title"/>
           </p:nvPr>
@@ -10428,12 +10367,12 @@
           </a:prstGeom>
         </p:spPr>
         <p:txBody>
-          <a:bodyPr anchorCtr="0" anchor="t" bIns="91425" lIns="91425" spcFirstLastPara="1" rIns="91425" wrap="square" tIns="91425">
+          <a:bodyPr spcFirstLastPara="1" wrap="square" lIns="91425" tIns="91425" rIns="91425" bIns="91425" anchor="t" anchorCtr="0">
             <a:noAutofit/>
           </a:bodyPr>
           <a:lstStyle/>
           <a:p>
-            <a:pPr indent="0" lvl="0" marL="0" rtl="0">
+            <a:pPr marL="0" lvl="0" indent="0" rtl="0">
               <a:spcBef>
                 <a:spcPts val="0"/>
               </a:spcBef>
@@ -10453,9 +10392,11 @@
       <p:sp>
         <p:nvSpPr>
           <p:cNvPr id="157" name="Shape 157"/>
-          <p:cNvSpPr txBox="1"/>
+          <p:cNvSpPr txBox="1">
+            <a:spLocks noGrp="1"/>
+          </p:cNvSpPr>
           <p:nvPr>
-            <p:ph idx="1" type="body"/>
+            <p:ph type="body" idx="1"/>
           </p:nvPr>
         </p:nvSpPr>
         <p:spPr>
@@ -10468,12 +10409,12 @@
           </a:prstGeom>
         </p:spPr>
         <p:txBody>
-          <a:bodyPr anchorCtr="0" anchor="t" bIns="91425" lIns="91425" spcFirstLastPara="1" rIns="91425" wrap="square" tIns="91425">
+          <a:bodyPr spcFirstLastPara="1" wrap="square" lIns="91425" tIns="91425" rIns="91425" bIns="91425" anchor="t" anchorCtr="0">
             <a:noAutofit/>
           </a:bodyPr>
           <a:lstStyle/>
           <a:p>
-            <a:pPr indent="0" lvl="0" marL="0">
+            <a:pPr marL="0" lvl="0" indent="0">
               <a:spcBef>
                 <a:spcPts val="0"/>
               </a:spcBef>
@@ -10483,13 +10424,13 @@
               <a:buNone/>
             </a:pPr>
             <a:r>
-              <a:rPr lang="en-GB"/>
+              <a:rPr lang="en-GB" dirty="0"/>
               <a:t>Objectives for the week: </a:t>
             </a:r>
-            <a:endParaRPr/>
+            <a:endParaRPr dirty="0"/>
           </a:p>
           <a:p>
-            <a:pPr indent="-311150" lvl="0" marL="457200" rtl="0">
+            <a:pPr marL="457200" lvl="0" indent="-311150" rtl="0">
               <a:spcBef>
                 <a:spcPts val="1600"/>
               </a:spcBef>
@@ -10500,13 +10441,13 @@
               <a:buChar char="●"/>
             </a:pPr>
             <a:r>
-              <a:rPr lang="en-GB"/>
+              <a:rPr lang="en-GB" dirty="0"/>
               <a:t>Test Watson conversation. </a:t>
             </a:r>
-            <a:endParaRPr/>
+            <a:endParaRPr dirty="0"/>
           </a:p>
           <a:p>
-            <a:pPr indent="-311150" lvl="0" marL="457200">
+            <a:pPr marL="457200" lvl="0" indent="-311150">
               <a:spcBef>
                 <a:spcPts val="0"/>
               </a:spcBef>
@@ -10517,21 +10458,21 @@
               <a:buChar char="●"/>
             </a:pPr>
             <a:r>
-              <a:rPr lang="en-GB"/>
-              <a:t>Look into node.js and how to </a:t>
+              <a:rPr lang="en-GB" dirty="0"/>
+              <a:t>Look into </a:t>
             </a:r>
             <a:r>
-              <a:rPr lang="en-GB"/>
-              <a:t>incorporate</a:t>
+              <a:rPr lang="en-GB" dirty="0" err="1"/>
+              <a:t>node.js</a:t>
             </a:r>
             <a:r>
-              <a:rPr lang="en-GB"/>
-              <a:t> conversation into webpage chat box. </a:t>
+              <a:rPr lang="en-GB" dirty="0"/>
+              <a:t> and how to incorporate conversation into webpage chat box. </a:t>
             </a:r>
-            <a:endParaRPr/>
+            <a:endParaRPr dirty="0"/>
           </a:p>
           <a:p>
-            <a:pPr indent="-311150" lvl="0" marL="457200" rtl="0">
+            <a:pPr marL="457200" lvl="0" indent="-311150" rtl="0">
               <a:spcBef>
                 <a:spcPts val="0"/>
               </a:spcBef>
@@ -10542,19 +10483,21 @@
               <a:buChar char="●"/>
             </a:pPr>
             <a:r>
-              <a:rPr lang="en-GB"/>
+              <a:rPr lang="en-GB" dirty="0"/>
               <a:t>Add chat hints and tips to webpage to help users.</a:t>
             </a:r>
-            <a:endParaRPr/>
+            <a:endParaRPr dirty="0"/>
           </a:p>
         </p:txBody>
       </p:sp>
       <p:sp>
         <p:nvSpPr>
           <p:cNvPr id="158" name="Shape 158"/>
-          <p:cNvSpPr txBox="1"/>
+          <p:cNvSpPr txBox="1">
+            <a:spLocks noGrp="1"/>
+          </p:cNvSpPr>
           <p:nvPr>
-            <p:ph idx="1" type="body"/>
+            <p:ph type="body" idx="1"/>
           </p:nvPr>
         </p:nvSpPr>
         <p:spPr>
@@ -10567,12 +10510,12 @@
           </a:prstGeom>
         </p:spPr>
         <p:txBody>
-          <a:bodyPr anchorCtr="0" anchor="t" bIns="91425" lIns="91425" spcFirstLastPara="1" rIns="91425" wrap="square" tIns="91425">
+          <a:bodyPr spcFirstLastPara="1" wrap="square" lIns="91425" tIns="91425" rIns="91425" bIns="91425" anchor="t" anchorCtr="0">
             <a:noAutofit/>
           </a:bodyPr>
           <a:lstStyle/>
           <a:p>
-            <a:pPr indent="0" lvl="0" marL="0" rtl="0">
+            <a:pPr marL="0" lvl="0" indent="0" rtl="0">
               <a:spcBef>
                 <a:spcPts val="0"/>
               </a:spcBef>
@@ -10588,7 +10531,7 @@
             <a:endParaRPr/>
           </a:p>
           <a:p>
-            <a:pPr indent="0" lvl="0" marL="0" rtl="0">
+            <a:pPr marL="0" lvl="0" indent="0" rtl="0">
               <a:spcBef>
                 <a:spcPts val="1600"/>
               </a:spcBef>
@@ -10604,7 +10547,7 @@
             <a:endParaRPr/>
           </a:p>
           <a:p>
-            <a:pPr indent="0" lvl="0" marL="0" rtl="0">
+            <a:pPr marL="0" lvl="0" indent="0" rtl="0">
               <a:spcBef>
                 <a:spcPts val="1600"/>
               </a:spcBef>
@@ -10620,7 +10563,7 @@
             <a:endParaRPr/>
           </a:p>
           <a:p>
-            <a:pPr indent="0" lvl="0" marL="0" rtl="0">
+            <a:pPr marL="0" lvl="0" indent="0" rtl="0">
               <a:spcBef>
                 <a:spcPts val="1600"/>
               </a:spcBef>
@@ -10636,7 +10579,7 @@
             <a:endParaRPr/>
           </a:p>
           <a:p>
-            <a:pPr indent="0" lvl="0" marL="0" rtl="0">
+            <a:pPr marL="0" lvl="0" indent="0" rtl="0">
               <a:spcBef>
                 <a:spcPts val="1600"/>
               </a:spcBef>
@@ -10645,9 +10588,6 @@
               </a:spcAft>
               <a:buNone/>
             </a:pPr>
-            <a:r>
-              <a:t/>
-            </a:r>
             <a:endParaRPr/>
           </a:p>
         </p:txBody>
@@ -10655,27 +10595,29 @@
       <p:sp>
         <p:nvSpPr>
           <p:cNvPr id="159" name="Shape 159"/>
-          <p:cNvSpPr txBox="1"/>
+          <p:cNvSpPr txBox="1">
+            <a:spLocks noGrp="1"/>
+          </p:cNvSpPr>
           <p:nvPr>
-            <p:ph idx="1" type="body"/>
+            <p:ph type="body" idx="1"/>
           </p:nvPr>
         </p:nvSpPr>
         <p:spPr>
           <a:xfrm>
             <a:off x="311700" y="3166775"/>
-            <a:ext cx="4156800" cy="1559100"/>
+            <a:ext cx="4156800" cy="1745467"/>
           </a:xfrm>
           <a:prstGeom prst="rect">
             <a:avLst/>
           </a:prstGeom>
         </p:spPr>
         <p:txBody>
-          <a:bodyPr anchorCtr="0" anchor="t" bIns="91425" lIns="91425" spcFirstLastPara="1" rIns="91425" wrap="square" tIns="91425">
+          <a:bodyPr spcFirstLastPara="1" wrap="square" lIns="91425" tIns="91425" rIns="91425" bIns="91425" anchor="t" anchorCtr="0">
             <a:noAutofit/>
           </a:bodyPr>
           <a:lstStyle/>
           <a:p>
-            <a:pPr indent="0" lvl="0" marL="0" rtl="0">
+            <a:pPr marL="0" lvl="0" indent="0" rtl="0">
               <a:spcBef>
                 <a:spcPts val="0"/>
               </a:spcBef>
@@ -10685,25 +10627,67 @@
               <a:buNone/>
             </a:pPr>
             <a:r>
-              <a:rPr lang="en-GB"/>
+              <a:rPr lang="en-GB" dirty="0"/>
               <a:t>Work/ tasks completed this week : </a:t>
             </a:r>
-            <a:endParaRPr/>
+            <a:endParaRPr dirty="0"/>
           </a:p>
           <a:p>
-            <a:pPr indent="0" lvl="0" marL="0" rtl="0">
-              <a:spcBef>
-                <a:spcPts val="1600"/>
-              </a:spcBef>
-              <a:spcAft>
-                <a:spcPts val="1600"/>
-              </a:spcAft>
-              <a:buNone/>
+            <a:pPr marL="285750" indent="-285750">
+              <a:spcAft>
+                <a:spcPts val="1600"/>
+              </a:spcAft>
             </a:pPr>
             <a:r>
-              <a:t/>
+              <a:rPr lang="en-US" dirty="0" err="1" smtClean="0"/>
+              <a:t>Node.js</a:t>
             </a:r>
-            <a:endParaRPr/>
+            <a:r>
+              <a:rPr lang="en-US" dirty="0" smtClean="0"/>
+              <a:t> understood for both webpage</a:t>
+            </a:r>
+          </a:p>
+          <a:p>
+            <a:pPr marL="285750" indent="-285750">
+              <a:spcAft>
+                <a:spcPts val="1600"/>
+              </a:spcAft>
+            </a:pPr>
+            <a:r>
+              <a:rPr lang="en-US" dirty="0"/>
+              <a:t>Testing of conversation service </a:t>
+            </a:r>
+            <a:r>
+              <a:rPr lang="en-US" dirty="0" smtClean="0"/>
+              <a:t>complete</a:t>
+            </a:r>
+          </a:p>
+          <a:p>
+            <a:pPr marL="285750" indent="-285750">
+              <a:spcAft>
+                <a:spcPts val="1600"/>
+              </a:spcAft>
+            </a:pPr>
+            <a:r>
+              <a:rPr lang="en-US" dirty="0" smtClean="0"/>
+              <a:t>Help information added to webpage</a:t>
+            </a:r>
+            <a:endParaRPr lang="en-US" dirty="0"/>
+          </a:p>
+          <a:p>
+            <a:pPr marL="0" lvl="0" indent="0" rtl="0">
+              <a:lnSpc>
+                <a:spcPct val="150000"/>
+              </a:lnSpc>
+              <a:spcBef>
+                <a:spcPts val="1600"/>
+              </a:spcBef>
+              <a:spcAft>
+                <a:spcPts val="1600"/>
+              </a:spcAft>
+              <a:buNone/>
+            </a:pPr>
+            <a:endParaRPr dirty="0"/>
           </a:p>
         </p:txBody>
       </p:sp>
@@ -10716,11 +10700,11 @@
 </file>
 
 <file path=ppt/slides/slide5.xml><?xml version="1.0" encoding="utf-8"?>
-<p:sld xmlns:a="http://schemas.openxmlformats.org/drawingml/2006/main" xmlns:r="http://schemas.openxmlformats.org/officeDocument/2006/relationships" xmlns:mc="http://schemas.openxmlformats.org/markup-compatibility/2006" xmlns:mv="urn:schemas-microsoft-com:mac:vml" xmlns:p="http://schemas.openxmlformats.org/presentationml/2006/main" xmlns:c="http://schemas.openxmlformats.org/drawingml/2006/chart" xmlns:dgm="http://schemas.openxmlformats.org/drawingml/2006/diagram" xmlns:o="urn:schemas-microsoft-com:office:office" xmlns:v="urn:schemas-microsoft-com:vml" xmlns:pvml="urn:schemas-microsoft-com:office:powerpoint" xmlns:com="http://schemas.openxmlformats.org/drawingml/2006/compatibility" xmlns:p14="http://schemas.microsoft.com/office/powerpoint/2010/main" xmlns:p15="http://schemas.microsoft.com/office/powerpoint/2012/main">
+<p:sld xmlns:a="http://schemas.openxmlformats.org/drawingml/2006/main" xmlns:r="http://schemas.openxmlformats.org/officeDocument/2006/relationships" xmlns:p="http://schemas.openxmlformats.org/presentationml/2006/main">
   <p:cSld>
     <p:spTree>
       <p:nvGrpSpPr>
-        <p:cNvPr id="163" name="Shape 163"/>
+        <p:cNvPr id="1" name="Shape 163"/>
         <p:cNvGrpSpPr/>
         <p:nvPr/>
       </p:nvGrpSpPr>
@@ -10735,7 +10719,9 @@
       <p:sp>
         <p:nvSpPr>
           <p:cNvPr id="164" name="Shape 164"/>
-          <p:cNvSpPr txBox="1"/>
+          <p:cNvSpPr txBox="1">
+            <a:spLocks noGrp="1"/>
+          </p:cNvSpPr>
           <p:nvPr>
             <p:ph type="title"/>
           </p:nvPr>
@@ -10750,12 +10736,12 @@
           </a:prstGeom>
         </p:spPr>
         <p:txBody>
-          <a:bodyPr anchorCtr="0" anchor="t" bIns="91425" lIns="91425" spcFirstLastPara="1" rIns="91425" wrap="square" tIns="91425">
+          <a:bodyPr spcFirstLastPara="1" wrap="square" lIns="91425" tIns="91425" rIns="91425" bIns="91425" anchor="t" anchorCtr="0">
             <a:noAutofit/>
           </a:bodyPr>
           <a:lstStyle/>
           <a:p>
-            <a:pPr indent="0" lvl="0" marL="0" rtl="0">
+            <a:pPr marL="0" lvl="0" indent="0" rtl="0">
               <a:spcBef>
                 <a:spcPts val="0"/>
               </a:spcBef>
@@ -10775,9 +10761,11 @@
       <p:sp>
         <p:nvSpPr>
           <p:cNvPr id="165" name="Shape 165"/>
-          <p:cNvSpPr txBox="1"/>
+          <p:cNvSpPr txBox="1">
+            <a:spLocks noGrp="1"/>
+          </p:cNvSpPr>
           <p:nvPr>
-            <p:ph idx="1" type="body"/>
+            <p:ph type="body" idx="1"/>
           </p:nvPr>
         </p:nvSpPr>
         <p:spPr>
@@ -10790,12 +10778,12 @@
           </a:prstGeom>
         </p:spPr>
         <p:txBody>
-          <a:bodyPr anchorCtr="0" anchor="t" bIns="91425" lIns="91425" spcFirstLastPara="1" rIns="91425" wrap="square" tIns="91425">
+          <a:bodyPr spcFirstLastPara="1" wrap="square" lIns="91425" tIns="91425" rIns="91425" bIns="91425" anchor="t" anchorCtr="0">
             <a:noAutofit/>
           </a:bodyPr>
           <a:lstStyle/>
           <a:p>
-            <a:pPr indent="0" lvl="0" marL="0" rtl="0">
+            <a:pPr marL="0" lvl="0" indent="0" rtl="0">
               <a:spcBef>
                 <a:spcPts val="0"/>
               </a:spcBef>
@@ -10805,13 +10793,35 @@
               <a:buNone/>
             </a:pPr>
             <a:r>
-              <a:rPr lang="en-GB"/>
+              <a:rPr lang="en-GB" dirty="0"/>
               <a:t>Objectives for the week: </a:t>
             </a:r>
-            <a:endParaRPr/>
+            <a:endParaRPr lang="en-GB" dirty="0" smtClean="0"/>
           </a:p>
           <a:p>
-            <a:pPr indent="0" lvl="0" marL="0" rtl="0">
+            <a:pPr marL="285750" indent="-285750"/>
+            <a:r>
+              <a:rPr lang="en-GB" dirty="0" smtClean="0"/>
+              <a:t>Begin work on speech to text  and text to speech services </a:t>
+            </a:r>
+          </a:p>
+          <a:p>
+            <a:pPr marL="285750" indent="-285750"/>
+            <a:r>
+              <a:rPr lang="en-GB" dirty="0" smtClean="0"/>
+              <a:t>Continue integrating conversation into webpage</a:t>
+            </a:r>
+          </a:p>
+          <a:p>
+            <a:pPr marL="285750" indent="-285750"/>
+            <a:r>
+              <a:rPr lang="en-GB" dirty="0" smtClean="0"/>
+              <a:t>Add small amounts of animation to the avatar </a:t>
+            </a:r>
+            <a:endParaRPr dirty="0"/>
+          </a:p>
+          <a:p>
+            <a:pPr marL="0" lvl="0" indent="0" rtl="0">
               <a:spcBef>
                 <a:spcPts val="1600"/>
               </a:spcBef>
@@ -10820,19 +10830,18 @@
               </a:spcAft>
               <a:buNone/>
             </a:pPr>
-            <a:r>
-              <a:t/>
-            </a:r>
-            <a:endParaRPr/>
+            <a:endParaRPr dirty="0"/>
           </a:p>
         </p:txBody>
       </p:sp>
       <p:sp>
         <p:nvSpPr>
           <p:cNvPr id="166" name="Shape 166"/>
-          <p:cNvSpPr txBox="1"/>
+          <p:cNvSpPr txBox="1">
+            <a:spLocks noGrp="1"/>
+          </p:cNvSpPr>
           <p:nvPr>
-            <p:ph idx="1" type="body"/>
+            <p:ph type="body" idx="1"/>
           </p:nvPr>
         </p:nvSpPr>
         <p:spPr>
@@ -10845,12 +10854,12 @@
           </a:prstGeom>
         </p:spPr>
         <p:txBody>
-          <a:bodyPr anchorCtr="0" anchor="t" bIns="91425" lIns="91425" spcFirstLastPara="1" rIns="91425" wrap="square" tIns="91425">
+          <a:bodyPr spcFirstLastPara="1" wrap="square" lIns="91425" tIns="91425" rIns="91425" bIns="91425" anchor="t" anchorCtr="0">
             <a:noAutofit/>
           </a:bodyPr>
           <a:lstStyle/>
           <a:p>
-            <a:pPr indent="0" lvl="0" marL="0" rtl="0">
+            <a:pPr marL="0" lvl="0" indent="0" rtl="0">
               <a:spcBef>
                 <a:spcPts val="0"/>
               </a:spcBef>
@@ -10860,13 +10869,13 @@
               <a:buNone/>
             </a:pPr>
             <a:r>
-              <a:rPr lang="en-GB"/>
+              <a:rPr lang="en-GB" dirty="0"/>
               <a:t>Meetings to be held this week: </a:t>
             </a:r>
-            <a:endParaRPr/>
+            <a:endParaRPr dirty="0"/>
           </a:p>
           <a:p>
-            <a:pPr indent="0" lvl="0" marL="0" rtl="0">
+            <a:pPr marL="0" lvl="0" indent="0" rtl="0">
               <a:spcBef>
                 <a:spcPts val="1600"/>
               </a:spcBef>
@@ -10876,84 +10885,51 @@
               <a:buNone/>
             </a:pPr>
             <a:r>
-              <a:rPr lang="en-GB"/>
-              <a:t>Meeting with gail - 20/02/18</a:t>
+              <a:rPr lang="en-GB" dirty="0"/>
+              <a:t>		     </a:t>
             </a:r>
-            <a:endParaRPr/>
+            <a:endParaRPr dirty="0"/>
           </a:p>
           <a:p>
-            <a:pPr indent="0" lvl="0" marL="0" rtl="0">
-              <a:spcBef>
-                <a:spcPts val="1600"/>
-              </a:spcBef>
-              <a:spcAft>
-                <a:spcPts val="0"/>
+            <a:pPr marL="0" lvl="0" indent="0" rtl="0">
+              <a:spcBef>
+                <a:spcPts val="1600"/>
+              </a:spcBef>
+              <a:spcAft>
+                <a:spcPts val="1600"/>
               </a:spcAft>
               <a:buNone/>
             </a:pPr>
-            <a:r>
-              <a:rPr lang="en-GB"/>
-              <a:t>Meeting with jon - </a:t>
-            </a:r>
-            <a:endParaRPr/>
-          </a:p>
-          <a:p>
-            <a:pPr indent="0" lvl="0" marL="0" rtl="0">
-              <a:spcBef>
-                <a:spcPts val="1600"/>
-              </a:spcBef>
-              <a:spcAft>
-                <a:spcPts val="0"/>
-              </a:spcAft>
-              <a:buNone/>
-            </a:pPr>
-            <a:r>
-              <a:rPr lang="en-GB"/>
-              <a:t>Group meetings - 22/02/18			     </a:t>
-            </a:r>
-            <a:endParaRPr/>
-          </a:p>
-          <a:p>
-            <a:pPr indent="0" lvl="0" marL="0" rtl="0">
-              <a:spcBef>
-                <a:spcPts val="1600"/>
-              </a:spcBef>
-              <a:spcAft>
-                <a:spcPts val="1600"/>
-              </a:spcAft>
-              <a:buNone/>
-            </a:pPr>
-            <a:r>
-              <a:t/>
-            </a:r>
-            <a:endParaRPr/>
+            <a:endParaRPr dirty="0"/>
           </a:p>
         </p:txBody>
       </p:sp>
       <p:sp>
         <p:nvSpPr>
           <p:cNvPr id="167" name="Shape 167"/>
-          <p:cNvSpPr txBox="1"/>
+          <p:cNvSpPr txBox="1">
+            <a:spLocks noGrp="1"/>
+          </p:cNvSpPr>
           <p:nvPr>
-            <p:ph idx="1" type="body"/>
+            <p:ph type="body" idx="1"/>
           </p:nvPr>
         </p:nvSpPr>
         <p:spPr>
           <a:xfrm>
             <a:off x="311700" y="3166775"/>
-            <a:ext cx="4156800" cy="1559100"/>
+            <a:ext cx="4156800" cy="1500918"/>
           </a:xfrm>
           <a:prstGeom prst="rect">
             <a:avLst/>
           </a:prstGeom>
         </p:spPr>
         <p:txBody>
-          <a:bodyPr anchorCtr="0" anchor="t" bIns="91425" lIns="91425" spcFirstLastPara="1" rIns="91425" wrap="square" tIns="91425">
+          <a:bodyPr spcFirstLastPara="1" vert="horz" wrap="square" lIns="91425" tIns="91425" rIns="91425" bIns="91425" anchor="t" anchorCtr="0">
             <a:noAutofit/>
           </a:bodyPr>
           <a:lstStyle/>
           <a:p>
-            <a:pPr indent="0" lvl="0" marL="0" rtl="0">
+            <a:pPr marL="0" lvl="0" indent="0" rtl="0">
               <a:spcBef>
                 <a:spcPts val="0"/>
               </a:spcBef>
@@ -10963,25 +10939,65 @@
               <a:buNone/>
             </a:pPr>
             <a:r>
-              <a:rPr lang="en-GB"/>
+              <a:rPr lang="en-GB" dirty="0"/>
               <a:t>Work/ tasks completed this week : </a:t>
             </a:r>
-            <a:endParaRPr/>
+            <a:endParaRPr lang="en-GB" dirty="0" smtClean="0"/>
           </a:p>
           <a:p>
-            <a:pPr indent="0" lvl="0" marL="0" rtl="0">
-              <a:spcBef>
-                <a:spcPts val="1600"/>
-              </a:spcBef>
-              <a:spcAft>
-                <a:spcPts val="1600"/>
-              </a:spcAft>
+            <a:pPr marL="285750" indent="-285750"/>
+            <a:r>
+              <a:rPr lang="en-US" dirty="0"/>
+              <a:t>Encountered issues with text to speech </a:t>
+            </a:r>
+            <a:r>
+              <a:rPr lang="en-US" dirty="0" smtClean="0"/>
+              <a:t>service</a:t>
+            </a:r>
+          </a:p>
+          <a:p>
+            <a:pPr marL="285750" indent="-285750"/>
+            <a:r>
+              <a:rPr lang="en-US" dirty="0" smtClean="0"/>
+              <a:t>Webpage now includes working chat feature </a:t>
+            </a:r>
+          </a:p>
+          <a:p>
+            <a:pPr marL="285750" indent="-285750"/>
+            <a:r>
+              <a:rPr lang="en-US" dirty="0" smtClean="0"/>
+              <a:t>Began animation development </a:t>
+            </a:r>
+          </a:p>
+          <a:p>
+            <a:pPr marL="0" indent="0">
               <a:buNone/>
             </a:pPr>
-            <a:r>
-              <a:t/>
-            </a:r>
-            <a:endParaRPr/>
+            <a:endParaRPr lang="en-US" dirty="0"/>
+          </a:p>
+          <a:p>
+            <a:pPr marL="0" lvl="0" indent="0" rtl="0">
+              <a:spcBef>
+                <a:spcPts val="0"/>
+              </a:spcBef>
+              <a:spcAft>
+                <a:spcPts val="0"/>
+              </a:spcAft>
+              <a:buNone/>
+            </a:pPr>
+            <a:endParaRPr lang="en-GB" dirty="0" smtClean="0"/>
+          </a:p>
+          <a:p>
+            <a:pPr marL="0" lvl="0" indent="0" rtl="0">
+              <a:spcBef>
+                <a:spcPts val="0"/>
+              </a:spcBef>
+              <a:spcAft>
+                <a:spcPts val="0"/>
+              </a:spcAft>
+              <a:buNone/>
+            </a:pPr>
+            <a:endParaRPr dirty="0"/>
           </a:p>
         </p:txBody>
       </p:sp>
@@ -10993,8 +11009,2104 @@
 </p:sld>
 </file>
 
+<file path=ppt/slides/slide6.xml><?xml version="1.0" encoding="utf-8"?>
+<p:sld xmlns:a="http://schemas.openxmlformats.org/drawingml/2006/main" xmlns:r="http://schemas.openxmlformats.org/officeDocument/2006/relationships" xmlns:p="http://schemas.openxmlformats.org/presentationml/2006/main">
+  <p:cSld>
+    <p:spTree>
+      <p:nvGrpSpPr>
+        <p:cNvPr id="1" name=""/>
+        <p:cNvGrpSpPr/>
+        <p:nvPr/>
+      </p:nvGrpSpPr>
+      <p:grpSpPr>
+        <a:xfrm>
+          <a:off x="0" y="0"/>
+          <a:ext cx="0" cy="0"/>
+          <a:chOff x="0" y="0"/>
+          <a:chExt cx="0" cy="0"/>
+        </a:xfrm>
+      </p:grpSpPr>
+      <p:sp>
+        <p:nvSpPr>
+          <p:cNvPr id="4" name="Shape 164"/>
+          <p:cNvSpPr txBox="1">
+            <a:spLocks/>
+          </p:cNvSpPr>
+          <p:nvPr/>
+        </p:nvSpPr>
+        <p:spPr>
+          <a:xfrm>
+            <a:off x="1297500" y="393750"/>
+            <a:ext cx="6868305" cy="914100"/>
+          </a:xfrm>
+          <a:prstGeom prst="rect">
+            <a:avLst/>
+          </a:prstGeom>
+          <a:noFill/>
+          <a:ln>
+            <a:noFill/>
+          </a:ln>
+        </p:spPr>
+        <p:txBody>
+          <a:bodyPr spcFirstLastPara="1" wrap="square" lIns="91425" tIns="91425" rIns="91425" bIns="91425" anchor="t" anchorCtr="0">
+            <a:noAutofit/>
+          </a:bodyPr>
+          <a:lstStyle>
+            <a:defPPr marR="0" lvl="0" algn="l" rtl="0">
+              <a:lnSpc>
+                <a:spcPct val="100000"/>
+              </a:lnSpc>
+              <a:spcBef>
+                <a:spcPts val="0"/>
+              </a:spcBef>
+              <a:spcAft>
+                <a:spcPts val="0"/>
+              </a:spcAft>
+            </a:defPPr>
+            <a:lvl1pPr marR="0" lvl="0" algn="l" rtl="0">
+              <a:lnSpc>
+                <a:spcPct val="100000"/>
+              </a:lnSpc>
+              <a:spcBef>
+                <a:spcPts val="0"/>
+              </a:spcBef>
+              <a:spcAft>
+                <a:spcPts val="0"/>
+              </a:spcAft>
+              <a:buClr>
+                <a:schemeClr val="lt1"/>
+              </a:buClr>
+              <a:buSzPts val="2400"/>
+              <a:buFont typeface="Montserrat"/>
+              <a:buNone/>
+              <a:defRPr sz="2400" b="0" i="0" u="none" strike="noStrike" cap="none">
+                <a:solidFill>
+                  <a:schemeClr val="lt1"/>
+                </a:solidFill>
+                <a:latin typeface="Montserrat"/>
+                <a:ea typeface="Montserrat"/>
+                <a:cs typeface="Montserrat"/>
+                <a:sym typeface="Montserrat"/>
+              </a:defRPr>
+            </a:lvl1pPr>
+            <a:lvl2pPr marR="0" lvl="1" algn="l" rtl="0">
+              <a:lnSpc>
+                <a:spcPct val="100000"/>
+              </a:lnSpc>
+              <a:spcBef>
+                <a:spcPts val="0"/>
+              </a:spcBef>
+              <a:spcAft>
+                <a:spcPts val="0"/>
+              </a:spcAft>
+              <a:buClr>
+                <a:schemeClr val="lt1"/>
+              </a:buClr>
+              <a:buSzPts val="2400"/>
+              <a:buFont typeface="Montserrat"/>
+              <a:buNone/>
+              <a:defRPr sz="2400" b="0" i="0" u="none" strike="noStrike" cap="none">
+                <a:solidFill>
+                  <a:schemeClr val="lt1"/>
+                </a:solidFill>
+                <a:latin typeface="Montserrat"/>
+                <a:ea typeface="Montserrat"/>
+                <a:cs typeface="Montserrat"/>
+                <a:sym typeface="Montserrat"/>
+              </a:defRPr>
+            </a:lvl2pPr>
+            <a:lvl3pPr marR="0" lvl="2" algn="l" rtl="0">
+              <a:lnSpc>
+                <a:spcPct val="100000"/>
+              </a:lnSpc>
+              <a:spcBef>
+                <a:spcPts val="0"/>
+              </a:spcBef>
+              <a:spcAft>
+                <a:spcPts val="0"/>
+              </a:spcAft>
+              <a:buClr>
+                <a:schemeClr val="lt1"/>
+              </a:buClr>
+              <a:buSzPts val="2400"/>
+              <a:buFont typeface="Montserrat"/>
+              <a:buNone/>
+              <a:defRPr sz="2400" b="0" i="0" u="none" strike="noStrike" cap="none">
+                <a:solidFill>
+                  <a:schemeClr val="lt1"/>
+                </a:solidFill>
+                <a:latin typeface="Montserrat"/>
+                <a:ea typeface="Montserrat"/>
+                <a:cs typeface="Montserrat"/>
+                <a:sym typeface="Montserrat"/>
+              </a:defRPr>
+            </a:lvl3pPr>
+            <a:lvl4pPr marR="0" lvl="3" algn="l" rtl="0">
+              <a:lnSpc>
+                <a:spcPct val="100000"/>
+              </a:lnSpc>
+              <a:spcBef>
+                <a:spcPts val="0"/>
+              </a:spcBef>
+              <a:spcAft>
+                <a:spcPts val="0"/>
+              </a:spcAft>
+              <a:buClr>
+                <a:schemeClr val="lt1"/>
+              </a:buClr>
+              <a:buSzPts val="2400"/>
+              <a:buFont typeface="Montserrat"/>
+              <a:buNone/>
+              <a:defRPr sz="2400" b="0" i="0" u="none" strike="noStrike" cap="none">
+                <a:solidFill>
+                  <a:schemeClr val="lt1"/>
+                </a:solidFill>
+                <a:latin typeface="Montserrat"/>
+                <a:ea typeface="Montserrat"/>
+                <a:cs typeface="Montserrat"/>
+                <a:sym typeface="Montserrat"/>
+              </a:defRPr>
+            </a:lvl4pPr>
+            <a:lvl5pPr marR="0" lvl="4" algn="l" rtl="0">
+              <a:lnSpc>
+                <a:spcPct val="100000"/>
+              </a:lnSpc>
+              <a:spcBef>
+                <a:spcPts val="0"/>
+              </a:spcBef>
+              <a:spcAft>
+                <a:spcPts val="0"/>
+              </a:spcAft>
+              <a:buClr>
+                <a:schemeClr val="lt1"/>
+              </a:buClr>
+              <a:buSzPts val="2400"/>
+              <a:buFont typeface="Montserrat"/>
+              <a:buNone/>
+              <a:defRPr sz="2400" b="0" i="0" u="none" strike="noStrike" cap="none">
+                <a:solidFill>
+                  <a:schemeClr val="lt1"/>
+                </a:solidFill>
+                <a:latin typeface="Montserrat"/>
+                <a:ea typeface="Montserrat"/>
+                <a:cs typeface="Montserrat"/>
+                <a:sym typeface="Montserrat"/>
+              </a:defRPr>
+            </a:lvl5pPr>
+            <a:lvl6pPr marR="0" lvl="5" algn="l" rtl="0">
+              <a:lnSpc>
+                <a:spcPct val="100000"/>
+              </a:lnSpc>
+              <a:spcBef>
+                <a:spcPts val="0"/>
+              </a:spcBef>
+              <a:spcAft>
+                <a:spcPts val="0"/>
+              </a:spcAft>
+              <a:buClr>
+                <a:schemeClr val="lt1"/>
+              </a:buClr>
+              <a:buSzPts val="2400"/>
+              <a:buFont typeface="Montserrat"/>
+              <a:buNone/>
+              <a:defRPr sz="2400" b="0" i="0" u="none" strike="noStrike" cap="none">
+                <a:solidFill>
+                  <a:schemeClr val="lt1"/>
+                </a:solidFill>
+                <a:latin typeface="Montserrat"/>
+                <a:ea typeface="Montserrat"/>
+                <a:cs typeface="Montserrat"/>
+                <a:sym typeface="Montserrat"/>
+              </a:defRPr>
+            </a:lvl6pPr>
+            <a:lvl7pPr marR="0" lvl="6" algn="l" rtl="0">
+              <a:lnSpc>
+                <a:spcPct val="100000"/>
+              </a:lnSpc>
+              <a:spcBef>
+                <a:spcPts val="0"/>
+              </a:spcBef>
+              <a:spcAft>
+                <a:spcPts val="0"/>
+              </a:spcAft>
+              <a:buClr>
+                <a:schemeClr val="lt1"/>
+              </a:buClr>
+              <a:buSzPts val="2400"/>
+              <a:buFont typeface="Montserrat"/>
+              <a:buNone/>
+              <a:defRPr sz="2400" b="0" i="0" u="none" strike="noStrike" cap="none">
+                <a:solidFill>
+                  <a:schemeClr val="lt1"/>
+                </a:solidFill>
+                <a:latin typeface="Montserrat"/>
+                <a:ea typeface="Montserrat"/>
+                <a:cs typeface="Montserrat"/>
+                <a:sym typeface="Montserrat"/>
+              </a:defRPr>
+            </a:lvl7pPr>
+            <a:lvl8pPr marR="0" lvl="7" algn="l" rtl="0">
+              <a:lnSpc>
+                <a:spcPct val="100000"/>
+              </a:lnSpc>
+              <a:spcBef>
+                <a:spcPts val="0"/>
+              </a:spcBef>
+              <a:spcAft>
+                <a:spcPts val="0"/>
+              </a:spcAft>
+              <a:buClr>
+                <a:schemeClr val="lt1"/>
+              </a:buClr>
+              <a:buSzPts val="2400"/>
+              <a:buFont typeface="Montserrat"/>
+              <a:buNone/>
+              <a:defRPr sz="2400" b="0" i="0" u="none" strike="noStrike" cap="none">
+                <a:solidFill>
+                  <a:schemeClr val="lt1"/>
+                </a:solidFill>
+                <a:latin typeface="Montserrat"/>
+                <a:ea typeface="Montserrat"/>
+                <a:cs typeface="Montserrat"/>
+                <a:sym typeface="Montserrat"/>
+              </a:defRPr>
+            </a:lvl8pPr>
+            <a:lvl9pPr marR="0" lvl="8" algn="l" rtl="0">
+              <a:lnSpc>
+                <a:spcPct val="100000"/>
+              </a:lnSpc>
+              <a:spcBef>
+                <a:spcPts val="0"/>
+              </a:spcBef>
+              <a:spcAft>
+                <a:spcPts val="0"/>
+              </a:spcAft>
+              <a:buClr>
+                <a:schemeClr val="lt1"/>
+              </a:buClr>
+              <a:buSzPts val="2400"/>
+              <a:buFont typeface="Montserrat"/>
+              <a:buNone/>
+              <a:defRPr sz="2400" b="0" i="0" u="none" strike="noStrike" cap="none">
+                <a:solidFill>
+                  <a:schemeClr val="lt1"/>
+                </a:solidFill>
+                <a:latin typeface="Montserrat"/>
+                <a:ea typeface="Montserrat"/>
+                <a:cs typeface="Montserrat"/>
+                <a:sym typeface="Montserrat"/>
+              </a:defRPr>
+            </a:lvl9pPr>
+          </a:lstStyle>
+          <a:p>
+            <a:r>
+              <a:rPr lang="en-US" dirty="0" err="1" smtClean="0"/>
+              <a:t>Wk</a:t>
+            </a:r>
+            <a:r>
+              <a:rPr lang="en-US" dirty="0" smtClean="0"/>
+              <a:t> beginning : 26/02/18</a:t>
+            </a:r>
+            <a:endParaRPr lang="en-US" dirty="0"/>
+          </a:p>
+        </p:txBody>
+      </p:sp>
+      <p:sp>
+        <p:nvSpPr>
+          <p:cNvPr id="5" name="Shape 165"/>
+          <p:cNvSpPr txBox="1">
+            <a:spLocks/>
+          </p:cNvSpPr>
+          <p:nvPr/>
+        </p:nvSpPr>
+        <p:spPr>
+          <a:xfrm>
+            <a:off x="311700" y="1307850"/>
+            <a:ext cx="4156800" cy="1710923"/>
+          </a:xfrm>
+          <a:prstGeom prst="rect">
+            <a:avLst/>
+          </a:prstGeom>
+          <a:noFill/>
+          <a:ln>
+            <a:noFill/>
+          </a:ln>
+        </p:spPr>
+        <p:txBody>
+          <a:bodyPr spcFirstLastPara="1" wrap="square" lIns="91425" tIns="91425" rIns="91425" bIns="91425" anchor="t" anchorCtr="0">
+            <a:noAutofit/>
+          </a:bodyPr>
+          <a:lstStyle>
+            <a:defPPr marR="0" lvl="0" algn="l" rtl="0">
+              <a:lnSpc>
+                <a:spcPct val="100000"/>
+              </a:lnSpc>
+              <a:spcBef>
+                <a:spcPts val="0"/>
+              </a:spcBef>
+              <a:spcAft>
+                <a:spcPts val="0"/>
+              </a:spcAft>
+            </a:defPPr>
+            <a:lvl1pPr marL="457200" marR="0" lvl="0" indent="-311150" algn="l" rtl="0">
+              <a:lnSpc>
+                <a:spcPct val="115000"/>
+              </a:lnSpc>
+              <a:spcBef>
+                <a:spcPts val="0"/>
+              </a:spcBef>
+              <a:spcAft>
+                <a:spcPts val="0"/>
+              </a:spcAft>
+              <a:buClr>
+                <a:schemeClr val="lt1"/>
+              </a:buClr>
+              <a:buSzPts val="1300"/>
+              <a:buFont typeface="Lato"/>
+              <a:buChar char="●"/>
+              <a:defRPr sz="1300" b="0" i="0" u="none" strike="noStrike" cap="none">
+                <a:solidFill>
+                  <a:schemeClr val="lt1"/>
+                </a:solidFill>
+                <a:latin typeface="Lato"/>
+                <a:ea typeface="Lato"/>
+                <a:cs typeface="Lato"/>
+                <a:sym typeface="Lato"/>
+              </a:defRPr>
+            </a:lvl1pPr>
+            <a:lvl2pPr marL="914400" marR="0" lvl="1" indent="-298450" algn="l" rtl="0">
+              <a:lnSpc>
+                <a:spcPct val="115000"/>
+              </a:lnSpc>
+              <a:spcBef>
+                <a:spcPts val="1600"/>
+              </a:spcBef>
+              <a:spcAft>
+                <a:spcPts val="0"/>
+              </a:spcAft>
+              <a:buClr>
+                <a:schemeClr val="lt1"/>
+              </a:buClr>
+              <a:buSzPts val="1100"/>
+              <a:buFont typeface="Lato"/>
+              <a:buChar char="○"/>
+              <a:defRPr sz="1100" b="0" i="0" u="none" strike="noStrike" cap="none">
+                <a:solidFill>
+                  <a:schemeClr val="lt1"/>
+                </a:solidFill>
+                <a:latin typeface="Lato"/>
+                <a:ea typeface="Lato"/>
+                <a:cs typeface="Lato"/>
+                <a:sym typeface="Lato"/>
+              </a:defRPr>
+            </a:lvl2pPr>
+            <a:lvl3pPr marL="1371600" marR="0" lvl="2" indent="-298450" algn="l" rtl="0">
+              <a:lnSpc>
+                <a:spcPct val="115000"/>
+              </a:lnSpc>
+              <a:spcBef>
+                <a:spcPts val="1600"/>
+              </a:spcBef>
+              <a:spcAft>
+                <a:spcPts val="0"/>
+              </a:spcAft>
+              <a:buClr>
+                <a:schemeClr val="lt1"/>
+              </a:buClr>
+              <a:buSzPts val="1100"/>
+              <a:buFont typeface="Lato"/>
+              <a:buChar char="■"/>
+              <a:defRPr sz="1100" b="0" i="0" u="none" strike="noStrike" cap="none">
+                <a:solidFill>
+                  <a:schemeClr val="lt1"/>
+                </a:solidFill>
+                <a:latin typeface="Lato"/>
+                <a:ea typeface="Lato"/>
+                <a:cs typeface="Lato"/>
+                <a:sym typeface="Lato"/>
+              </a:defRPr>
+            </a:lvl3pPr>
+            <a:lvl4pPr marL="1828800" marR="0" lvl="3" indent="-298450" algn="l" rtl="0">
+              <a:lnSpc>
+                <a:spcPct val="115000"/>
+              </a:lnSpc>
+              <a:spcBef>
+                <a:spcPts val="1600"/>
+              </a:spcBef>
+              <a:spcAft>
+                <a:spcPts val="0"/>
+              </a:spcAft>
+              <a:buClr>
+                <a:schemeClr val="lt1"/>
+              </a:buClr>
+              <a:buSzPts val="1100"/>
+              <a:buFont typeface="Lato"/>
+              <a:buChar char="●"/>
+              <a:defRPr sz="1100" b="0" i="0" u="none" strike="noStrike" cap="none">
+                <a:solidFill>
+                  <a:schemeClr val="lt1"/>
+                </a:solidFill>
+                <a:latin typeface="Lato"/>
+                <a:ea typeface="Lato"/>
+                <a:cs typeface="Lato"/>
+                <a:sym typeface="Lato"/>
+              </a:defRPr>
+            </a:lvl4pPr>
+            <a:lvl5pPr marL="2286000" marR="0" lvl="4" indent="-298450" algn="l" rtl="0">
+              <a:lnSpc>
+                <a:spcPct val="115000"/>
+              </a:lnSpc>
+              <a:spcBef>
+                <a:spcPts val="1600"/>
+              </a:spcBef>
+              <a:spcAft>
+                <a:spcPts val="0"/>
+              </a:spcAft>
+              <a:buClr>
+                <a:schemeClr val="lt1"/>
+              </a:buClr>
+              <a:buSzPts val="1100"/>
+              <a:buFont typeface="Lato"/>
+              <a:buChar char="○"/>
+              <a:defRPr sz="1100" b="0" i="0" u="none" strike="noStrike" cap="none">
+                <a:solidFill>
+                  <a:schemeClr val="lt1"/>
+                </a:solidFill>
+                <a:latin typeface="Lato"/>
+                <a:ea typeface="Lato"/>
+                <a:cs typeface="Lato"/>
+                <a:sym typeface="Lato"/>
+              </a:defRPr>
+            </a:lvl5pPr>
+            <a:lvl6pPr marL="2743200" marR="0" lvl="5" indent="-298450" algn="l" rtl="0">
+              <a:lnSpc>
+                <a:spcPct val="115000"/>
+              </a:lnSpc>
+              <a:spcBef>
+                <a:spcPts val="1600"/>
+              </a:spcBef>
+              <a:spcAft>
+                <a:spcPts val="0"/>
+              </a:spcAft>
+              <a:buClr>
+                <a:schemeClr val="lt1"/>
+              </a:buClr>
+              <a:buSzPts val="1100"/>
+              <a:buFont typeface="Lato"/>
+              <a:buChar char="■"/>
+              <a:defRPr sz="1100" b="0" i="0" u="none" strike="noStrike" cap="none">
+                <a:solidFill>
+                  <a:schemeClr val="lt1"/>
+                </a:solidFill>
+                <a:latin typeface="Lato"/>
+                <a:ea typeface="Lato"/>
+                <a:cs typeface="Lato"/>
+                <a:sym typeface="Lato"/>
+              </a:defRPr>
+            </a:lvl6pPr>
+            <a:lvl7pPr marL="3200400" marR="0" lvl="6" indent="-298450" algn="l" rtl="0">
+              <a:lnSpc>
+                <a:spcPct val="115000"/>
+              </a:lnSpc>
+              <a:spcBef>
+                <a:spcPts val="1600"/>
+              </a:spcBef>
+              <a:spcAft>
+                <a:spcPts val="0"/>
+              </a:spcAft>
+              <a:buClr>
+                <a:schemeClr val="lt1"/>
+              </a:buClr>
+              <a:buSzPts val="1100"/>
+              <a:buFont typeface="Lato"/>
+              <a:buChar char="●"/>
+              <a:defRPr sz="1100" b="0" i="0" u="none" strike="noStrike" cap="none">
+                <a:solidFill>
+                  <a:schemeClr val="lt1"/>
+                </a:solidFill>
+                <a:latin typeface="Lato"/>
+                <a:ea typeface="Lato"/>
+                <a:cs typeface="Lato"/>
+                <a:sym typeface="Lato"/>
+              </a:defRPr>
+            </a:lvl7pPr>
+            <a:lvl8pPr marL="3657600" marR="0" lvl="7" indent="-298450" algn="l" rtl="0">
+              <a:lnSpc>
+                <a:spcPct val="115000"/>
+              </a:lnSpc>
+              <a:spcBef>
+                <a:spcPts val="1600"/>
+              </a:spcBef>
+              <a:spcAft>
+                <a:spcPts val="0"/>
+              </a:spcAft>
+              <a:buClr>
+                <a:schemeClr val="lt1"/>
+              </a:buClr>
+              <a:buSzPts val="1100"/>
+              <a:buFont typeface="Lato"/>
+              <a:buChar char="○"/>
+              <a:defRPr sz="1100" b="0" i="0" u="none" strike="noStrike" cap="none">
+                <a:solidFill>
+                  <a:schemeClr val="lt1"/>
+                </a:solidFill>
+                <a:latin typeface="Lato"/>
+                <a:ea typeface="Lato"/>
+                <a:cs typeface="Lato"/>
+                <a:sym typeface="Lato"/>
+              </a:defRPr>
+            </a:lvl8pPr>
+            <a:lvl9pPr marL="4114800" marR="0" lvl="8" indent="-298450" algn="l" rtl="0">
+              <a:lnSpc>
+                <a:spcPct val="115000"/>
+              </a:lnSpc>
+              <a:spcBef>
+                <a:spcPts val="1600"/>
+              </a:spcBef>
+              <a:spcAft>
+                <a:spcPts val="1600"/>
+              </a:spcAft>
+              <a:buClr>
+                <a:schemeClr val="lt1"/>
+              </a:buClr>
+              <a:buSzPts val="1100"/>
+              <a:buFont typeface="Lato"/>
+              <a:buChar char="■"/>
+              <a:defRPr sz="1100" b="0" i="0" u="none" strike="noStrike" cap="none">
+                <a:solidFill>
+                  <a:schemeClr val="lt1"/>
+                </a:solidFill>
+                <a:latin typeface="Lato"/>
+                <a:ea typeface="Lato"/>
+                <a:cs typeface="Lato"/>
+                <a:sym typeface="Lato"/>
+              </a:defRPr>
+            </a:lvl9pPr>
+          </a:lstStyle>
+          <a:p>
+            <a:pPr marL="0" indent="0">
+              <a:buFont typeface="Lato"/>
+              <a:buNone/>
+            </a:pPr>
+            <a:r>
+              <a:rPr lang="en-GB" dirty="0" smtClean="0"/>
+              <a:t>Objectives for the week: </a:t>
+            </a:r>
+          </a:p>
+          <a:p>
+            <a:pPr marL="285750" indent="-285750"/>
+            <a:r>
+              <a:rPr lang="en-GB" dirty="0" smtClean="0"/>
+              <a:t>Add </a:t>
+            </a:r>
+            <a:r>
+              <a:rPr lang="en-GB" dirty="0"/>
+              <a:t>small amounts of animation to the avatar </a:t>
+            </a:r>
+            <a:endParaRPr lang="en-GB" dirty="0" smtClean="0"/>
+          </a:p>
+          <a:p>
+            <a:pPr marL="285750" indent="-285750"/>
+            <a:r>
+              <a:rPr lang="en-GB" dirty="0" smtClean="0"/>
+              <a:t>Continue adding blog posts to page  </a:t>
+            </a:r>
+          </a:p>
+          <a:p>
+            <a:pPr marL="285750" indent="-285750"/>
+            <a:r>
+              <a:rPr lang="en-GB" dirty="0" smtClean="0"/>
+              <a:t>Look into Watson personality service </a:t>
+            </a:r>
+          </a:p>
+          <a:p>
+            <a:pPr marL="285750" indent="-285750"/>
+            <a:r>
+              <a:rPr lang="en-GB" dirty="0" smtClean="0"/>
+              <a:t>Test and improve functionality of webpage </a:t>
+            </a:r>
+          </a:p>
+          <a:p>
+            <a:pPr marL="0" indent="0">
+              <a:spcBef>
+                <a:spcPts val="1600"/>
+              </a:spcBef>
+              <a:spcAft>
+                <a:spcPts val="1600"/>
+              </a:spcAft>
+              <a:buFont typeface="Lato"/>
+              <a:buNone/>
+            </a:pPr>
+            <a:endParaRPr lang="en-GB" dirty="0"/>
+          </a:p>
+        </p:txBody>
+      </p:sp>
+      <p:sp>
+        <p:nvSpPr>
+          <p:cNvPr id="6" name="Shape 166"/>
+          <p:cNvSpPr txBox="1">
+            <a:spLocks/>
+          </p:cNvSpPr>
+          <p:nvPr/>
+        </p:nvSpPr>
+        <p:spPr>
+          <a:xfrm>
+            <a:off x="4468500" y="1307850"/>
+            <a:ext cx="4237200" cy="1559100"/>
+          </a:xfrm>
+          <a:prstGeom prst="rect">
+            <a:avLst/>
+          </a:prstGeom>
+          <a:noFill/>
+          <a:ln>
+            <a:noFill/>
+          </a:ln>
+        </p:spPr>
+        <p:txBody>
+          <a:bodyPr spcFirstLastPara="1" wrap="square" lIns="91425" tIns="91425" rIns="91425" bIns="91425" anchor="t" anchorCtr="0">
+            <a:noAutofit/>
+          </a:bodyPr>
+          <a:lstStyle>
+            <a:defPPr marR="0" lvl="0" algn="l" rtl="0">
+              <a:lnSpc>
+                <a:spcPct val="100000"/>
+              </a:lnSpc>
+              <a:spcBef>
+                <a:spcPts val="0"/>
+              </a:spcBef>
+              <a:spcAft>
+                <a:spcPts val="0"/>
+              </a:spcAft>
+            </a:defPPr>
+            <a:lvl1pPr marL="457200" marR="0" lvl="0" indent="-311150" algn="l" rtl="0">
+              <a:lnSpc>
+                <a:spcPct val="115000"/>
+              </a:lnSpc>
+              <a:spcBef>
+                <a:spcPts val="0"/>
+              </a:spcBef>
+              <a:spcAft>
+                <a:spcPts val="0"/>
+              </a:spcAft>
+              <a:buClr>
+                <a:schemeClr val="lt1"/>
+              </a:buClr>
+              <a:buSzPts val="1300"/>
+              <a:buFont typeface="Lato"/>
+              <a:buChar char="●"/>
+              <a:defRPr sz="1300" b="0" i="0" u="none" strike="noStrike" cap="none">
+                <a:solidFill>
+                  <a:schemeClr val="lt1"/>
+                </a:solidFill>
+                <a:latin typeface="Lato"/>
+                <a:ea typeface="Lato"/>
+                <a:cs typeface="Lato"/>
+                <a:sym typeface="Lato"/>
+              </a:defRPr>
+            </a:lvl1pPr>
+            <a:lvl2pPr marL="914400" marR="0" lvl="1" indent="-298450" algn="l" rtl="0">
+              <a:lnSpc>
+                <a:spcPct val="115000"/>
+              </a:lnSpc>
+              <a:spcBef>
+                <a:spcPts val="1600"/>
+              </a:spcBef>
+              <a:spcAft>
+                <a:spcPts val="0"/>
+              </a:spcAft>
+              <a:buClr>
+                <a:schemeClr val="lt1"/>
+              </a:buClr>
+              <a:buSzPts val="1100"/>
+              <a:buFont typeface="Lato"/>
+              <a:buChar char="○"/>
+              <a:defRPr sz="1100" b="0" i="0" u="none" strike="noStrike" cap="none">
+                <a:solidFill>
+                  <a:schemeClr val="lt1"/>
+                </a:solidFill>
+                <a:latin typeface="Lato"/>
+                <a:ea typeface="Lato"/>
+                <a:cs typeface="Lato"/>
+                <a:sym typeface="Lato"/>
+              </a:defRPr>
+            </a:lvl2pPr>
+            <a:lvl3pPr marL="1371600" marR="0" lvl="2" indent="-298450" algn="l" rtl="0">
+              <a:lnSpc>
+                <a:spcPct val="115000"/>
+              </a:lnSpc>
+              <a:spcBef>
+                <a:spcPts val="1600"/>
+              </a:spcBef>
+              <a:spcAft>
+                <a:spcPts val="0"/>
+              </a:spcAft>
+              <a:buClr>
+                <a:schemeClr val="lt1"/>
+              </a:buClr>
+              <a:buSzPts val="1100"/>
+              <a:buFont typeface="Lato"/>
+              <a:buChar char="■"/>
+              <a:defRPr sz="1100" b="0" i="0" u="none" strike="noStrike" cap="none">
+                <a:solidFill>
+                  <a:schemeClr val="lt1"/>
+                </a:solidFill>
+                <a:latin typeface="Lato"/>
+                <a:ea typeface="Lato"/>
+                <a:cs typeface="Lato"/>
+                <a:sym typeface="Lato"/>
+              </a:defRPr>
+            </a:lvl3pPr>
+            <a:lvl4pPr marL="1828800" marR="0" lvl="3" indent="-298450" algn="l" rtl="0">
+              <a:lnSpc>
+                <a:spcPct val="115000"/>
+              </a:lnSpc>
+              <a:spcBef>
+                <a:spcPts val="1600"/>
+              </a:spcBef>
+              <a:spcAft>
+                <a:spcPts val="0"/>
+              </a:spcAft>
+              <a:buClr>
+                <a:schemeClr val="lt1"/>
+              </a:buClr>
+              <a:buSzPts val="1100"/>
+              <a:buFont typeface="Lato"/>
+              <a:buChar char="●"/>
+              <a:defRPr sz="1100" b="0" i="0" u="none" strike="noStrike" cap="none">
+                <a:solidFill>
+                  <a:schemeClr val="lt1"/>
+                </a:solidFill>
+                <a:latin typeface="Lato"/>
+                <a:ea typeface="Lato"/>
+                <a:cs typeface="Lato"/>
+                <a:sym typeface="Lato"/>
+              </a:defRPr>
+            </a:lvl4pPr>
+            <a:lvl5pPr marL="2286000" marR="0" lvl="4" indent="-298450" algn="l" rtl="0">
+              <a:lnSpc>
+                <a:spcPct val="115000"/>
+              </a:lnSpc>
+              <a:spcBef>
+                <a:spcPts val="1600"/>
+              </a:spcBef>
+              <a:spcAft>
+                <a:spcPts val="0"/>
+              </a:spcAft>
+              <a:buClr>
+                <a:schemeClr val="lt1"/>
+              </a:buClr>
+              <a:buSzPts val="1100"/>
+              <a:buFont typeface="Lato"/>
+              <a:buChar char="○"/>
+              <a:defRPr sz="1100" b="0" i="0" u="none" strike="noStrike" cap="none">
+                <a:solidFill>
+                  <a:schemeClr val="lt1"/>
+                </a:solidFill>
+                <a:latin typeface="Lato"/>
+                <a:ea typeface="Lato"/>
+                <a:cs typeface="Lato"/>
+                <a:sym typeface="Lato"/>
+              </a:defRPr>
+            </a:lvl5pPr>
+            <a:lvl6pPr marL="2743200" marR="0" lvl="5" indent="-298450" algn="l" rtl="0">
+              <a:lnSpc>
+                <a:spcPct val="115000"/>
+              </a:lnSpc>
+              <a:spcBef>
+                <a:spcPts val="1600"/>
+              </a:spcBef>
+              <a:spcAft>
+                <a:spcPts val="0"/>
+              </a:spcAft>
+              <a:buClr>
+                <a:schemeClr val="lt1"/>
+              </a:buClr>
+              <a:buSzPts val="1100"/>
+              <a:buFont typeface="Lato"/>
+              <a:buChar char="■"/>
+              <a:defRPr sz="1100" b="0" i="0" u="none" strike="noStrike" cap="none">
+                <a:solidFill>
+                  <a:schemeClr val="lt1"/>
+                </a:solidFill>
+                <a:latin typeface="Lato"/>
+                <a:ea typeface="Lato"/>
+                <a:cs typeface="Lato"/>
+                <a:sym typeface="Lato"/>
+              </a:defRPr>
+            </a:lvl6pPr>
+            <a:lvl7pPr marL="3200400" marR="0" lvl="6" indent="-298450" algn="l" rtl="0">
+              <a:lnSpc>
+                <a:spcPct val="115000"/>
+              </a:lnSpc>
+              <a:spcBef>
+                <a:spcPts val="1600"/>
+              </a:spcBef>
+              <a:spcAft>
+                <a:spcPts val="0"/>
+              </a:spcAft>
+              <a:buClr>
+                <a:schemeClr val="lt1"/>
+              </a:buClr>
+              <a:buSzPts val="1100"/>
+              <a:buFont typeface="Lato"/>
+              <a:buChar char="●"/>
+              <a:defRPr sz="1100" b="0" i="0" u="none" strike="noStrike" cap="none">
+                <a:solidFill>
+                  <a:schemeClr val="lt1"/>
+                </a:solidFill>
+                <a:latin typeface="Lato"/>
+                <a:ea typeface="Lato"/>
+                <a:cs typeface="Lato"/>
+                <a:sym typeface="Lato"/>
+              </a:defRPr>
+            </a:lvl7pPr>
+            <a:lvl8pPr marL="3657600" marR="0" lvl="7" indent="-298450" algn="l" rtl="0">
+              <a:lnSpc>
+                <a:spcPct val="115000"/>
+              </a:lnSpc>
+              <a:spcBef>
+                <a:spcPts val="1600"/>
+              </a:spcBef>
+              <a:spcAft>
+                <a:spcPts val="0"/>
+              </a:spcAft>
+              <a:buClr>
+                <a:schemeClr val="lt1"/>
+              </a:buClr>
+              <a:buSzPts val="1100"/>
+              <a:buFont typeface="Lato"/>
+              <a:buChar char="○"/>
+              <a:defRPr sz="1100" b="0" i="0" u="none" strike="noStrike" cap="none">
+                <a:solidFill>
+                  <a:schemeClr val="lt1"/>
+                </a:solidFill>
+                <a:latin typeface="Lato"/>
+                <a:ea typeface="Lato"/>
+                <a:cs typeface="Lato"/>
+                <a:sym typeface="Lato"/>
+              </a:defRPr>
+            </a:lvl8pPr>
+            <a:lvl9pPr marL="4114800" marR="0" lvl="8" indent="-298450" algn="l" rtl="0">
+              <a:lnSpc>
+                <a:spcPct val="115000"/>
+              </a:lnSpc>
+              <a:spcBef>
+                <a:spcPts val="1600"/>
+              </a:spcBef>
+              <a:spcAft>
+                <a:spcPts val="1600"/>
+              </a:spcAft>
+              <a:buClr>
+                <a:schemeClr val="lt1"/>
+              </a:buClr>
+              <a:buSzPts val="1100"/>
+              <a:buFont typeface="Lato"/>
+              <a:buChar char="■"/>
+              <a:defRPr sz="1100" b="0" i="0" u="none" strike="noStrike" cap="none">
+                <a:solidFill>
+                  <a:schemeClr val="lt1"/>
+                </a:solidFill>
+                <a:latin typeface="Lato"/>
+                <a:ea typeface="Lato"/>
+                <a:cs typeface="Lato"/>
+                <a:sym typeface="Lato"/>
+              </a:defRPr>
+            </a:lvl9pPr>
+          </a:lstStyle>
+          <a:p>
+            <a:pPr marL="0" indent="0">
+              <a:buFont typeface="Lato"/>
+              <a:buNone/>
+            </a:pPr>
+            <a:r>
+              <a:rPr lang="en-GB" dirty="0" smtClean="0"/>
+              <a:t>Meetings to be held this week: </a:t>
+            </a:r>
+          </a:p>
+          <a:p>
+            <a:pPr marL="0" indent="0">
+              <a:spcBef>
+                <a:spcPts val="1600"/>
+              </a:spcBef>
+              <a:buFont typeface="Lato"/>
+              <a:buNone/>
+            </a:pPr>
+            <a:r>
+              <a:rPr lang="en-GB" dirty="0" smtClean="0"/>
+              <a:t>Meeting with </a:t>
+            </a:r>
+            <a:r>
+              <a:rPr lang="en-GB" dirty="0" err="1" smtClean="0"/>
+              <a:t>gail</a:t>
+            </a:r>
+            <a:r>
+              <a:rPr lang="en-GB" dirty="0" smtClean="0"/>
+              <a:t> - 27/02/18</a:t>
+            </a:r>
+          </a:p>
+          <a:p>
+            <a:pPr marL="0" indent="0">
+              <a:spcBef>
+                <a:spcPts val="1600"/>
+              </a:spcBef>
+              <a:spcAft>
+                <a:spcPts val="1600"/>
+              </a:spcAft>
+              <a:buFont typeface="Lato"/>
+              <a:buNone/>
+            </a:pPr>
+            <a:endParaRPr lang="en-GB" dirty="0"/>
+          </a:p>
+        </p:txBody>
+      </p:sp>
+      <p:sp>
+        <p:nvSpPr>
+          <p:cNvPr id="7" name="Shape 167"/>
+          <p:cNvSpPr txBox="1">
+            <a:spLocks/>
+          </p:cNvSpPr>
+          <p:nvPr/>
+        </p:nvSpPr>
+        <p:spPr>
+          <a:xfrm>
+            <a:off x="311700" y="3166775"/>
+            <a:ext cx="4156800" cy="1559100"/>
+          </a:xfrm>
+          <a:prstGeom prst="rect">
+            <a:avLst/>
+          </a:prstGeom>
+          <a:noFill/>
+          <a:ln>
+            <a:noFill/>
+          </a:ln>
+        </p:spPr>
+        <p:txBody>
+          <a:bodyPr spcFirstLastPara="1" wrap="square" lIns="91425" tIns="91425" rIns="91425" bIns="91425" anchor="t" anchorCtr="0">
+            <a:noAutofit/>
+          </a:bodyPr>
+          <a:lstStyle>
+            <a:defPPr marR="0" lvl="0" algn="l" rtl="0">
+              <a:lnSpc>
+                <a:spcPct val="100000"/>
+              </a:lnSpc>
+              <a:spcBef>
+                <a:spcPts val="0"/>
+              </a:spcBef>
+              <a:spcAft>
+                <a:spcPts val="0"/>
+              </a:spcAft>
+            </a:defPPr>
+            <a:lvl1pPr marL="457200" marR="0" lvl="0" indent="-311150" algn="l" rtl="0">
+              <a:lnSpc>
+                <a:spcPct val="115000"/>
+              </a:lnSpc>
+              <a:spcBef>
+                <a:spcPts val="0"/>
+              </a:spcBef>
+              <a:spcAft>
+                <a:spcPts val="0"/>
+              </a:spcAft>
+              <a:buClr>
+                <a:schemeClr val="lt1"/>
+              </a:buClr>
+              <a:buSzPts val="1300"/>
+              <a:buFont typeface="Lato"/>
+              <a:buChar char="●"/>
+              <a:defRPr sz="1300" b="0" i="0" u="none" strike="noStrike" cap="none">
+                <a:solidFill>
+                  <a:schemeClr val="lt1"/>
+                </a:solidFill>
+                <a:latin typeface="Lato"/>
+                <a:ea typeface="Lato"/>
+                <a:cs typeface="Lato"/>
+                <a:sym typeface="Lato"/>
+              </a:defRPr>
+            </a:lvl1pPr>
+            <a:lvl2pPr marL="914400" marR="0" lvl="1" indent="-298450" algn="l" rtl="0">
+              <a:lnSpc>
+                <a:spcPct val="115000"/>
+              </a:lnSpc>
+              <a:spcBef>
+                <a:spcPts val="1600"/>
+              </a:spcBef>
+              <a:spcAft>
+                <a:spcPts val="0"/>
+              </a:spcAft>
+              <a:buClr>
+                <a:schemeClr val="lt1"/>
+              </a:buClr>
+              <a:buSzPts val="1100"/>
+              <a:buFont typeface="Lato"/>
+              <a:buChar char="○"/>
+              <a:defRPr sz="1100" b="0" i="0" u="none" strike="noStrike" cap="none">
+                <a:solidFill>
+                  <a:schemeClr val="lt1"/>
+                </a:solidFill>
+                <a:latin typeface="Lato"/>
+                <a:ea typeface="Lato"/>
+                <a:cs typeface="Lato"/>
+                <a:sym typeface="Lato"/>
+              </a:defRPr>
+            </a:lvl2pPr>
+            <a:lvl3pPr marL="1371600" marR="0" lvl="2" indent="-298450" algn="l" rtl="0">
+              <a:lnSpc>
+                <a:spcPct val="115000"/>
+              </a:lnSpc>
+              <a:spcBef>
+                <a:spcPts val="1600"/>
+              </a:spcBef>
+              <a:spcAft>
+                <a:spcPts val="0"/>
+              </a:spcAft>
+              <a:buClr>
+                <a:schemeClr val="lt1"/>
+              </a:buClr>
+              <a:buSzPts val="1100"/>
+              <a:buFont typeface="Lato"/>
+              <a:buChar char="■"/>
+              <a:defRPr sz="1100" b="0" i="0" u="none" strike="noStrike" cap="none">
+                <a:solidFill>
+                  <a:schemeClr val="lt1"/>
+                </a:solidFill>
+                <a:latin typeface="Lato"/>
+                <a:ea typeface="Lato"/>
+                <a:cs typeface="Lato"/>
+                <a:sym typeface="Lato"/>
+              </a:defRPr>
+            </a:lvl3pPr>
+            <a:lvl4pPr marL="1828800" marR="0" lvl="3" indent="-298450" algn="l" rtl="0">
+              <a:lnSpc>
+                <a:spcPct val="115000"/>
+              </a:lnSpc>
+              <a:spcBef>
+                <a:spcPts val="1600"/>
+              </a:spcBef>
+              <a:spcAft>
+                <a:spcPts val="0"/>
+              </a:spcAft>
+              <a:buClr>
+                <a:schemeClr val="lt1"/>
+              </a:buClr>
+              <a:buSzPts val="1100"/>
+              <a:buFont typeface="Lato"/>
+              <a:buChar char="●"/>
+              <a:defRPr sz="1100" b="0" i="0" u="none" strike="noStrike" cap="none">
+                <a:solidFill>
+                  <a:schemeClr val="lt1"/>
+                </a:solidFill>
+                <a:latin typeface="Lato"/>
+                <a:ea typeface="Lato"/>
+                <a:cs typeface="Lato"/>
+                <a:sym typeface="Lato"/>
+              </a:defRPr>
+            </a:lvl4pPr>
+            <a:lvl5pPr marL="2286000" marR="0" lvl="4" indent="-298450" algn="l" rtl="0">
+              <a:lnSpc>
+                <a:spcPct val="115000"/>
+              </a:lnSpc>
+              <a:spcBef>
+                <a:spcPts val="1600"/>
+              </a:spcBef>
+              <a:spcAft>
+                <a:spcPts val="0"/>
+              </a:spcAft>
+              <a:buClr>
+                <a:schemeClr val="lt1"/>
+              </a:buClr>
+              <a:buSzPts val="1100"/>
+              <a:buFont typeface="Lato"/>
+              <a:buChar char="○"/>
+              <a:defRPr sz="1100" b="0" i="0" u="none" strike="noStrike" cap="none">
+                <a:solidFill>
+                  <a:schemeClr val="lt1"/>
+                </a:solidFill>
+                <a:latin typeface="Lato"/>
+                <a:ea typeface="Lato"/>
+                <a:cs typeface="Lato"/>
+                <a:sym typeface="Lato"/>
+              </a:defRPr>
+            </a:lvl5pPr>
+            <a:lvl6pPr marL="2743200" marR="0" lvl="5" indent="-298450" algn="l" rtl="0">
+              <a:lnSpc>
+                <a:spcPct val="115000"/>
+              </a:lnSpc>
+              <a:spcBef>
+                <a:spcPts val="1600"/>
+              </a:spcBef>
+              <a:spcAft>
+                <a:spcPts val="0"/>
+              </a:spcAft>
+              <a:buClr>
+                <a:schemeClr val="lt1"/>
+              </a:buClr>
+              <a:buSzPts val="1100"/>
+              <a:buFont typeface="Lato"/>
+              <a:buChar char="■"/>
+              <a:defRPr sz="1100" b="0" i="0" u="none" strike="noStrike" cap="none">
+                <a:solidFill>
+                  <a:schemeClr val="lt1"/>
+                </a:solidFill>
+                <a:latin typeface="Lato"/>
+                <a:ea typeface="Lato"/>
+                <a:cs typeface="Lato"/>
+                <a:sym typeface="Lato"/>
+              </a:defRPr>
+            </a:lvl6pPr>
+            <a:lvl7pPr marL="3200400" marR="0" lvl="6" indent="-298450" algn="l" rtl="0">
+              <a:lnSpc>
+                <a:spcPct val="115000"/>
+              </a:lnSpc>
+              <a:spcBef>
+                <a:spcPts val="1600"/>
+              </a:spcBef>
+              <a:spcAft>
+                <a:spcPts val="0"/>
+              </a:spcAft>
+              <a:buClr>
+                <a:schemeClr val="lt1"/>
+              </a:buClr>
+              <a:buSzPts val="1100"/>
+              <a:buFont typeface="Lato"/>
+              <a:buChar char="●"/>
+              <a:defRPr sz="1100" b="0" i="0" u="none" strike="noStrike" cap="none">
+                <a:solidFill>
+                  <a:schemeClr val="lt1"/>
+                </a:solidFill>
+                <a:latin typeface="Lato"/>
+                <a:ea typeface="Lato"/>
+                <a:cs typeface="Lato"/>
+                <a:sym typeface="Lato"/>
+              </a:defRPr>
+            </a:lvl7pPr>
+            <a:lvl8pPr marL="3657600" marR="0" lvl="7" indent="-298450" algn="l" rtl="0">
+              <a:lnSpc>
+                <a:spcPct val="115000"/>
+              </a:lnSpc>
+              <a:spcBef>
+                <a:spcPts val="1600"/>
+              </a:spcBef>
+              <a:spcAft>
+                <a:spcPts val="0"/>
+              </a:spcAft>
+              <a:buClr>
+                <a:schemeClr val="lt1"/>
+              </a:buClr>
+              <a:buSzPts val="1100"/>
+              <a:buFont typeface="Lato"/>
+              <a:buChar char="○"/>
+              <a:defRPr sz="1100" b="0" i="0" u="none" strike="noStrike" cap="none">
+                <a:solidFill>
+                  <a:schemeClr val="lt1"/>
+                </a:solidFill>
+                <a:latin typeface="Lato"/>
+                <a:ea typeface="Lato"/>
+                <a:cs typeface="Lato"/>
+                <a:sym typeface="Lato"/>
+              </a:defRPr>
+            </a:lvl8pPr>
+            <a:lvl9pPr marL="4114800" marR="0" lvl="8" indent="-298450" algn="l" rtl="0">
+              <a:lnSpc>
+                <a:spcPct val="115000"/>
+              </a:lnSpc>
+              <a:spcBef>
+                <a:spcPts val="1600"/>
+              </a:spcBef>
+              <a:spcAft>
+                <a:spcPts val="1600"/>
+              </a:spcAft>
+              <a:buClr>
+                <a:schemeClr val="lt1"/>
+              </a:buClr>
+              <a:buSzPts val="1100"/>
+              <a:buFont typeface="Lato"/>
+              <a:buChar char="■"/>
+              <a:defRPr sz="1100" b="0" i="0" u="none" strike="noStrike" cap="none">
+                <a:solidFill>
+                  <a:schemeClr val="lt1"/>
+                </a:solidFill>
+                <a:latin typeface="Lato"/>
+                <a:ea typeface="Lato"/>
+                <a:cs typeface="Lato"/>
+                <a:sym typeface="Lato"/>
+              </a:defRPr>
+            </a:lvl9pPr>
+          </a:lstStyle>
+          <a:p>
+            <a:pPr marL="0" indent="0">
+              <a:buFont typeface="Lato"/>
+              <a:buNone/>
+            </a:pPr>
+            <a:r>
+              <a:rPr lang="en-GB" dirty="0" smtClean="0"/>
+              <a:t>Work/ tasks completed this week : </a:t>
+            </a:r>
+          </a:p>
+          <a:p>
+            <a:pPr marL="285750" indent="-285750"/>
+            <a:r>
+              <a:rPr lang="en-GB" dirty="0" smtClean="0"/>
+              <a:t>Speech to text and text to speech is not possible to incorporate so have been advised by sponsor to remove feature </a:t>
+            </a:r>
+          </a:p>
+          <a:p>
+            <a:pPr marL="285750" indent="-285750"/>
+            <a:r>
+              <a:rPr lang="en-GB" dirty="0" smtClean="0"/>
+              <a:t>Animation fitted to avatar </a:t>
+            </a:r>
+          </a:p>
+          <a:p>
+            <a:pPr marL="285750" indent="-285750"/>
+            <a:r>
+              <a:rPr lang="en-GB" dirty="0" smtClean="0"/>
+              <a:t>Blogs are now up to date with current progress </a:t>
+            </a:r>
+          </a:p>
+        </p:txBody>
+      </p:sp>
+    </p:spTree>
+    <p:extLst>
+      <p:ext uri="{BB962C8B-B14F-4D97-AF65-F5344CB8AC3E}">
+        <p14:creationId xmlns:p14="http://schemas.microsoft.com/office/powerpoint/2010/main" val="1955739594"/>
+      </p:ext>
+    </p:extLst>
+  </p:cSld>
+  <p:clrMapOvr>
+    <a:masterClrMapping/>
+  </p:clrMapOvr>
+</p:sld>
+</file>
+
+<file path=ppt/slides/slide7.xml><?xml version="1.0" encoding="utf-8"?>
+<p:sld xmlns:a="http://schemas.openxmlformats.org/drawingml/2006/main" xmlns:r="http://schemas.openxmlformats.org/officeDocument/2006/relationships" xmlns:p="http://schemas.openxmlformats.org/presentationml/2006/main">
+  <p:cSld>
+    <p:spTree>
+      <p:nvGrpSpPr>
+        <p:cNvPr id="1" name=""/>
+        <p:cNvGrpSpPr/>
+        <p:nvPr/>
+      </p:nvGrpSpPr>
+      <p:grpSpPr>
+        <a:xfrm>
+          <a:off x="0" y="0"/>
+          <a:ext cx="0" cy="0"/>
+          <a:chOff x="0" y="0"/>
+          <a:chExt cx="0" cy="0"/>
+        </a:xfrm>
+      </p:grpSpPr>
+      <p:sp>
+        <p:nvSpPr>
+          <p:cNvPr id="4" name="Shape 164"/>
+          <p:cNvSpPr txBox="1">
+            <a:spLocks noGrp="1"/>
+          </p:cNvSpPr>
+          <p:nvPr>
+            <p:ph type="title"/>
+          </p:nvPr>
+        </p:nvSpPr>
+        <p:spPr>
+          <a:xfrm>
+            <a:off x="1297500" y="393750"/>
+            <a:ext cx="7038900" cy="914100"/>
+          </a:xfrm>
+          <a:prstGeom prst="rect">
+            <a:avLst/>
+          </a:prstGeom>
+        </p:spPr>
+        <p:txBody>
+          <a:bodyPr spcFirstLastPara="1" wrap="square" lIns="91425" tIns="91425" rIns="91425" bIns="91425" anchor="t" anchorCtr="0">
+            <a:noAutofit/>
+          </a:bodyPr>
+          <a:lstStyle/>
+          <a:p>
+            <a:pPr marL="0" lvl="0" indent="0" rtl="0">
+              <a:spcBef>
+                <a:spcPts val="0"/>
+              </a:spcBef>
+              <a:spcAft>
+                <a:spcPts val="0"/>
+              </a:spcAft>
+              <a:buNone/>
+            </a:pPr>
+            <a:r>
+              <a:rPr lang="en-GB" dirty="0" err="1"/>
+              <a:t>Wk</a:t>
+            </a:r>
+            <a:r>
+              <a:rPr lang="en-GB" dirty="0"/>
+              <a:t> beginning : </a:t>
+            </a:r>
+            <a:r>
+              <a:rPr lang="en-GB" dirty="0" smtClean="0"/>
+              <a:t>5</a:t>
+            </a:r>
+            <a:r>
+              <a:rPr lang="en-GB" dirty="0" smtClean="0"/>
+              <a:t>/03/18</a:t>
+            </a:r>
+            <a:endParaRPr dirty="0"/>
+          </a:p>
+        </p:txBody>
+      </p:sp>
+      <p:sp>
+        <p:nvSpPr>
+          <p:cNvPr id="5" name="Shape 165"/>
+          <p:cNvSpPr txBox="1">
+            <a:spLocks noGrp="1"/>
+          </p:cNvSpPr>
+          <p:nvPr>
+            <p:ph type="body" idx="1"/>
+          </p:nvPr>
+        </p:nvSpPr>
+        <p:spPr>
+          <a:xfrm>
+            <a:off x="311700" y="1307850"/>
+            <a:ext cx="4156800" cy="1559100"/>
+          </a:xfrm>
+          <a:prstGeom prst="rect">
+            <a:avLst/>
+          </a:prstGeom>
+        </p:spPr>
+        <p:txBody>
+          <a:bodyPr spcFirstLastPara="1" wrap="square" lIns="91425" tIns="91425" rIns="91425" bIns="91425" anchor="t" anchorCtr="0">
+            <a:noAutofit/>
+          </a:bodyPr>
+          <a:lstStyle/>
+          <a:p>
+            <a:pPr marL="0" lvl="0" indent="0" rtl="0">
+              <a:spcBef>
+                <a:spcPts val="0"/>
+              </a:spcBef>
+              <a:spcAft>
+                <a:spcPts val="0"/>
+              </a:spcAft>
+              <a:buNone/>
+            </a:pPr>
+            <a:r>
+              <a:rPr lang="en-GB" dirty="0"/>
+              <a:t>Objectives for the week: </a:t>
+            </a:r>
+            <a:endParaRPr dirty="0"/>
+          </a:p>
+          <a:p>
+            <a:pPr marL="285750" indent="-285750"/>
+            <a:r>
+              <a:rPr lang="en-US" dirty="0" smtClean="0"/>
+              <a:t>Adding viewing CV functionality to webpage</a:t>
+            </a:r>
+          </a:p>
+          <a:p>
+            <a:pPr marL="285750" indent="-285750"/>
+            <a:r>
+              <a:rPr lang="en-US" dirty="0" smtClean="0"/>
+              <a:t>Develop personality service in </a:t>
+            </a:r>
+            <a:r>
+              <a:rPr lang="en-US" dirty="0" err="1" smtClean="0"/>
+              <a:t>node.js</a:t>
+            </a:r>
+            <a:r>
+              <a:rPr lang="en-US" dirty="0" smtClean="0"/>
+              <a:t> </a:t>
+            </a:r>
+          </a:p>
+          <a:p>
+            <a:pPr marL="285750" indent="-285750"/>
+            <a:r>
+              <a:rPr lang="en-US" dirty="0" smtClean="0"/>
+              <a:t>Review avatar animation </a:t>
+            </a:r>
+          </a:p>
+          <a:p>
+            <a:pPr marL="0" lvl="0" indent="0" rtl="0">
+              <a:spcBef>
+                <a:spcPts val="1600"/>
+              </a:spcBef>
+              <a:spcAft>
+                <a:spcPts val="1600"/>
+              </a:spcAft>
+              <a:buNone/>
+            </a:pPr>
+            <a:endParaRPr lang="en-US" dirty="0" smtClean="0"/>
+          </a:p>
+          <a:p>
+            <a:pPr marL="0" lvl="0" indent="0" rtl="0">
+              <a:spcBef>
+                <a:spcPts val="1600"/>
+              </a:spcBef>
+              <a:spcAft>
+                <a:spcPts val="1600"/>
+              </a:spcAft>
+              <a:buNone/>
+            </a:pPr>
+            <a:endParaRPr dirty="0"/>
+          </a:p>
+        </p:txBody>
+      </p:sp>
+      <p:sp>
+        <p:nvSpPr>
+          <p:cNvPr id="6" name="Shape 166"/>
+          <p:cNvSpPr txBox="1">
+            <a:spLocks/>
+          </p:cNvSpPr>
+          <p:nvPr/>
+        </p:nvSpPr>
+        <p:spPr>
+          <a:xfrm>
+            <a:off x="4468500" y="1307850"/>
+            <a:ext cx="4237200" cy="1559100"/>
+          </a:xfrm>
+          <a:prstGeom prst="rect">
+            <a:avLst/>
+          </a:prstGeom>
+          <a:noFill/>
+          <a:ln>
+            <a:noFill/>
+          </a:ln>
+        </p:spPr>
+        <p:txBody>
+          <a:bodyPr spcFirstLastPara="1" wrap="square" lIns="91425" tIns="91425" rIns="91425" bIns="91425" anchor="t" anchorCtr="0">
+            <a:noAutofit/>
+          </a:bodyPr>
+          <a:lstStyle>
+            <a:defPPr marR="0" lvl="0" algn="l" rtl="0">
+              <a:lnSpc>
+                <a:spcPct val="100000"/>
+              </a:lnSpc>
+              <a:spcBef>
+                <a:spcPts val="0"/>
+              </a:spcBef>
+              <a:spcAft>
+                <a:spcPts val="0"/>
+              </a:spcAft>
+            </a:defPPr>
+            <a:lvl1pPr marL="457200" marR="0" lvl="0" indent="-311150" algn="l" rtl="0">
+              <a:lnSpc>
+                <a:spcPct val="115000"/>
+              </a:lnSpc>
+              <a:spcBef>
+                <a:spcPts val="0"/>
+              </a:spcBef>
+              <a:spcAft>
+                <a:spcPts val="0"/>
+              </a:spcAft>
+              <a:buClr>
+                <a:schemeClr val="lt1"/>
+              </a:buClr>
+              <a:buSzPts val="1300"/>
+              <a:buFont typeface="Lato"/>
+              <a:buChar char="●"/>
+              <a:defRPr sz="1300" b="0" i="0" u="none" strike="noStrike" cap="none">
+                <a:solidFill>
+                  <a:schemeClr val="lt1"/>
+                </a:solidFill>
+                <a:latin typeface="Lato"/>
+                <a:ea typeface="Lato"/>
+                <a:cs typeface="Lato"/>
+                <a:sym typeface="Lato"/>
+              </a:defRPr>
+            </a:lvl1pPr>
+            <a:lvl2pPr marL="914400" marR="0" lvl="1" indent="-298450" algn="l" rtl="0">
+              <a:lnSpc>
+                <a:spcPct val="115000"/>
+              </a:lnSpc>
+              <a:spcBef>
+                <a:spcPts val="1600"/>
+              </a:spcBef>
+              <a:spcAft>
+                <a:spcPts val="0"/>
+              </a:spcAft>
+              <a:buClr>
+                <a:schemeClr val="lt1"/>
+              </a:buClr>
+              <a:buSzPts val="1100"/>
+              <a:buFont typeface="Lato"/>
+              <a:buChar char="○"/>
+              <a:defRPr sz="1100" b="0" i="0" u="none" strike="noStrike" cap="none">
+                <a:solidFill>
+                  <a:schemeClr val="lt1"/>
+                </a:solidFill>
+                <a:latin typeface="Lato"/>
+                <a:ea typeface="Lato"/>
+                <a:cs typeface="Lato"/>
+                <a:sym typeface="Lato"/>
+              </a:defRPr>
+            </a:lvl2pPr>
+            <a:lvl3pPr marL="1371600" marR="0" lvl="2" indent="-298450" algn="l" rtl="0">
+              <a:lnSpc>
+                <a:spcPct val="115000"/>
+              </a:lnSpc>
+              <a:spcBef>
+                <a:spcPts val="1600"/>
+              </a:spcBef>
+              <a:spcAft>
+                <a:spcPts val="0"/>
+              </a:spcAft>
+              <a:buClr>
+                <a:schemeClr val="lt1"/>
+              </a:buClr>
+              <a:buSzPts val="1100"/>
+              <a:buFont typeface="Lato"/>
+              <a:buChar char="■"/>
+              <a:defRPr sz="1100" b="0" i="0" u="none" strike="noStrike" cap="none">
+                <a:solidFill>
+                  <a:schemeClr val="lt1"/>
+                </a:solidFill>
+                <a:latin typeface="Lato"/>
+                <a:ea typeface="Lato"/>
+                <a:cs typeface="Lato"/>
+                <a:sym typeface="Lato"/>
+              </a:defRPr>
+            </a:lvl3pPr>
+            <a:lvl4pPr marL="1828800" marR="0" lvl="3" indent="-298450" algn="l" rtl="0">
+              <a:lnSpc>
+                <a:spcPct val="115000"/>
+              </a:lnSpc>
+              <a:spcBef>
+                <a:spcPts val="1600"/>
+              </a:spcBef>
+              <a:spcAft>
+                <a:spcPts val="0"/>
+              </a:spcAft>
+              <a:buClr>
+                <a:schemeClr val="lt1"/>
+              </a:buClr>
+              <a:buSzPts val="1100"/>
+              <a:buFont typeface="Lato"/>
+              <a:buChar char="●"/>
+              <a:defRPr sz="1100" b="0" i="0" u="none" strike="noStrike" cap="none">
+                <a:solidFill>
+                  <a:schemeClr val="lt1"/>
+                </a:solidFill>
+                <a:latin typeface="Lato"/>
+                <a:ea typeface="Lato"/>
+                <a:cs typeface="Lato"/>
+                <a:sym typeface="Lato"/>
+              </a:defRPr>
+            </a:lvl4pPr>
+            <a:lvl5pPr marL="2286000" marR="0" lvl="4" indent="-298450" algn="l" rtl="0">
+              <a:lnSpc>
+                <a:spcPct val="115000"/>
+              </a:lnSpc>
+              <a:spcBef>
+                <a:spcPts val="1600"/>
+              </a:spcBef>
+              <a:spcAft>
+                <a:spcPts val="0"/>
+              </a:spcAft>
+              <a:buClr>
+                <a:schemeClr val="lt1"/>
+              </a:buClr>
+              <a:buSzPts val="1100"/>
+              <a:buFont typeface="Lato"/>
+              <a:buChar char="○"/>
+              <a:defRPr sz="1100" b="0" i="0" u="none" strike="noStrike" cap="none">
+                <a:solidFill>
+                  <a:schemeClr val="lt1"/>
+                </a:solidFill>
+                <a:latin typeface="Lato"/>
+                <a:ea typeface="Lato"/>
+                <a:cs typeface="Lato"/>
+                <a:sym typeface="Lato"/>
+              </a:defRPr>
+            </a:lvl5pPr>
+            <a:lvl6pPr marL="2743200" marR="0" lvl="5" indent="-298450" algn="l" rtl="0">
+              <a:lnSpc>
+                <a:spcPct val="115000"/>
+              </a:lnSpc>
+              <a:spcBef>
+                <a:spcPts val="1600"/>
+              </a:spcBef>
+              <a:spcAft>
+                <a:spcPts val="0"/>
+              </a:spcAft>
+              <a:buClr>
+                <a:schemeClr val="lt1"/>
+              </a:buClr>
+              <a:buSzPts val="1100"/>
+              <a:buFont typeface="Lato"/>
+              <a:buChar char="■"/>
+              <a:defRPr sz="1100" b="0" i="0" u="none" strike="noStrike" cap="none">
+                <a:solidFill>
+                  <a:schemeClr val="lt1"/>
+                </a:solidFill>
+                <a:latin typeface="Lato"/>
+                <a:ea typeface="Lato"/>
+                <a:cs typeface="Lato"/>
+                <a:sym typeface="Lato"/>
+              </a:defRPr>
+            </a:lvl6pPr>
+            <a:lvl7pPr marL="3200400" marR="0" lvl="6" indent="-298450" algn="l" rtl="0">
+              <a:lnSpc>
+                <a:spcPct val="115000"/>
+              </a:lnSpc>
+              <a:spcBef>
+                <a:spcPts val="1600"/>
+              </a:spcBef>
+              <a:spcAft>
+                <a:spcPts val="0"/>
+              </a:spcAft>
+              <a:buClr>
+                <a:schemeClr val="lt1"/>
+              </a:buClr>
+              <a:buSzPts val="1100"/>
+              <a:buFont typeface="Lato"/>
+              <a:buChar char="●"/>
+              <a:defRPr sz="1100" b="0" i="0" u="none" strike="noStrike" cap="none">
+                <a:solidFill>
+                  <a:schemeClr val="lt1"/>
+                </a:solidFill>
+                <a:latin typeface="Lato"/>
+                <a:ea typeface="Lato"/>
+                <a:cs typeface="Lato"/>
+                <a:sym typeface="Lato"/>
+              </a:defRPr>
+            </a:lvl7pPr>
+            <a:lvl8pPr marL="3657600" marR="0" lvl="7" indent="-298450" algn="l" rtl="0">
+              <a:lnSpc>
+                <a:spcPct val="115000"/>
+              </a:lnSpc>
+              <a:spcBef>
+                <a:spcPts val="1600"/>
+              </a:spcBef>
+              <a:spcAft>
+                <a:spcPts val="0"/>
+              </a:spcAft>
+              <a:buClr>
+                <a:schemeClr val="lt1"/>
+              </a:buClr>
+              <a:buSzPts val="1100"/>
+              <a:buFont typeface="Lato"/>
+              <a:buChar char="○"/>
+              <a:defRPr sz="1100" b="0" i="0" u="none" strike="noStrike" cap="none">
+                <a:solidFill>
+                  <a:schemeClr val="lt1"/>
+                </a:solidFill>
+                <a:latin typeface="Lato"/>
+                <a:ea typeface="Lato"/>
+                <a:cs typeface="Lato"/>
+                <a:sym typeface="Lato"/>
+              </a:defRPr>
+            </a:lvl8pPr>
+            <a:lvl9pPr marL="4114800" marR="0" lvl="8" indent="-298450" algn="l" rtl="0">
+              <a:lnSpc>
+                <a:spcPct val="115000"/>
+              </a:lnSpc>
+              <a:spcBef>
+                <a:spcPts val="1600"/>
+              </a:spcBef>
+              <a:spcAft>
+                <a:spcPts val="1600"/>
+              </a:spcAft>
+              <a:buClr>
+                <a:schemeClr val="lt1"/>
+              </a:buClr>
+              <a:buSzPts val="1100"/>
+              <a:buFont typeface="Lato"/>
+              <a:buChar char="■"/>
+              <a:defRPr sz="1100" b="0" i="0" u="none" strike="noStrike" cap="none">
+                <a:solidFill>
+                  <a:schemeClr val="lt1"/>
+                </a:solidFill>
+                <a:latin typeface="Lato"/>
+                <a:ea typeface="Lato"/>
+                <a:cs typeface="Lato"/>
+                <a:sym typeface="Lato"/>
+              </a:defRPr>
+            </a:lvl9pPr>
+          </a:lstStyle>
+          <a:p>
+            <a:pPr marL="0" indent="0">
+              <a:buFont typeface="Lato"/>
+              <a:buNone/>
+            </a:pPr>
+            <a:r>
+              <a:rPr lang="en-GB" dirty="0" smtClean="0"/>
+              <a:t>Meetings to be held this week: </a:t>
+            </a:r>
+          </a:p>
+          <a:p>
+            <a:pPr marL="0" indent="0">
+              <a:spcBef>
+                <a:spcPts val="1600"/>
+              </a:spcBef>
+              <a:buFont typeface="Lato"/>
+              <a:buNone/>
+            </a:pPr>
+            <a:r>
+              <a:rPr lang="en-GB" dirty="0" smtClean="0"/>
+              <a:t>Meeting with </a:t>
+            </a:r>
+            <a:r>
+              <a:rPr lang="en-GB" dirty="0" err="1" smtClean="0"/>
+              <a:t>gail</a:t>
+            </a:r>
+            <a:r>
+              <a:rPr lang="en-GB" dirty="0" smtClean="0"/>
+              <a:t> - 6/03/18</a:t>
+            </a:r>
+          </a:p>
+          <a:p>
+            <a:pPr marL="0" indent="0">
+              <a:spcBef>
+                <a:spcPts val="1600"/>
+              </a:spcBef>
+              <a:buFont typeface="Lato"/>
+              <a:buNone/>
+            </a:pPr>
+            <a:r>
+              <a:rPr lang="en-GB" dirty="0" smtClean="0"/>
+              <a:t>Meeting with </a:t>
+            </a:r>
+            <a:r>
+              <a:rPr lang="en-GB" dirty="0" err="1" smtClean="0"/>
+              <a:t>jon</a:t>
+            </a:r>
+            <a:r>
+              <a:rPr lang="en-GB" dirty="0" smtClean="0"/>
+              <a:t> - </a:t>
+            </a:r>
+          </a:p>
+          <a:p>
+            <a:pPr marL="0" indent="0">
+              <a:spcBef>
+                <a:spcPts val="1600"/>
+              </a:spcBef>
+              <a:buFont typeface="Lato"/>
+              <a:buNone/>
+            </a:pPr>
+            <a:r>
+              <a:rPr lang="en-GB" dirty="0" smtClean="0"/>
+              <a:t>Group meetings - 22/02/18			     </a:t>
+            </a:r>
+          </a:p>
+          <a:p>
+            <a:pPr marL="0" indent="0">
+              <a:spcBef>
+                <a:spcPts val="1600"/>
+              </a:spcBef>
+              <a:spcAft>
+                <a:spcPts val="1600"/>
+              </a:spcAft>
+              <a:buFont typeface="Lato"/>
+              <a:buNone/>
+            </a:pPr>
+            <a:endParaRPr lang="en-GB" dirty="0"/>
+          </a:p>
+        </p:txBody>
+      </p:sp>
+      <p:sp>
+        <p:nvSpPr>
+          <p:cNvPr id="7" name="Shape 167"/>
+          <p:cNvSpPr txBox="1">
+            <a:spLocks/>
+          </p:cNvSpPr>
+          <p:nvPr/>
+        </p:nvSpPr>
+        <p:spPr>
+          <a:xfrm>
+            <a:off x="311700" y="3166775"/>
+            <a:ext cx="4156800" cy="1559100"/>
+          </a:xfrm>
+          <a:prstGeom prst="rect">
+            <a:avLst/>
+          </a:prstGeom>
+          <a:noFill/>
+          <a:ln>
+            <a:noFill/>
+          </a:ln>
+        </p:spPr>
+        <p:txBody>
+          <a:bodyPr spcFirstLastPara="1" wrap="square" lIns="91425" tIns="91425" rIns="91425" bIns="91425" anchor="t" anchorCtr="0">
+            <a:noAutofit/>
+          </a:bodyPr>
+          <a:lstStyle>
+            <a:defPPr marR="0" lvl="0" algn="l" rtl="0">
+              <a:lnSpc>
+                <a:spcPct val="100000"/>
+              </a:lnSpc>
+              <a:spcBef>
+                <a:spcPts val="0"/>
+              </a:spcBef>
+              <a:spcAft>
+                <a:spcPts val="0"/>
+              </a:spcAft>
+            </a:defPPr>
+            <a:lvl1pPr marL="457200" marR="0" lvl="0" indent="-311150" algn="l" rtl="0">
+              <a:lnSpc>
+                <a:spcPct val="115000"/>
+              </a:lnSpc>
+              <a:spcBef>
+                <a:spcPts val="0"/>
+              </a:spcBef>
+              <a:spcAft>
+                <a:spcPts val="0"/>
+              </a:spcAft>
+              <a:buClr>
+                <a:schemeClr val="lt1"/>
+              </a:buClr>
+              <a:buSzPts val="1300"/>
+              <a:buFont typeface="Lato"/>
+              <a:buChar char="●"/>
+              <a:defRPr sz="1300" b="0" i="0" u="none" strike="noStrike" cap="none">
+                <a:solidFill>
+                  <a:schemeClr val="lt1"/>
+                </a:solidFill>
+                <a:latin typeface="Lato"/>
+                <a:ea typeface="Lato"/>
+                <a:cs typeface="Lato"/>
+                <a:sym typeface="Lato"/>
+              </a:defRPr>
+            </a:lvl1pPr>
+            <a:lvl2pPr marL="914400" marR="0" lvl="1" indent="-298450" algn="l" rtl="0">
+              <a:lnSpc>
+                <a:spcPct val="115000"/>
+              </a:lnSpc>
+              <a:spcBef>
+                <a:spcPts val="1600"/>
+              </a:spcBef>
+              <a:spcAft>
+                <a:spcPts val="0"/>
+              </a:spcAft>
+              <a:buClr>
+                <a:schemeClr val="lt1"/>
+              </a:buClr>
+              <a:buSzPts val="1100"/>
+              <a:buFont typeface="Lato"/>
+              <a:buChar char="○"/>
+              <a:defRPr sz="1100" b="0" i="0" u="none" strike="noStrike" cap="none">
+                <a:solidFill>
+                  <a:schemeClr val="lt1"/>
+                </a:solidFill>
+                <a:latin typeface="Lato"/>
+                <a:ea typeface="Lato"/>
+                <a:cs typeface="Lato"/>
+                <a:sym typeface="Lato"/>
+              </a:defRPr>
+            </a:lvl2pPr>
+            <a:lvl3pPr marL="1371600" marR="0" lvl="2" indent="-298450" algn="l" rtl="0">
+              <a:lnSpc>
+                <a:spcPct val="115000"/>
+              </a:lnSpc>
+              <a:spcBef>
+                <a:spcPts val="1600"/>
+              </a:spcBef>
+              <a:spcAft>
+                <a:spcPts val="0"/>
+              </a:spcAft>
+              <a:buClr>
+                <a:schemeClr val="lt1"/>
+              </a:buClr>
+              <a:buSzPts val="1100"/>
+              <a:buFont typeface="Lato"/>
+              <a:buChar char="■"/>
+              <a:defRPr sz="1100" b="0" i="0" u="none" strike="noStrike" cap="none">
+                <a:solidFill>
+                  <a:schemeClr val="lt1"/>
+                </a:solidFill>
+                <a:latin typeface="Lato"/>
+                <a:ea typeface="Lato"/>
+                <a:cs typeface="Lato"/>
+                <a:sym typeface="Lato"/>
+              </a:defRPr>
+            </a:lvl3pPr>
+            <a:lvl4pPr marL="1828800" marR="0" lvl="3" indent="-298450" algn="l" rtl="0">
+              <a:lnSpc>
+                <a:spcPct val="115000"/>
+              </a:lnSpc>
+              <a:spcBef>
+                <a:spcPts val="1600"/>
+              </a:spcBef>
+              <a:spcAft>
+                <a:spcPts val="0"/>
+              </a:spcAft>
+              <a:buClr>
+                <a:schemeClr val="lt1"/>
+              </a:buClr>
+              <a:buSzPts val="1100"/>
+              <a:buFont typeface="Lato"/>
+              <a:buChar char="●"/>
+              <a:defRPr sz="1100" b="0" i="0" u="none" strike="noStrike" cap="none">
+                <a:solidFill>
+                  <a:schemeClr val="lt1"/>
+                </a:solidFill>
+                <a:latin typeface="Lato"/>
+                <a:ea typeface="Lato"/>
+                <a:cs typeface="Lato"/>
+                <a:sym typeface="Lato"/>
+              </a:defRPr>
+            </a:lvl4pPr>
+            <a:lvl5pPr marL="2286000" marR="0" lvl="4" indent="-298450" algn="l" rtl="0">
+              <a:lnSpc>
+                <a:spcPct val="115000"/>
+              </a:lnSpc>
+              <a:spcBef>
+                <a:spcPts val="1600"/>
+              </a:spcBef>
+              <a:spcAft>
+                <a:spcPts val="0"/>
+              </a:spcAft>
+              <a:buClr>
+                <a:schemeClr val="lt1"/>
+              </a:buClr>
+              <a:buSzPts val="1100"/>
+              <a:buFont typeface="Lato"/>
+              <a:buChar char="○"/>
+              <a:defRPr sz="1100" b="0" i="0" u="none" strike="noStrike" cap="none">
+                <a:solidFill>
+                  <a:schemeClr val="lt1"/>
+                </a:solidFill>
+                <a:latin typeface="Lato"/>
+                <a:ea typeface="Lato"/>
+                <a:cs typeface="Lato"/>
+                <a:sym typeface="Lato"/>
+              </a:defRPr>
+            </a:lvl5pPr>
+            <a:lvl6pPr marL="2743200" marR="0" lvl="5" indent="-298450" algn="l" rtl="0">
+              <a:lnSpc>
+                <a:spcPct val="115000"/>
+              </a:lnSpc>
+              <a:spcBef>
+                <a:spcPts val="1600"/>
+              </a:spcBef>
+              <a:spcAft>
+                <a:spcPts val="0"/>
+              </a:spcAft>
+              <a:buClr>
+                <a:schemeClr val="lt1"/>
+              </a:buClr>
+              <a:buSzPts val="1100"/>
+              <a:buFont typeface="Lato"/>
+              <a:buChar char="■"/>
+              <a:defRPr sz="1100" b="0" i="0" u="none" strike="noStrike" cap="none">
+                <a:solidFill>
+                  <a:schemeClr val="lt1"/>
+                </a:solidFill>
+                <a:latin typeface="Lato"/>
+                <a:ea typeface="Lato"/>
+                <a:cs typeface="Lato"/>
+                <a:sym typeface="Lato"/>
+              </a:defRPr>
+            </a:lvl6pPr>
+            <a:lvl7pPr marL="3200400" marR="0" lvl="6" indent="-298450" algn="l" rtl="0">
+              <a:lnSpc>
+                <a:spcPct val="115000"/>
+              </a:lnSpc>
+              <a:spcBef>
+                <a:spcPts val="1600"/>
+              </a:spcBef>
+              <a:spcAft>
+                <a:spcPts val="0"/>
+              </a:spcAft>
+              <a:buClr>
+                <a:schemeClr val="lt1"/>
+              </a:buClr>
+              <a:buSzPts val="1100"/>
+              <a:buFont typeface="Lato"/>
+              <a:buChar char="●"/>
+              <a:defRPr sz="1100" b="0" i="0" u="none" strike="noStrike" cap="none">
+                <a:solidFill>
+                  <a:schemeClr val="lt1"/>
+                </a:solidFill>
+                <a:latin typeface="Lato"/>
+                <a:ea typeface="Lato"/>
+                <a:cs typeface="Lato"/>
+                <a:sym typeface="Lato"/>
+              </a:defRPr>
+            </a:lvl7pPr>
+            <a:lvl8pPr marL="3657600" marR="0" lvl="7" indent="-298450" algn="l" rtl="0">
+              <a:lnSpc>
+                <a:spcPct val="115000"/>
+              </a:lnSpc>
+              <a:spcBef>
+                <a:spcPts val="1600"/>
+              </a:spcBef>
+              <a:spcAft>
+                <a:spcPts val="0"/>
+              </a:spcAft>
+              <a:buClr>
+                <a:schemeClr val="lt1"/>
+              </a:buClr>
+              <a:buSzPts val="1100"/>
+              <a:buFont typeface="Lato"/>
+              <a:buChar char="○"/>
+              <a:defRPr sz="1100" b="0" i="0" u="none" strike="noStrike" cap="none">
+                <a:solidFill>
+                  <a:schemeClr val="lt1"/>
+                </a:solidFill>
+                <a:latin typeface="Lato"/>
+                <a:ea typeface="Lato"/>
+                <a:cs typeface="Lato"/>
+                <a:sym typeface="Lato"/>
+              </a:defRPr>
+            </a:lvl8pPr>
+            <a:lvl9pPr marL="4114800" marR="0" lvl="8" indent="-298450" algn="l" rtl="0">
+              <a:lnSpc>
+                <a:spcPct val="115000"/>
+              </a:lnSpc>
+              <a:spcBef>
+                <a:spcPts val="1600"/>
+              </a:spcBef>
+              <a:spcAft>
+                <a:spcPts val="1600"/>
+              </a:spcAft>
+              <a:buClr>
+                <a:schemeClr val="lt1"/>
+              </a:buClr>
+              <a:buSzPts val="1100"/>
+              <a:buFont typeface="Lato"/>
+              <a:buChar char="■"/>
+              <a:defRPr sz="1100" b="0" i="0" u="none" strike="noStrike" cap="none">
+                <a:solidFill>
+                  <a:schemeClr val="lt1"/>
+                </a:solidFill>
+                <a:latin typeface="Lato"/>
+                <a:ea typeface="Lato"/>
+                <a:cs typeface="Lato"/>
+                <a:sym typeface="Lato"/>
+              </a:defRPr>
+            </a:lvl9pPr>
+          </a:lstStyle>
+          <a:p>
+            <a:pPr marL="0" indent="0">
+              <a:buFont typeface="Lato"/>
+              <a:buNone/>
+            </a:pPr>
+            <a:r>
+              <a:rPr lang="en-GB" smtClean="0"/>
+              <a:t>Work/ tasks completed this week : </a:t>
+            </a:r>
+          </a:p>
+          <a:p>
+            <a:pPr marL="0" indent="0">
+              <a:spcBef>
+                <a:spcPts val="1600"/>
+              </a:spcBef>
+              <a:spcAft>
+                <a:spcPts val="1600"/>
+              </a:spcAft>
+              <a:buFont typeface="Lato"/>
+              <a:buNone/>
+            </a:pPr>
+            <a:endParaRPr lang="en-GB"/>
+          </a:p>
+        </p:txBody>
+      </p:sp>
+    </p:spTree>
+    <p:extLst>
+      <p:ext uri="{BB962C8B-B14F-4D97-AF65-F5344CB8AC3E}">
+        <p14:creationId xmlns:p14="http://schemas.microsoft.com/office/powerpoint/2010/main" val="1709425218"/>
+      </p:ext>
+    </p:extLst>
+  </p:cSld>
+  <p:clrMapOvr>
+    <a:masterClrMapping/>
+  </p:clrMapOvr>
+</p:sld>
+</file>
+
 <file path=ppt/theme/theme1.xml><?xml version="1.0" encoding="utf-8"?>
-<a:theme xmlns:a="http://schemas.openxmlformats.org/drawingml/2006/main" xmlns:r="http://schemas.openxmlformats.org/officeDocument/2006/relationships" name="Focus">
+<a:theme xmlns:a="http://schemas.openxmlformats.org/drawingml/2006/main" name="Focus">
   <a:themeElements>
     <a:clrScheme name="Focus">
       <a:dk1>
@@ -11269,11 +13381,13 @@
       </a:bgFillStyleLst>
     </a:fmtScheme>
   </a:themeElements>
+  <a:objectDefaults/>
+  <a:extraClrSchemeLst/>
 </a:theme>
 </file>
 
 <file path=ppt/theme/theme2.xml><?xml version="1.0" encoding="utf-8"?>
-<a:theme xmlns:a="http://schemas.openxmlformats.org/drawingml/2006/main" xmlns:r="http://schemas.openxmlformats.org/officeDocument/2006/relationships" name="Custom Theme">
+<a:theme xmlns:a="http://schemas.openxmlformats.org/drawingml/2006/main" name="Custom Theme">
   <a:themeElements>
     <a:clrScheme name="Default">
       <a:dk1>
@@ -11548,5 +13662,7 @@
       </a:bgFillStyleLst>
     </a:fmtScheme>
   </a:themeElements>
+  <a:objectDefaults/>
+  <a:extraClrSchemeLst/>
 </a:theme>
 </file>
--- a/Docs/Scrum management for Group Project.pptx
+++ b/Docs/Scrum management for Group Project.pptx
@@ -5,7 +5,7 @@
     <p:sldMasterId id="2147483659" r:id="rId1"/>
   </p:sldMasterIdLst>
   <p:notesMasterIdLst>
-    <p:notesMasterId r:id="rId9"/>
+    <p:notesMasterId r:id="rId11"/>
   </p:notesMasterIdLst>
   <p:sldIdLst>
     <p:sldId id="256" r:id="rId2"/>
@@ -14,7 +14,9 @@
     <p:sldId id="259" r:id="rId5"/>
     <p:sldId id="260" r:id="rId6"/>
     <p:sldId id="261" r:id="rId7"/>
-    <p:sldId id="262" r:id="rId8"/>
+    <p:sldId id="263" r:id="rId8"/>
+    <p:sldId id="262" r:id="rId9"/>
+    <p:sldId id="264" r:id="rId10"/>
   </p:sldIdLst>
   <p:sldSz cx="9144000" cy="5143500" type="screen16x9"/>
   <p:notesSz cx="6858000" cy="9144000"/>
@@ -247,6 +249,11 @@
       </a:defRPr>
     </a:lvl9pPr>
   </p:defaultTextStyle>
+  <p:extLst>
+    <p:ext uri="{EFAFB233-063F-42B5-8137-9DF3F51BA10A}">
+      <p15:sldGuideLst xmlns:p15="http://schemas.microsoft.com/office/powerpoint/2012/main"/>
+    </p:ext>
+  </p:extLst>
 </p:presentation>
 </file>
 
@@ -12245,21 +12252,26 @@
             <a:pPr marL="285750" indent="-285750"/>
             <a:r>
               <a:rPr lang="en-GB" dirty="0" smtClean="0"/>
-              <a:t>Speech to text and text to speech is not possible to incorporate so have been advised by sponsor to remove feature </a:t>
+              <a:t>Speech to text </a:t>
+            </a:r>
+            <a:r>
+              <a:rPr lang="en-GB" dirty="0" smtClean="0"/>
+              <a:t>is </a:t>
+            </a:r>
+            <a:r>
+              <a:rPr lang="en-GB" dirty="0" smtClean="0"/>
+              <a:t>not possible to incorporate so have been advised by sponsor to remove feature </a:t>
             </a:r>
           </a:p>
           <a:p>
             <a:pPr marL="285750" indent="-285750"/>
             <a:r>
               <a:rPr lang="en-GB" dirty="0" smtClean="0"/>
-              <a:t>Animation fitted to avatar </a:t>
+              <a:t>Blogs </a:t>
             </a:r>
-          </a:p>
-          <a:p>
-            <a:pPr marL="285750" indent="-285750"/>
             <a:r>
               <a:rPr lang="en-GB" dirty="0" smtClean="0"/>
-              <a:t>Blogs are now up to date with current progress </a:t>
+              <a:t>are now up to date with current progress </a:t>
             </a:r>
           </a:p>
         </p:txBody>
@@ -12278,6 +12290,1292 @@
 </file>
 
 <file path=ppt/slides/slide7.xml><?xml version="1.0" encoding="utf-8"?>
+<p:sld xmlns:a="http://schemas.openxmlformats.org/drawingml/2006/main" xmlns:r="http://schemas.openxmlformats.org/officeDocument/2006/relationships" xmlns:p="http://schemas.openxmlformats.org/presentationml/2006/main">
+  <p:cSld>
+    <p:spTree>
+      <p:nvGrpSpPr>
+        <p:cNvPr id="1" name=""/>
+        <p:cNvGrpSpPr/>
+        <p:nvPr/>
+      </p:nvGrpSpPr>
+      <p:grpSpPr>
+        <a:xfrm>
+          <a:off x="0" y="0"/>
+          <a:ext cx="0" cy="0"/>
+          <a:chOff x="0" y="0"/>
+          <a:chExt cx="0" cy="0"/>
+        </a:xfrm>
+      </p:grpSpPr>
+      <p:sp>
+        <p:nvSpPr>
+          <p:cNvPr id="4" name="Shape 165"/>
+          <p:cNvSpPr txBox="1">
+            <a:spLocks/>
+          </p:cNvSpPr>
+          <p:nvPr/>
+        </p:nvSpPr>
+        <p:spPr>
+          <a:xfrm>
+            <a:off x="311700" y="1307850"/>
+            <a:ext cx="4156800" cy="1710923"/>
+          </a:xfrm>
+          <a:prstGeom prst="rect">
+            <a:avLst/>
+          </a:prstGeom>
+          <a:noFill/>
+          <a:ln>
+            <a:noFill/>
+          </a:ln>
+        </p:spPr>
+        <p:txBody>
+          <a:bodyPr spcFirstLastPara="1" wrap="square" lIns="91425" tIns="91425" rIns="91425" bIns="91425" anchor="t" anchorCtr="0">
+            <a:noAutofit/>
+          </a:bodyPr>
+          <a:lstStyle>
+            <a:defPPr marR="0" lvl="0" algn="l" rtl="0">
+              <a:lnSpc>
+                <a:spcPct val="100000"/>
+              </a:lnSpc>
+              <a:spcBef>
+                <a:spcPts val="0"/>
+              </a:spcBef>
+              <a:spcAft>
+                <a:spcPts val="0"/>
+              </a:spcAft>
+            </a:defPPr>
+            <a:lvl1pPr marL="457200" marR="0" lvl="0" indent="-311150" algn="l" rtl="0">
+              <a:lnSpc>
+                <a:spcPct val="115000"/>
+              </a:lnSpc>
+              <a:spcBef>
+                <a:spcPts val="0"/>
+              </a:spcBef>
+              <a:spcAft>
+                <a:spcPts val="0"/>
+              </a:spcAft>
+              <a:buClr>
+                <a:schemeClr val="lt1"/>
+              </a:buClr>
+              <a:buSzPts val="1300"/>
+              <a:buFont typeface="Lato"/>
+              <a:buChar char="●"/>
+              <a:defRPr sz="1300" b="0" i="0" u="none" strike="noStrike" cap="none">
+                <a:solidFill>
+                  <a:schemeClr val="lt1"/>
+                </a:solidFill>
+                <a:latin typeface="Lato"/>
+                <a:ea typeface="Lato"/>
+                <a:cs typeface="Lato"/>
+                <a:sym typeface="Lato"/>
+              </a:defRPr>
+            </a:lvl1pPr>
+            <a:lvl2pPr marL="914400" marR="0" lvl="1" indent="-298450" algn="l" rtl="0">
+              <a:lnSpc>
+                <a:spcPct val="115000"/>
+              </a:lnSpc>
+              <a:spcBef>
+                <a:spcPts val="1600"/>
+              </a:spcBef>
+              <a:spcAft>
+                <a:spcPts val="0"/>
+              </a:spcAft>
+              <a:buClr>
+                <a:schemeClr val="lt1"/>
+              </a:buClr>
+              <a:buSzPts val="1100"/>
+              <a:buFont typeface="Lato"/>
+              <a:buChar char="○"/>
+              <a:defRPr sz="1100" b="0" i="0" u="none" strike="noStrike" cap="none">
+                <a:solidFill>
+                  <a:schemeClr val="lt1"/>
+                </a:solidFill>
+                <a:latin typeface="Lato"/>
+                <a:ea typeface="Lato"/>
+                <a:cs typeface="Lato"/>
+                <a:sym typeface="Lato"/>
+              </a:defRPr>
+            </a:lvl2pPr>
+            <a:lvl3pPr marL="1371600" marR="0" lvl="2" indent="-298450" algn="l" rtl="0">
+              <a:lnSpc>
+                <a:spcPct val="115000"/>
+              </a:lnSpc>
+              <a:spcBef>
+                <a:spcPts val="1600"/>
+              </a:spcBef>
+              <a:spcAft>
+                <a:spcPts val="0"/>
+              </a:spcAft>
+              <a:buClr>
+                <a:schemeClr val="lt1"/>
+              </a:buClr>
+              <a:buSzPts val="1100"/>
+              <a:buFont typeface="Lato"/>
+              <a:buChar char="■"/>
+              <a:defRPr sz="1100" b="0" i="0" u="none" strike="noStrike" cap="none">
+                <a:solidFill>
+                  <a:schemeClr val="lt1"/>
+                </a:solidFill>
+                <a:latin typeface="Lato"/>
+                <a:ea typeface="Lato"/>
+                <a:cs typeface="Lato"/>
+                <a:sym typeface="Lato"/>
+              </a:defRPr>
+            </a:lvl3pPr>
+            <a:lvl4pPr marL="1828800" marR="0" lvl="3" indent="-298450" algn="l" rtl="0">
+              <a:lnSpc>
+                <a:spcPct val="115000"/>
+              </a:lnSpc>
+              <a:spcBef>
+                <a:spcPts val="1600"/>
+              </a:spcBef>
+              <a:spcAft>
+                <a:spcPts val="0"/>
+              </a:spcAft>
+              <a:buClr>
+                <a:schemeClr val="lt1"/>
+              </a:buClr>
+              <a:buSzPts val="1100"/>
+              <a:buFont typeface="Lato"/>
+              <a:buChar char="●"/>
+              <a:defRPr sz="1100" b="0" i="0" u="none" strike="noStrike" cap="none">
+                <a:solidFill>
+                  <a:schemeClr val="lt1"/>
+                </a:solidFill>
+                <a:latin typeface="Lato"/>
+                <a:ea typeface="Lato"/>
+                <a:cs typeface="Lato"/>
+                <a:sym typeface="Lato"/>
+              </a:defRPr>
+            </a:lvl4pPr>
+            <a:lvl5pPr marL="2286000" marR="0" lvl="4" indent="-298450" algn="l" rtl="0">
+              <a:lnSpc>
+                <a:spcPct val="115000"/>
+              </a:lnSpc>
+              <a:spcBef>
+                <a:spcPts val="1600"/>
+              </a:spcBef>
+              <a:spcAft>
+                <a:spcPts val="0"/>
+              </a:spcAft>
+              <a:buClr>
+                <a:schemeClr val="lt1"/>
+              </a:buClr>
+              <a:buSzPts val="1100"/>
+              <a:buFont typeface="Lato"/>
+              <a:buChar char="○"/>
+              <a:defRPr sz="1100" b="0" i="0" u="none" strike="noStrike" cap="none">
+                <a:solidFill>
+                  <a:schemeClr val="lt1"/>
+                </a:solidFill>
+                <a:latin typeface="Lato"/>
+                <a:ea typeface="Lato"/>
+                <a:cs typeface="Lato"/>
+                <a:sym typeface="Lato"/>
+              </a:defRPr>
+            </a:lvl5pPr>
+            <a:lvl6pPr marL="2743200" marR="0" lvl="5" indent="-298450" algn="l" rtl="0">
+              <a:lnSpc>
+                <a:spcPct val="115000"/>
+              </a:lnSpc>
+              <a:spcBef>
+                <a:spcPts val="1600"/>
+              </a:spcBef>
+              <a:spcAft>
+                <a:spcPts val="0"/>
+              </a:spcAft>
+              <a:buClr>
+                <a:schemeClr val="lt1"/>
+              </a:buClr>
+              <a:buSzPts val="1100"/>
+              <a:buFont typeface="Lato"/>
+              <a:buChar char="■"/>
+              <a:defRPr sz="1100" b="0" i="0" u="none" strike="noStrike" cap="none">
+                <a:solidFill>
+                  <a:schemeClr val="lt1"/>
+                </a:solidFill>
+                <a:latin typeface="Lato"/>
+                <a:ea typeface="Lato"/>
+                <a:cs typeface="Lato"/>
+                <a:sym typeface="Lato"/>
+              </a:defRPr>
+            </a:lvl6pPr>
+            <a:lvl7pPr marL="3200400" marR="0" lvl="6" indent="-298450" algn="l" rtl="0">
+              <a:lnSpc>
+                <a:spcPct val="115000"/>
+              </a:lnSpc>
+              <a:spcBef>
+                <a:spcPts val="1600"/>
+              </a:spcBef>
+              <a:spcAft>
+                <a:spcPts val="0"/>
+              </a:spcAft>
+              <a:buClr>
+                <a:schemeClr val="lt1"/>
+              </a:buClr>
+              <a:buSzPts val="1100"/>
+              <a:buFont typeface="Lato"/>
+              <a:buChar char="●"/>
+              <a:defRPr sz="1100" b="0" i="0" u="none" strike="noStrike" cap="none">
+                <a:solidFill>
+                  <a:schemeClr val="lt1"/>
+                </a:solidFill>
+                <a:latin typeface="Lato"/>
+                <a:ea typeface="Lato"/>
+                <a:cs typeface="Lato"/>
+                <a:sym typeface="Lato"/>
+              </a:defRPr>
+            </a:lvl7pPr>
+            <a:lvl8pPr marL="3657600" marR="0" lvl="7" indent="-298450" algn="l" rtl="0">
+              <a:lnSpc>
+                <a:spcPct val="115000"/>
+              </a:lnSpc>
+              <a:spcBef>
+                <a:spcPts val="1600"/>
+              </a:spcBef>
+              <a:spcAft>
+                <a:spcPts val="0"/>
+              </a:spcAft>
+              <a:buClr>
+                <a:schemeClr val="lt1"/>
+              </a:buClr>
+              <a:buSzPts val="1100"/>
+              <a:buFont typeface="Lato"/>
+              <a:buChar char="○"/>
+              <a:defRPr sz="1100" b="0" i="0" u="none" strike="noStrike" cap="none">
+                <a:solidFill>
+                  <a:schemeClr val="lt1"/>
+                </a:solidFill>
+                <a:latin typeface="Lato"/>
+                <a:ea typeface="Lato"/>
+                <a:cs typeface="Lato"/>
+                <a:sym typeface="Lato"/>
+              </a:defRPr>
+            </a:lvl8pPr>
+            <a:lvl9pPr marL="4114800" marR="0" lvl="8" indent="-298450" algn="l" rtl="0">
+              <a:lnSpc>
+                <a:spcPct val="115000"/>
+              </a:lnSpc>
+              <a:spcBef>
+                <a:spcPts val="1600"/>
+              </a:spcBef>
+              <a:spcAft>
+                <a:spcPts val="1600"/>
+              </a:spcAft>
+              <a:buClr>
+                <a:schemeClr val="lt1"/>
+              </a:buClr>
+              <a:buSzPts val="1100"/>
+              <a:buFont typeface="Lato"/>
+              <a:buChar char="■"/>
+              <a:defRPr sz="1100" b="0" i="0" u="none" strike="noStrike" cap="none">
+                <a:solidFill>
+                  <a:schemeClr val="lt1"/>
+                </a:solidFill>
+                <a:latin typeface="Lato"/>
+                <a:ea typeface="Lato"/>
+                <a:cs typeface="Lato"/>
+                <a:sym typeface="Lato"/>
+              </a:defRPr>
+            </a:lvl9pPr>
+          </a:lstStyle>
+          <a:p>
+            <a:pPr marL="0" indent="0">
+              <a:buFont typeface="Lato"/>
+              <a:buNone/>
+            </a:pPr>
+            <a:r>
+              <a:rPr lang="en-GB" dirty="0" smtClean="0"/>
+              <a:t>Objectives for the week: </a:t>
+            </a:r>
+          </a:p>
+          <a:p>
+            <a:pPr marL="285750" indent="-285750"/>
+            <a:r>
+              <a:rPr lang="en-GB" dirty="0" smtClean="0"/>
+              <a:t>Continue working on animation for the </a:t>
+            </a:r>
+            <a:r>
+              <a:rPr lang="en-GB" dirty="0"/>
+              <a:t>avatar </a:t>
+            </a:r>
+            <a:endParaRPr lang="en-GB" dirty="0" smtClean="0"/>
+          </a:p>
+          <a:p>
+            <a:pPr marL="285750" indent="-285750"/>
+            <a:r>
+              <a:rPr lang="en-GB" dirty="0" smtClean="0"/>
+              <a:t>Develop a demo Watson </a:t>
+            </a:r>
+            <a:r>
+              <a:rPr lang="en-GB" dirty="0" smtClean="0"/>
+              <a:t>personality service </a:t>
+            </a:r>
+            <a:endParaRPr lang="en-GB" dirty="0" smtClean="0"/>
+          </a:p>
+          <a:p>
+            <a:pPr marL="285750" indent="-285750"/>
+            <a:r>
+              <a:rPr lang="en-GB" dirty="0" smtClean="0"/>
+              <a:t>Develop a demo for text to speech</a:t>
+            </a:r>
+            <a:endParaRPr lang="en-GB" dirty="0" smtClean="0"/>
+          </a:p>
+          <a:p>
+            <a:pPr marL="0" indent="0">
+              <a:spcBef>
+                <a:spcPts val="1600"/>
+              </a:spcBef>
+              <a:spcAft>
+                <a:spcPts val="1600"/>
+              </a:spcAft>
+              <a:buFont typeface="Lato"/>
+              <a:buNone/>
+            </a:pPr>
+            <a:endParaRPr lang="en-GB" dirty="0"/>
+          </a:p>
+        </p:txBody>
+      </p:sp>
+      <p:sp>
+        <p:nvSpPr>
+          <p:cNvPr id="6" name="Shape 167"/>
+          <p:cNvSpPr txBox="1">
+            <a:spLocks/>
+          </p:cNvSpPr>
+          <p:nvPr/>
+        </p:nvSpPr>
+        <p:spPr>
+          <a:xfrm>
+            <a:off x="311700" y="3166775"/>
+            <a:ext cx="4156800" cy="1559100"/>
+          </a:xfrm>
+          <a:prstGeom prst="rect">
+            <a:avLst/>
+          </a:prstGeom>
+          <a:noFill/>
+          <a:ln>
+            <a:noFill/>
+          </a:ln>
+        </p:spPr>
+        <p:txBody>
+          <a:bodyPr spcFirstLastPara="1" wrap="square" lIns="91425" tIns="91425" rIns="91425" bIns="91425" anchor="t" anchorCtr="0">
+            <a:noAutofit/>
+          </a:bodyPr>
+          <a:lstStyle>
+            <a:defPPr marR="0" lvl="0" algn="l" rtl="0">
+              <a:lnSpc>
+                <a:spcPct val="100000"/>
+              </a:lnSpc>
+              <a:spcBef>
+                <a:spcPts val="0"/>
+              </a:spcBef>
+              <a:spcAft>
+                <a:spcPts val="0"/>
+              </a:spcAft>
+            </a:defPPr>
+            <a:lvl1pPr marL="457200" marR="0" lvl="0" indent="-311150" algn="l" rtl="0">
+              <a:lnSpc>
+                <a:spcPct val="115000"/>
+              </a:lnSpc>
+              <a:spcBef>
+                <a:spcPts val="0"/>
+              </a:spcBef>
+              <a:spcAft>
+                <a:spcPts val="0"/>
+              </a:spcAft>
+              <a:buClr>
+                <a:schemeClr val="lt1"/>
+              </a:buClr>
+              <a:buSzPts val="1300"/>
+              <a:buFont typeface="Lato"/>
+              <a:buChar char="●"/>
+              <a:defRPr sz="1300" b="0" i="0" u="none" strike="noStrike" cap="none">
+                <a:solidFill>
+                  <a:schemeClr val="lt1"/>
+                </a:solidFill>
+                <a:latin typeface="Lato"/>
+                <a:ea typeface="Lato"/>
+                <a:cs typeface="Lato"/>
+                <a:sym typeface="Lato"/>
+              </a:defRPr>
+            </a:lvl1pPr>
+            <a:lvl2pPr marL="914400" marR="0" lvl="1" indent="-298450" algn="l" rtl="0">
+              <a:lnSpc>
+                <a:spcPct val="115000"/>
+              </a:lnSpc>
+              <a:spcBef>
+                <a:spcPts val="1600"/>
+              </a:spcBef>
+              <a:spcAft>
+                <a:spcPts val="0"/>
+              </a:spcAft>
+              <a:buClr>
+                <a:schemeClr val="lt1"/>
+              </a:buClr>
+              <a:buSzPts val="1100"/>
+              <a:buFont typeface="Lato"/>
+              <a:buChar char="○"/>
+              <a:defRPr sz="1100" b="0" i="0" u="none" strike="noStrike" cap="none">
+                <a:solidFill>
+                  <a:schemeClr val="lt1"/>
+                </a:solidFill>
+                <a:latin typeface="Lato"/>
+                <a:ea typeface="Lato"/>
+                <a:cs typeface="Lato"/>
+                <a:sym typeface="Lato"/>
+              </a:defRPr>
+            </a:lvl2pPr>
+            <a:lvl3pPr marL="1371600" marR="0" lvl="2" indent="-298450" algn="l" rtl="0">
+              <a:lnSpc>
+                <a:spcPct val="115000"/>
+              </a:lnSpc>
+              <a:spcBef>
+                <a:spcPts val="1600"/>
+              </a:spcBef>
+              <a:spcAft>
+                <a:spcPts val="0"/>
+              </a:spcAft>
+              <a:buClr>
+                <a:schemeClr val="lt1"/>
+              </a:buClr>
+              <a:buSzPts val="1100"/>
+              <a:buFont typeface="Lato"/>
+              <a:buChar char="■"/>
+              <a:defRPr sz="1100" b="0" i="0" u="none" strike="noStrike" cap="none">
+                <a:solidFill>
+                  <a:schemeClr val="lt1"/>
+                </a:solidFill>
+                <a:latin typeface="Lato"/>
+                <a:ea typeface="Lato"/>
+                <a:cs typeface="Lato"/>
+                <a:sym typeface="Lato"/>
+              </a:defRPr>
+            </a:lvl3pPr>
+            <a:lvl4pPr marL="1828800" marR="0" lvl="3" indent="-298450" algn="l" rtl="0">
+              <a:lnSpc>
+                <a:spcPct val="115000"/>
+              </a:lnSpc>
+              <a:spcBef>
+                <a:spcPts val="1600"/>
+              </a:spcBef>
+              <a:spcAft>
+                <a:spcPts val="0"/>
+              </a:spcAft>
+              <a:buClr>
+                <a:schemeClr val="lt1"/>
+              </a:buClr>
+              <a:buSzPts val="1100"/>
+              <a:buFont typeface="Lato"/>
+              <a:buChar char="●"/>
+              <a:defRPr sz="1100" b="0" i="0" u="none" strike="noStrike" cap="none">
+                <a:solidFill>
+                  <a:schemeClr val="lt1"/>
+                </a:solidFill>
+                <a:latin typeface="Lato"/>
+                <a:ea typeface="Lato"/>
+                <a:cs typeface="Lato"/>
+                <a:sym typeface="Lato"/>
+              </a:defRPr>
+            </a:lvl4pPr>
+            <a:lvl5pPr marL="2286000" marR="0" lvl="4" indent="-298450" algn="l" rtl="0">
+              <a:lnSpc>
+                <a:spcPct val="115000"/>
+              </a:lnSpc>
+              <a:spcBef>
+                <a:spcPts val="1600"/>
+              </a:spcBef>
+              <a:spcAft>
+                <a:spcPts val="0"/>
+              </a:spcAft>
+              <a:buClr>
+                <a:schemeClr val="lt1"/>
+              </a:buClr>
+              <a:buSzPts val="1100"/>
+              <a:buFont typeface="Lato"/>
+              <a:buChar char="○"/>
+              <a:defRPr sz="1100" b="0" i="0" u="none" strike="noStrike" cap="none">
+                <a:solidFill>
+                  <a:schemeClr val="lt1"/>
+                </a:solidFill>
+                <a:latin typeface="Lato"/>
+                <a:ea typeface="Lato"/>
+                <a:cs typeface="Lato"/>
+                <a:sym typeface="Lato"/>
+              </a:defRPr>
+            </a:lvl5pPr>
+            <a:lvl6pPr marL="2743200" marR="0" lvl="5" indent="-298450" algn="l" rtl="0">
+              <a:lnSpc>
+                <a:spcPct val="115000"/>
+              </a:lnSpc>
+              <a:spcBef>
+                <a:spcPts val="1600"/>
+              </a:spcBef>
+              <a:spcAft>
+                <a:spcPts val="0"/>
+              </a:spcAft>
+              <a:buClr>
+                <a:schemeClr val="lt1"/>
+              </a:buClr>
+              <a:buSzPts val="1100"/>
+              <a:buFont typeface="Lato"/>
+              <a:buChar char="■"/>
+              <a:defRPr sz="1100" b="0" i="0" u="none" strike="noStrike" cap="none">
+                <a:solidFill>
+                  <a:schemeClr val="lt1"/>
+                </a:solidFill>
+                <a:latin typeface="Lato"/>
+                <a:ea typeface="Lato"/>
+                <a:cs typeface="Lato"/>
+                <a:sym typeface="Lato"/>
+              </a:defRPr>
+            </a:lvl6pPr>
+            <a:lvl7pPr marL="3200400" marR="0" lvl="6" indent="-298450" algn="l" rtl="0">
+              <a:lnSpc>
+                <a:spcPct val="115000"/>
+              </a:lnSpc>
+              <a:spcBef>
+                <a:spcPts val="1600"/>
+              </a:spcBef>
+              <a:spcAft>
+                <a:spcPts val="0"/>
+              </a:spcAft>
+              <a:buClr>
+                <a:schemeClr val="lt1"/>
+              </a:buClr>
+              <a:buSzPts val="1100"/>
+              <a:buFont typeface="Lato"/>
+              <a:buChar char="●"/>
+              <a:defRPr sz="1100" b="0" i="0" u="none" strike="noStrike" cap="none">
+                <a:solidFill>
+                  <a:schemeClr val="lt1"/>
+                </a:solidFill>
+                <a:latin typeface="Lato"/>
+                <a:ea typeface="Lato"/>
+                <a:cs typeface="Lato"/>
+                <a:sym typeface="Lato"/>
+              </a:defRPr>
+            </a:lvl7pPr>
+            <a:lvl8pPr marL="3657600" marR="0" lvl="7" indent="-298450" algn="l" rtl="0">
+              <a:lnSpc>
+                <a:spcPct val="115000"/>
+              </a:lnSpc>
+              <a:spcBef>
+                <a:spcPts val="1600"/>
+              </a:spcBef>
+              <a:spcAft>
+                <a:spcPts val="0"/>
+              </a:spcAft>
+              <a:buClr>
+                <a:schemeClr val="lt1"/>
+              </a:buClr>
+              <a:buSzPts val="1100"/>
+              <a:buFont typeface="Lato"/>
+              <a:buChar char="○"/>
+              <a:defRPr sz="1100" b="0" i="0" u="none" strike="noStrike" cap="none">
+                <a:solidFill>
+                  <a:schemeClr val="lt1"/>
+                </a:solidFill>
+                <a:latin typeface="Lato"/>
+                <a:ea typeface="Lato"/>
+                <a:cs typeface="Lato"/>
+                <a:sym typeface="Lato"/>
+              </a:defRPr>
+            </a:lvl8pPr>
+            <a:lvl9pPr marL="4114800" marR="0" lvl="8" indent="-298450" algn="l" rtl="0">
+              <a:lnSpc>
+                <a:spcPct val="115000"/>
+              </a:lnSpc>
+              <a:spcBef>
+                <a:spcPts val="1600"/>
+              </a:spcBef>
+              <a:spcAft>
+                <a:spcPts val="1600"/>
+              </a:spcAft>
+              <a:buClr>
+                <a:schemeClr val="lt1"/>
+              </a:buClr>
+              <a:buSzPts val="1100"/>
+              <a:buFont typeface="Lato"/>
+              <a:buChar char="■"/>
+              <a:defRPr sz="1100" b="0" i="0" u="none" strike="noStrike" cap="none">
+                <a:solidFill>
+                  <a:schemeClr val="lt1"/>
+                </a:solidFill>
+                <a:latin typeface="Lato"/>
+                <a:ea typeface="Lato"/>
+                <a:cs typeface="Lato"/>
+                <a:sym typeface="Lato"/>
+              </a:defRPr>
+            </a:lvl9pPr>
+          </a:lstStyle>
+          <a:p>
+            <a:pPr marL="0" indent="0">
+              <a:buFont typeface="Lato"/>
+              <a:buNone/>
+            </a:pPr>
+            <a:r>
+              <a:rPr lang="en-GB" dirty="0" smtClean="0"/>
+              <a:t>Work/ tasks completed this week : </a:t>
+            </a:r>
+          </a:p>
+          <a:p>
+            <a:pPr marL="285750" indent="-285750"/>
+            <a:r>
+              <a:rPr lang="en-GB" dirty="0" smtClean="0"/>
+              <a:t>Animation </a:t>
+            </a:r>
+            <a:r>
+              <a:rPr lang="en-GB" dirty="0" smtClean="0"/>
+              <a:t>fitted to avatar </a:t>
+            </a:r>
+            <a:endParaRPr lang="en-GB" dirty="0" smtClean="0"/>
+          </a:p>
+          <a:p>
+            <a:pPr marL="285750" indent="-285750"/>
+            <a:r>
+              <a:rPr lang="en-GB" dirty="0" smtClean="0"/>
+              <a:t>Personality insights demo created </a:t>
+            </a:r>
+            <a:r>
+              <a:rPr lang="mr-IN" dirty="0" smtClean="0"/>
+              <a:t>–</a:t>
+            </a:r>
+            <a:r>
+              <a:rPr lang="en-GB" dirty="0" smtClean="0"/>
+              <a:t> need way to gather all tweets </a:t>
+            </a:r>
+            <a:endParaRPr lang="en-GB" dirty="0" smtClean="0"/>
+          </a:p>
+        </p:txBody>
+      </p:sp>
+      <p:sp>
+        <p:nvSpPr>
+          <p:cNvPr id="7" name="Shape 166"/>
+          <p:cNvSpPr txBox="1">
+            <a:spLocks/>
+          </p:cNvSpPr>
+          <p:nvPr/>
+        </p:nvSpPr>
+        <p:spPr>
+          <a:xfrm>
+            <a:off x="4468500" y="1307850"/>
+            <a:ext cx="4237200" cy="1559100"/>
+          </a:xfrm>
+          <a:prstGeom prst="rect">
+            <a:avLst/>
+          </a:prstGeom>
+          <a:noFill/>
+          <a:ln>
+            <a:noFill/>
+          </a:ln>
+        </p:spPr>
+        <p:txBody>
+          <a:bodyPr spcFirstLastPara="1" wrap="square" lIns="91425" tIns="91425" rIns="91425" bIns="91425" anchor="t" anchorCtr="0">
+            <a:noAutofit/>
+          </a:bodyPr>
+          <a:lstStyle>
+            <a:defPPr marR="0" lvl="0" algn="l" rtl="0">
+              <a:lnSpc>
+                <a:spcPct val="100000"/>
+              </a:lnSpc>
+              <a:spcBef>
+                <a:spcPts val="0"/>
+              </a:spcBef>
+              <a:spcAft>
+                <a:spcPts val="0"/>
+              </a:spcAft>
+            </a:defPPr>
+            <a:lvl1pPr marL="457200" marR="0" lvl="0" indent="-311150" algn="l" rtl="0">
+              <a:lnSpc>
+                <a:spcPct val="115000"/>
+              </a:lnSpc>
+              <a:spcBef>
+                <a:spcPts val="0"/>
+              </a:spcBef>
+              <a:spcAft>
+                <a:spcPts val="0"/>
+              </a:spcAft>
+              <a:buClr>
+                <a:schemeClr val="lt1"/>
+              </a:buClr>
+              <a:buSzPts val="1300"/>
+              <a:buFont typeface="Lato"/>
+              <a:buChar char="●"/>
+              <a:defRPr sz="1300" b="0" i="0" u="none" strike="noStrike" cap="none">
+                <a:solidFill>
+                  <a:schemeClr val="lt1"/>
+                </a:solidFill>
+                <a:latin typeface="Lato"/>
+                <a:ea typeface="Lato"/>
+                <a:cs typeface="Lato"/>
+                <a:sym typeface="Lato"/>
+              </a:defRPr>
+            </a:lvl1pPr>
+            <a:lvl2pPr marL="914400" marR="0" lvl="1" indent="-298450" algn="l" rtl="0">
+              <a:lnSpc>
+                <a:spcPct val="115000"/>
+              </a:lnSpc>
+              <a:spcBef>
+                <a:spcPts val="1600"/>
+              </a:spcBef>
+              <a:spcAft>
+                <a:spcPts val="0"/>
+              </a:spcAft>
+              <a:buClr>
+                <a:schemeClr val="lt1"/>
+              </a:buClr>
+              <a:buSzPts val="1100"/>
+              <a:buFont typeface="Lato"/>
+              <a:buChar char="○"/>
+              <a:defRPr sz="1100" b="0" i="0" u="none" strike="noStrike" cap="none">
+                <a:solidFill>
+                  <a:schemeClr val="lt1"/>
+                </a:solidFill>
+                <a:latin typeface="Lato"/>
+                <a:ea typeface="Lato"/>
+                <a:cs typeface="Lato"/>
+                <a:sym typeface="Lato"/>
+              </a:defRPr>
+            </a:lvl2pPr>
+            <a:lvl3pPr marL="1371600" marR="0" lvl="2" indent="-298450" algn="l" rtl="0">
+              <a:lnSpc>
+                <a:spcPct val="115000"/>
+              </a:lnSpc>
+              <a:spcBef>
+                <a:spcPts val="1600"/>
+              </a:spcBef>
+              <a:spcAft>
+                <a:spcPts val="0"/>
+              </a:spcAft>
+              <a:buClr>
+                <a:schemeClr val="lt1"/>
+              </a:buClr>
+              <a:buSzPts val="1100"/>
+              <a:buFont typeface="Lato"/>
+              <a:buChar char="■"/>
+              <a:defRPr sz="1100" b="0" i="0" u="none" strike="noStrike" cap="none">
+                <a:solidFill>
+                  <a:schemeClr val="lt1"/>
+                </a:solidFill>
+                <a:latin typeface="Lato"/>
+                <a:ea typeface="Lato"/>
+                <a:cs typeface="Lato"/>
+                <a:sym typeface="Lato"/>
+              </a:defRPr>
+            </a:lvl3pPr>
+            <a:lvl4pPr marL="1828800" marR="0" lvl="3" indent="-298450" algn="l" rtl="0">
+              <a:lnSpc>
+                <a:spcPct val="115000"/>
+              </a:lnSpc>
+              <a:spcBef>
+                <a:spcPts val="1600"/>
+              </a:spcBef>
+              <a:spcAft>
+                <a:spcPts val="0"/>
+              </a:spcAft>
+              <a:buClr>
+                <a:schemeClr val="lt1"/>
+              </a:buClr>
+              <a:buSzPts val="1100"/>
+              <a:buFont typeface="Lato"/>
+              <a:buChar char="●"/>
+              <a:defRPr sz="1100" b="0" i="0" u="none" strike="noStrike" cap="none">
+                <a:solidFill>
+                  <a:schemeClr val="lt1"/>
+                </a:solidFill>
+                <a:latin typeface="Lato"/>
+                <a:ea typeface="Lato"/>
+                <a:cs typeface="Lato"/>
+                <a:sym typeface="Lato"/>
+              </a:defRPr>
+            </a:lvl4pPr>
+            <a:lvl5pPr marL="2286000" marR="0" lvl="4" indent="-298450" algn="l" rtl="0">
+              <a:lnSpc>
+                <a:spcPct val="115000"/>
+              </a:lnSpc>
+              <a:spcBef>
+                <a:spcPts val="1600"/>
+              </a:spcBef>
+              <a:spcAft>
+                <a:spcPts val="0"/>
+              </a:spcAft>
+              <a:buClr>
+                <a:schemeClr val="lt1"/>
+              </a:buClr>
+              <a:buSzPts val="1100"/>
+              <a:buFont typeface="Lato"/>
+              <a:buChar char="○"/>
+              <a:defRPr sz="1100" b="0" i="0" u="none" strike="noStrike" cap="none">
+                <a:solidFill>
+                  <a:schemeClr val="lt1"/>
+                </a:solidFill>
+                <a:latin typeface="Lato"/>
+                <a:ea typeface="Lato"/>
+                <a:cs typeface="Lato"/>
+                <a:sym typeface="Lato"/>
+              </a:defRPr>
+            </a:lvl5pPr>
+            <a:lvl6pPr marL="2743200" marR="0" lvl="5" indent="-298450" algn="l" rtl="0">
+              <a:lnSpc>
+                <a:spcPct val="115000"/>
+              </a:lnSpc>
+              <a:spcBef>
+                <a:spcPts val="1600"/>
+              </a:spcBef>
+              <a:spcAft>
+                <a:spcPts val="0"/>
+              </a:spcAft>
+              <a:buClr>
+                <a:schemeClr val="lt1"/>
+              </a:buClr>
+              <a:buSzPts val="1100"/>
+              <a:buFont typeface="Lato"/>
+              <a:buChar char="■"/>
+              <a:defRPr sz="1100" b="0" i="0" u="none" strike="noStrike" cap="none">
+                <a:solidFill>
+                  <a:schemeClr val="lt1"/>
+                </a:solidFill>
+                <a:latin typeface="Lato"/>
+                <a:ea typeface="Lato"/>
+                <a:cs typeface="Lato"/>
+                <a:sym typeface="Lato"/>
+              </a:defRPr>
+            </a:lvl6pPr>
+            <a:lvl7pPr marL="3200400" marR="0" lvl="6" indent="-298450" algn="l" rtl="0">
+              <a:lnSpc>
+                <a:spcPct val="115000"/>
+              </a:lnSpc>
+              <a:spcBef>
+                <a:spcPts val="1600"/>
+              </a:spcBef>
+              <a:spcAft>
+                <a:spcPts val="0"/>
+              </a:spcAft>
+              <a:buClr>
+                <a:schemeClr val="lt1"/>
+              </a:buClr>
+              <a:buSzPts val="1100"/>
+              <a:buFont typeface="Lato"/>
+              <a:buChar char="●"/>
+              <a:defRPr sz="1100" b="0" i="0" u="none" strike="noStrike" cap="none">
+                <a:solidFill>
+                  <a:schemeClr val="lt1"/>
+                </a:solidFill>
+                <a:latin typeface="Lato"/>
+                <a:ea typeface="Lato"/>
+                <a:cs typeface="Lato"/>
+                <a:sym typeface="Lato"/>
+              </a:defRPr>
+            </a:lvl7pPr>
+            <a:lvl8pPr marL="3657600" marR="0" lvl="7" indent="-298450" algn="l" rtl="0">
+              <a:lnSpc>
+                <a:spcPct val="115000"/>
+              </a:lnSpc>
+              <a:spcBef>
+                <a:spcPts val="1600"/>
+              </a:spcBef>
+              <a:spcAft>
+                <a:spcPts val="0"/>
+              </a:spcAft>
+              <a:buClr>
+                <a:schemeClr val="lt1"/>
+              </a:buClr>
+              <a:buSzPts val="1100"/>
+              <a:buFont typeface="Lato"/>
+              <a:buChar char="○"/>
+              <a:defRPr sz="1100" b="0" i="0" u="none" strike="noStrike" cap="none">
+                <a:solidFill>
+                  <a:schemeClr val="lt1"/>
+                </a:solidFill>
+                <a:latin typeface="Lato"/>
+                <a:ea typeface="Lato"/>
+                <a:cs typeface="Lato"/>
+                <a:sym typeface="Lato"/>
+              </a:defRPr>
+            </a:lvl8pPr>
+            <a:lvl9pPr marL="4114800" marR="0" lvl="8" indent="-298450" algn="l" rtl="0">
+              <a:lnSpc>
+                <a:spcPct val="115000"/>
+              </a:lnSpc>
+              <a:spcBef>
+                <a:spcPts val="1600"/>
+              </a:spcBef>
+              <a:spcAft>
+                <a:spcPts val="1600"/>
+              </a:spcAft>
+              <a:buClr>
+                <a:schemeClr val="lt1"/>
+              </a:buClr>
+              <a:buSzPts val="1100"/>
+              <a:buFont typeface="Lato"/>
+              <a:buChar char="■"/>
+              <a:defRPr sz="1100" b="0" i="0" u="none" strike="noStrike" cap="none">
+                <a:solidFill>
+                  <a:schemeClr val="lt1"/>
+                </a:solidFill>
+                <a:latin typeface="Lato"/>
+                <a:ea typeface="Lato"/>
+                <a:cs typeface="Lato"/>
+                <a:sym typeface="Lato"/>
+              </a:defRPr>
+            </a:lvl9pPr>
+          </a:lstStyle>
+          <a:p>
+            <a:pPr marL="0" indent="0">
+              <a:buFont typeface="Lato"/>
+              <a:buNone/>
+            </a:pPr>
+            <a:r>
+              <a:rPr lang="en-GB" dirty="0" smtClean="0"/>
+              <a:t>Meetings to be held this week: </a:t>
+            </a:r>
+          </a:p>
+          <a:p>
+            <a:pPr marL="0" indent="0">
+              <a:spcBef>
+                <a:spcPts val="1600"/>
+              </a:spcBef>
+              <a:buNone/>
+            </a:pPr>
+            <a:r>
+              <a:rPr lang="en-GB" dirty="0" smtClean="0"/>
+              <a:t>Meeting with </a:t>
+            </a:r>
+            <a:r>
+              <a:rPr lang="en-GB" dirty="0" err="1" smtClean="0"/>
+              <a:t>gail</a:t>
+            </a:r>
+            <a:r>
+              <a:rPr lang="en-GB" dirty="0" smtClean="0"/>
+              <a:t> </a:t>
+            </a:r>
+            <a:r>
+              <a:rPr lang="en-GB" dirty="0"/>
+              <a:t>- 6/03/18</a:t>
+            </a:r>
+            <a:endParaRPr lang="en-GB" dirty="0" smtClean="0"/>
+          </a:p>
+          <a:p>
+            <a:pPr marL="0" indent="0">
+              <a:spcBef>
+                <a:spcPts val="1600"/>
+              </a:spcBef>
+              <a:spcAft>
+                <a:spcPts val="1600"/>
+              </a:spcAft>
+              <a:buFont typeface="Lato"/>
+              <a:buNone/>
+            </a:pPr>
+            <a:endParaRPr lang="en-GB" dirty="0"/>
+          </a:p>
+        </p:txBody>
+      </p:sp>
+      <p:sp>
+        <p:nvSpPr>
+          <p:cNvPr id="8" name="Shape 164"/>
+          <p:cNvSpPr txBox="1">
+            <a:spLocks/>
+          </p:cNvSpPr>
+          <p:nvPr/>
+        </p:nvSpPr>
+        <p:spPr>
+          <a:xfrm>
+            <a:off x="1297500" y="393750"/>
+            <a:ext cx="6868305" cy="914100"/>
+          </a:xfrm>
+          <a:prstGeom prst="rect">
+            <a:avLst/>
+          </a:prstGeom>
+          <a:noFill/>
+          <a:ln>
+            <a:noFill/>
+          </a:ln>
+        </p:spPr>
+        <p:txBody>
+          <a:bodyPr spcFirstLastPara="1" wrap="square" lIns="91425" tIns="91425" rIns="91425" bIns="91425" anchor="t" anchorCtr="0">
+            <a:noAutofit/>
+          </a:bodyPr>
+          <a:lstStyle>
+            <a:defPPr marR="0" lvl="0" algn="l" rtl="0">
+              <a:lnSpc>
+                <a:spcPct val="100000"/>
+              </a:lnSpc>
+              <a:spcBef>
+                <a:spcPts val="0"/>
+              </a:spcBef>
+              <a:spcAft>
+                <a:spcPts val="0"/>
+              </a:spcAft>
+            </a:defPPr>
+            <a:lvl1pPr marR="0" lvl="0" algn="l" rtl="0">
+              <a:lnSpc>
+                <a:spcPct val="100000"/>
+              </a:lnSpc>
+              <a:spcBef>
+                <a:spcPts val="0"/>
+              </a:spcBef>
+              <a:spcAft>
+                <a:spcPts val="0"/>
+              </a:spcAft>
+              <a:buClr>
+                <a:schemeClr val="lt1"/>
+              </a:buClr>
+              <a:buSzPts val="2400"/>
+              <a:buFont typeface="Montserrat"/>
+              <a:buNone/>
+              <a:defRPr sz="2400" b="0" i="0" u="none" strike="noStrike" cap="none">
+                <a:solidFill>
+                  <a:schemeClr val="lt1"/>
+                </a:solidFill>
+                <a:latin typeface="Montserrat"/>
+                <a:ea typeface="Montserrat"/>
+                <a:cs typeface="Montserrat"/>
+                <a:sym typeface="Montserrat"/>
+              </a:defRPr>
+            </a:lvl1pPr>
+            <a:lvl2pPr marR="0" lvl="1" algn="l" rtl="0">
+              <a:lnSpc>
+                <a:spcPct val="100000"/>
+              </a:lnSpc>
+              <a:spcBef>
+                <a:spcPts val="0"/>
+              </a:spcBef>
+              <a:spcAft>
+                <a:spcPts val="0"/>
+              </a:spcAft>
+              <a:buClr>
+                <a:schemeClr val="lt1"/>
+              </a:buClr>
+              <a:buSzPts val="2400"/>
+              <a:buFont typeface="Montserrat"/>
+              <a:buNone/>
+              <a:defRPr sz="2400" b="0" i="0" u="none" strike="noStrike" cap="none">
+                <a:solidFill>
+                  <a:schemeClr val="lt1"/>
+                </a:solidFill>
+                <a:latin typeface="Montserrat"/>
+                <a:ea typeface="Montserrat"/>
+                <a:cs typeface="Montserrat"/>
+                <a:sym typeface="Montserrat"/>
+              </a:defRPr>
+            </a:lvl2pPr>
+            <a:lvl3pPr marR="0" lvl="2" algn="l" rtl="0">
+              <a:lnSpc>
+                <a:spcPct val="100000"/>
+              </a:lnSpc>
+              <a:spcBef>
+                <a:spcPts val="0"/>
+              </a:spcBef>
+              <a:spcAft>
+                <a:spcPts val="0"/>
+              </a:spcAft>
+              <a:buClr>
+                <a:schemeClr val="lt1"/>
+              </a:buClr>
+              <a:buSzPts val="2400"/>
+              <a:buFont typeface="Montserrat"/>
+              <a:buNone/>
+              <a:defRPr sz="2400" b="0" i="0" u="none" strike="noStrike" cap="none">
+                <a:solidFill>
+                  <a:schemeClr val="lt1"/>
+                </a:solidFill>
+                <a:latin typeface="Montserrat"/>
+                <a:ea typeface="Montserrat"/>
+                <a:cs typeface="Montserrat"/>
+                <a:sym typeface="Montserrat"/>
+              </a:defRPr>
+            </a:lvl3pPr>
+            <a:lvl4pPr marR="0" lvl="3" algn="l" rtl="0">
+              <a:lnSpc>
+                <a:spcPct val="100000"/>
+              </a:lnSpc>
+              <a:spcBef>
+                <a:spcPts val="0"/>
+              </a:spcBef>
+              <a:spcAft>
+                <a:spcPts val="0"/>
+              </a:spcAft>
+              <a:buClr>
+                <a:schemeClr val="lt1"/>
+              </a:buClr>
+              <a:buSzPts val="2400"/>
+              <a:buFont typeface="Montserrat"/>
+              <a:buNone/>
+              <a:defRPr sz="2400" b="0" i="0" u="none" strike="noStrike" cap="none">
+                <a:solidFill>
+                  <a:schemeClr val="lt1"/>
+                </a:solidFill>
+                <a:latin typeface="Montserrat"/>
+                <a:ea typeface="Montserrat"/>
+                <a:cs typeface="Montserrat"/>
+                <a:sym typeface="Montserrat"/>
+              </a:defRPr>
+            </a:lvl4pPr>
+            <a:lvl5pPr marR="0" lvl="4" algn="l" rtl="0">
+              <a:lnSpc>
+                <a:spcPct val="100000"/>
+              </a:lnSpc>
+              <a:spcBef>
+                <a:spcPts val="0"/>
+              </a:spcBef>
+              <a:spcAft>
+                <a:spcPts val="0"/>
+              </a:spcAft>
+              <a:buClr>
+                <a:schemeClr val="lt1"/>
+              </a:buClr>
+              <a:buSzPts val="2400"/>
+              <a:buFont typeface="Montserrat"/>
+              <a:buNone/>
+              <a:defRPr sz="2400" b="0" i="0" u="none" strike="noStrike" cap="none">
+                <a:solidFill>
+                  <a:schemeClr val="lt1"/>
+                </a:solidFill>
+                <a:latin typeface="Montserrat"/>
+                <a:ea typeface="Montserrat"/>
+                <a:cs typeface="Montserrat"/>
+                <a:sym typeface="Montserrat"/>
+              </a:defRPr>
+            </a:lvl5pPr>
+            <a:lvl6pPr marR="0" lvl="5" algn="l" rtl="0">
+              <a:lnSpc>
+                <a:spcPct val="100000"/>
+              </a:lnSpc>
+              <a:spcBef>
+                <a:spcPts val="0"/>
+              </a:spcBef>
+              <a:spcAft>
+                <a:spcPts val="0"/>
+              </a:spcAft>
+              <a:buClr>
+                <a:schemeClr val="lt1"/>
+              </a:buClr>
+              <a:buSzPts val="2400"/>
+              <a:buFont typeface="Montserrat"/>
+              <a:buNone/>
+              <a:defRPr sz="2400" b="0" i="0" u="none" strike="noStrike" cap="none">
+                <a:solidFill>
+                  <a:schemeClr val="lt1"/>
+                </a:solidFill>
+                <a:latin typeface="Montserrat"/>
+                <a:ea typeface="Montserrat"/>
+                <a:cs typeface="Montserrat"/>
+                <a:sym typeface="Montserrat"/>
+              </a:defRPr>
+            </a:lvl6pPr>
+            <a:lvl7pPr marR="0" lvl="6" algn="l" rtl="0">
+              <a:lnSpc>
+                <a:spcPct val="100000"/>
+              </a:lnSpc>
+              <a:spcBef>
+                <a:spcPts val="0"/>
+              </a:spcBef>
+              <a:spcAft>
+                <a:spcPts val="0"/>
+              </a:spcAft>
+              <a:buClr>
+                <a:schemeClr val="lt1"/>
+              </a:buClr>
+              <a:buSzPts val="2400"/>
+              <a:buFont typeface="Montserrat"/>
+              <a:buNone/>
+              <a:defRPr sz="2400" b="0" i="0" u="none" strike="noStrike" cap="none">
+                <a:solidFill>
+                  <a:schemeClr val="lt1"/>
+                </a:solidFill>
+                <a:latin typeface="Montserrat"/>
+                <a:ea typeface="Montserrat"/>
+                <a:cs typeface="Montserrat"/>
+                <a:sym typeface="Montserrat"/>
+              </a:defRPr>
+            </a:lvl7pPr>
+            <a:lvl8pPr marR="0" lvl="7" algn="l" rtl="0">
+              <a:lnSpc>
+                <a:spcPct val="100000"/>
+              </a:lnSpc>
+              <a:spcBef>
+                <a:spcPts val="0"/>
+              </a:spcBef>
+              <a:spcAft>
+                <a:spcPts val="0"/>
+              </a:spcAft>
+              <a:buClr>
+                <a:schemeClr val="lt1"/>
+              </a:buClr>
+              <a:buSzPts val="2400"/>
+              <a:buFont typeface="Montserrat"/>
+              <a:buNone/>
+              <a:defRPr sz="2400" b="0" i="0" u="none" strike="noStrike" cap="none">
+                <a:solidFill>
+                  <a:schemeClr val="lt1"/>
+                </a:solidFill>
+                <a:latin typeface="Montserrat"/>
+                <a:ea typeface="Montserrat"/>
+                <a:cs typeface="Montserrat"/>
+                <a:sym typeface="Montserrat"/>
+              </a:defRPr>
+            </a:lvl8pPr>
+            <a:lvl9pPr marR="0" lvl="8" algn="l" rtl="0">
+              <a:lnSpc>
+                <a:spcPct val="100000"/>
+              </a:lnSpc>
+              <a:spcBef>
+                <a:spcPts val="0"/>
+              </a:spcBef>
+              <a:spcAft>
+                <a:spcPts val="0"/>
+              </a:spcAft>
+              <a:buClr>
+                <a:schemeClr val="lt1"/>
+              </a:buClr>
+              <a:buSzPts val="2400"/>
+              <a:buFont typeface="Montserrat"/>
+              <a:buNone/>
+              <a:defRPr sz="2400" b="0" i="0" u="none" strike="noStrike" cap="none">
+                <a:solidFill>
+                  <a:schemeClr val="lt1"/>
+                </a:solidFill>
+                <a:latin typeface="Montserrat"/>
+                <a:ea typeface="Montserrat"/>
+                <a:cs typeface="Montserrat"/>
+                <a:sym typeface="Montserrat"/>
+              </a:defRPr>
+            </a:lvl9pPr>
+          </a:lstStyle>
+          <a:p>
+            <a:r>
+              <a:rPr lang="en-US" dirty="0" err="1" smtClean="0"/>
+              <a:t>Wk</a:t>
+            </a:r>
+            <a:r>
+              <a:rPr lang="en-US" dirty="0" smtClean="0"/>
+              <a:t> beginning : </a:t>
+            </a:r>
+            <a:r>
+              <a:rPr lang="en-US" dirty="0" smtClean="0"/>
+              <a:t>05</a:t>
+            </a:r>
+            <a:r>
+              <a:rPr lang="en-US" dirty="0" smtClean="0"/>
+              <a:t>/03/18</a:t>
+            </a:r>
+            <a:endParaRPr lang="en-US" dirty="0"/>
+          </a:p>
+        </p:txBody>
+      </p:sp>
+    </p:spTree>
+    <p:extLst>
+      <p:ext uri="{BB962C8B-B14F-4D97-AF65-F5344CB8AC3E}">
+        <p14:creationId xmlns:p14="http://schemas.microsoft.com/office/powerpoint/2010/main" val="633732650"/>
+      </p:ext>
+    </p:extLst>
+  </p:cSld>
+  <p:clrMapOvr>
+    <a:masterClrMapping/>
+  </p:clrMapOvr>
+</p:sld>
+</file>
+
+<file path=ppt/slides/slide8.xml><?xml version="1.0" encoding="utf-8"?>
 <p:sld xmlns:a="http://schemas.openxmlformats.org/drawingml/2006/main" xmlns:r="http://schemas.openxmlformats.org/officeDocument/2006/relationships" xmlns:p="http://schemas.openxmlformats.org/presentationml/2006/main">
   <p:cSld>
     <p:spTree>
@@ -12338,7 +13636,7 @@
             </a:r>
             <a:r>
               <a:rPr lang="en-GB" dirty="0" smtClean="0"/>
-              <a:t>5</a:t>
+              <a:t>12</a:t>
             </a:r>
             <a:r>
               <a:rPr lang="en-GB" dirty="0" smtClean="0"/>
@@ -12777,7 +14075,7 @@
             </a:pPr>
             <a:r>
               <a:rPr lang="en-GB" dirty="0" smtClean="0"/>
-              <a:t>Group meetings - 22/02/18			     </a:t>
+              <a:t>Group meetings - 			     </a:t>
             </a:r>
           </a:p>
           <a:p>
@@ -13096,6 +14394,64 @@
     <p:extLst>
       <p:ext uri="{BB962C8B-B14F-4D97-AF65-F5344CB8AC3E}">
         <p14:creationId xmlns:p14="http://schemas.microsoft.com/office/powerpoint/2010/main" val="1709425218"/>
+      </p:ext>
+    </p:extLst>
+  </p:cSld>
+  <p:clrMapOvr>
+    <a:masterClrMapping/>
+  </p:clrMapOvr>
+</p:sld>
+</file>
+
+<file path=ppt/slides/slide9.xml><?xml version="1.0" encoding="utf-8"?>
+<p:sld xmlns:a="http://schemas.openxmlformats.org/drawingml/2006/main" xmlns:r="http://schemas.openxmlformats.org/officeDocument/2006/relationships" xmlns:p="http://schemas.openxmlformats.org/presentationml/2006/main">
+  <p:cSld>
+    <p:spTree>
+      <p:nvGrpSpPr>
+        <p:cNvPr id="1" name=""/>
+        <p:cNvGrpSpPr/>
+        <p:nvPr/>
+      </p:nvGrpSpPr>
+      <p:grpSpPr>
+        <a:xfrm>
+          <a:off x="0" y="0"/>
+          <a:ext cx="0" cy="0"/>
+          <a:chOff x="0" y="0"/>
+          <a:chExt cx="0" cy="0"/>
+        </a:xfrm>
+      </p:grpSpPr>
+      <p:sp>
+        <p:nvSpPr>
+          <p:cNvPr id="2" name="Title 1"/>
+          <p:cNvSpPr>
+            <a:spLocks noGrp="1"/>
+          </p:cNvSpPr>
+          <p:nvPr>
+            <p:ph type="title"/>
+          </p:nvPr>
+        </p:nvSpPr>
+        <p:spPr>
+          <a:xfrm>
+            <a:off x="797443" y="1595230"/>
+            <a:ext cx="7730344" cy="914100"/>
+          </a:xfrm>
+        </p:spPr>
+        <p:txBody>
+          <a:bodyPr/>
+          <a:lstStyle/>
+          <a:p>
+            <a:r>
+              <a:rPr lang="en-US" sz="11500" dirty="0" smtClean="0"/>
+              <a:t>Easter Break</a:t>
+            </a:r>
+            <a:endParaRPr lang="en-US" sz="11500" dirty="0"/>
+          </a:p>
+        </p:txBody>
+      </p:sp>
+    </p:spTree>
+    <p:extLst>
+      <p:ext uri="{BB962C8B-B14F-4D97-AF65-F5344CB8AC3E}">
+        <p14:creationId xmlns:p14="http://schemas.microsoft.com/office/powerpoint/2010/main" val="572507641"/>
       </p:ext>
     </p:extLst>
   </p:cSld>
